--- a/PatelSankaraguru.pptx
+++ b/PatelSankaraguru.pptx
@@ -1,24 +1,33 @@
 
 <file path=ppt/presentation.xml><?xml version="1.0" encoding="utf-8"?>
-<p:presentation xmlns:a="http://schemas.openxmlformats.org/drawingml/2006/main" xmlns:r="http://schemas.openxmlformats.org/officeDocument/2006/relationships" xmlns:p="http://schemas.openxmlformats.org/presentationml/2006/main" autoCompressPictures="0">
+<p:presentation xmlns:a="http://schemas.openxmlformats.org/drawingml/2006/main" xmlns:r="http://schemas.openxmlformats.org/officeDocument/2006/relationships" xmlns:p="http://schemas.openxmlformats.org/presentationml/2006/main" saveSubsetFonts="1" autoCompressPictures="0">
   <p:sldMasterIdLst>
     <p:sldMasterId id="2147483648" r:id="rId1"/>
   </p:sldMasterIdLst>
+  <p:notesMasterIdLst>
+    <p:notesMasterId r:id="rId22"/>
+  </p:notesMasterIdLst>
   <p:sldIdLst>
     <p:sldId id="256" r:id="rId2"/>
     <p:sldId id="265" r:id="rId3"/>
-    <p:sldId id="257" r:id="rId4"/>
-    <p:sldId id="258" r:id="rId5"/>
-    <p:sldId id="259" r:id="rId6"/>
-    <p:sldId id="260" r:id="rId7"/>
-    <p:sldId id="261" r:id="rId8"/>
-    <p:sldId id="264" r:id="rId9"/>
-    <p:sldId id="262" r:id="rId10"/>
-    <p:sldId id="263" r:id="rId11"/>
-    <p:sldId id="266" r:id="rId12"/>
-    <p:sldId id="267" r:id="rId13"/>
-    <p:sldId id="268" r:id="rId14"/>
-    <p:sldId id="269" r:id="rId15"/>
+    <p:sldId id="272" r:id="rId4"/>
+    <p:sldId id="257" r:id="rId5"/>
+    <p:sldId id="258" r:id="rId6"/>
+    <p:sldId id="270" r:id="rId7"/>
+    <p:sldId id="259" r:id="rId8"/>
+    <p:sldId id="260" r:id="rId9"/>
+    <p:sldId id="271" r:id="rId10"/>
+    <p:sldId id="261" r:id="rId11"/>
+    <p:sldId id="264" r:id="rId12"/>
+    <p:sldId id="274" r:id="rId13"/>
+    <p:sldId id="273" r:id="rId14"/>
+    <p:sldId id="262" r:id="rId15"/>
+    <p:sldId id="275" r:id="rId16"/>
+    <p:sldId id="276" r:id="rId17"/>
+    <p:sldId id="278" r:id="rId18"/>
+    <p:sldId id="277" r:id="rId19"/>
+    <p:sldId id="269" r:id="rId20"/>
+    <p:sldId id="279" r:id="rId21"/>
   </p:sldIdLst>
   <p:sldSz cx="12192000" cy="6858000"/>
   <p:notesSz cx="6858000" cy="9144000"/>
@@ -117,7 +126,6898 @@
       </a:defRPr>
     </a:lvl9pPr>
   </p:defaultTextStyle>
+  <p:extLst>
+    <p:ext uri="{EFAFB233-063F-42B5-8137-9DF3F51BA10A}">
+      <p15:sldGuideLst xmlns:p15="http://schemas.microsoft.com/office/powerpoint/2012/main"/>
+    </p:ext>
+  </p:extLst>
 </p:presentation>
+</file>
+
+<file path=ppt/diagrams/colors1.xml><?xml version="1.0" encoding="utf-8"?>
+<dgm:colorsDef xmlns:dgm="http://schemas.openxmlformats.org/drawingml/2006/diagram" xmlns:a="http://schemas.openxmlformats.org/drawingml/2006/main" uniqueId="urn:microsoft.com/office/officeart/2005/8/colors/accent1_2">
+  <dgm:title val=""/>
+  <dgm:desc val=""/>
+  <dgm:catLst>
+    <dgm:cat type="accent1" pri="11200"/>
+  </dgm:catLst>
+  <dgm:styleLbl name="node0">
+    <dgm:fillClrLst meth="repeat">
+      <a:schemeClr val="accent1"/>
+    </dgm:fillClrLst>
+    <dgm:linClrLst meth="repeat">
+      <a:schemeClr val="lt1"/>
+    </dgm:linClrLst>
+    <dgm:effectClrLst/>
+    <dgm:txLinClrLst/>
+    <dgm:txFillClrLst/>
+    <dgm:txEffectClrLst/>
+  </dgm:styleLbl>
+  <dgm:styleLbl name="alignNode1">
+    <dgm:fillClrLst meth="repeat">
+      <a:schemeClr val="accent1"/>
+    </dgm:fillClrLst>
+    <dgm:linClrLst meth="repeat">
+      <a:schemeClr val="accent1"/>
+    </dgm:linClrLst>
+    <dgm:effectClrLst/>
+    <dgm:txLinClrLst/>
+    <dgm:txFillClrLst/>
+    <dgm:txEffectClrLst/>
+  </dgm:styleLbl>
+  <dgm:styleLbl name="node1">
+    <dgm:fillClrLst meth="repeat">
+      <a:schemeClr val="accent1"/>
+    </dgm:fillClrLst>
+    <dgm:linClrLst meth="repeat">
+      <a:schemeClr val="lt1"/>
+    </dgm:linClrLst>
+    <dgm:effectClrLst/>
+    <dgm:txLinClrLst/>
+    <dgm:txFillClrLst/>
+    <dgm:txEffectClrLst/>
+  </dgm:styleLbl>
+  <dgm:styleLbl name="lnNode1">
+    <dgm:fillClrLst meth="repeat">
+      <a:schemeClr val="accent1"/>
+    </dgm:fillClrLst>
+    <dgm:linClrLst meth="repeat">
+      <a:schemeClr val="lt1"/>
+    </dgm:linClrLst>
+    <dgm:effectClrLst/>
+    <dgm:txLinClrLst/>
+    <dgm:txFillClrLst/>
+    <dgm:txEffectClrLst/>
+  </dgm:styleLbl>
+  <dgm:styleLbl name="vennNode1">
+    <dgm:fillClrLst meth="repeat">
+      <a:schemeClr val="accent1">
+        <a:alpha val="50000"/>
+      </a:schemeClr>
+    </dgm:fillClrLst>
+    <dgm:linClrLst meth="repeat">
+      <a:schemeClr val="lt1"/>
+    </dgm:linClrLst>
+    <dgm:effectClrLst/>
+    <dgm:txLinClrLst/>
+    <dgm:txFillClrLst/>
+    <dgm:txEffectClrLst/>
+  </dgm:styleLbl>
+  <dgm:styleLbl name="node2">
+    <dgm:fillClrLst meth="repeat">
+      <a:schemeClr val="accent1"/>
+    </dgm:fillClrLst>
+    <dgm:linClrLst meth="repeat">
+      <a:schemeClr val="lt1"/>
+    </dgm:linClrLst>
+    <dgm:effectClrLst/>
+    <dgm:txLinClrLst/>
+    <dgm:txFillClrLst/>
+    <dgm:txEffectClrLst/>
+  </dgm:styleLbl>
+  <dgm:styleLbl name="node3">
+    <dgm:fillClrLst meth="repeat">
+      <a:schemeClr val="accent1"/>
+    </dgm:fillClrLst>
+    <dgm:linClrLst meth="repeat">
+      <a:schemeClr val="lt1"/>
+    </dgm:linClrLst>
+    <dgm:effectClrLst/>
+    <dgm:txLinClrLst/>
+    <dgm:txFillClrLst/>
+    <dgm:txEffectClrLst/>
+  </dgm:styleLbl>
+  <dgm:styleLbl name="node4">
+    <dgm:fillClrLst meth="repeat">
+      <a:schemeClr val="accent1"/>
+    </dgm:fillClrLst>
+    <dgm:linClrLst meth="repeat">
+      <a:schemeClr val="lt1"/>
+    </dgm:linClrLst>
+    <dgm:effectClrLst/>
+    <dgm:txLinClrLst/>
+    <dgm:txFillClrLst/>
+    <dgm:txEffectClrLst/>
+  </dgm:styleLbl>
+  <dgm:styleLbl name="fgImgPlace1">
+    <dgm:fillClrLst meth="repeat">
+      <a:schemeClr val="accent1">
+        <a:tint val="50000"/>
+      </a:schemeClr>
+    </dgm:fillClrLst>
+    <dgm:linClrLst meth="repeat">
+      <a:schemeClr val="lt1"/>
+    </dgm:linClrLst>
+    <dgm:effectClrLst/>
+    <dgm:txLinClrLst/>
+    <dgm:txFillClrLst meth="repeat">
+      <a:schemeClr val="lt1"/>
+    </dgm:txFillClrLst>
+    <dgm:txEffectClrLst/>
+  </dgm:styleLbl>
+  <dgm:styleLbl name="alignImgPlace1">
+    <dgm:fillClrLst meth="repeat">
+      <a:schemeClr val="accent1">
+        <a:tint val="50000"/>
+      </a:schemeClr>
+    </dgm:fillClrLst>
+    <dgm:linClrLst meth="repeat">
+      <a:schemeClr val="lt1"/>
+    </dgm:linClrLst>
+    <dgm:effectClrLst/>
+    <dgm:txLinClrLst/>
+    <dgm:txFillClrLst meth="repeat">
+      <a:schemeClr val="lt1"/>
+    </dgm:txFillClrLst>
+    <dgm:txEffectClrLst/>
+  </dgm:styleLbl>
+  <dgm:styleLbl name="bgImgPlace1">
+    <dgm:fillClrLst meth="repeat">
+      <a:schemeClr val="accent1">
+        <a:tint val="50000"/>
+      </a:schemeClr>
+    </dgm:fillClrLst>
+    <dgm:linClrLst meth="repeat">
+      <a:schemeClr val="lt1"/>
+    </dgm:linClrLst>
+    <dgm:effectClrLst/>
+    <dgm:txLinClrLst/>
+    <dgm:txFillClrLst meth="repeat">
+      <a:schemeClr val="lt1"/>
+    </dgm:txFillClrLst>
+    <dgm:txEffectClrLst/>
+  </dgm:styleLbl>
+  <dgm:styleLbl name="sibTrans2D1">
+    <dgm:fillClrLst meth="repeat">
+      <a:schemeClr val="accent1">
+        <a:tint val="60000"/>
+      </a:schemeClr>
+    </dgm:fillClrLst>
+    <dgm:linClrLst meth="repeat">
+      <a:schemeClr val="accent1">
+        <a:tint val="60000"/>
+      </a:schemeClr>
+    </dgm:linClrLst>
+    <dgm:effectClrLst/>
+    <dgm:txLinClrLst/>
+    <dgm:txFillClrLst/>
+    <dgm:txEffectClrLst/>
+  </dgm:styleLbl>
+  <dgm:styleLbl name="fgSibTrans2D1">
+    <dgm:fillClrLst meth="repeat">
+      <a:schemeClr val="accent1">
+        <a:tint val="60000"/>
+      </a:schemeClr>
+    </dgm:fillClrLst>
+    <dgm:linClrLst meth="repeat">
+      <a:schemeClr val="accent1">
+        <a:tint val="60000"/>
+      </a:schemeClr>
+    </dgm:linClrLst>
+    <dgm:effectClrLst/>
+    <dgm:txLinClrLst/>
+    <dgm:txFillClrLst/>
+    <dgm:txEffectClrLst/>
+  </dgm:styleLbl>
+  <dgm:styleLbl name="bgSibTrans2D1">
+    <dgm:fillClrLst meth="repeat">
+      <a:schemeClr val="accent1">
+        <a:tint val="60000"/>
+      </a:schemeClr>
+    </dgm:fillClrLst>
+    <dgm:linClrLst meth="repeat">
+      <a:schemeClr val="accent1">
+        <a:tint val="60000"/>
+      </a:schemeClr>
+    </dgm:linClrLst>
+    <dgm:effectClrLst/>
+    <dgm:txLinClrLst/>
+    <dgm:txFillClrLst/>
+    <dgm:txEffectClrLst/>
+  </dgm:styleLbl>
+  <dgm:styleLbl name="sibTrans1D1">
+    <dgm:fillClrLst meth="repeat">
+      <a:schemeClr val="accent1"/>
+    </dgm:fillClrLst>
+    <dgm:linClrLst meth="repeat">
+      <a:schemeClr val="accent1"/>
+    </dgm:linClrLst>
+    <dgm:effectClrLst/>
+    <dgm:txLinClrLst/>
+    <dgm:txFillClrLst meth="repeat">
+      <a:schemeClr val="tx1"/>
+    </dgm:txFillClrLst>
+    <dgm:txEffectClrLst/>
+  </dgm:styleLbl>
+  <dgm:styleLbl name="callout">
+    <dgm:fillClrLst meth="repeat">
+      <a:schemeClr val="accent1"/>
+    </dgm:fillClrLst>
+    <dgm:linClrLst meth="repeat">
+      <a:schemeClr val="accent1">
+        <a:tint val="50000"/>
+      </a:schemeClr>
+    </dgm:linClrLst>
+    <dgm:effectClrLst/>
+    <dgm:txLinClrLst/>
+    <dgm:txFillClrLst meth="repeat">
+      <a:schemeClr val="tx1"/>
+    </dgm:txFillClrLst>
+    <dgm:txEffectClrLst/>
+  </dgm:styleLbl>
+  <dgm:styleLbl name="asst0">
+    <dgm:fillClrLst meth="repeat">
+      <a:schemeClr val="accent1"/>
+    </dgm:fillClrLst>
+    <dgm:linClrLst meth="repeat">
+      <a:schemeClr val="lt1"/>
+    </dgm:linClrLst>
+    <dgm:effectClrLst/>
+    <dgm:txLinClrLst/>
+    <dgm:txFillClrLst/>
+    <dgm:txEffectClrLst/>
+  </dgm:styleLbl>
+  <dgm:styleLbl name="asst1">
+    <dgm:fillClrLst meth="repeat">
+      <a:schemeClr val="accent1"/>
+    </dgm:fillClrLst>
+    <dgm:linClrLst meth="repeat">
+      <a:schemeClr val="lt1"/>
+    </dgm:linClrLst>
+    <dgm:effectClrLst/>
+    <dgm:txLinClrLst/>
+    <dgm:txFillClrLst/>
+    <dgm:txEffectClrLst/>
+  </dgm:styleLbl>
+  <dgm:styleLbl name="asst2">
+    <dgm:fillClrLst meth="repeat">
+      <a:schemeClr val="accent1"/>
+    </dgm:fillClrLst>
+    <dgm:linClrLst meth="repeat">
+      <a:schemeClr val="lt1"/>
+    </dgm:linClrLst>
+    <dgm:effectClrLst/>
+    <dgm:txLinClrLst/>
+    <dgm:txFillClrLst/>
+    <dgm:txEffectClrLst/>
+  </dgm:styleLbl>
+  <dgm:styleLbl name="asst3">
+    <dgm:fillClrLst meth="repeat">
+      <a:schemeClr val="accent1"/>
+    </dgm:fillClrLst>
+    <dgm:linClrLst meth="repeat">
+      <a:schemeClr val="lt1"/>
+    </dgm:linClrLst>
+    <dgm:effectClrLst/>
+    <dgm:txLinClrLst/>
+    <dgm:txFillClrLst/>
+    <dgm:txEffectClrLst/>
+  </dgm:styleLbl>
+  <dgm:styleLbl name="asst4">
+    <dgm:fillClrLst meth="repeat">
+      <a:schemeClr val="accent1"/>
+    </dgm:fillClrLst>
+    <dgm:linClrLst meth="repeat">
+      <a:schemeClr val="lt1"/>
+    </dgm:linClrLst>
+    <dgm:effectClrLst/>
+    <dgm:txLinClrLst/>
+    <dgm:txFillClrLst/>
+    <dgm:txEffectClrLst/>
+  </dgm:styleLbl>
+  <dgm:styleLbl name="parChTrans2D1">
+    <dgm:fillClrLst meth="repeat">
+      <a:schemeClr val="accent1">
+        <a:tint val="60000"/>
+      </a:schemeClr>
+    </dgm:fillClrLst>
+    <dgm:linClrLst meth="repeat">
+      <a:schemeClr val="accent1">
+        <a:tint val="60000"/>
+      </a:schemeClr>
+    </dgm:linClrLst>
+    <dgm:effectClrLst/>
+    <dgm:txLinClrLst/>
+    <dgm:txFillClrLst meth="repeat">
+      <a:schemeClr val="lt1"/>
+    </dgm:txFillClrLst>
+    <dgm:txEffectClrLst/>
+  </dgm:styleLbl>
+  <dgm:styleLbl name="parChTrans2D2">
+    <dgm:fillClrLst meth="repeat">
+      <a:schemeClr val="accent1"/>
+    </dgm:fillClrLst>
+    <dgm:linClrLst meth="repeat">
+      <a:schemeClr val="accent1"/>
+    </dgm:linClrLst>
+    <dgm:effectClrLst/>
+    <dgm:txLinClrLst/>
+    <dgm:txFillClrLst meth="repeat">
+      <a:schemeClr val="lt1"/>
+    </dgm:txFillClrLst>
+    <dgm:txEffectClrLst/>
+  </dgm:styleLbl>
+  <dgm:styleLbl name="parChTrans2D3">
+    <dgm:fillClrLst meth="repeat">
+      <a:schemeClr val="accent1"/>
+    </dgm:fillClrLst>
+    <dgm:linClrLst meth="repeat">
+      <a:schemeClr val="accent1"/>
+    </dgm:linClrLst>
+    <dgm:effectClrLst/>
+    <dgm:txLinClrLst/>
+    <dgm:txFillClrLst meth="repeat">
+      <a:schemeClr val="lt1"/>
+    </dgm:txFillClrLst>
+    <dgm:txEffectClrLst/>
+  </dgm:styleLbl>
+  <dgm:styleLbl name="parChTrans2D4">
+    <dgm:fillClrLst meth="repeat">
+      <a:schemeClr val="accent1"/>
+    </dgm:fillClrLst>
+    <dgm:linClrLst meth="repeat">
+      <a:schemeClr val="accent1"/>
+    </dgm:linClrLst>
+    <dgm:effectClrLst/>
+    <dgm:txLinClrLst/>
+    <dgm:txFillClrLst meth="repeat">
+      <a:schemeClr val="lt1"/>
+    </dgm:txFillClrLst>
+    <dgm:txEffectClrLst/>
+  </dgm:styleLbl>
+  <dgm:styleLbl name="parChTrans1D1">
+    <dgm:fillClrLst meth="repeat">
+      <a:schemeClr val="accent1"/>
+    </dgm:fillClrLst>
+    <dgm:linClrLst meth="repeat">
+      <a:schemeClr val="accent1">
+        <a:shade val="60000"/>
+      </a:schemeClr>
+    </dgm:linClrLst>
+    <dgm:effectClrLst/>
+    <dgm:txLinClrLst/>
+    <dgm:txFillClrLst meth="repeat">
+      <a:schemeClr val="tx1"/>
+    </dgm:txFillClrLst>
+    <dgm:txEffectClrLst/>
+  </dgm:styleLbl>
+  <dgm:styleLbl name="parChTrans1D2">
+    <dgm:fillClrLst meth="repeat">
+      <a:schemeClr val="accent1"/>
+    </dgm:fillClrLst>
+    <dgm:linClrLst meth="repeat">
+      <a:schemeClr val="accent1">
+        <a:shade val="60000"/>
+      </a:schemeClr>
+    </dgm:linClrLst>
+    <dgm:effectClrLst/>
+    <dgm:txLinClrLst/>
+    <dgm:txFillClrLst meth="repeat">
+      <a:schemeClr val="tx1"/>
+    </dgm:txFillClrLst>
+    <dgm:txEffectClrLst/>
+  </dgm:styleLbl>
+  <dgm:styleLbl name="parChTrans1D3">
+    <dgm:fillClrLst meth="repeat">
+      <a:schemeClr val="accent1"/>
+    </dgm:fillClrLst>
+    <dgm:linClrLst meth="repeat">
+      <a:schemeClr val="accent1">
+        <a:shade val="80000"/>
+      </a:schemeClr>
+    </dgm:linClrLst>
+    <dgm:effectClrLst/>
+    <dgm:txLinClrLst/>
+    <dgm:txFillClrLst meth="repeat">
+      <a:schemeClr val="tx1"/>
+    </dgm:txFillClrLst>
+    <dgm:txEffectClrLst/>
+  </dgm:styleLbl>
+  <dgm:styleLbl name="parChTrans1D4">
+    <dgm:fillClrLst meth="repeat">
+      <a:schemeClr val="accent1"/>
+    </dgm:fillClrLst>
+    <dgm:linClrLst meth="repeat">
+      <a:schemeClr val="accent1">
+        <a:shade val="80000"/>
+      </a:schemeClr>
+    </dgm:linClrLst>
+    <dgm:effectClrLst/>
+    <dgm:txLinClrLst/>
+    <dgm:txFillClrLst meth="repeat">
+      <a:schemeClr val="tx1"/>
+    </dgm:txFillClrLst>
+    <dgm:txEffectClrLst/>
+  </dgm:styleLbl>
+  <dgm:styleLbl name="fgAcc1">
+    <dgm:fillClrLst meth="repeat">
+      <a:schemeClr val="lt1">
+        <a:alpha val="90000"/>
+      </a:schemeClr>
+    </dgm:fillClrLst>
+    <dgm:linClrLst meth="repeat">
+      <a:schemeClr val="accent1"/>
+    </dgm:linClrLst>
+    <dgm:effectClrLst/>
+    <dgm:txLinClrLst/>
+    <dgm:txFillClrLst meth="repeat">
+      <a:schemeClr val="dk1"/>
+    </dgm:txFillClrLst>
+    <dgm:txEffectClrLst/>
+  </dgm:styleLbl>
+  <dgm:styleLbl name="conFgAcc1">
+    <dgm:fillClrLst meth="repeat">
+      <a:schemeClr val="lt1">
+        <a:alpha val="90000"/>
+      </a:schemeClr>
+    </dgm:fillClrLst>
+    <dgm:linClrLst meth="repeat">
+      <a:schemeClr val="accent1"/>
+    </dgm:linClrLst>
+    <dgm:effectClrLst/>
+    <dgm:txLinClrLst/>
+    <dgm:txFillClrLst meth="repeat">
+      <a:schemeClr val="dk1"/>
+    </dgm:txFillClrLst>
+    <dgm:txEffectClrLst/>
+  </dgm:styleLbl>
+  <dgm:styleLbl name="alignAcc1">
+    <dgm:fillClrLst meth="repeat">
+      <a:schemeClr val="lt1">
+        <a:alpha val="90000"/>
+      </a:schemeClr>
+    </dgm:fillClrLst>
+    <dgm:linClrLst meth="repeat">
+      <a:schemeClr val="accent1"/>
+    </dgm:linClrLst>
+    <dgm:effectClrLst/>
+    <dgm:txLinClrLst/>
+    <dgm:txFillClrLst meth="repeat">
+      <a:schemeClr val="dk1"/>
+    </dgm:txFillClrLst>
+    <dgm:txEffectClrLst/>
+  </dgm:styleLbl>
+  <dgm:styleLbl name="trAlignAcc1">
+    <dgm:fillClrLst meth="repeat">
+      <a:schemeClr val="lt1">
+        <a:alpha val="40000"/>
+      </a:schemeClr>
+    </dgm:fillClrLst>
+    <dgm:linClrLst meth="repeat">
+      <a:schemeClr val="accent1"/>
+    </dgm:linClrLst>
+    <dgm:effectClrLst/>
+    <dgm:txLinClrLst/>
+    <dgm:txFillClrLst meth="repeat">
+      <a:schemeClr val="dk1"/>
+    </dgm:txFillClrLst>
+    <dgm:txEffectClrLst/>
+  </dgm:styleLbl>
+  <dgm:styleLbl name="bgAcc1">
+    <dgm:fillClrLst meth="repeat">
+      <a:schemeClr val="lt1">
+        <a:alpha val="90000"/>
+      </a:schemeClr>
+    </dgm:fillClrLst>
+    <dgm:linClrLst meth="repeat">
+      <a:schemeClr val="accent1"/>
+    </dgm:linClrLst>
+    <dgm:effectClrLst/>
+    <dgm:txLinClrLst/>
+    <dgm:txFillClrLst meth="repeat">
+      <a:schemeClr val="dk1"/>
+    </dgm:txFillClrLst>
+    <dgm:txEffectClrLst/>
+  </dgm:styleLbl>
+  <dgm:styleLbl name="solidFgAcc1">
+    <dgm:fillClrLst meth="repeat">
+      <a:schemeClr val="lt1"/>
+    </dgm:fillClrLst>
+    <dgm:linClrLst meth="repeat">
+      <a:schemeClr val="accent1"/>
+    </dgm:linClrLst>
+    <dgm:effectClrLst/>
+    <dgm:txLinClrLst/>
+    <dgm:txFillClrLst meth="repeat">
+      <a:schemeClr val="dk1"/>
+    </dgm:txFillClrLst>
+    <dgm:txEffectClrLst/>
+  </dgm:styleLbl>
+  <dgm:styleLbl name="solidAlignAcc1">
+    <dgm:fillClrLst meth="repeat">
+      <a:schemeClr val="lt1"/>
+    </dgm:fillClrLst>
+    <dgm:linClrLst meth="repeat">
+      <a:schemeClr val="accent1"/>
+    </dgm:linClrLst>
+    <dgm:effectClrLst/>
+    <dgm:txLinClrLst/>
+    <dgm:txFillClrLst meth="repeat">
+      <a:schemeClr val="dk1"/>
+    </dgm:txFillClrLst>
+    <dgm:txEffectClrLst/>
+  </dgm:styleLbl>
+  <dgm:styleLbl name="solidBgAcc1">
+    <dgm:fillClrLst meth="repeat">
+      <a:schemeClr val="lt1"/>
+    </dgm:fillClrLst>
+    <dgm:linClrLst meth="repeat">
+      <a:schemeClr val="accent1"/>
+    </dgm:linClrLst>
+    <dgm:effectClrLst/>
+    <dgm:txLinClrLst/>
+    <dgm:txFillClrLst meth="repeat">
+      <a:schemeClr val="dk1"/>
+    </dgm:txFillClrLst>
+    <dgm:txEffectClrLst/>
+  </dgm:styleLbl>
+  <dgm:styleLbl name="fgAccFollowNode1">
+    <dgm:fillClrLst meth="repeat">
+      <a:schemeClr val="accent1">
+        <a:alpha val="90000"/>
+        <a:tint val="40000"/>
+      </a:schemeClr>
+    </dgm:fillClrLst>
+    <dgm:linClrLst meth="repeat">
+      <a:schemeClr val="accent1">
+        <a:alpha val="90000"/>
+        <a:tint val="40000"/>
+      </a:schemeClr>
+    </dgm:linClrLst>
+    <dgm:effectClrLst/>
+    <dgm:txLinClrLst/>
+    <dgm:txFillClrLst meth="repeat">
+      <a:schemeClr val="dk1"/>
+    </dgm:txFillClrLst>
+    <dgm:txEffectClrLst/>
+  </dgm:styleLbl>
+  <dgm:styleLbl name="alignAccFollowNode1">
+    <dgm:fillClrLst meth="repeat">
+      <a:schemeClr val="accent1">
+        <a:alpha val="90000"/>
+        <a:tint val="40000"/>
+      </a:schemeClr>
+    </dgm:fillClrLst>
+    <dgm:linClrLst meth="repeat">
+      <a:schemeClr val="accent1">
+        <a:alpha val="90000"/>
+        <a:tint val="40000"/>
+      </a:schemeClr>
+    </dgm:linClrLst>
+    <dgm:effectClrLst/>
+    <dgm:txLinClrLst/>
+    <dgm:txFillClrLst meth="repeat">
+      <a:schemeClr val="dk1"/>
+    </dgm:txFillClrLst>
+    <dgm:txEffectClrLst/>
+  </dgm:styleLbl>
+  <dgm:styleLbl name="bgAccFollowNode1">
+    <dgm:fillClrLst meth="repeat">
+      <a:schemeClr val="accent1">
+        <a:alpha val="90000"/>
+        <a:tint val="40000"/>
+      </a:schemeClr>
+    </dgm:fillClrLst>
+    <dgm:linClrLst meth="repeat">
+      <a:schemeClr val="accent1">
+        <a:alpha val="90000"/>
+        <a:tint val="40000"/>
+      </a:schemeClr>
+    </dgm:linClrLst>
+    <dgm:effectClrLst/>
+    <dgm:txLinClrLst/>
+    <dgm:txFillClrLst meth="repeat">
+      <a:schemeClr val="dk1"/>
+    </dgm:txFillClrLst>
+    <dgm:txEffectClrLst/>
+  </dgm:styleLbl>
+  <dgm:styleLbl name="fgAcc0">
+    <dgm:fillClrLst meth="repeat">
+      <a:schemeClr val="lt1">
+        <a:alpha val="90000"/>
+      </a:schemeClr>
+    </dgm:fillClrLst>
+    <dgm:linClrLst meth="repeat">
+      <a:schemeClr val="accent1"/>
+    </dgm:linClrLst>
+    <dgm:effectClrLst/>
+    <dgm:txLinClrLst/>
+    <dgm:txFillClrLst meth="repeat">
+      <a:schemeClr val="dk1"/>
+    </dgm:txFillClrLst>
+    <dgm:txEffectClrLst/>
+  </dgm:styleLbl>
+  <dgm:styleLbl name="fgAcc2">
+    <dgm:fillClrLst meth="repeat">
+      <a:schemeClr val="lt1">
+        <a:alpha val="90000"/>
+      </a:schemeClr>
+    </dgm:fillClrLst>
+    <dgm:linClrLst meth="repeat">
+      <a:schemeClr val="accent1"/>
+    </dgm:linClrLst>
+    <dgm:effectClrLst/>
+    <dgm:txLinClrLst/>
+    <dgm:txFillClrLst meth="repeat">
+      <a:schemeClr val="dk1"/>
+    </dgm:txFillClrLst>
+    <dgm:txEffectClrLst/>
+  </dgm:styleLbl>
+  <dgm:styleLbl name="fgAcc3">
+    <dgm:fillClrLst meth="repeat">
+      <a:schemeClr val="lt1">
+        <a:alpha val="90000"/>
+      </a:schemeClr>
+    </dgm:fillClrLst>
+    <dgm:linClrLst meth="repeat">
+      <a:schemeClr val="accent1"/>
+    </dgm:linClrLst>
+    <dgm:effectClrLst/>
+    <dgm:txLinClrLst/>
+    <dgm:txFillClrLst meth="repeat">
+      <a:schemeClr val="dk1"/>
+    </dgm:txFillClrLst>
+    <dgm:txEffectClrLst/>
+  </dgm:styleLbl>
+  <dgm:styleLbl name="fgAcc4">
+    <dgm:fillClrLst meth="repeat">
+      <a:schemeClr val="lt1">
+        <a:alpha val="90000"/>
+      </a:schemeClr>
+    </dgm:fillClrLst>
+    <dgm:linClrLst meth="repeat">
+      <a:schemeClr val="accent1"/>
+    </dgm:linClrLst>
+    <dgm:effectClrLst/>
+    <dgm:txLinClrLst/>
+    <dgm:txFillClrLst meth="repeat">
+      <a:schemeClr val="dk1"/>
+    </dgm:txFillClrLst>
+    <dgm:txEffectClrLst/>
+  </dgm:styleLbl>
+  <dgm:styleLbl name="bgShp">
+    <dgm:fillClrLst meth="repeat">
+      <a:schemeClr val="accent1">
+        <a:tint val="40000"/>
+      </a:schemeClr>
+    </dgm:fillClrLst>
+    <dgm:linClrLst meth="repeat">
+      <a:schemeClr val="accent1"/>
+    </dgm:linClrLst>
+    <dgm:effectClrLst/>
+    <dgm:txLinClrLst/>
+    <dgm:txFillClrLst meth="repeat">
+      <a:schemeClr val="dk1"/>
+    </dgm:txFillClrLst>
+    <dgm:txEffectClrLst/>
+  </dgm:styleLbl>
+  <dgm:styleLbl name="dkBgShp">
+    <dgm:fillClrLst meth="repeat">
+      <a:schemeClr val="accent1">
+        <a:shade val="80000"/>
+      </a:schemeClr>
+    </dgm:fillClrLst>
+    <dgm:linClrLst meth="repeat">
+      <a:schemeClr val="accent1"/>
+    </dgm:linClrLst>
+    <dgm:effectClrLst/>
+    <dgm:txLinClrLst/>
+    <dgm:txFillClrLst meth="repeat">
+      <a:schemeClr val="lt1"/>
+    </dgm:txFillClrLst>
+    <dgm:txEffectClrLst/>
+  </dgm:styleLbl>
+  <dgm:styleLbl name="trBgShp">
+    <dgm:fillClrLst meth="repeat">
+      <a:schemeClr val="accent1">
+        <a:tint val="50000"/>
+        <a:alpha val="40000"/>
+      </a:schemeClr>
+    </dgm:fillClrLst>
+    <dgm:linClrLst meth="repeat">
+      <a:schemeClr val="accent1"/>
+    </dgm:linClrLst>
+    <dgm:effectClrLst/>
+    <dgm:txLinClrLst/>
+    <dgm:txFillClrLst meth="repeat">
+      <a:schemeClr val="lt1"/>
+    </dgm:txFillClrLst>
+    <dgm:txEffectClrLst/>
+  </dgm:styleLbl>
+  <dgm:styleLbl name="fgShp">
+    <dgm:fillClrLst meth="repeat">
+      <a:schemeClr val="accent1">
+        <a:tint val="60000"/>
+      </a:schemeClr>
+    </dgm:fillClrLst>
+    <dgm:linClrLst meth="repeat">
+      <a:schemeClr val="lt1"/>
+    </dgm:linClrLst>
+    <dgm:effectClrLst/>
+    <dgm:txLinClrLst/>
+    <dgm:txFillClrLst meth="repeat">
+      <a:schemeClr val="dk1"/>
+    </dgm:txFillClrLst>
+    <dgm:txEffectClrLst/>
+  </dgm:styleLbl>
+  <dgm:styleLbl name="revTx">
+    <dgm:fillClrLst meth="repeat">
+      <a:schemeClr val="lt1">
+        <a:alpha val="0"/>
+      </a:schemeClr>
+    </dgm:fillClrLst>
+    <dgm:linClrLst meth="repeat">
+      <a:schemeClr val="dk1">
+        <a:alpha val="0"/>
+      </a:schemeClr>
+    </dgm:linClrLst>
+    <dgm:effectClrLst/>
+    <dgm:txLinClrLst/>
+    <dgm:txFillClrLst meth="repeat">
+      <a:schemeClr val="tx1"/>
+    </dgm:txFillClrLst>
+    <dgm:txEffectClrLst/>
+  </dgm:styleLbl>
+</dgm:colorsDef>
+</file>
+
+<file path=ppt/diagrams/colors2.xml><?xml version="1.0" encoding="utf-8"?>
+<dgm:colorsDef xmlns:dgm="http://schemas.openxmlformats.org/drawingml/2006/diagram" xmlns:a="http://schemas.openxmlformats.org/drawingml/2006/main" uniqueId="urn:microsoft.com/office/officeart/2005/8/colors/accent1_2">
+  <dgm:title val=""/>
+  <dgm:desc val=""/>
+  <dgm:catLst>
+    <dgm:cat type="accent1" pri="11200"/>
+  </dgm:catLst>
+  <dgm:styleLbl name="node0">
+    <dgm:fillClrLst meth="repeat">
+      <a:schemeClr val="accent1"/>
+    </dgm:fillClrLst>
+    <dgm:linClrLst meth="repeat">
+      <a:schemeClr val="lt1"/>
+    </dgm:linClrLst>
+    <dgm:effectClrLst/>
+    <dgm:txLinClrLst/>
+    <dgm:txFillClrLst/>
+    <dgm:txEffectClrLst/>
+  </dgm:styleLbl>
+  <dgm:styleLbl name="alignNode1">
+    <dgm:fillClrLst meth="repeat">
+      <a:schemeClr val="accent1"/>
+    </dgm:fillClrLst>
+    <dgm:linClrLst meth="repeat">
+      <a:schemeClr val="accent1"/>
+    </dgm:linClrLst>
+    <dgm:effectClrLst/>
+    <dgm:txLinClrLst/>
+    <dgm:txFillClrLst/>
+    <dgm:txEffectClrLst/>
+  </dgm:styleLbl>
+  <dgm:styleLbl name="node1">
+    <dgm:fillClrLst meth="repeat">
+      <a:schemeClr val="accent1"/>
+    </dgm:fillClrLst>
+    <dgm:linClrLst meth="repeat">
+      <a:schemeClr val="lt1"/>
+    </dgm:linClrLst>
+    <dgm:effectClrLst/>
+    <dgm:txLinClrLst/>
+    <dgm:txFillClrLst/>
+    <dgm:txEffectClrLst/>
+  </dgm:styleLbl>
+  <dgm:styleLbl name="lnNode1">
+    <dgm:fillClrLst meth="repeat">
+      <a:schemeClr val="accent1"/>
+    </dgm:fillClrLst>
+    <dgm:linClrLst meth="repeat">
+      <a:schemeClr val="lt1"/>
+    </dgm:linClrLst>
+    <dgm:effectClrLst/>
+    <dgm:txLinClrLst/>
+    <dgm:txFillClrLst/>
+    <dgm:txEffectClrLst/>
+  </dgm:styleLbl>
+  <dgm:styleLbl name="vennNode1">
+    <dgm:fillClrLst meth="repeat">
+      <a:schemeClr val="accent1">
+        <a:alpha val="50000"/>
+      </a:schemeClr>
+    </dgm:fillClrLst>
+    <dgm:linClrLst meth="repeat">
+      <a:schemeClr val="lt1"/>
+    </dgm:linClrLst>
+    <dgm:effectClrLst/>
+    <dgm:txLinClrLst/>
+    <dgm:txFillClrLst/>
+    <dgm:txEffectClrLst/>
+  </dgm:styleLbl>
+  <dgm:styleLbl name="node2">
+    <dgm:fillClrLst meth="repeat">
+      <a:schemeClr val="accent1"/>
+    </dgm:fillClrLst>
+    <dgm:linClrLst meth="repeat">
+      <a:schemeClr val="lt1"/>
+    </dgm:linClrLst>
+    <dgm:effectClrLst/>
+    <dgm:txLinClrLst/>
+    <dgm:txFillClrLst/>
+    <dgm:txEffectClrLst/>
+  </dgm:styleLbl>
+  <dgm:styleLbl name="node3">
+    <dgm:fillClrLst meth="repeat">
+      <a:schemeClr val="accent1"/>
+    </dgm:fillClrLst>
+    <dgm:linClrLst meth="repeat">
+      <a:schemeClr val="lt1"/>
+    </dgm:linClrLst>
+    <dgm:effectClrLst/>
+    <dgm:txLinClrLst/>
+    <dgm:txFillClrLst/>
+    <dgm:txEffectClrLst/>
+  </dgm:styleLbl>
+  <dgm:styleLbl name="node4">
+    <dgm:fillClrLst meth="repeat">
+      <a:schemeClr val="accent1"/>
+    </dgm:fillClrLst>
+    <dgm:linClrLst meth="repeat">
+      <a:schemeClr val="lt1"/>
+    </dgm:linClrLst>
+    <dgm:effectClrLst/>
+    <dgm:txLinClrLst/>
+    <dgm:txFillClrLst/>
+    <dgm:txEffectClrLst/>
+  </dgm:styleLbl>
+  <dgm:styleLbl name="fgImgPlace1">
+    <dgm:fillClrLst meth="repeat">
+      <a:schemeClr val="accent1">
+        <a:tint val="50000"/>
+      </a:schemeClr>
+    </dgm:fillClrLst>
+    <dgm:linClrLst meth="repeat">
+      <a:schemeClr val="lt1"/>
+    </dgm:linClrLst>
+    <dgm:effectClrLst/>
+    <dgm:txLinClrLst/>
+    <dgm:txFillClrLst meth="repeat">
+      <a:schemeClr val="lt1"/>
+    </dgm:txFillClrLst>
+    <dgm:txEffectClrLst/>
+  </dgm:styleLbl>
+  <dgm:styleLbl name="alignImgPlace1">
+    <dgm:fillClrLst meth="repeat">
+      <a:schemeClr val="accent1">
+        <a:tint val="50000"/>
+      </a:schemeClr>
+    </dgm:fillClrLst>
+    <dgm:linClrLst meth="repeat">
+      <a:schemeClr val="lt1"/>
+    </dgm:linClrLst>
+    <dgm:effectClrLst/>
+    <dgm:txLinClrLst/>
+    <dgm:txFillClrLst meth="repeat">
+      <a:schemeClr val="lt1"/>
+    </dgm:txFillClrLst>
+    <dgm:txEffectClrLst/>
+  </dgm:styleLbl>
+  <dgm:styleLbl name="bgImgPlace1">
+    <dgm:fillClrLst meth="repeat">
+      <a:schemeClr val="accent1">
+        <a:tint val="50000"/>
+      </a:schemeClr>
+    </dgm:fillClrLst>
+    <dgm:linClrLst meth="repeat">
+      <a:schemeClr val="lt1"/>
+    </dgm:linClrLst>
+    <dgm:effectClrLst/>
+    <dgm:txLinClrLst/>
+    <dgm:txFillClrLst meth="repeat">
+      <a:schemeClr val="lt1"/>
+    </dgm:txFillClrLst>
+    <dgm:txEffectClrLst/>
+  </dgm:styleLbl>
+  <dgm:styleLbl name="sibTrans2D1">
+    <dgm:fillClrLst meth="repeat">
+      <a:schemeClr val="accent1">
+        <a:tint val="60000"/>
+      </a:schemeClr>
+    </dgm:fillClrLst>
+    <dgm:linClrLst meth="repeat">
+      <a:schemeClr val="accent1">
+        <a:tint val="60000"/>
+      </a:schemeClr>
+    </dgm:linClrLst>
+    <dgm:effectClrLst/>
+    <dgm:txLinClrLst/>
+    <dgm:txFillClrLst/>
+    <dgm:txEffectClrLst/>
+  </dgm:styleLbl>
+  <dgm:styleLbl name="fgSibTrans2D1">
+    <dgm:fillClrLst meth="repeat">
+      <a:schemeClr val="accent1">
+        <a:tint val="60000"/>
+      </a:schemeClr>
+    </dgm:fillClrLst>
+    <dgm:linClrLst meth="repeat">
+      <a:schemeClr val="accent1">
+        <a:tint val="60000"/>
+      </a:schemeClr>
+    </dgm:linClrLst>
+    <dgm:effectClrLst/>
+    <dgm:txLinClrLst/>
+    <dgm:txFillClrLst/>
+    <dgm:txEffectClrLst/>
+  </dgm:styleLbl>
+  <dgm:styleLbl name="bgSibTrans2D1">
+    <dgm:fillClrLst meth="repeat">
+      <a:schemeClr val="accent1">
+        <a:tint val="60000"/>
+      </a:schemeClr>
+    </dgm:fillClrLst>
+    <dgm:linClrLst meth="repeat">
+      <a:schemeClr val="accent1">
+        <a:tint val="60000"/>
+      </a:schemeClr>
+    </dgm:linClrLst>
+    <dgm:effectClrLst/>
+    <dgm:txLinClrLst/>
+    <dgm:txFillClrLst/>
+    <dgm:txEffectClrLst/>
+  </dgm:styleLbl>
+  <dgm:styleLbl name="sibTrans1D1">
+    <dgm:fillClrLst meth="repeat">
+      <a:schemeClr val="accent1"/>
+    </dgm:fillClrLst>
+    <dgm:linClrLst meth="repeat">
+      <a:schemeClr val="accent1"/>
+    </dgm:linClrLst>
+    <dgm:effectClrLst/>
+    <dgm:txLinClrLst/>
+    <dgm:txFillClrLst meth="repeat">
+      <a:schemeClr val="tx1"/>
+    </dgm:txFillClrLst>
+    <dgm:txEffectClrLst/>
+  </dgm:styleLbl>
+  <dgm:styleLbl name="callout">
+    <dgm:fillClrLst meth="repeat">
+      <a:schemeClr val="accent1"/>
+    </dgm:fillClrLst>
+    <dgm:linClrLst meth="repeat">
+      <a:schemeClr val="accent1">
+        <a:tint val="50000"/>
+      </a:schemeClr>
+    </dgm:linClrLst>
+    <dgm:effectClrLst/>
+    <dgm:txLinClrLst/>
+    <dgm:txFillClrLst meth="repeat">
+      <a:schemeClr val="tx1"/>
+    </dgm:txFillClrLst>
+    <dgm:txEffectClrLst/>
+  </dgm:styleLbl>
+  <dgm:styleLbl name="asst0">
+    <dgm:fillClrLst meth="repeat">
+      <a:schemeClr val="accent1"/>
+    </dgm:fillClrLst>
+    <dgm:linClrLst meth="repeat">
+      <a:schemeClr val="lt1"/>
+    </dgm:linClrLst>
+    <dgm:effectClrLst/>
+    <dgm:txLinClrLst/>
+    <dgm:txFillClrLst/>
+    <dgm:txEffectClrLst/>
+  </dgm:styleLbl>
+  <dgm:styleLbl name="asst1">
+    <dgm:fillClrLst meth="repeat">
+      <a:schemeClr val="accent1"/>
+    </dgm:fillClrLst>
+    <dgm:linClrLst meth="repeat">
+      <a:schemeClr val="lt1"/>
+    </dgm:linClrLst>
+    <dgm:effectClrLst/>
+    <dgm:txLinClrLst/>
+    <dgm:txFillClrLst/>
+    <dgm:txEffectClrLst/>
+  </dgm:styleLbl>
+  <dgm:styleLbl name="asst2">
+    <dgm:fillClrLst meth="repeat">
+      <a:schemeClr val="accent1"/>
+    </dgm:fillClrLst>
+    <dgm:linClrLst meth="repeat">
+      <a:schemeClr val="lt1"/>
+    </dgm:linClrLst>
+    <dgm:effectClrLst/>
+    <dgm:txLinClrLst/>
+    <dgm:txFillClrLst/>
+    <dgm:txEffectClrLst/>
+  </dgm:styleLbl>
+  <dgm:styleLbl name="asst3">
+    <dgm:fillClrLst meth="repeat">
+      <a:schemeClr val="accent1"/>
+    </dgm:fillClrLst>
+    <dgm:linClrLst meth="repeat">
+      <a:schemeClr val="lt1"/>
+    </dgm:linClrLst>
+    <dgm:effectClrLst/>
+    <dgm:txLinClrLst/>
+    <dgm:txFillClrLst/>
+    <dgm:txEffectClrLst/>
+  </dgm:styleLbl>
+  <dgm:styleLbl name="asst4">
+    <dgm:fillClrLst meth="repeat">
+      <a:schemeClr val="accent1"/>
+    </dgm:fillClrLst>
+    <dgm:linClrLst meth="repeat">
+      <a:schemeClr val="lt1"/>
+    </dgm:linClrLst>
+    <dgm:effectClrLst/>
+    <dgm:txLinClrLst/>
+    <dgm:txFillClrLst/>
+    <dgm:txEffectClrLst/>
+  </dgm:styleLbl>
+  <dgm:styleLbl name="parChTrans2D1">
+    <dgm:fillClrLst meth="repeat">
+      <a:schemeClr val="accent1">
+        <a:tint val="60000"/>
+      </a:schemeClr>
+    </dgm:fillClrLst>
+    <dgm:linClrLst meth="repeat">
+      <a:schemeClr val="accent1">
+        <a:tint val="60000"/>
+      </a:schemeClr>
+    </dgm:linClrLst>
+    <dgm:effectClrLst/>
+    <dgm:txLinClrLst/>
+    <dgm:txFillClrLst meth="repeat">
+      <a:schemeClr val="lt1"/>
+    </dgm:txFillClrLst>
+    <dgm:txEffectClrLst/>
+  </dgm:styleLbl>
+  <dgm:styleLbl name="parChTrans2D2">
+    <dgm:fillClrLst meth="repeat">
+      <a:schemeClr val="accent1"/>
+    </dgm:fillClrLst>
+    <dgm:linClrLst meth="repeat">
+      <a:schemeClr val="accent1"/>
+    </dgm:linClrLst>
+    <dgm:effectClrLst/>
+    <dgm:txLinClrLst/>
+    <dgm:txFillClrLst meth="repeat">
+      <a:schemeClr val="lt1"/>
+    </dgm:txFillClrLst>
+    <dgm:txEffectClrLst/>
+  </dgm:styleLbl>
+  <dgm:styleLbl name="parChTrans2D3">
+    <dgm:fillClrLst meth="repeat">
+      <a:schemeClr val="accent1"/>
+    </dgm:fillClrLst>
+    <dgm:linClrLst meth="repeat">
+      <a:schemeClr val="accent1"/>
+    </dgm:linClrLst>
+    <dgm:effectClrLst/>
+    <dgm:txLinClrLst/>
+    <dgm:txFillClrLst meth="repeat">
+      <a:schemeClr val="lt1"/>
+    </dgm:txFillClrLst>
+    <dgm:txEffectClrLst/>
+  </dgm:styleLbl>
+  <dgm:styleLbl name="parChTrans2D4">
+    <dgm:fillClrLst meth="repeat">
+      <a:schemeClr val="accent1"/>
+    </dgm:fillClrLst>
+    <dgm:linClrLst meth="repeat">
+      <a:schemeClr val="accent1"/>
+    </dgm:linClrLst>
+    <dgm:effectClrLst/>
+    <dgm:txLinClrLst/>
+    <dgm:txFillClrLst meth="repeat">
+      <a:schemeClr val="lt1"/>
+    </dgm:txFillClrLst>
+    <dgm:txEffectClrLst/>
+  </dgm:styleLbl>
+  <dgm:styleLbl name="parChTrans1D1">
+    <dgm:fillClrLst meth="repeat">
+      <a:schemeClr val="accent1"/>
+    </dgm:fillClrLst>
+    <dgm:linClrLst meth="repeat">
+      <a:schemeClr val="accent1">
+        <a:shade val="60000"/>
+      </a:schemeClr>
+    </dgm:linClrLst>
+    <dgm:effectClrLst/>
+    <dgm:txLinClrLst/>
+    <dgm:txFillClrLst meth="repeat">
+      <a:schemeClr val="tx1"/>
+    </dgm:txFillClrLst>
+    <dgm:txEffectClrLst/>
+  </dgm:styleLbl>
+  <dgm:styleLbl name="parChTrans1D2">
+    <dgm:fillClrLst meth="repeat">
+      <a:schemeClr val="accent1"/>
+    </dgm:fillClrLst>
+    <dgm:linClrLst meth="repeat">
+      <a:schemeClr val="accent1">
+        <a:shade val="60000"/>
+      </a:schemeClr>
+    </dgm:linClrLst>
+    <dgm:effectClrLst/>
+    <dgm:txLinClrLst/>
+    <dgm:txFillClrLst meth="repeat">
+      <a:schemeClr val="tx1"/>
+    </dgm:txFillClrLst>
+    <dgm:txEffectClrLst/>
+  </dgm:styleLbl>
+  <dgm:styleLbl name="parChTrans1D3">
+    <dgm:fillClrLst meth="repeat">
+      <a:schemeClr val="accent1"/>
+    </dgm:fillClrLst>
+    <dgm:linClrLst meth="repeat">
+      <a:schemeClr val="accent1">
+        <a:shade val="80000"/>
+      </a:schemeClr>
+    </dgm:linClrLst>
+    <dgm:effectClrLst/>
+    <dgm:txLinClrLst/>
+    <dgm:txFillClrLst meth="repeat">
+      <a:schemeClr val="tx1"/>
+    </dgm:txFillClrLst>
+    <dgm:txEffectClrLst/>
+  </dgm:styleLbl>
+  <dgm:styleLbl name="parChTrans1D4">
+    <dgm:fillClrLst meth="repeat">
+      <a:schemeClr val="accent1"/>
+    </dgm:fillClrLst>
+    <dgm:linClrLst meth="repeat">
+      <a:schemeClr val="accent1">
+        <a:shade val="80000"/>
+      </a:schemeClr>
+    </dgm:linClrLst>
+    <dgm:effectClrLst/>
+    <dgm:txLinClrLst/>
+    <dgm:txFillClrLst meth="repeat">
+      <a:schemeClr val="tx1"/>
+    </dgm:txFillClrLst>
+    <dgm:txEffectClrLst/>
+  </dgm:styleLbl>
+  <dgm:styleLbl name="fgAcc1">
+    <dgm:fillClrLst meth="repeat">
+      <a:schemeClr val="lt1">
+        <a:alpha val="90000"/>
+      </a:schemeClr>
+    </dgm:fillClrLst>
+    <dgm:linClrLst meth="repeat">
+      <a:schemeClr val="accent1"/>
+    </dgm:linClrLst>
+    <dgm:effectClrLst/>
+    <dgm:txLinClrLst/>
+    <dgm:txFillClrLst meth="repeat">
+      <a:schemeClr val="dk1"/>
+    </dgm:txFillClrLst>
+    <dgm:txEffectClrLst/>
+  </dgm:styleLbl>
+  <dgm:styleLbl name="conFgAcc1">
+    <dgm:fillClrLst meth="repeat">
+      <a:schemeClr val="lt1">
+        <a:alpha val="90000"/>
+      </a:schemeClr>
+    </dgm:fillClrLst>
+    <dgm:linClrLst meth="repeat">
+      <a:schemeClr val="accent1"/>
+    </dgm:linClrLst>
+    <dgm:effectClrLst/>
+    <dgm:txLinClrLst/>
+    <dgm:txFillClrLst meth="repeat">
+      <a:schemeClr val="dk1"/>
+    </dgm:txFillClrLst>
+    <dgm:txEffectClrLst/>
+  </dgm:styleLbl>
+  <dgm:styleLbl name="alignAcc1">
+    <dgm:fillClrLst meth="repeat">
+      <a:schemeClr val="lt1">
+        <a:alpha val="90000"/>
+      </a:schemeClr>
+    </dgm:fillClrLst>
+    <dgm:linClrLst meth="repeat">
+      <a:schemeClr val="accent1"/>
+    </dgm:linClrLst>
+    <dgm:effectClrLst/>
+    <dgm:txLinClrLst/>
+    <dgm:txFillClrLst meth="repeat">
+      <a:schemeClr val="dk1"/>
+    </dgm:txFillClrLst>
+    <dgm:txEffectClrLst/>
+  </dgm:styleLbl>
+  <dgm:styleLbl name="trAlignAcc1">
+    <dgm:fillClrLst meth="repeat">
+      <a:schemeClr val="lt1">
+        <a:alpha val="40000"/>
+      </a:schemeClr>
+    </dgm:fillClrLst>
+    <dgm:linClrLst meth="repeat">
+      <a:schemeClr val="accent1"/>
+    </dgm:linClrLst>
+    <dgm:effectClrLst/>
+    <dgm:txLinClrLst/>
+    <dgm:txFillClrLst meth="repeat">
+      <a:schemeClr val="dk1"/>
+    </dgm:txFillClrLst>
+    <dgm:txEffectClrLst/>
+  </dgm:styleLbl>
+  <dgm:styleLbl name="bgAcc1">
+    <dgm:fillClrLst meth="repeat">
+      <a:schemeClr val="lt1">
+        <a:alpha val="90000"/>
+      </a:schemeClr>
+    </dgm:fillClrLst>
+    <dgm:linClrLst meth="repeat">
+      <a:schemeClr val="accent1"/>
+    </dgm:linClrLst>
+    <dgm:effectClrLst/>
+    <dgm:txLinClrLst/>
+    <dgm:txFillClrLst meth="repeat">
+      <a:schemeClr val="dk1"/>
+    </dgm:txFillClrLst>
+    <dgm:txEffectClrLst/>
+  </dgm:styleLbl>
+  <dgm:styleLbl name="solidFgAcc1">
+    <dgm:fillClrLst meth="repeat">
+      <a:schemeClr val="lt1"/>
+    </dgm:fillClrLst>
+    <dgm:linClrLst meth="repeat">
+      <a:schemeClr val="accent1"/>
+    </dgm:linClrLst>
+    <dgm:effectClrLst/>
+    <dgm:txLinClrLst/>
+    <dgm:txFillClrLst meth="repeat">
+      <a:schemeClr val="dk1"/>
+    </dgm:txFillClrLst>
+    <dgm:txEffectClrLst/>
+  </dgm:styleLbl>
+  <dgm:styleLbl name="solidAlignAcc1">
+    <dgm:fillClrLst meth="repeat">
+      <a:schemeClr val="lt1"/>
+    </dgm:fillClrLst>
+    <dgm:linClrLst meth="repeat">
+      <a:schemeClr val="accent1"/>
+    </dgm:linClrLst>
+    <dgm:effectClrLst/>
+    <dgm:txLinClrLst/>
+    <dgm:txFillClrLst meth="repeat">
+      <a:schemeClr val="dk1"/>
+    </dgm:txFillClrLst>
+    <dgm:txEffectClrLst/>
+  </dgm:styleLbl>
+  <dgm:styleLbl name="solidBgAcc1">
+    <dgm:fillClrLst meth="repeat">
+      <a:schemeClr val="lt1"/>
+    </dgm:fillClrLst>
+    <dgm:linClrLst meth="repeat">
+      <a:schemeClr val="accent1"/>
+    </dgm:linClrLst>
+    <dgm:effectClrLst/>
+    <dgm:txLinClrLst/>
+    <dgm:txFillClrLst meth="repeat">
+      <a:schemeClr val="dk1"/>
+    </dgm:txFillClrLst>
+    <dgm:txEffectClrLst/>
+  </dgm:styleLbl>
+  <dgm:styleLbl name="fgAccFollowNode1">
+    <dgm:fillClrLst meth="repeat">
+      <a:schemeClr val="accent1">
+        <a:alpha val="90000"/>
+        <a:tint val="40000"/>
+      </a:schemeClr>
+    </dgm:fillClrLst>
+    <dgm:linClrLst meth="repeat">
+      <a:schemeClr val="accent1">
+        <a:alpha val="90000"/>
+        <a:tint val="40000"/>
+      </a:schemeClr>
+    </dgm:linClrLst>
+    <dgm:effectClrLst/>
+    <dgm:txLinClrLst/>
+    <dgm:txFillClrLst meth="repeat">
+      <a:schemeClr val="dk1"/>
+    </dgm:txFillClrLst>
+    <dgm:txEffectClrLst/>
+  </dgm:styleLbl>
+  <dgm:styleLbl name="alignAccFollowNode1">
+    <dgm:fillClrLst meth="repeat">
+      <a:schemeClr val="accent1">
+        <a:alpha val="90000"/>
+        <a:tint val="40000"/>
+      </a:schemeClr>
+    </dgm:fillClrLst>
+    <dgm:linClrLst meth="repeat">
+      <a:schemeClr val="accent1">
+        <a:alpha val="90000"/>
+        <a:tint val="40000"/>
+      </a:schemeClr>
+    </dgm:linClrLst>
+    <dgm:effectClrLst/>
+    <dgm:txLinClrLst/>
+    <dgm:txFillClrLst meth="repeat">
+      <a:schemeClr val="dk1"/>
+    </dgm:txFillClrLst>
+    <dgm:txEffectClrLst/>
+  </dgm:styleLbl>
+  <dgm:styleLbl name="bgAccFollowNode1">
+    <dgm:fillClrLst meth="repeat">
+      <a:schemeClr val="accent1">
+        <a:alpha val="90000"/>
+        <a:tint val="40000"/>
+      </a:schemeClr>
+    </dgm:fillClrLst>
+    <dgm:linClrLst meth="repeat">
+      <a:schemeClr val="accent1">
+        <a:alpha val="90000"/>
+        <a:tint val="40000"/>
+      </a:schemeClr>
+    </dgm:linClrLst>
+    <dgm:effectClrLst/>
+    <dgm:txLinClrLst/>
+    <dgm:txFillClrLst meth="repeat">
+      <a:schemeClr val="dk1"/>
+    </dgm:txFillClrLst>
+    <dgm:txEffectClrLst/>
+  </dgm:styleLbl>
+  <dgm:styleLbl name="fgAcc0">
+    <dgm:fillClrLst meth="repeat">
+      <a:schemeClr val="lt1">
+        <a:alpha val="90000"/>
+      </a:schemeClr>
+    </dgm:fillClrLst>
+    <dgm:linClrLst meth="repeat">
+      <a:schemeClr val="accent1"/>
+    </dgm:linClrLst>
+    <dgm:effectClrLst/>
+    <dgm:txLinClrLst/>
+    <dgm:txFillClrLst meth="repeat">
+      <a:schemeClr val="dk1"/>
+    </dgm:txFillClrLst>
+    <dgm:txEffectClrLst/>
+  </dgm:styleLbl>
+  <dgm:styleLbl name="fgAcc2">
+    <dgm:fillClrLst meth="repeat">
+      <a:schemeClr val="lt1">
+        <a:alpha val="90000"/>
+      </a:schemeClr>
+    </dgm:fillClrLst>
+    <dgm:linClrLst meth="repeat">
+      <a:schemeClr val="accent1"/>
+    </dgm:linClrLst>
+    <dgm:effectClrLst/>
+    <dgm:txLinClrLst/>
+    <dgm:txFillClrLst meth="repeat">
+      <a:schemeClr val="dk1"/>
+    </dgm:txFillClrLst>
+    <dgm:txEffectClrLst/>
+  </dgm:styleLbl>
+  <dgm:styleLbl name="fgAcc3">
+    <dgm:fillClrLst meth="repeat">
+      <a:schemeClr val="lt1">
+        <a:alpha val="90000"/>
+      </a:schemeClr>
+    </dgm:fillClrLst>
+    <dgm:linClrLst meth="repeat">
+      <a:schemeClr val="accent1"/>
+    </dgm:linClrLst>
+    <dgm:effectClrLst/>
+    <dgm:txLinClrLst/>
+    <dgm:txFillClrLst meth="repeat">
+      <a:schemeClr val="dk1"/>
+    </dgm:txFillClrLst>
+    <dgm:txEffectClrLst/>
+  </dgm:styleLbl>
+  <dgm:styleLbl name="fgAcc4">
+    <dgm:fillClrLst meth="repeat">
+      <a:schemeClr val="lt1">
+        <a:alpha val="90000"/>
+      </a:schemeClr>
+    </dgm:fillClrLst>
+    <dgm:linClrLst meth="repeat">
+      <a:schemeClr val="accent1"/>
+    </dgm:linClrLst>
+    <dgm:effectClrLst/>
+    <dgm:txLinClrLst/>
+    <dgm:txFillClrLst meth="repeat">
+      <a:schemeClr val="dk1"/>
+    </dgm:txFillClrLst>
+    <dgm:txEffectClrLst/>
+  </dgm:styleLbl>
+  <dgm:styleLbl name="bgShp">
+    <dgm:fillClrLst meth="repeat">
+      <a:schemeClr val="accent1">
+        <a:tint val="40000"/>
+      </a:schemeClr>
+    </dgm:fillClrLst>
+    <dgm:linClrLst meth="repeat">
+      <a:schemeClr val="accent1"/>
+    </dgm:linClrLst>
+    <dgm:effectClrLst/>
+    <dgm:txLinClrLst/>
+    <dgm:txFillClrLst meth="repeat">
+      <a:schemeClr val="dk1"/>
+    </dgm:txFillClrLst>
+    <dgm:txEffectClrLst/>
+  </dgm:styleLbl>
+  <dgm:styleLbl name="dkBgShp">
+    <dgm:fillClrLst meth="repeat">
+      <a:schemeClr val="accent1">
+        <a:shade val="80000"/>
+      </a:schemeClr>
+    </dgm:fillClrLst>
+    <dgm:linClrLst meth="repeat">
+      <a:schemeClr val="accent1"/>
+    </dgm:linClrLst>
+    <dgm:effectClrLst/>
+    <dgm:txLinClrLst/>
+    <dgm:txFillClrLst meth="repeat">
+      <a:schemeClr val="lt1"/>
+    </dgm:txFillClrLst>
+    <dgm:txEffectClrLst/>
+  </dgm:styleLbl>
+  <dgm:styleLbl name="trBgShp">
+    <dgm:fillClrLst meth="repeat">
+      <a:schemeClr val="accent1">
+        <a:tint val="50000"/>
+        <a:alpha val="40000"/>
+      </a:schemeClr>
+    </dgm:fillClrLst>
+    <dgm:linClrLst meth="repeat">
+      <a:schemeClr val="accent1"/>
+    </dgm:linClrLst>
+    <dgm:effectClrLst/>
+    <dgm:txLinClrLst/>
+    <dgm:txFillClrLst meth="repeat">
+      <a:schemeClr val="lt1"/>
+    </dgm:txFillClrLst>
+    <dgm:txEffectClrLst/>
+  </dgm:styleLbl>
+  <dgm:styleLbl name="fgShp">
+    <dgm:fillClrLst meth="repeat">
+      <a:schemeClr val="accent1">
+        <a:tint val="60000"/>
+      </a:schemeClr>
+    </dgm:fillClrLst>
+    <dgm:linClrLst meth="repeat">
+      <a:schemeClr val="lt1"/>
+    </dgm:linClrLst>
+    <dgm:effectClrLst/>
+    <dgm:txLinClrLst/>
+    <dgm:txFillClrLst meth="repeat">
+      <a:schemeClr val="dk1"/>
+    </dgm:txFillClrLst>
+    <dgm:txEffectClrLst/>
+  </dgm:styleLbl>
+  <dgm:styleLbl name="revTx">
+    <dgm:fillClrLst meth="repeat">
+      <a:schemeClr val="lt1">
+        <a:alpha val="0"/>
+      </a:schemeClr>
+    </dgm:fillClrLst>
+    <dgm:linClrLst meth="repeat">
+      <a:schemeClr val="dk1">
+        <a:alpha val="0"/>
+      </a:schemeClr>
+    </dgm:linClrLst>
+    <dgm:effectClrLst/>
+    <dgm:txLinClrLst/>
+    <dgm:txFillClrLst meth="repeat">
+      <a:schemeClr val="tx1"/>
+    </dgm:txFillClrLst>
+    <dgm:txEffectClrLst/>
+  </dgm:styleLbl>
+</dgm:colorsDef>
+</file>
+
+<file path=ppt/diagrams/data1.xml><?xml version="1.0" encoding="utf-8"?>
+<dgm:dataModel xmlns:dgm="http://schemas.openxmlformats.org/drawingml/2006/diagram" xmlns:a="http://schemas.openxmlformats.org/drawingml/2006/main">
+  <dgm:ptLst>
+    <dgm:pt modelId="{ECA0416F-B966-E74C-9BC0-CD6C64DA1847}" type="doc">
+      <dgm:prSet loTypeId="urn:microsoft.com/office/officeart/2008/layout/HorizontalMultiLevelHierarchy" loCatId="" qsTypeId="urn:microsoft.com/office/officeart/2005/8/quickstyle/simple4" qsCatId="simple" csTypeId="urn:microsoft.com/office/officeart/2005/8/colors/accent1_2" csCatId="accent1" phldr="1"/>
+      <dgm:spPr/>
+      <dgm:t>
+        <a:bodyPr/>
+        <a:lstStyle/>
+        <a:p>
+          <a:endParaRPr lang="en-US"/>
+        </a:p>
+      </dgm:t>
+    </dgm:pt>
+    <dgm:pt modelId="{783A4781-CD16-9341-B210-9809C2204D45}">
+      <dgm:prSet phldrT="[Text]" custT="1"/>
+      <dgm:spPr/>
+      <dgm:t>
+        <a:bodyPr/>
+        <a:lstStyle/>
+        <a:p>
+          <a:r>
+            <a:rPr lang="en-US" sz="2400" dirty="0" smtClean="0">
+              <a:solidFill>
+                <a:schemeClr val="tx1"/>
+              </a:solidFill>
+            </a:rPr>
+            <a:t>Input Data Replication </a:t>
+          </a:r>
+          <a:endParaRPr lang="en-US" sz="2400" dirty="0">
+            <a:solidFill>
+              <a:schemeClr val="tx1"/>
+            </a:solidFill>
+          </a:endParaRPr>
+        </a:p>
+      </dgm:t>
+    </dgm:pt>
+    <dgm:pt modelId="{C734292A-9FD7-544C-AED2-061F24F5EC66}" type="parTrans" cxnId="{EAEE2195-025D-5244-A1F5-27ABB386F49D}">
+      <dgm:prSet/>
+      <dgm:spPr/>
+      <dgm:t>
+        <a:bodyPr/>
+        <a:lstStyle/>
+        <a:p>
+          <a:endParaRPr lang="en-US"/>
+        </a:p>
+      </dgm:t>
+    </dgm:pt>
+    <dgm:pt modelId="{BF21E796-99F8-934C-97B9-957F356790D7}" type="sibTrans" cxnId="{EAEE2195-025D-5244-A1F5-27ABB386F49D}">
+      <dgm:prSet/>
+      <dgm:spPr/>
+      <dgm:t>
+        <a:bodyPr/>
+        <a:lstStyle/>
+        <a:p>
+          <a:endParaRPr lang="en-US"/>
+        </a:p>
+      </dgm:t>
+    </dgm:pt>
+    <dgm:pt modelId="{147758F6-19AC-E84E-ABD7-87546F926148}">
+      <dgm:prSet phldrT="[Text]"/>
+      <dgm:spPr/>
+      <dgm:t>
+        <a:bodyPr/>
+        <a:lstStyle/>
+        <a:p>
+          <a:r>
+            <a:rPr lang="en-US" dirty="0" smtClean="0">
+              <a:solidFill>
+                <a:schemeClr val="tx1"/>
+              </a:solidFill>
+            </a:rPr>
+            <a:t>Random Forest</a:t>
+          </a:r>
+          <a:endParaRPr lang="en-US" dirty="0">
+            <a:solidFill>
+              <a:schemeClr val="tx1"/>
+            </a:solidFill>
+          </a:endParaRPr>
+        </a:p>
+      </dgm:t>
+    </dgm:pt>
+    <dgm:pt modelId="{4AEB8EE7-92A5-D94B-930D-16327DDB4682}" type="parTrans" cxnId="{A8F48E90-B84B-6748-B2A4-47C0967ADD8A}">
+      <dgm:prSet/>
+      <dgm:spPr/>
+      <dgm:t>
+        <a:bodyPr/>
+        <a:lstStyle/>
+        <a:p>
+          <a:endParaRPr lang="en-US"/>
+        </a:p>
+      </dgm:t>
+    </dgm:pt>
+    <dgm:pt modelId="{E8A07F4E-9189-6940-9393-3846877502B9}" type="sibTrans" cxnId="{A8F48E90-B84B-6748-B2A4-47C0967ADD8A}">
+      <dgm:prSet/>
+      <dgm:spPr/>
+      <dgm:t>
+        <a:bodyPr/>
+        <a:lstStyle/>
+        <a:p>
+          <a:endParaRPr lang="en-US"/>
+        </a:p>
+      </dgm:t>
+    </dgm:pt>
+    <dgm:pt modelId="{31FF9168-FC8C-7145-BFD3-1F92ABB3EF7B}">
+      <dgm:prSet phldrT="[Text]"/>
+      <dgm:spPr/>
+      <dgm:t>
+        <a:bodyPr/>
+        <a:lstStyle/>
+        <a:p>
+          <a:r>
+            <a:rPr lang="en-US" dirty="0" smtClean="0">
+              <a:solidFill>
+                <a:schemeClr val="tx1"/>
+              </a:solidFill>
+            </a:rPr>
+            <a:t>SVM</a:t>
+          </a:r>
+          <a:endParaRPr lang="en-US" dirty="0">
+            <a:solidFill>
+              <a:schemeClr val="tx1"/>
+            </a:solidFill>
+          </a:endParaRPr>
+        </a:p>
+      </dgm:t>
+    </dgm:pt>
+    <dgm:pt modelId="{5E280D20-D72D-1245-A106-B53A7EB6E450}" type="parTrans" cxnId="{DB00A6F6-BC9E-A44A-B21B-C34E18973857}">
+      <dgm:prSet/>
+      <dgm:spPr/>
+      <dgm:t>
+        <a:bodyPr/>
+        <a:lstStyle/>
+        <a:p>
+          <a:endParaRPr lang="en-US"/>
+        </a:p>
+      </dgm:t>
+    </dgm:pt>
+    <dgm:pt modelId="{071B54F3-EA79-C645-B7C8-BCF636A6D80D}" type="sibTrans" cxnId="{DB00A6F6-BC9E-A44A-B21B-C34E18973857}">
+      <dgm:prSet/>
+      <dgm:spPr/>
+      <dgm:t>
+        <a:bodyPr/>
+        <a:lstStyle/>
+        <a:p>
+          <a:endParaRPr lang="en-US"/>
+        </a:p>
+      </dgm:t>
+    </dgm:pt>
+    <dgm:pt modelId="{38E9A502-FC34-194C-A026-1BF54CFE5188}">
+      <dgm:prSet phldrT="[Text]"/>
+      <dgm:spPr/>
+      <dgm:t>
+        <a:bodyPr/>
+        <a:lstStyle/>
+        <a:p>
+          <a:r>
+            <a:rPr lang="en-US" dirty="0" smtClean="0">
+              <a:solidFill>
+                <a:schemeClr val="tx1"/>
+              </a:solidFill>
+            </a:rPr>
+            <a:t>Gradient Boosted Trees</a:t>
+          </a:r>
+          <a:endParaRPr lang="en-US" dirty="0">
+            <a:solidFill>
+              <a:schemeClr val="tx1"/>
+            </a:solidFill>
+          </a:endParaRPr>
+        </a:p>
+      </dgm:t>
+    </dgm:pt>
+    <dgm:pt modelId="{2664F7D6-7B4F-B041-861C-2542954E4C95}" type="parTrans" cxnId="{E7D4CDA2-BA85-EA4D-B0E6-433305C10923}">
+      <dgm:prSet/>
+      <dgm:spPr/>
+      <dgm:t>
+        <a:bodyPr/>
+        <a:lstStyle/>
+        <a:p>
+          <a:endParaRPr lang="en-US"/>
+        </a:p>
+      </dgm:t>
+    </dgm:pt>
+    <dgm:pt modelId="{FA845649-612D-3043-AD3F-0DAC68672A59}" type="sibTrans" cxnId="{E7D4CDA2-BA85-EA4D-B0E6-433305C10923}">
+      <dgm:prSet/>
+      <dgm:spPr/>
+      <dgm:t>
+        <a:bodyPr/>
+        <a:lstStyle/>
+        <a:p>
+          <a:endParaRPr lang="en-US"/>
+        </a:p>
+      </dgm:t>
+    </dgm:pt>
+    <dgm:pt modelId="{2E6132F9-EDC3-BB4A-BD5F-52BFAA65D963}" type="pres">
+      <dgm:prSet presAssocID="{ECA0416F-B966-E74C-9BC0-CD6C64DA1847}" presName="Name0" presStyleCnt="0">
+        <dgm:presLayoutVars>
+          <dgm:chPref val="1"/>
+          <dgm:dir/>
+          <dgm:animOne val="branch"/>
+          <dgm:animLvl val="lvl"/>
+          <dgm:resizeHandles val="exact"/>
+        </dgm:presLayoutVars>
+      </dgm:prSet>
+      <dgm:spPr/>
+    </dgm:pt>
+    <dgm:pt modelId="{DE802918-130D-7F4F-A122-B9E0B3771DBD}" type="pres">
+      <dgm:prSet presAssocID="{783A4781-CD16-9341-B210-9809C2204D45}" presName="root1" presStyleCnt="0"/>
+      <dgm:spPr/>
+    </dgm:pt>
+    <dgm:pt modelId="{CCBDC97B-69CA-F748-A4BC-566582CBEC66}" type="pres">
+      <dgm:prSet presAssocID="{783A4781-CD16-9341-B210-9809C2204D45}" presName="LevelOneTextNode" presStyleLbl="node0" presStyleIdx="0" presStyleCnt="1" custAng="5400000" custScaleX="308203" custScaleY="91328" custLinFactX="-100000" custLinFactNeighborX="-156986" custLinFactNeighborY="1010">
+        <dgm:presLayoutVars>
+          <dgm:chPref val="3"/>
+        </dgm:presLayoutVars>
+      </dgm:prSet>
+      <dgm:spPr/>
+      <dgm:t>
+        <a:bodyPr/>
+        <a:lstStyle/>
+        <a:p>
+          <a:endParaRPr lang="en-US"/>
+        </a:p>
+      </dgm:t>
+    </dgm:pt>
+    <dgm:pt modelId="{5B849C62-3616-3140-B3CD-64187067D05D}" type="pres">
+      <dgm:prSet presAssocID="{783A4781-CD16-9341-B210-9809C2204D45}" presName="level2hierChild" presStyleCnt="0"/>
+      <dgm:spPr/>
+    </dgm:pt>
+    <dgm:pt modelId="{4139402F-9D62-B04E-927B-E32BB7C55E20}" type="pres">
+      <dgm:prSet presAssocID="{4AEB8EE7-92A5-D94B-930D-16327DDB4682}" presName="conn2-1" presStyleLbl="parChTrans1D2" presStyleIdx="0" presStyleCnt="3"/>
+      <dgm:spPr/>
+    </dgm:pt>
+    <dgm:pt modelId="{EECEB261-1577-7441-AA4F-9115C88B7166}" type="pres">
+      <dgm:prSet presAssocID="{4AEB8EE7-92A5-D94B-930D-16327DDB4682}" presName="connTx" presStyleLbl="parChTrans1D2" presStyleIdx="0" presStyleCnt="3"/>
+      <dgm:spPr/>
+    </dgm:pt>
+    <dgm:pt modelId="{07E12D55-D5A6-F640-9F2E-56497B38EE91}" type="pres">
+      <dgm:prSet presAssocID="{147758F6-19AC-E84E-ABD7-87546F926148}" presName="root2" presStyleCnt="0"/>
+      <dgm:spPr/>
+    </dgm:pt>
+    <dgm:pt modelId="{BBE10023-45BD-5B4B-BC14-7718B487FB9C}" type="pres">
+      <dgm:prSet presAssocID="{147758F6-19AC-E84E-ABD7-87546F926148}" presName="LevelTwoTextNode" presStyleLbl="node2" presStyleIdx="0" presStyleCnt="3" custLinFactNeighborX="-2156" custLinFactNeighborY="-15921">
+        <dgm:presLayoutVars>
+          <dgm:chPref val="3"/>
+        </dgm:presLayoutVars>
+      </dgm:prSet>
+      <dgm:spPr/>
+    </dgm:pt>
+    <dgm:pt modelId="{B5E2EE0C-2D59-0640-9830-AE25434EBB85}" type="pres">
+      <dgm:prSet presAssocID="{147758F6-19AC-E84E-ABD7-87546F926148}" presName="level3hierChild" presStyleCnt="0"/>
+      <dgm:spPr/>
+    </dgm:pt>
+    <dgm:pt modelId="{71DB25B7-2F64-7145-B522-628105051BBE}" type="pres">
+      <dgm:prSet presAssocID="{5E280D20-D72D-1245-A106-B53A7EB6E450}" presName="conn2-1" presStyleLbl="parChTrans1D2" presStyleIdx="1" presStyleCnt="3"/>
+      <dgm:spPr/>
+    </dgm:pt>
+    <dgm:pt modelId="{4DB5043D-365F-4A43-8D3E-272493A3313B}" type="pres">
+      <dgm:prSet presAssocID="{5E280D20-D72D-1245-A106-B53A7EB6E450}" presName="connTx" presStyleLbl="parChTrans1D2" presStyleIdx="1" presStyleCnt="3"/>
+      <dgm:spPr/>
+    </dgm:pt>
+    <dgm:pt modelId="{537B70D4-ACA4-0443-B892-0B3AC0D491AE}" type="pres">
+      <dgm:prSet presAssocID="{31FF9168-FC8C-7145-BFD3-1F92ABB3EF7B}" presName="root2" presStyleCnt="0"/>
+      <dgm:spPr/>
+    </dgm:pt>
+    <dgm:pt modelId="{B48AE071-AA4D-114D-9B21-67BE48C2ED70}" type="pres">
+      <dgm:prSet presAssocID="{31FF9168-FC8C-7145-BFD3-1F92ABB3EF7B}" presName="LevelTwoTextNode" presStyleLbl="node2" presStyleIdx="1" presStyleCnt="3" custLinFactNeighborX="-2156">
+        <dgm:presLayoutVars>
+          <dgm:chPref val="3"/>
+        </dgm:presLayoutVars>
+      </dgm:prSet>
+      <dgm:spPr/>
+    </dgm:pt>
+    <dgm:pt modelId="{3E1B2727-8B9E-B64E-8DA2-C92ABC9C69D7}" type="pres">
+      <dgm:prSet presAssocID="{31FF9168-FC8C-7145-BFD3-1F92ABB3EF7B}" presName="level3hierChild" presStyleCnt="0"/>
+      <dgm:spPr/>
+    </dgm:pt>
+    <dgm:pt modelId="{B9D6B8BA-559D-BB4E-ACE3-CA329DC0EA2A}" type="pres">
+      <dgm:prSet presAssocID="{2664F7D6-7B4F-B041-861C-2542954E4C95}" presName="conn2-1" presStyleLbl="parChTrans1D2" presStyleIdx="2" presStyleCnt="3"/>
+      <dgm:spPr/>
+    </dgm:pt>
+    <dgm:pt modelId="{835FC639-8390-3040-B914-16685729E23B}" type="pres">
+      <dgm:prSet presAssocID="{2664F7D6-7B4F-B041-861C-2542954E4C95}" presName="connTx" presStyleLbl="parChTrans1D2" presStyleIdx="2" presStyleCnt="3"/>
+      <dgm:spPr/>
+    </dgm:pt>
+    <dgm:pt modelId="{E9293E1C-CDB7-CE40-B113-B6DB551972F6}" type="pres">
+      <dgm:prSet presAssocID="{38E9A502-FC34-194C-A026-1BF54CFE5188}" presName="root2" presStyleCnt="0"/>
+      <dgm:spPr/>
+    </dgm:pt>
+    <dgm:pt modelId="{874B0FE6-1EB4-BD4E-A5F1-848D8F0F0D3B}" type="pres">
+      <dgm:prSet presAssocID="{38E9A502-FC34-194C-A026-1BF54CFE5188}" presName="LevelTwoTextNode" presStyleLbl="node2" presStyleIdx="2" presStyleCnt="3" custLinFactNeighborY="17690">
+        <dgm:presLayoutVars>
+          <dgm:chPref val="3"/>
+        </dgm:presLayoutVars>
+      </dgm:prSet>
+      <dgm:spPr/>
+      <dgm:t>
+        <a:bodyPr/>
+        <a:lstStyle/>
+        <a:p>
+          <a:endParaRPr lang="en-US"/>
+        </a:p>
+      </dgm:t>
+    </dgm:pt>
+    <dgm:pt modelId="{A118046B-E76B-8E4C-9563-FE6DE27EF0DC}" type="pres">
+      <dgm:prSet presAssocID="{38E9A502-FC34-194C-A026-1BF54CFE5188}" presName="level3hierChild" presStyleCnt="0"/>
+      <dgm:spPr/>
+    </dgm:pt>
+  </dgm:ptLst>
+  <dgm:cxnLst>
+    <dgm:cxn modelId="{E6C7A350-B4AF-D14B-92B2-CED275AF3DFD}" type="presOf" srcId="{4AEB8EE7-92A5-D94B-930D-16327DDB4682}" destId="{EECEB261-1577-7441-AA4F-9115C88B7166}" srcOrd="1" destOrd="0" presId="urn:microsoft.com/office/officeart/2008/layout/HorizontalMultiLevelHierarchy"/>
+    <dgm:cxn modelId="{99B82A39-A347-D14F-8D86-E7C85AB7306F}" type="presOf" srcId="{783A4781-CD16-9341-B210-9809C2204D45}" destId="{CCBDC97B-69CA-F748-A4BC-566582CBEC66}" srcOrd="0" destOrd="0" presId="urn:microsoft.com/office/officeart/2008/layout/HorizontalMultiLevelHierarchy"/>
+    <dgm:cxn modelId="{507F3419-949D-6648-B822-50D6FAA551E7}" type="presOf" srcId="{38E9A502-FC34-194C-A026-1BF54CFE5188}" destId="{874B0FE6-1EB4-BD4E-A5F1-848D8F0F0D3B}" srcOrd="0" destOrd="0" presId="urn:microsoft.com/office/officeart/2008/layout/HorizontalMultiLevelHierarchy"/>
+    <dgm:cxn modelId="{69F0CE7F-CDF1-2E4A-A484-581E74835FAC}" type="presOf" srcId="{147758F6-19AC-E84E-ABD7-87546F926148}" destId="{BBE10023-45BD-5B4B-BC14-7718B487FB9C}" srcOrd="0" destOrd="0" presId="urn:microsoft.com/office/officeart/2008/layout/HorizontalMultiLevelHierarchy"/>
+    <dgm:cxn modelId="{A8F48E90-B84B-6748-B2A4-47C0967ADD8A}" srcId="{783A4781-CD16-9341-B210-9809C2204D45}" destId="{147758F6-19AC-E84E-ABD7-87546F926148}" srcOrd="0" destOrd="0" parTransId="{4AEB8EE7-92A5-D94B-930D-16327DDB4682}" sibTransId="{E8A07F4E-9189-6940-9393-3846877502B9}"/>
+    <dgm:cxn modelId="{DB00A6F6-BC9E-A44A-B21B-C34E18973857}" srcId="{783A4781-CD16-9341-B210-9809C2204D45}" destId="{31FF9168-FC8C-7145-BFD3-1F92ABB3EF7B}" srcOrd="1" destOrd="0" parTransId="{5E280D20-D72D-1245-A106-B53A7EB6E450}" sibTransId="{071B54F3-EA79-C645-B7C8-BCF636A6D80D}"/>
+    <dgm:cxn modelId="{FDE2A839-873E-A542-82D7-E60DC1AB87F1}" type="presOf" srcId="{2664F7D6-7B4F-B041-861C-2542954E4C95}" destId="{835FC639-8390-3040-B914-16685729E23B}" srcOrd="1" destOrd="0" presId="urn:microsoft.com/office/officeart/2008/layout/HorizontalMultiLevelHierarchy"/>
+    <dgm:cxn modelId="{78C38FE5-9B24-2A47-9176-329244CD1B09}" type="presOf" srcId="{ECA0416F-B966-E74C-9BC0-CD6C64DA1847}" destId="{2E6132F9-EDC3-BB4A-BD5F-52BFAA65D963}" srcOrd="0" destOrd="0" presId="urn:microsoft.com/office/officeart/2008/layout/HorizontalMultiLevelHierarchy"/>
+    <dgm:cxn modelId="{EAEE2195-025D-5244-A1F5-27ABB386F49D}" srcId="{ECA0416F-B966-E74C-9BC0-CD6C64DA1847}" destId="{783A4781-CD16-9341-B210-9809C2204D45}" srcOrd="0" destOrd="0" parTransId="{C734292A-9FD7-544C-AED2-061F24F5EC66}" sibTransId="{BF21E796-99F8-934C-97B9-957F356790D7}"/>
+    <dgm:cxn modelId="{9905943F-80ED-C84A-8644-9A5C5124CC2C}" type="presOf" srcId="{5E280D20-D72D-1245-A106-B53A7EB6E450}" destId="{4DB5043D-365F-4A43-8D3E-272493A3313B}" srcOrd="1" destOrd="0" presId="urn:microsoft.com/office/officeart/2008/layout/HorizontalMultiLevelHierarchy"/>
+    <dgm:cxn modelId="{13DF6EED-3851-B544-9A8D-681D32D36A3D}" type="presOf" srcId="{5E280D20-D72D-1245-A106-B53A7EB6E450}" destId="{71DB25B7-2F64-7145-B522-628105051BBE}" srcOrd="0" destOrd="0" presId="urn:microsoft.com/office/officeart/2008/layout/HorizontalMultiLevelHierarchy"/>
+    <dgm:cxn modelId="{54F261BF-BBB0-8041-8EE9-C3899426B472}" type="presOf" srcId="{4AEB8EE7-92A5-D94B-930D-16327DDB4682}" destId="{4139402F-9D62-B04E-927B-E32BB7C55E20}" srcOrd="0" destOrd="0" presId="urn:microsoft.com/office/officeart/2008/layout/HorizontalMultiLevelHierarchy"/>
+    <dgm:cxn modelId="{686BA0F4-2931-844D-9A65-6E190119890D}" type="presOf" srcId="{31FF9168-FC8C-7145-BFD3-1F92ABB3EF7B}" destId="{B48AE071-AA4D-114D-9B21-67BE48C2ED70}" srcOrd="0" destOrd="0" presId="urn:microsoft.com/office/officeart/2008/layout/HorizontalMultiLevelHierarchy"/>
+    <dgm:cxn modelId="{E7D4CDA2-BA85-EA4D-B0E6-433305C10923}" srcId="{783A4781-CD16-9341-B210-9809C2204D45}" destId="{38E9A502-FC34-194C-A026-1BF54CFE5188}" srcOrd="2" destOrd="0" parTransId="{2664F7D6-7B4F-B041-861C-2542954E4C95}" sibTransId="{FA845649-612D-3043-AD3F-0DAC68672A59}"/>
+    <dgm:cxn modelId="{47416DB5-4EC1-364A-A4C1-408AE2008E67}" type="presOf" srcId="{2664F7D6-7B4F-B041-861C-2542954E4C95}" destId="{B9D6B8BA-559D-BB4E-ACE3-CA329DC0EA2A}" srcOrd="0" destOrd="0" presId="urn:microsoft.com/office/officeart/2008/layout/HorizontalMultiLevelHierarchy"/>
+    <dgm:cxn modelId="{BF93137C-60A2-A540-8ABC-764C307D6354}" type="presParOf" srcId="{2E6132F9-EDC3-BB4A-BD5F-52BFAA65D963}" destId="{DE802918-130D-7F4F-A122-B9E0B3771DBD}" srcOrd="0" destOrd="0" presId="urn:microsoft.com/office/officeart/2008/layout/HorizontalMultiLevelHierarchy"/>
+    <dgm:cxn modelId="{F5831C8B-68E6-D84F-B4EA-A1141E0815E5}" type="presParOf" srcId="{DE802918-130D-7F4F-A122-B9E0B3771DBD}" destId="{CCBDC97B-69CA-F748-A4BC-566582CBEC66}" srcOrd="0" destOrd="0" presId="urn:microsoft.com/office/officeart/2008/layout/HorizontalMultiLevelHierarchy"/>
+    <dgm:cxn modelId="{92B5AF2B-05D4-A74F-B8B6-944298070BAD}" type="presParOf" srcId="{DE802918-130D-7F4F-A122-B9E0B3771DBD}" destId="{5B849C62-3616-3140-B3CD-64187067D05D}" srcOrd="1" destOrd="0" presId="urn:microsoft.com/office/officeart/2008/layout/HorizontalMultiLevelHierarchy"/>
+    <dgm:cxn modelId="{C193C694-8148-4340-AC31-2190AFF9B6CE}" type="presParOf" srcId="{5B849C62-3616-3140-B3CD-64187067D05D}" destId="{4139402F-9D62-B04E-927B-E32BB7C55E20}" srcOrd="0" destOrd="0" presId="urn:microsoft.com/office/officeart/2008/layout/HorizontalMultiLevelHierarchy"/>
+    <dgm:cxn modelId="{AA853EE2-0DC4-954A-9394-EE2E5EDCB095}" type="presParOf" srcId="{4139402F-9D62-B04E-927B-E32BB7C55E20}" destId="{EECEB261-1577-7441-AA4F-9115C88B7166}" srcOrd="0" destOrd="0" presId="urn:microsoft.com/office/officeart/2008/layout/HorizontalMultiLevelHierarchy"/>
+    <dgm:cxn modelId="{6D8FEEDC-4011-7C46-AE36-2F14DD6AA0EE}" type="presParOf" srcId="{5B849C62-3616-3140-B3CD-64187067D05D}" destId="{07E12D55-D5A6-F640-9F2E-56497B38EE91}" srcOrd="1" destOrd="0" presId="urn:microsoft.com/office/officeart/2008/layout/HorizontalMultiLevelHierarchy"/>
+    <dgm:cxn modelId="{3A9D151B-6CCB-E744-877E-BCE2395DE4D6}" type="presParOf" srcId="{07E12D55-D5A6-F640-9F2E-56497B38EE91}" destId="{BBE10023-45BD-5B4B-BC14-7718B487FB9C}" srcOrd="0" destOrd="0" presId="urn:microsoft.com/office/officeart/2008/layout/HorizontalMultiLevelHierarchy"/>
+    <dgm:cxn modelId="{930F7A2B-BA20-B143-96DE-EB87965DD2E7}" type="presParOf" srcId="{07E12D55-D5A6-F640-9F2E-56497B38EE91}" destId="{B5E2EE0C-2D59-0640-9830-AE25434EBB85}" srcOrd="1" destOrd="0" presId="urn:microsoft.com/office/officeart/2008/layout/HorizontalMultiLevelHierarchy"/>
+    <dgm:cxn modelId="{2CEA9D72-5A89-7943-A32B-6F6641449388}" type="presParOf" srcId="{5B849C62-3616-3140-B3CD-64187067D05D}" destId="{71DB25B7-2F64-7145-B522-628105051BBE}" srcOrd="2" destOrd="0" presId="urn:microsoft.com/office/officeart/2008/layout/HorizontalMultiLevelHierarchy"/>
+    <dgm:cxn modelId="{A1872703-7FB3-C242-BB6A-C23C1140A6F5}" type="presParOf" srcId="{71DB25B7-2F64-7145-B522-628105051BBE}" destId="{4DB5043D-365F-4A43-8D3E-272493A3313B}" srcOrd="0" destOrd="0" presId="urn:microsoft.com/office/officeart/2008/layout/HorizontalMultiLevelHierarchy"/>
+    <dgm:cxn modelId="{5EE09767-1D3A-ED47-AE69-D56EF8E247AE}" type="presParOf" srcId="{5B849C62-3616-3140-B3CD-64187067D05D}" destId="{537B70D4-ACA4-0443-B892-0B3AC0D491AE}" srcOrd="3" destOrd="0" presId="urn:microsoft.com/office/officeart/2008/layout/HorizontalMultiLevelHierarchy"/>
+    <dgm:cxn modelId="{75298AE4-7CBC-AB43-B7EA-8CA9EABF64C3}" type="presParOf" srcId="{537B70D4-ACA4-0443-B892-0B3AC0D491AE}" destId="{B48AE071-AA4D-114D-9B21-67BE48C2ED70}" srcOrd="0" destOrd="0" presId="urn:microsoft.com/office/officeart/2008/layout/HorizontalMultiLevelHierarchy"/>
+    <dgm:cxn modelId="{1D270296-45F9-8E4A-943A-C07F21B8C413}" type="presParOf" srcId="{537B70D4-ACA4-0443-B892-0B3AC0D491AE}" destId="{3E1B2727-8B9E-B64E-8DA2-C92ABC9C69D7}" srcOrd="1" destOrd="0" presId="urn:microsoft.com/office/officeart/2008/layout/HorizontalMultiLevelHierarchy"/>
+    <dgm:cxn modelId="{9B8CA532-DF56-5F4E-8D65-E82EC05DFA66}" type="presParOf" srcId="{5B849C62-3616-3140-B3CD-64187067D05D}" destId="{B9D6B8BA-559D-BB4E-ACE3-CA329DC0EA2A}" srcOrd="4" destOrd="0" presId="urn:microsoft.com/office/officeart/2008/layout/HorizontalMultiLevelHierarchy"/>
+    <dgm:cxn modelId="{42C2E617-4997-6547-B19D-64789DDBF963}" type="presParOf" srcId="{B9D6B8BA-559D-BB4E-ACE3-CA329DC0EA2A}" destId="{835FC639-8390-3040-B914-16685729E23B}" srcOrd="0" destOrd="0" presId="urn:microsoft.com/office/officeart/2008/layout/HorizontalMultiLevelHierarchy"/>
+    <dgm:cxn modelId="{96BEDCB0-2DA4-B94E-8FE8-A0BDD7C35471}" type="presParOf" srcId="{5B849C62-3616-3140-B3CD-64187067D05D}" destId="{E9293E1C-CDB7-CE40-B113-B6DB551972F6}" srcOrd="5" destOrd="0" presId="urn:microsoft.com/office/officeart/2008/layout/HorizontalMultiLevelHierarchy"/>
+    <dgm:cxn modelId="{9286B806-E8EF-B84F-A2C9-DE4626FC180F}" type="presParOf" srcId="{E9293E1C-CDB7-CE40-B113-B6DB551972F6}" destId="{874B0FE6-1EB4-BD4E-A5F1-848D8F0F0D3B}" srcOrd="0" destOrd="0" presId="urn:microsoft.com/office/officeart/2008/layout/HorizontalMultiLevelHierarchy"/>
+    <dgm:cxn modelId="{3AABE0C4-51A7-814B-BF0E-672E95250783}" type="presParOf" srcId="{E9293E1C-CDB7-CE40-B113-B6DB551972F6}" destId="{A118046B-E76B-8E4C-9563-FE6DE27EF0DC}" srcOrd="1" destOrd="0" presId="urn:microsoft.com/office/officeart/2008/layout/HorizontalMultiLevelHierarchy"/>
+  </dgm:cxnLst>
+  <dgm:bg/>
+  <dgm:whole/>
+  <dgm:extLst>
+    <a:ext uri="http://schemas.microsoft.com/office/drawing/2008/diagram">
+      <dsp:dataModelExt xmlns:dsp="http://schemas.microsoft.com/office/drawing/2008/diagram" relId="rId6" minVer="http://schemas.openxmlformats.org/drawingml/2006/diagram"/>
+    </a:ext>
+  </dgm:extLst>
+</dgm:dataModel>
+</file>
+
+<file path=ppt/diagrams/data2.xml><?xml version="1.0" encoding="utf-8"?>
+<dgm:dataModel xmlns:dgm="http://schemas.openxmlformats.org/drawingml/2006/diagram" xmlns:a="http://schemas.openxmlformats.org/drawingml/2006/main">
+  <dgm:ptLst>
+    <dgm:pt modelId="{ECA0416F-B966-E74C-9BC0-CD6C64DA1847}" type="doc">
+      <dgm:prSet loTypeId="urn:microsoft.com/office/officeart/2008/layout/HorizontalMultiLevelHierarchy" loCatId="" qsTypeId="urn:microsoft.com/office/officeart/2005/8/quickstyle/simple4" qsCatId="simple" csTypeId="urn:microsoft.com/office/officeart/2005/8/colors/accent1_2" csCatId="accent1" phldr="1"/>
+      <dgm:spPr/>
+      <dgm:t>
+        <a:bodyPr/>
+        <a:lstStyle/>
+        <a:p>
+          <a:endParaRPr lang="en-US"/>
+        </a:p>
+      </dgm:t>
+    </dgm:pt>
+    <dgm:pt modelId="{783A4781-CD16-9341-B210-9809C2204D45}">
+      <dgm:prSet phldrT="[Text]" custT="1"/>
+      <dgm:spPr/>
+      <dgm:t>
+        <a:bodyPr/>
+        <a:lstStyle/>
+        <a:p>
+          <a:r>
+            <a:rPr lang="en-US" sz="2400" dirty="0" smtClean="0">
+              <a:solidFill>
+                <a:schemeClr val="tx1"/>
+              </a:solidFill>
+            </a:rPr>
+            <a:t>Input </a:t>
+          </a:r>
+          <a:r>
+            <a:rPr lang="en-US" sz="2400" smtClean="0">
+              <a:solidFill>
+                <a:schemeClr val="tx1"/>
+              </a:solidFill>
+            </a:rPr>
+            <a:t>Data Replication </a:t>
+          </a:r>
+          <a:endParaRPr lang="en-US" sz="2400" dirty="0">
+            <a:solidFill>
+              <a:schemeClr val="tx1"/>
+            </a:solidFill>
+          </a:endParaRPr>
+        </a:p>
+      </dgm:t>
+    </dgm:pt>
+    <dgm:pt modelId="{C734292A-9FD7-544C-AED2-061F24F5EC66}" type="parTrans" cxnId="{EAEE2195-025D-5244-A1F5-27ABB386F49D}">
+      <dgm:prSet/>
+      <dgm:spPr/>
+      <dgm:t>
+        <a:bodyPr/>
+        <a:lstStyle/>
+        <a:p>
+          <a:endParaRPr lang="en-US"/>
+        </a:p>
+      </dgm:t>
+    </dgm:pt>
+    <dgm:pt modelId="{BF21E796-99F8-934C-97B9-957F356790D7}" type="sibTrans" cxnId="{EAEE2195-025D-5244-A1F5-27ABB386F49D}">
+      <dgm:prSet/>
+      <dgm:spPr/>
+      <dgm:t>
+        <a:bodyPr/>
+        <a:lstStyle/>
+        <a:p>
+          <a:endParaRPr lang="en-US"/>
+        </a:p>
+      </dgm:t>
+    </dgm:pt>
+    <dgm:pt modelId="{147758F6-19AC-E84E-ABD7-87546F926148}">
+      <dgm:prSet phldrT="[Text]"/>
+      <dgm:spPr/>
+      <dgm:t>
+        <a:bodyPr/>
+        <a:lstStyle/>
+        <a:p>
+          <a:r>
+            <a:rPr lang="en-US" dirty="0" smtClean="0">
+              <a:solidFill>
+                <a:schemeClr val="tx1"/>
+              </a:solidFill>
+            </a:rPr>
+            <a:t>Random Forest</a:t>
+          </a:r>
+          <a:endParaRPr lang="en-US" dirty="0">
+            <a:solidFill>
+              <a:schemeClr val="tx1"/>
+            </a:solidFill>
+          </a:endParaRPr>
+        </a:p>
+      </dgm:t>
+    </dgm:pt>
+    <dgm:pt modelId="{4AEB8EE7-92A5-D94B-930D-16327DDB4682}" type="parTrans" cxnId="{A8F48E90-B84B-6748-B2A4-47C0967ADD8A}">
+      <dgm:prSet/>
+      <dgm:spPr/>
+      <dgm:t>
+        <a:bodyPr/>
+        <a:lstStyle/>
+        <a:p>
+          <a:endParaRPr lang="en-US"/>
+        </a:p>
+      </dgm:t>
+    </dgm:pt>
+    <dgm:pt modelId="{E8A07F4E-9189-6940-9393-3846877502B9}" type="sibTrans" cxnId="{A8F48E90-B84B-6748-B2A4-47C0967ADD8A}">
+      <dgm:prSet/>
+      <dgm:spPr/>
+      <dgm:t>
+        <a:bodyPr/>
+        <a:lstStyle/>
+        <a:p>
+          <a:endParaRPr lang="en-US"/>
+        </a:p>
+      </dgm:t>
+    </dgm:pt>
+    <dgm:pt modelId="{31FF9168-FC8C-7145-BFD3-1F92ABB3EF7B}">
+      <dgm:prSet phldrT="[Text]"/>
+      <dgm:spPr/>
+      <dgm:t>
+        <a:bodyPr/>
+        <a:lstStyle/>
+        <a:p>
+          <a:r>
+            <a:rPr lang="en-US" dirty="0" smtClean="0">
+              <a:solidFill>
+                <a:schemeClr val="tx1"/>
+              </a:solidFill>
+            </a:rPr>
+            <a:t>SVM</a:t>
+          </a:r>
+          <a:endParaRPr lang="en-US" dirty="0">
+            <a:solidFill>
+              <a:schemeClr val="tx1"/>
+            </a:solidFill>
+          </a:endParaRPr>
+        </a:p>
+      </dgm:t>
+    </dgm:pt>
+    <dgm:pt modelId="{5E280D20-D72D-1245-A106-B53A7EB6E450}" type="parTrans" cxnId="{DB00A6F6-BC9E-A44A-B21B-C34E18973857}">
+      <dgm:prSet/>
+      <dgm:spPr/>
+      <dgm:t>
+        <a:bodyPr/>
+        <a:lstStyle/>
+        <a:p>
+          <a:endParaRPr lang="en-US"/>
+        </a:p>
+      </dgm:t>
+    </dgm:pt>
+    <dgm:pt modelId="{071B54F3-EA79-C645-B7C8-BCF636A6D80D}" type="sibTrans" cxnId="{DB00A6F6-BC9E-A44A-B21B-C34E18973857}">
+      <dgm:prSet/>
+      <dgm:spPr/>
+      <dgm:t>
+        <a:bodyPr/>
+        <a:lstStyle/>
+        <a:p>
+          <a:endParaRPr lang="en-US"/>
+        </a:p>
+      </dgm:t>
+    </dgm:pt>
+    <dgm:pt modelId="{38E9A502-FC34-194C-A026-1BF54CFE5188}">
+      <dgm:prSet phldrT="[Text]"/>
+      <dgm:spPr/>
+      <dgm:t>
+        <a:bodyPr/>
+        <a:lstStyle/>
+        <a:p>
+          <a:r>
+            <a:rPr lang="en-US" dirty="0" smtClean="0">
+              <a:solidFill>
+                <a:schemeClr val="tx1"/>
+              </a:solidFill>
+            </a:rPr>
+            <a:t>Gradient Boosted Trees</a:t>
+          </a:r>
+          <a:endParaRPr lang="en-US" dirty="0">
+            <a:solidFill>
+              <a:schemeClr val="tx1"/>
+            </a:solidFill>
+          </a:endParaRPr>
+        </a:p>
+      </dgm:t>
+    </dgm:pt>
+    <dgm:pt modelId="{2664F7D6-7B4F-B041-861C-2542954E4C95}" type="parTrans" cxnId="{E7D4CDA2-BA85-EA4D-B0E6-433305C10923}">
+      <dgm:prSet/>
+      <dgm:spPr/>
+      <dgm:t>
+        <a:bodyPr/>
+        <a:lstStyle/>
+        <a:p>
+          <a:endParaRPr lang="en-US"/>
+        </a:p>
+      </dgm:t>
+    </dgm:pt>
+    <dgm:pt modelId="{FA845649-612D-3043-AD3F-0DAC68672A59}" type="sibTrans" cxnId="{E7D4CDA2-BA85-EA4D-B0E6-433305C10923}">
+      <dgm:prSet/>
+      <dgm:spPr/>
+      <dgm:t>
+        <a:bodyPr/>
+        <a:lstStyle/>
+        <a:p>
+          <a:endParaRPr lang="en-US"/>
+        </a:p>
+      </dgm:t>
+    </dgm:pt>
+    <dgm:pt modelId="{48FEEA12-EB18-BE45-9A65-05E6913247A3}">
+      <dgm:prSet/>
+      <dgm:spPr/>
+      <dgm:t>
+        <a:bodyPr/>
+        <a:lstStyle/>
+        <a:p>
+          <a:r>
+            <a:rPr lang="en-US" dirty="0" smtClean="0">
+              <a:solidFill>
+                <a:schemeClr val="tx1"/>
+              </a:solidFill>
+            </a:rPr>
+            <a:t>Logistic Regression</a:t>
+          </a:r>
+          <a:endParaRPr lang="en-US" dirty="0">
+            <a:solidFill>
+              <a:schemeClr val="tx1"/>
+            </a:solidFill>
+          </a:endParaRPr>
+        </a:p>
+      </dgm:t>
+    </dgm:pt>
+    <dgm:pt modelId="{6ECE04A6-655F-084B-A7A9-A01866CFAAAA}" type="parTrans" cxnId="{4B47D845-0B78-9A40-962E-0D303C90276E}">
+      <dgm:prSet/>
+      <dgm:spPr/>
+      <dgm:t>
+        <a:bodyPr/>
+        <a:lstStyle/>
+        <a:p>
+          <a:endParaRPr lang="en-US"/>
+        </a:p>
+      </dgm:t>
+    </dgm:pt>
+    <dgm:pt modelId="{63D3BFFC-EA96-4849-99F5-435C3099AD03}" type="sibTrans" cxnId="{4B47D845-0B78-9A40-962E-0D303C90276E}">
+      <dgm:prSet/>
+      <dgm:spPr/>
+      <dgm:t>
+        <a:bodyPr/>
+        <a:lstStyle/>
+        <a:p>
+          <a:endParaRPr lang="en-US"/>
+        </a:p>
+      </dgm:t>
+    </dgm:pt>
+    <dgm:pt modelId="{2E6132F9-EDC3-BB4A-BD5F-52BFAA65D963}" type="pres">
+      <dgm:prSet presAssocID="{ECA0416F-B966-E74C-9BC0-CD6C64DA1847}" presName="Name0" presStyleCnt="0">
+        <dgm:presLayoutVars>
+          <dgm:chPref val="1"/>
+          <dgm:dir/>
+          <dgm:animOne val="branch"/>
+          <dgm:animLvl val="lvl"/>
+          <dgm:resizeHandles val="exact"/>
+        </dgm:presLayoutVars>
+      </dgm:prSet>
+      <dgm:spPr/>
+    </dgm:pt>
+    <dgm:pt modelId="{DE802918-130D-7F4F-A122-B9E0B3771DBD}" type="pres">
+      <dgm:prSet presAssocID="{783A4781-CD16-9341-B210-9809C2204D45}" presName="root1" presStyleCnt="0"/>
+      <dgm:spPr/>
+    </dgm:pt>
+    <dgm:pt modelId="{CCBDC97B-69CA-F748-A4BC-566582CBEC66}" type="pres">
+      <dgm:prSet presAssocID="{783A4781-CD16-9341-B210-9809C2204D45}" presName="LevelOneTextNode" presStyleLbl="node0" presStyleIdx="0" presStyleCnt="1" custAng="5400000" custScaleX="218441" custScaleY="63847" custLinFactX="-100000" custLinFactNeighborX="-156986" custLinFactNeighborY="1010">
+        <dgm:presLayoutVars>
+          <dgm:chPref val="3"/>
+        </dgm:presLayoutVars>
+      </dgm:prSet>
+      <dgm:spPr/>
+      <dgm:t>
+        <a:bodyPr/>
+        <a:lstStyle/>
+        <a:p>
+          <a:endParaRPr lang="en-US"/>
+        </a:p>
+      </dgm:t>
+    </dgm:pt>
+    <dgm:pt modelId="{5B849C62-3616-3140-B3CD-64187067D05D}" type="pres">
+      <dgm:prSet presAssocID="{783A4781-CD16-9341-B210-9809C2204D45}" presName="level2hierChild" presStyleCnt="0"/>
+      <dgm:spPr/>
+    </dgm:pt>
+    <dgm:pt modelId="{4139402F-9D62-B04E-927B-E32BB7C55E20}" type="pres">
+      <dgm:prSet presAssocID="{4AEB8EE7-92A5-D94B-930D-16327DDB4682}" presName="conn2-1" presStyleLbl="parChTrans1D2" presStyleIdx="0" presStyleCnt="3"/>
+      <dgm:spPr/>
+    </dgm:pt>
+    <dgm:pt modelId="{EECEB261-1577-7441-AA4F-9115C88B7166}" type="pres">
+      <dgm:prSet presAssocID="{4AEB8EE7-92A5-D94B-930D-16327DDB4682}" presName="connTx" presStyleLbl="parChTrans1D2" presStyleIdx="0" presStyleCnt="3"/>
+      <dgm:spPr/>
+    </dgm:pt>
+    <dgm:pt modelId="{07E12D55-D5A6-F640-9F2E-56497B38EE91}" type="pres">
+      <dgm:prSet presAssocID="{147758F6-19AC-E84E-ABD7-87546F926148}" presName="root2" presStyleCnt="0"/>
+      <dgm:spPr/>
+    </dgm:pt>
+    <dgm:pt modelId="{BBE10023-45BD-5B4B-BC14-7718B487FB9C}" type="pres">
+      <dgm:prSet presAssocID="{147758F6-19AC-E84E-ABD7-87546F926148}" presName="LevelTwoTextNode" presStyleLbl="node2" presStyleIdx="0" presStyleCnt="3" custLinFactNeighborX="-2156" custLinFactNeighborY="-15921">
+        <dgm:presLayoutVars>
+          <dgm:chPref val="3"/>
+        </dgm:presLayoutVars>
+      </dgm:prSet>
+      <dgm:spPr/>
+      <dgm:t>
+        <a:bodyPr/>
+        <a:lstStyle/>
+        <a:p>
+          <a:endParaRPr lang="en-US"/>
+        </a:p>
+      </dgm:t>
+    </dgm:pt>
+    <dgm:pt modelId="{B5E2EE0C-2D59-0640-9830-AE25434EBB85}" type="pres">
+      <dgm:prSet presAssocID="{147758F6-19AC-E84E-ABD7-87546F926148}" presName="level3hierChild" presStyleCnt="0"/>
+      <dgm:spPr/>
+    </dgm:pt>
+    <dgm:pt modelId="{5FE7FE51-BFC7-A64B-8207-D360238987FE}" type="pres">
+      <dgm:prSet presAssocID="{6ECE04A6-655F-084B-A7A9-A01866CFAAAA}" presName="conn2-1" presStyleLbl="parChTrans1D3" presStyleIdx="0" presStyleCnt="1"/>
+      <dgm:spPr/>
+    </dgm:pt>
+    <dgm:pt modelId="{F0325D97-0AE8-944B-803E-E0F4CDDBE1A7}" type="pres">
+      <dgm:prSet presAssocID="{6ECE04A6-655F-084B-A7A9-A01866CFAAAA}" presName="connTx" presStyleLbl="parChTrans1D3" presStyleIdx="0" presStyleCnt="1"/>
+      <dgm:spPr/>
+    </dgm:pt>
+    <dgm:pt modelId="{3017FE83-480C-6D4F-9854-CDDFDA075903}" type="pres">
+      <dgm:prSet presAssocID="{48FEEA12-EB18-BE45-9A65-05E6913247A3}" presName="root2" presStyleCnt="0"/>
+      <dgm:spPr/>
+    </dgm:pt>
+    <dgm:pt modelId="{A5CBE513-E52A-E640-A8C3-C5C14B045A0D}" type="pres">
+      <dgm:prSet presAssocID="{48FEEA12-EB18-BE45-9A65-05E6913247A3}" presName="LevelTwoTextNode" presStyleLbl="node3" presStyleIdx="0" presStyleCnt="1" custLinFactY="25594" custLinFactNeighborX="19392" custLinFactNeighborY="100000">
+        <dgm:presLayoutVars>
+          <dgm:chPref val="3"/>
+        </dgm:presLayoutVars>
+      </dgm:prSet>
+      <dgm:spPr/>
+    </dgm:pt>
+    <dgm:pt modelId="{BB6D4B72-608B-844E-8A29-6E607411CFAE}" type="pres">
+      <dgm:prSet presAssocID="{48FEEA12-EB18-BE45-9A65-05E6913247A3}" presName="level3hierChild" presStyleCnt="0"/>
+      <dgm:spPr/>
+    </dgm:pt>
+    <dgm:pt modelId="{71DB25B7-2F64-7145-B522-628105051BBE}" type="pres">
+      <dgm:prSet presAssocID="{5E280D20-D72D-1245-A106-B53A7EB6E450}" presName="conn2-1" presStyleLbl="parChTrans1D2" presStyleIdx="1" presStyleCnt="3"/>
+      <dgm:spPr/>
+    </dgm:pt>
+    <dgm:pt modelId="{4DB5043D-365F-4A43-8D3E-272493A3313B}" type="pres">
+      <dgm:prSet presAssocID="{5E280D20-D72D-1245-A106-B53A7EB6E450}" presName="connTx" presStyleLbl="parChTrans1D2" presStyleIdx="1" presStyleCnt="3"/>
+      <dgm:spPr/>
+    </dgm:pt>
+    <dgm:pt modelId="{537B70D4-ACA4-0443-B892-0B3AC0D491AE}" type="pres">
+      <dgm:prSet presAssocID="{31FF9168-FC8C-7145-BFD3-1F92ABB3EF7B}" presName="root2" presStyleCnt="0"/>
+      <dgm:spPr/>
+    </dgm:pt>
+    <dgm:pt modelId="{B48AE071-AA4D-114D-9B21-67BE48C2ED70}" type="pres">
+      <dgm:prSet presAssocID="{31FF9168-FC8C-7145-BFD3-1F92ABB3EF7B}" presName="LevelTwoTextNode" presStyleLbl="node2" presStyleIdx="1" presStyleCnt="3" custLinFactNeighborX="-2156">
+        <dgm:presLayoutVars>
+          <dgm:chPref val="3"/>
+        </dgm:presLayoutVars>
+      </dgm:prSet>
+      <dgm:spPr/>
+    </dgm:pt>
+    <dgm:pt modelId="{3E1B2727-8B9E-B64E-8DA2-C92ABC9C69D7}" type="pres">
+      <dgm:prSet presAssocID="{31FF9168-FC8C-7145-BFD3-1F92ABB3EF7B}" presName="level3hierChild" presStyleCnt="0"/>
+      <dgm:spPr/>
+    </dgm:pt>
+    <dgm:pt modelId="{B9D6B8BA-559D-BB4E-ACE3-CA329DC0EA2A}" type="pres">
+      <dgm:prSet presAssocID="{2664F7D6-7B4F-B041-861C-2542954E4C95}" presName="conn2-1" presStyleLbl="parChTrans1D2" presStyleIdx="2" presStyleCnt="3"/>
+      <dgm:spPr/>
+    </dgm:pt>
+    <dgm:pt modelId="{835FC639-8390-3040-B914-16685729E23B}" type="pres">
+      <dgm:prSet presAssocID="{2664F7D6-7B4F-B041-861C-2542954E4C95}" presName="connTx" presStyleLbl="parChTrans1D2" presStyleIdx="2" presStyleCnt="3"/>
+      <dgm:spPr/>
+    </dgm:pt>
+    <dgm:pt modelId="{E9293E1C-CDB7-CE40-B113-B6DB551972F6}" type="pres">
+      <dgm:prSet presAssocID="{38E9A502-FC34-194C-A026-1BF54CFE5188}" presName="root2" presStyleCnt="0"/>
+      <dgm:spPr/>
+    </dgm:pt>
+    <dgm:pt modelId="{874B0FE6-1EB4-BD4E-A5F1-848D8F0F0D3B}" type="pres">
+      <dgm:prSet presAssocID="{38E9A502-FC34-194C-A026-1BF54CFE5188}" presName="LevelTwoTextNode" presStyleLbl="node2" presStyleIdx="2" presStyleCnt="3" custLinFactNeighborY="17690">
+        <dgm:presLayoutVars>
+          <dgm:chPref val="3"/>
+        </dgm:presLayoutVars>
+      </dgm:prSet>
+      <dgm:spPr/>
+      <dgm:t>
+        <a:bodyPr/>
+        <a:lstStyle/>
+        <a:p>
+          <a:endParaRPr lang="en-US"/>
+        </a:p>
+      </dgm:t>
+    </dgm:pt>
+    <dgm:pt modelId="{A118046B-E76B-8E4C-9563-FE6DE27EF0DC}" type="pres">
+      <dgm:prSet presAssocID="{38E9A502-FC34-194C-A026-1BF54CFE5188}" presName="level3hierChild" presStyleCnt="0"/>
+      <dgm:spPr/>
+    </dgm:pt>
+  </dgm:ptLst>
+  <dgm:cxnLst>
+    <dgm:cxn modelId="{28539435-5AB6-4549-BCFD-F85151BB645D}" type="presOf" srcId="{48FEEA12-EB18-BE45-9A65-05E6913247A3}" destId="{A5CBE513-E52A-E640-A8C3-C5C14B045A0D}" srcOrd="0" destOrd="0" presId="urn:microsoft.com/office/officeart/2008/layout/HorizontalMultiLevelHierarchy"/>
+    <dgm:cxn modelId="{92433BD6-11BA-CE4D-80C9-79B058DAB20D}" type="presOf" srcId="{4AEB8EE7-92A5-D94B-930D-16327DDB4682}" destId="{EECEB261-1577-7441-AA4F-9115C88B7166}" srcOrd="1" destOrd="0" presId="urn:microsoft.com/office/officeart/2008/layout/HorizontalMultiLevelHierarchy"/>
+    <dgm:cxn modelId="{782B1C6E-80B4-A545-9FB0-7AC7C91F4E85}" type="presOf" srcId="{31FF9168-FC8C-7145-BFD3-1F92ABB3EF7B}" destId="{B48AE071-AA4D-114D-9B21-67BE48C2ED70}" srcOrd="0" destOrd="0" presId="urn:microsoft.com/office/officeart/2008/layout/HorizontalMultiLevelHierarchy"/>
+    <dgm:cxn modelId="{E7D4CDA2-BA85-EA4D-B0E6-433305C10923}" srcId="{783A4781-CD16-9341-B210-9809C2204D45}" destId="{38E9A502-FC34-194C-A026-1BF54CFE5188}" srcOrd="2" destOrd="0" parTransId="{2664F7D6-7B4F-B041-861C-2542954E4C95}" sibTransId="{FA845649-612D-3043-AD3F-0DAC68672A59}"/>
+    <dgm:cxn modelId="{50927774-795D-3F45-8B09-32D6657EEBD0}" type="presOf" srcId="{5E280D20-D72D-1245-A106-B53A7EB6E450}" destId="{71DB25B7-2F64-7145-B522-628105051BBE}" srcOrd="0" destOrd="0" presId="urn:microsoft.com/office/officeart/2008/layout/HorizontalMultiLevelHierarchy"/>
+    <dgm:cxn modelId="{92FFC83E-E7F1-8644-A9A8-BBC6CF30B0A5}" type="presOf" srcId="{6ECE04A6-655F-084B-A7A9-A01866CFAAAA}" destId="{5FE7FE51-BFC7-A64B-8207-D360238987FE}" srcOrd="0" destOrd="0" presId="urn:microsoft.com/office/officeart/2008/layout/HorizontalMultiLevelHierarchy"/>
+    <dgm:cxn modelId="{4C8DBCD2-6C45-C94D-86CA-B8914F5BAA57}" type="presOf" srcId="{147758F6-19AC-E84E-ABD7-87546F926148}" destId="{BBE10023-45BD-5B4B-BC14-7718B487FB9C}" srcOrd="0" destOrd="0" presId="urn:microsoft.com/office/officeart/2008/layout/HorizontalMultiLevelHierarchy"/>
+    <dgm:cxn modelId="{53497BD5-79B0-764D-8CC2-0DA779970083}" type="presOf" srcId="{6ECE04A6-655F-084B-A7A9-A01866CFAAAA}" destId="{F0325D97-0AE8-944B-803E-E0F4CDDBE1A7}" srcOrd="1" destOrd="0" presId="urn:microsoft.com/office/officeart/2008/layout/HorizontalMultiLevelHierarchy"/>
+    <dgm:cxn modelId="{9686A1BF-47A6-A941-A710-4FF3F52D5E7F}" type="presOf" srcId="{5E280D20-D72D-1245-A106-B53A7EB6E450}" destId="{4DB5043D-365F-4A43-8D3E-272493A3313B}" srcOrd="1" destOrd="0" presId="urn:microsoft.com/office/officeart/2008/layout/HorizontalMultiLevelHierarchy"/>
+    <dgm:cxn modelId="{A8F48E90-B84B-6748-B2A4-47C0967ADD8A}" srcId="{783A4781-CD16-9341-B210-9809C2204D45}" destId="{147758F6-19AC-E84E-ABD7-87546F926148}" srcOrd="0" destOrd="0" parTransId="{4AEB8EE7-92A5-D94B-930D-16327DDB4682}" sibTransId="{E8A07F4E-9189-6940-9393-3846877502B9}"/>
+    <dgm:cxn modelId="{A6B08052-7876-D24F-9CB5-F956A1C44E4A}" type="presOf" srcId="{38E9A502-FC34-194C-A026-1BF54CFE5188}" destId="{874B0FE6-1EB4-BD4E-A5F1-848D8F0F0D3B}" srcOrd="0" destOrd="0" presId="urn:microsoft.com/office/officeart/2008/layout/HorizontalMultiLevelHierarchy"/>
+    <dgm:cxn modelId="{8475FEB9-90A5-A141-AF98-E2F63C97BA00}" type="presOf" srcId="{2664F7D6-7B4F-B041-861C-2542954E4C95}" destId="{835FC639-8390-3040-B914-16685729E23B}" srcOrd="1" destOrd="0" presId="urn:microsoft.com/office/officeart/2008/layout/HorizontalMultiLevelHierarchy"/>
+    <dgm:cxn modelId="{EAEE2195-025D-5244-A1F5-27ABB386F49D}" srcId="{ECA0416F-B966-E74C-9BC0-CD6C64DA1847}" destId="{783A4781-CD16-9341-B210-9809C2204D45}" srcOrd="0" destOrd="0" parTransId="{C734292A-9FD7-544C-AED2-061F24F5EC66}" sibTransId="{BF21E796-99F8-934C-97B9-957F356790D7}"/>
+    <dgm:cxn modelId="{DB00A6F6-BC9E-A44A-B21B-C34E18973857}" srcId="{783A4781-CD16-9341-B210-9809C2204D45}" destId="{31FF9168-FC8C-7145-BFD3-1F92ABB3EF7B}" srcOrd="1" destOrd="0" parTransId="{5E280D20-D72D-1245-A106-B53A7EB6E450}" sibTransId="{071B54F3-EA79-C645-B7C8-BCF636A6D80D}"/>
+    <dgm:cxn modelId="{FB7F2954-E2CD-244C-8B5A-458F7A11E155}" type="presOf" srcId="{2664F7D6-7B4F-B041-861C-2542954E4C95}" destId="{B9D6B8BA-559D-BB4E-ACE3-CA329DC0EA2A}" srcOrd="0" destOrd="0" presId="urn:microsoft.com/office/officeart/2008/layout/HorizontalMultiLevelHierarchy"/>
+    <dgm:cxn modelId="{6D45F977-2E49-8C4A-908D-280D679E1B7B}" type="presOf" srcId="{783A4781-CD16-9341-B210-9809C2204D45}" destId="{CCBDC97B-69CA-F748-A4BC-566582CBEC66}" srcOrd="0" destOrd="0" presId="urn:microsoft.com/office/officeart/2008/layout/HorizontalMultiLevelHierarchy"/>
+    <dgm:cxn modelId="{57408A76-A575-624B-8F05-D0BE7D724120}" type="presOf" srcId="{ECA0416F-B966-E74C-9BC0-CD6C64DA1847}" destId="{2E6132F9-EDC3-BB4A-BD5F-52BFAA65D963}" srcOrd="0" destOrd="0" presId="urn:microsoft.com/office/officeart/2008/layout/HorizontalMultiLevelHierarchy"/>
+    <dgm:cxn modelId="{4B47D845-0B78-9A40-962E-0D303C90276E}" srcId="{147758F6-19AC-E84E-ABD7-87546F926148}" destId="{48FEEA12-EB18-BE45-9A65-05E6913247A3}" srcOrd="0" destOrd="0" parTransId="{6ECE04A6-655F-084B-A7A9-A01866CFAAAA}" sibTransId="{63D3BFFC-EA96-4849-99F5-435C3099AD03}"/>
+    <dgm:cxn modelId="{FCD4FAA6-BABD-F742-A898-DAEC74D84297}" type="presOf" srcId="{4AEB8EE7-92A5-D94B-930D-16327DDB4682}" destId="{4139402F-9D62-B04E-927B-E32BB7C55E20}" srcOrd="0" destOrd="0" presId="urn:microsoft.com/office/officeart/2008/layout/HorizontalMultiLevelHierarchy"/>
+    <dgm:cxn modelId="{0C6036D4-39B7-7142-81B5-7E550563058C}" type="presParOf" srcId="{2E6132F9-EDC3-BB4A-BD5F-52BFAA65D963}" destId="{DE802918-130D-7F4F-A122-B9E0B3771DBD}" srcOrd="0" destOrd="0" presId="urn:microsoft.com/office/officeart/2008/layout/HorizontalMultiLevelHierarchy"/>
+    <dgm:cxn modelId="{AFA9EAA6-4D7C-4548-AFCE-94F3D88A541E}" type="presParOf" srcId="{DE802918-130D-7F4F-A122-B9E0B3771DBD}" destId="{CCBDC97B-69CA-F748-A4BC-566582CBEC66}" srcOrd="0" destOrd="0" presId="urn:microsoft.com/office/officeart/2008/layout/HorizontalMultiLevelHierarchy"/>
+    <dgm:cxn modelId="{DA5085F3-8580-3344-A2DF-96A10673608A}" type="presParOf" srcId="{DE802918-130D-7F4F-A122-B9E0B3771DBD}" destId="{5B849C62-3616-3140-B3CD-64187067D05D}" srcOrd="1" destOrd="0" presId="urn:microsoft.com/office/officeart/2008/layout/HorizontalMultiLevelHierarchy"/>
+    <dgm:cxn modelId="{FE634434-5F0A-9F4C-9AFD-273DD4B321F1}" type="presParOf" srcId="{5B849C62-3616-3140-B3CD-64187067D05D}" destId="{4139402F-9D62-B04E-927B-E32BB7C55E20}" srcOrd="0" destOrd="0" presId="urn:microsoft.com/office/officeart/2008/layout/HorizontalMultiLevelHierarchy"/>
+    <dgm:cxn modelId="{A072E659-0D69-114A-B847-D11158B6ED74}" type="presParOf" srcId="{4139402F-9D62-B04E-927B-E32BB7C55E20}" destId="{EECEB261-1577-7441-AA4F-9115C88B7166}" srcOrd="0" destOrd="0" presId="urn:microsoft.com/office/officeart/2008/layout/HorizontalMultiLevelHierarchy"/>
+    <dgm:cxn modelId="{0FBA92AB-D777-664B-AF4B-BE07FF90847D}" type="presParOf" srcId="{5B849C62-3616-3140-B3CD-64187067D05D}" destId="{07E12D55-D5A6-F640-9F2E-56497B38EE91}" srcOrd="1" destOrd="0" presId="urn:microsoft.com/office/officeart/2008/layout/HorizontalMultiLevelHierarchy"/>
+    <dgm:cxn modelId="{A4C5B01A-2ED4-3744-A412-90576ED56314}" type="presParOf" srcId="{07E12D55-D5A6-F640-9F2E-56497B38EE91}" destId="{BBE10023-45BD-5B4B-BC14-7718B487FB9C}" srcOrd="0" destOrd="0" presId="urn:microsoft.com/office/officeart/2008/layout/HorizontalMultiLevelHierarchy"/>
+    <dgm:cxn modelId="{C8C33E20-3883-234B-8BA6-CB2143EDAFD9}" type="presParOf" srcId="{07E12D55-D5A6-F640-9F2E-56497B38EE91}" destId="{B5E2EE0C-2D59-0640-9830-AE25434EBB85}" srcOrd="1" destOrd="0" presId="urn:microsoft.com/office/officeart/2008/layout/HorizontalMultiLevelHierarchy"/>
+    <dgm:cxn modelId="{B2F4220D-E3DD-D545-A5FE-7A2F84938EAF}" type="presParOf" srcId="{B5E2EE0C-2D59-0640-9830-AE25434EBB85}" destId="{5FE7FE51-BFC7-A64B-8207-D360238987FE}" srcOrd="0" destOrd="0" presId="urn:microsoft.com/office/officeart/2008/layout/HorizontalMultiLevelHierarchy"/>
+    <dgm:cxn modelId="{C2456846-2FB4-0D4D-9028-CC8A8336C06F}" type="presParOf" srcId="{5FE7FE51-BFC7-A64B-8207-D360238987FE}" destId="{F0325D97-0AE8-944B-803E-E0F4CDDBE1A7}" srcOrd="0" destOrd="0" presId="urn:microsoft.com/office/officeart/2008/layout/HorizontalMultiLevelHierarchy"/>
+    <dgm:cxn modelId="{074989EC-6CDE-2146-BB58-7A68D75EC754}" type="presParOf" srcId="{B5E2EE0C-2D59-0640-9830-AE25434EBB85}" destId="{3017FE83-480C-6D4F-9854-CDDFDA075903}" srcOrd="1" destOrd="0" presId="urn:microsoft.com/office/officeart/2008/layout/HorizontalMultiLevelHierarchy"/>
+    <dgm:cxn modelId="{946CB448-D100-D84A-9278-6CD79DDAB3C9}" type="presParOf" srcId="{3017FE83-480C-6D4F-9854-CDDFDA075903}" destId="{A5CBE513-E52A-E640-A8C3-C5C14B045A0D}" srcOrd="0" destOrd="0" presId="urn:microsoft.com/office/officeart/2008/layout/HorizontalMultiLevelHierarchy"/>
+    <dgm:cxn modelId="{3020B4AA-F840-F447-9FAA-B662FD97EB34}" type="presParOf" srcId="{3017FE83-480C-6D4F-9854-CDDFDA075903}" destId="{BB6D4B72-608B-844E-8A29-6E607411CFAE}" srcOrd="1" destOrd="0" presId="urn:microsoft.com/office/officeart/2008/layout/HorizontalMultiLevelHierarchy"/>
+    <dgm:cxn modelId="{3AEA67DA-6AB0-FC40-91E2-C1079BF72A0D}" type="presParOf" srcId="{5B849C62-3616-3140-B3CD-64187067D05D}" destId="{71DB25B7-2F64-7145-B522-628105051BBE}" srcOrd="2" destOrd="0" presId="urn:microsoft.com/office/officeart/2008/layout/HorizontalMultiLevelHierarchy"/>
+    <dgm:cxn modelId="{C134A9F0-F656-0141-BE84-7A678F2F68AA}" type="presParOf" srcId="{71DB25B7-2F64-7145-B522-628105051BBE}" destId="{4DB5043D-365F-4A43-8D3E-272493A3313B}" srcOrd="0" destOrd="0" presId="urn:microsoft.com/office/officeart/2008/layout/HorizontalMultiLevelHierarchy"/>
+    <dgm:cxn modelId="{50F51A3D-138A-D345-80CE-E5467906BF7D}" type="presParOf" srcId="{5B849C62-3616-3140-B3CD-64187067D05D}" destId="{537B70D4-ACA4-0443-B892-0B3AC0D491AE}" srcOrd="3" destOrd="0" presId="urn:microsoft.com/office/officeart/2008/layout/HorizontalMultiLevelHierarchy"/>
+    <dgm:cxn modelId="{ACB889B8-5CFB-5845-9354-59BE4B1745E7}" type="presParOf" srcId="{537B70D4-ACA4-0443-B892-0B3AC0D491AE}" destId="{B48AE071-AA4D-114D-9B21-67BE48C2ED70}" srcOrd="0" destOrd="0" presId="urn:microsoft.com/office/officeart/2008/layout/HorizontalMultiLevelHierarchy"/>
+    <dgm:cxn modelId="{26E4CDD4-C9B3-F147-82B3-CE765B381078}" type="presParOf" srcId="{537B70D4-ACA4-0443-B892-0B3AC0D491AE}" destId="{3E1B2727-8B9E-B64E-8DA2-C92ABC9C69D7}" srcOrd="1" destOrd="0" presId="urn:microsoft.com/office/officeart/2008/layout/HorizontalMultiLevelHierarchy"/>
+    <dgm:cxn modelId="{6B0200AB-D6AC-C047-B270-420EB79F8904}" type="presParOf" srcId="{5B849C62-3616-3140-B3CD-64187067D05D}" destId="{B9D6B8BA-559D-BB4E-ACE3-CA329DC0EA2A}" srcOrd="4" destOrd="0" presId="urn:microsoft.com/office/officeart/2008/layout/HorizontalMultiLevelHierarchy"/>
+    <dgm:cxn modelId="{D61DDBD3-6A9A-8541-99BD-42A85BAA5B26}" type="presParOf" srcId="{B9D6B8BA-559D-BB4E-ACE3-CA329DC0EA2A}" destId="{835FC639-8390-3040-B914-16685729E23B}" srcOrd="0" destOrd="0" presId="urn:microsoft.com/office/officeart/2008/layout/HorizontalMultiLevelHierarchy"/>
+    <dgm:cxn modelId="{7DE024F2-911A-4E45-9FDF-092458D41C89}" type="presParOf" srcId="{5B849C62-3616-3140-B3CD-64187067D05D}" destId="{E9293E1C-CDB7-CE40-B113-B6DB551972F6}" srcOrd="5" destOrd="0" presId="urn:microsoft.com/office/officeart/2008/layout/HorizontalMultiLevelHierarchy"/>
+    <dgm:cxn modelId="{3F192CD5-E50A-8143-9953-A3AD84B696CA}" type="presParOf" srcId="{E9293E1C-CDB7-CE40-B113-B6DB551972F6}" destId="{874B0FE6-1EB4-BD4E-A5F1-848D8F0F0D3B}" srcOrd="0" destOrd="0" presId="urn:microsoft.com/office/officeart/2008/layout/HorizontalMultiLevelHierarchy"/>
+    <dgm:cxn modelId="{EF2901DD-2D7B-3748-AF40-17EC6AD022AC}" type="presParOf" srcId="{E9293E1C-CDB7-CE40-B113-B6DB551972F6}" destId="{A118046B-E76B-8E4C-9563-FE6DE27EF0DC}" srcOrd="1" destOrd="0" presId="urn:microsoft.com/office/officeart/2008/layout/HorizontalMultiLevelHierarchy"/>
+  </dgm:cxnLst>
+  <dgm:bg/>
+  <dgm:whole/>
+  <dgm:extLst>
+    <a:ext uri="http://schemas.microsoft.com/office/drawing/2008/diagram">
+      <dsp:dataModelExt xmlns:dsp="http://schemas.microsoft.com/office/drawing/2008/diagram" relId="rId6" minVer="http://schemas.openxmlformats.org/drawingml/2006/diagram"/>
+    </a:ext>
+  </dgm:extLst>
+</dgm:dataModel>
+</file>
+
+<file path=ppt/diagrams/drawing1.xml><?xml version="1.0" encoding="utf-8"?>
+<dsp:drawing xmlns:dgm="http://schemas.openxmlformats.org/drawingml/2006/diagram" xmlns:dsp="http://schemas.microsoft.com/office/drawing/2008/diagram" xmlns:a="http://schemas.openxmlformats.org/drawingml/2006/main">
+  <dsp:spTree>
+    <dsp:nvGrpSpPr>
+      <dsp:cNvPr id="0" name=""/>
+      <dsp:cNvGrpSpPr/>
+    </dsp:nvGrpSpPr>
+    <dsp:grpSpPr/>
+    <dsp:sp modelId="{B9D6B8BA-559D-BB4E-ACE3-CA329DC0EA2A}">
+      <dsp:nvSpPr>
+        <dsp:cNvPr id="0" name=""/>
+        <dsp:cNvSpPr/>
+      </dsp:nvSpPr>
+      <dsp:spPr>
+        <a:xfrm>
+          <a:off x="2911400" y="1692448"/>
+          <a:ext cx="2033570" cy="866001"/>
+        </a:xfrm>
+        <a:custGeom>
+          <a:avLst/>
+          <a:gdLst/>
+          <a:ahLst/>
+          <a:cxnLst/>
+          <a:rect l="0" t="0" r="0" b="0"/>
+          <a:pathLst>
+            <a:path>
+              <a:moveTo>
+                <a:pt x="0" y="0"/>
+              </a:moveTo>
+              <a:lnTo>
+                <a:pt x="1016785" y="0"/>
+              </a:lnTo>
+              <a:lnTo>
+                <a:pt x="1016785" y="866001"/>
+              </a:lnTo>
+              <a:lnTo>
+                <a:pt x="2033570" y="866001"/>
+              </a:lnTo>
+            </a:path>
+          </a:pathLst>
+        </a:custGeom>
+        <a:noFill/>
+        <a:ln w="9525" cap="flat" cmpd="sng" algn="ctr">
+          <a:solidFill>
+            <a:schemeClr val="accent1">
+              <a:shade val="60000"/>
+              <a:hueOff val="0"/>
+              <a:satOff val="0"/>
+              <a:lumOff val="0"/>
+              <a:alphaOff val="0"/>
+            </a:schemeClr>
+          </a:solidFill>
+          <a:prstDash val="solid"/>
+        </a:ln>
+        <a:effectLst/>
+      </dsp:spPr>
+      <dsp:style>
+        <a:lnRef idx="1">
+          <a:scrgbClr r="0" g="0" b="0"/>
+        </a:lnRef>
+        <a:fillRef idx="0">
+          <a:scrgbClr r="0" g="0" b="0"/>
+        </a:fillRef>
+        <a:effectRef idx="0">
+          <a:scrgbClr r="0" g="0" b="0"/>
+        </a:effectRef>
+        <a:fontRef idx="minor"/>
+      </dsp:style>
+      <dsp:txBody>
+        <a:bodyPr spcFirstLastPara="0" vert="horz" wrap="square" lIns="12700" tIns="0" rIns="12700" bIns="0" numCol="1" spcCol="1270" anchor="ctr" anchorCtr="0">
+          <a:noAutofit/>
+        </a:bodyPr>
+        <a:lstStyle/>
+        <a:p>
+          <a:pPr lvl="0" algn="ctr" defTabSz="355600">
+            <a:lnSpc>
+              <a:spcPct val="90000"/>
+            </a:lnSpc>
+            <a:spcBef>
+              <a:spcPct val="0"/>
+            </a:spcBef>
+            <a:spcAft>
+              <a:spcPct val="35000"/>
+            </a:spcAft>
+          </a:pPr>
+          <a:endParaRPr lang="en-US" sz="800" kern="1200"/>
+        </a:p>
+      </dsp:txBody>
+      <dsp:txXfrm>
+        <a:off x="3872928" y="2070191"/>
+        <a:ext cx="110514" cy="110514"/>
+      </dsp:txXfrm>
+    </dsp:sp>
+    <dsp:sp modelId="{71DB25B7-2F64-7145-B522-628105051BBE}">
+      <dsp:nvSpPr>
+        <dsp:cNvPr id="0" name=""/>
+        <dsp:cNvSpPr/>
+      </dsp:nvSpPr>
+      <dsp:spPr>
+        <a:xfrm>
+          <a:off x="2911400" y="1613217"/>
+          <a:ext cx="1988990" cy="91440"/>
+        </a:xfrm>
+        <a:custGeom>
+          <a:avLst/>
+          <a:gdLst/>
+          <a:ahLst/>
+          <a:cxnLst/>
+          <a:rect l="0" t="0" r="0" b="0"/>
+          <a:pathLst>
+            <a:path>
+              <a:moveTo>
+                <a:pt x="0" y="79230"/>
+              </a:moveTo>
+              <a:lnTo>
+                <a:pt x="994495" y="79230"/>
+              </a:lnTo>
+              <a:lnTo>
+                <a:pt x="994495" y="45720"/>
+              </a:lnTo>
+              <a:lnTo>
+                <a:pt x="1988990" y="45720"/>
+              </a:lnTo>
+            </a:path>
+          </a:pathLst>
+        </a:custGeom>
+        <a:noFill/>
+        <a:ln w="9525" cap="flat" cmpd="sng" algn="ctr">
+          <a:solidFill>
+            <a:schemeClr val="accent1">
+              <a:shade val="60000"/>
+              <a:hueOff val="0"/>
+              <a:satOff val="0"/>
+              <a:lumOff val="0"/>
+              <a:alphaOff val="0"/>
+            </a:schemeClr>
+          </a:solidFill>
+          <a:prstDash val="solid"/>
+        </a:ln>
+        <a:effectLst/>
+      </dsp:spPr>
+      <dsp:style>
+        <a:lnRef idx="1">
+          <a:scrgbClr r="0" g="0" b="0"/>
+        </a:lnRef>
+        <a:fillRef idx="0">
+          <a:scrgbClr r="0" g="0" b="0"/>
+        </a:fillRef>
+        <a:effectRef idx="0">
+          <a:scrgbClr r="0" g="0" b="0"/>
+        </a:effectRef>
+        <a:fontRef idx="minor"/>
+      </dsp:style>
+      <dsp:txBody>
+        <a:bodyPr spcFirstLastPara="0" vert="horz" wrap="square" lIns="12700" tIns="0" rIns="12700" bIns="0" numCol="1" spcCol="1270" anchor="ctr" anchorCtr="0">
+          <a:noAutofit/>
+        </a:bodyPr>
+        <a:lstStyle/>
+        <a:p>
+          <a:pPr lvl="0" algn="ctr" defTabSz="311150">
+            <a:lnSpc>
+              <a:spcPct val="90000"/>
+            </a:lnSpc>
+            <a:spcBef>
+              <a:spcPct val="0"/>
+            </a:spcBef>
+            <a:spcAft>
+              <a:spcPct val="35000"/>
+            </a:spcAft>
+          </a:pPr>
+          <a:endParaRPr lang="en-US" sz="700" kern="1200"/>
+        </a:p>
+      </dsp:txBody>
+      <dsp:txXfrm>
+        <a:off x="3856163" y="1609205"/>
+        <a:ext cx="99463" cy="99463"/>
+      </dsp:txXfrm>
+    </dsp:sp>
+    <dsp:sp modelId="{4139402F-9D62-B04E-927B-E32BB7C55E20}">
+      <dsp:nvSpPr>
+        <dsp:cNvPr id="0" name=""/>
+        <dsp:cNvSpPr/>
+      </dsp:nvSpPr>
+      <dsp:spPr>
+        <a:xfrm>
+          <a:off x="2911400" y="770576"/>
+          <a:ext cx="1988990" cy="921871"/>
+        </a:xfrm>
+        <a:custGeom>
+          <a:avLst/>
+          <a:gdLst/>
+          <a:ahLst/>
+          <a:cxnLst/>
+          <a:rect l="0" t="0" r="0" b="0"/>
+          <a:pathLst>
+            <a:path>
+              <a:moveTo>
+                <a:pt x="0" y="921871"/>
+              </a:moveTo>
+              <a:lnTo>
+                <a:pt x="994495" y="921871"/>
+              </a:lnTo>
+              <a:lnTo>
+                <a:pt x="994495" y="0"/>
+              </a:lnTo>
+              <a:lnTo>
+                <a:pt x="1988990" y="0"/>
+              </a:lnTo>
+            </a:path>
+          </a:pathLst>
+        </a:custGeom>
+        <a:noFill/>
+        <a:ln w="9525" cap="flat" cmpd="sng" algn="ctr">
+          <a:solidFill>
+            <a:schemeClr val="accent1">
+              <a:shade val="60000"/>
+              <a:hueOff val="0"/>
+              <a:satOff val="0"/>
+              <a:lumOff val="0"/>
+              <a:alphaOff val="0"/>
+            </a:schemeClr>
+          </a:solidFill>
+          <a:prstDash val="solid"/>
+        </a:ln>
+        <a:effectLst/>
+      </dsp:spPr>
+      <dsp:style>
+        <a:lnRef idx="1">
+          <a:scrgbClr r="0" g="0" b="0"/>
+        </a:lnRef>
+        <a:fillRef idx="0">
+          <a:scrgbClr r="0" g="0" b="0"/>
+        </a:fillRef>
+        <a:effectRef idx="0">
+          <a:scrgbClr r="0" g="0" b="0"/>
+        </a:effectRef>
+        <a:fontRef idx="minor"/>
+      </dsp:style>
+      <dsp:txBody>
+        <a:bodyPr spcFirstLastPara="0" vert="horz" wrap="square" lIns="12700" tIns="0" rIns="12700" bIns="0" numCol="1" spcCol="1270" anchor="ctr" anchorCtr="0">
+          <a:noAutofit/>
+        </a:bodyPr>
+        <a:lstStyle/>
+        <a:p>
+          <a:pPr lvl="0" algn="ctr" defTabSz="355600">
+            <a:lnSpc>
+              <a:spcPct val="90000"/>
+            </a:lnSpc>
+            <a:spcBef>
+              <a:spcPct val="0"/>
+            </a:spcBef>
+            <a:spcAft>
+              <a:spcPct val="35000"/>
+            </a:spcAft>
+          </a:pPr>
+          <a:endParaRPr lang="en-US" sz="800" kern="1200"/>
+        </a:p>
+      </dsp:txBody>
+      <dsp:txXfrm>
+        <a:off x="3851089" y="1176706"/>
+        <a:ext cx="109612" cy="109612"/>
+      </dsp:txXfrm>
+    </dsp:sp>
+    <dsp:sp modelId="{CCBDC97B-69CA-F748-A4BC-566582CBEC66}">
+      <dsp:nvSpPr>
+        <dsp:cNvPr id="0" name=""/>
+        <dsp:cNvSpPr/>
+      </dsp:nvSpPr>
+      <dsp:spPr>
+        <a:xfrm>
+          <a:off x="424875" y="720997"/>
+          <a:ext cx="3030148" cy="1942900"/>
+        </a:xfrm>
+        <a:prstGeom prst="rect">
+          <a:avLst/>
+        </a:prstGeom>
+        <a:blipFill rotWithShape="0">
+          <a:blip xmlns:r="http://schemas.openxmlformats.org/officeDocument/2006/relationships" r:embed="rId1">
+            <a:duotone>
+              <a:schemeClr val="accent1">
+                <a:hueOff val="0"/>
+                <a:satOff val="0"/>
+                <a:lumOff val="0"/>
+                <a:alphaOff val="0"/>
+                <a:shade val="74000"/>
+                <a:satMod val="130000"/>
+                <a:lumMod val="90000"/>
+              </a:schemeClr>
+              <a:schemeClr val="accent1">
+                <a:hueOff val="0"/>
+                <a:satOff val="0"/>
+                <a:lumOff val="0"/>
+                <a:alphaOff val="0"/>
+                <a:tint val="94000"/>
+                <a:satMod val="120000"/>
+                <a:lumMod val="104000"/>
+              </a:schemeClr>
+            </a:duotone>
+          </a:blip>
+          <a:tile tx="0" ty="0" sx="100000" sy="100000" flip="none" algn="tl"/>
+        </a:blipFill>
+        <a:ln>
+          <a:noFill/>
+        </a:ln>
+        <a:effectLst>
+          <a:innerShdw blurRad="25400" dist="12700" dir="13500000">
+            <a:srgbClr val="000000">
+              <a:alpha val="45000"/>
+            </a:srgbClr>
+          </a:innerShdw>
+        </a:effectLst>
+      </dsp:spPr>
+      <dsp:style>
+        <a:lnRef idx="0">
+          <a:scrgbClr r="0" g="0" b="0"/>
+        </a:lnRef>
+        <a:fillRef idx="3">
+          <a:scrgbClr r="0" g="0" b="0"/>
+        </a:fillRef>
+        <a:effectRef idx="2">
+          <a:scrgbClr r="0" g="0" b="0"/>
+        </a:effectRef>
+        <a:fontRef idx="minor">
+          <a:schemeClr val="lt1"/>
+        </a:fontRef>
+      </dsp:style>
+      <dsp:txBody>
+        <a:bodyPr spcFirstLastPara="0" vert="horz" wrap="square" lIns="15240" tIns="15240" rIns="15240" bIns="15240" numCol="1" spcCol="1270" anchor="ctr" anchorCtr="0">
+          <a:noAutofit/>
+        </a:bodyPr>
+        <a:lstStyle/>
+        <a:p>
+          <a:pPr lvl="0" algn="ctr" defTabSz="1066800">
+            <a:lnSpc>
+              <a:spcPct val="90000"/>
+            </a:lnSpc>
+            <a:spcBef>
+              <a:spcPct val="0"/>
+            </a:spcBef>
+            <a:spcAft>
+              <a:spcPct val="35000"/>
+            </a:spcAft>
+          </a:pPr>
+          <a:r>
+            <a:rPr lang="en-US" sz="2400" kern="1200" dirty="0" smtClean="0">
+              <a:solidFill>
+                <a:schemeClr val="tx1"/>
+              </a:solidFill>
+            </a:rPr>
+            <a:t>Input Data Replication </a:t>
+          </a:r>
+          <a:endParaRPr lang="en-US" sz="2400" kern="1200" dirty="0">
+            <a:solidFill>
+              <a:schemeClr val="tx1"/>
+            </a:solidFill>
+          </a:endParaRPr>
+        </a:p>
+      </dsp:txBody>
+      <dsp:txXfrm>
+        <a:off x="424875" y="720997"/>
+        <a:ext cx="3030148" cy="1942900"/>
+      </dsp:txXfrm>
+    </dsp:sp>
+    <dsp:sp modelId="{BBE10023-45BD-5B4B-BC14-7718B487FB9C}">
+      <dsp:nvSpPr>
+        <dsp:cNvPr id="0" name=""/>
+        <dsp:cNvSpPr/>
+      </dsp:nvSpPr>
+      <dsp:spPr>
+        <a:xfrm>
+          <a:off x="4900390" y="455378"/>
+          <a:ext cx="2067699" cy="630396"/>
+        </a:xfrm>
+        <a:prstGeom prst="rect">
+          <a:avLst/>
+        </a:prstGeom>
+        <a:blipFill rotWithShape="0">
+          <a:blip xmlns:r="http://schemas.openxmlformats.org/officeDocument/2006/relationships" r:embed="rId1">
+            <a:duotone>
+              <a:schemeClr val="accent1">
+                <a:hueOff val="0"/>
+                <a:satOff val="0"/>
+                <a:lumOff val="0"/>
+                <a:alphaOff val="0"/>
+                <a:shade val="74000"/>
+                <a:satMod val="130000"/>
+                <a:lumMod val="90000"/>
+              </a:schemeClr>
+              <a:schemeClr val="accent1">
+                <a:hueOff val="0"/>
+                <a:satOff val="0"/>
+                <a:lumOff val="0"/>
+                <a:alphaOff val="0"/>
+                <a:tint val="94000"/>
+                <a:satMod val="120000"/>
+                <a:lumMod val="104000"/>
+              </a:schemeClr>
+            </a:duotone>
+          </a:blip>
+          <a:tile tx="0" ty="0" sx="100000" sy="100000" flip="none" algn="tl"/>
+        </a:blipFill>
+        <a:ln>
+          <a:noFill/>
+        </a:ln>
+        <a:effectLst>
+          <a:innerShdw blurRad="25400" dist="12700" dir="13500000">
+            <a:srgbClr val="000000">
+              <a:alpha val="45000"/>
+            </a:srgbClr>
+          </a:innerShdw>
+        </a:effectLst>
+      </dsp:spPr>
+      <dsp:style>
+        <a:lnRef idx="0">
+          <a:scrgbClr r="0" g="0" b="0"/>
+        </a:lnRef>
+        <a:fillRef idx="3">
+          <a:scrgbClr r="0" g="0" b="0"/>
+        </a:fillRef>
+        <a:effectRef idx="2">
+          <a:scrgbClr r="0" g="0" b="0"/>
+        </a:effectRef>
+        <a:fontRef idx="minor">
+          <a:schemeClr val="lt1"/>
+        </a:fontRef>
+      </dsp:style>
+      <dsp:txBody>
+        <a:bodyPr spcFirstLastPara="0" vert="horz" wrap="square" lIns="14605" tIns="14605" rIns="14605" bIns="14605" numCol="1" spcCol="1270" anchor="ctr" anchorCtr="0">
+          <a:noAutofit/>
+        </a:bodyPr>
+        <a:lstStyle/>
+        <a:p>
+          <a:pPr lvl="0" algn="ctr" defTabSz="1022350">
+            <a:lnSpc>
+              <a:spcPct val="90000"/>
+            </a:lnSpc>
+            <a:spcBef>
+              <a:spcPct val="0"/>
+            </a:spcBef>
+            <a:spcAft>
+              <a:spcPct val="35000"/>
+            </a:spcAft>
+          </a:pPr>
+          <a:r>
+            <a:rPr lang="en-US" sz="2300" kern="1200" dirty="0" smtClean="0">
+              <a:solidFill>
+                <a:schemeClr val="tx1"/>
+              </a:solidFill>
+            </a:rPr>
+            <a:t>Random Forest</a:t>
+          </a:r>
+          <a:endParaRPr lang="en-US" sz="2300" kern="1200" dirty="0">
+            <a:solidFill>
+              <a:schemeClr val="tx1"/>
+            </a:solidFill>
+          </a:endParaRPr>
+        </a:p>
+      </dsp:txBody>
+      <dsp:txXfrm>
+        <a:off x="4900390" y="455378"/>
+        <a:ext cx="2067699" cy="630396"/>
+      </dsp:txXfrm>
+    </dsp:sp>
+    <dsp:sp modelId="{B48AE071-AA4D-114D-9B21-67BE48C2ED70}">
+      <dsp:nvSpPr>
+        <dsp:cNvPr id="0" name=""/>
+        <dsp:cNvSpPr/>
+      </dsp:nvSpPr>
+      <dsp:spPr>
+        <a:xfrm>
+          <a:off x="4900390" y="1343739"/>
+          <a:ext cx="2067699" cy="630396"/>
+        </a:xfrm>
+        <a:prstGeom prst="rect">
+          <a:avLst/>
+        </a:prstGeom>
+        <a:blipFill rotWithShape="0">
+          <a:blip xmlns:r="http://schemas.openxmlformats.org/officeDocument/2006/relationships" r:embed="rId1">
+            <a:duotone>
+              <a:schemeClr val="accent1">
+                <a:hueOff val="0"/>
+                <a:satOff val="0"/>
+                <a:lumOff val="0"/>
+                <a:alphaOff val="0"/>
+                <a:shade val="74000"/>
+                <a:satMod val="130000"/>
+                <a:lumMod val="90000"/>
+              </a:schemeClr>
+              <a:schemeClr val="accent1">
+                <a:hueOff val="0"/>
+                <a:satOff val="0"/>
+                <a:lumOff val="0"/>
+                <a:alphaOff val="0"/>
+                <a:tint val="94000"/>
+                <a:satMod val="120000"/>
+                <a:lumMod val="104000"/>
+              </a:schemeClr>
+            </a:duotone>
+          </a:blip>
+          <a:tile tx="0" ty="0" sx="100000" sy="100000" flip="none" algn="tl"/>
+        </a:blipFill>
+        <a:ln>
+          <a:noFill/>
+        </a:ln>
+        <a:effectLst>
+          <a:innerShdw blurRad="25400" dist="12700" dir="13500000">
+            <a:srgbClr val="000000">
+              <a:alpha val="45000"/>
+            </a:srgbClr>
+          </a:innerShdw>
+        </a:effectLst>
+      </dsp:spPr>
+      <dsp:style>
+        <a:lnRef idx="0">
+          <a:scrgbClr r="0" g="0" b="0"/>
+        </a:lnRef>
+        <a:fillRef idx="3">
+          <a:scrgbClr r="0" g="0" b="0"/>
+        </a:fillRef>
+        <a:effectRef idx="2">
+          <a:scrgbClr r="0" g="0" b="0"/>
+        </a:effectRef>
+        <a:fontRef idx="minor">
+          <a:schemeClr val="lt1"/>
+        </a:fontRef>
+      </dsp:style>
+      <dsp:txBody>
+        <a:bodyPr spcFirstLastPara="0" vert="horz" wrap="square" lIns="14605" tIns="14605" rIns="14605" bIns="14605" numCol="1" spcCol="1270" anchor="ctr" anchorCtr="0">
+          <a:noAutofit/>
+        </a:bodyPr>
+        <a:lstStyle/>
+        <a:p>
+          <a:pPr lvl="0" algn="ctr" defTabSz="1022350">
+            <a:lnSpc>
+              <a:spcPct val="90000"/>
+            </a:lnSpc>
+            <a:spcBef>
+              <a:spcPct val="0"/>
+            </a:spcBef>
+            <a:spcAft>
+              <a:spcPct val="35000"/>
+            </a:spcAft>
+          </a:pPr>
+          <a:r>
+            <a:rPr lang="en-US" sz="2300" kern="1200" dirty="0" smtClean="0">
+              <a:solidFill>
+                <a:schemeClr val="tx1"/>
+              </a:solidFill>
+            </a:rPr>
+            <a:t>SVM</a:t>
+          </a:r>
+          <a:endParaRPr lang="en-US" sz="2300" kern="1200" dirty="0">
+            <a:solidFill>
+              <a:schemeClr val="tx1"/>
+            </a:solidFill>
+          </a:endParaRPr>
+        </a:p>
+      </dsp:txBody>
+      <dsp:txXfrm>
+        <a:off x="4900390" y="1343739"/>
+        <a:ext cx="2067699" cy="630396"/>
+      </dsp:txXfrm>
+    </dsp:sp>
+    <dsp:sp modelId="{874B0FE6-1EB4-BD4E-A5F1-848D8F0F0D3B}">
+      <dsp:nvSpPr>
+        <dsp:cNvPr id="0" name=""/>
+        <dsp:cNvSpPr/>
+      </dsp:nvSpPr>
+      <dsp:spPr>
+        <a:xfrm>
+          <a:off x="4944970" y="2243251"/>
+          <a:ext cx="2067699" cy="630396"/>
+        </a:xfrm>
+        <a:prstGeom prst="rect">
+          <a:avLst/>
+        </a:prstGeom>
+        <a:blipFill rotWithShape="0">
+          <a:blip xmlns:r="http://schemas.openxmlformats.org/officeDocument/2006/relationships" r:embed="rId1">
+            <a:duotone>
+              <a:schemeClr val="accent1">
+                <a:hueOff val="0"/>
+                <a:satOff val="0"/>
+                <a:lumOff val="0"/>
+                <a:alphaOff val="0"/>
+                <a:shade val="74000"/>
+                <a:satMod val="130000"/>
+                <a:lumMod val="90000"/>
+              </a:schemeClr>
+              <a:schemeClr val="accent1">
+                <a:hueOff val="0"/>
+                <a:satOff val="0"/>
+                <a:lumOff val="0"/>
+                <a:alphaOff val="0"/>
+                <a:tint val="94000"/>
+                <a:satMod val="120000"/>
+                <a:lumMod val="104000"/>
+              </a:schemeClr>
+            </a:duotone>
+          </a:blip>
+          <a:tile tx="0" ty="0" sx="100000" sy="100000" flip="none" algn="tl"/>
+        </a:blipFill>
+        <a:ln>
+          <a:noFill/>
+        </a:ln>
+        <a:effectLst>
+          <a:innerShdw blurRad="25400" dist="12700" dir="13500000">
+            <a:srgbClr val="000000">
+              <a:alpha val="45000"/>
+            </a:srgbClr>
+          </a:innerShdw>
+        </a:effectLst>
+      </dsp:spPr>
+      <dsp:style>
+        <a:lnRef idx="0">
+          <a:scrgbClr r="0" g="0" b="0"/>
+        </a:lnRef>
+        <a:fillRef idx="3">
+          <a:scrgbClr r="0" g="0" b="0"/>
+        </a:fillRef>
+        <a:effectRef idx="2">
+          <a:scrgbClr r="0" g="0" b="0"/>
+        </a:effectRef>
+        <a:fontRef idx="minor">
+          <a:schemeClr val="lt1"/>
+        </a:fontRef>
+      </dsp:style>
+      <dsp:txBody>
+        <a:bodyPr spcFirstLastPara="0" vert="horz" wrap="square" lIns="14605" tIns="14605" rIns="14605" bIns="14605" numCol="1" spcCol="1270" anchor="ctr" anchorCtr="0">
+          <a:noAutofit/>
+        </a:bodyPr>
+        <a:lstStyle/>
+        <a:p>
+          <a:pPr lvl="0" algn="ctr" defTabSz="1022350">
+            <a:lnSpc>
+              <a:spcPct val="90000"/>
+            </a:lnSpc>
+            <a:spcBef>
+              <a:spcPct val="0"/>
+            </a:spcBef>
+            <a:spcAft>
+              <a:spcPct val="35000"/>
+            </a:spcAft>
+          </a:pPr>
+          <a:r>
+            <a:rPr lang="en-US" sz="2300" kern="1200" dirty="0" smtClean="0">
+              <a:solidFill>
+                <a:schemeClr val="tx1"/>
+              </a:solidFill>
+            </a:rPr>
+            <a:t>Gradient Boosted Trees</a:t>
+          </a:r>
+          <a:endParaRPr lang="en-US" sz="2300" kern="1200" dirty="0">
+            <a:solidFill>
+              <a:schemeClr val="tx1"/>
+            </a:solidFill>
+          </a:endParaRPr>
+        </a:p>
+      </dsp:txBody>
+      <dsp:txXfrm>
+        <a:off x="4944970" y="2243251"/>
+        <a:ext cx="2067699" cy="630396"/>
+      </dsp:txXfrm>
+    </dsp:sp>
+  </dsp:spTree>
+</dsp:drawing>
+</file>
+
+<file path=ppt/diagrams/drawing2.xml><?xml version="1.0" encoding="utf-8"?>
+<dsp:drawing xmlns:dgm="http://schemas.openxmlformats.org/drawingml/2006/diagram" xmlns:dsp="http://schemas.microsoft.com/office/drawing/2008/diagram" xmlns:a="http://schemas.openxmlformats.org/drawingml/2006/main">
+  <dsp:spTree>
+    <dsp:nvGrpSpPr>
+      <dsp:cNvPr id="0" name=""/>
+      <dsp:cNvGrpSpPr/>
+    </dsp:nvGrpSpPr>
+    <dsp:grpSpPr/>
+    <dsp:sp modelId="{B9D6B8BA-559D-BB4E-ACE3-CA329DC0EA2A}">
+      <dsp:nvSpPr>
+        <dsp:cNvPr id="0" name=""/>
+        <dsp:cNvSpPr/>
+      </dsp:nvSpPr>
+      <dsp:spPr>
+        <a:xfrm>
+          <a:off x="1747703" y="1692448"/>
+          <a:ext cx="1673718" cy="866001"/>
+        </a:xfrm>
+        <a:custGeom>
+          <a:avLst/>
+          <a:gdLst/>
+          <a:ahLst/>
+          <a:cxnLst/>
+          <a:rect l="0" t="0" r="0" b="0"/>
+          <a:pathLst>
+            <a:path>
+              <a:moveTo>
+                <a:pt x="0" y="0"/>
+              </a:moveTo>
+              <a:lnTo>
+                <a:pt x="836859" y="0"/>
+              </a:lnTo>
+              <a:lnTo>
+                <a:pt x="836859" y="866001"/>
+              </a:lnTo>
+              <a:lnTo>
+                <a:pt x="1673718" y="866001"/>
+              </a:lnTo>
+            </a:path>
+          </a:pathLst>
+        </a:custGeom>
+        <a:noFill/>
+        <a:ln w="9525" cap="flat" cmpd="sng" algn="ctr">
+          <a:solidFill>
+            <a:schemeClr val="accent1">
+              <a:shade val="60000"/>
+              <a:hueOff val="0"/>
+              <a:satOff val="0"/>
+              <a:lumOff val="0"/>
+              <a:alphaOff val="0"/>
+            </a:schemeClr>
+          </a:solidFill>
+          <a:prstDash val="solid"/>
+        </a:ln>
+        <a:effectLst/>
+      </dsp:spPr>
+      <dsp:style>
+        <a:lnRef idx="1">
+          <a:scrgbClr r="0" g="0" b="0"/>
+        </a:lnRef>
+        <a:fillRef idx="0">
+          <a:scrgbClr r="0" g="0" b="0"/>
+        </a:fillRef>
+        <a:effectRef idx="0">
+          <a:scrgbClr r="0" g="0" b="0"/>
+        </a:effectRef>
+        <a:fontRef idx="minor"/>
+      </dsp:style>
+      <dsp:txBody>
+        <a:bodyPr spcFirstLastPara="0" vert="horz" wrap="square" lIns="12700" tIns="0" rIns="12700" bIns="0" numCol="1" spcCol="1270" anchor="ctr" anchorCtr="0">
+          <a:noAutofit/>
+        </a:bodyPr>
+        <a:lstStyle/>
+        <a:p>
+          <a:pPr lvl="0" algn="ctr" defTabSz="311150">
+            <a:lnSpc>
+              <a:spcPct val="90000"/>
+            </a:lnSpc>
+            <a:spcBef>
+              <a:spcPct val="0"/>
+            </a:spcBef>
+            <a:spcAft>
+              <a:spcPct val="35000"/>
+            </a:spcAft>
+          </a:pPr>
+          <a:endParaRPr lang="en-US" sz="700" kern="1200"/>
+        </a:p>
+      </dsp:txBody>
+      <dsp:txXfrm>
+        <a:off x="2537450" y="2078336"/>
+        <a:ext cx="94224" cy="94224"/>
+      </dsp:txXfrm>
+    </dsp:sp>
+    <dsp:sp modelId="{71DB25B7-2F64-7145-B522-628105051BBE}">
+      <dsp:nvSpPr>
+        <dsp:cNvPr id="0" name=""/>
+        <dsp:cNvSpPr/>
+      </dsp:nvSpPr>
+      <dsp:spPr>
+        <a:xfrm>
+          <a:off x="1747703" y="1613217"/>
+          <a:ext cx="1629138" cy="91440"/>
+        </a:xfrm>
+        <a:custGeom>
+          <a:avLst/>
+          <a:gdLst/>
+          <a:ahLst/>
+          <a:cxnLst/>
+          <a:rect l="0" t="0" r="0" b="0"/>
+          <a:pathLst>
+            <a:path>
+              <a:moveTo>
+                <a:pt x="0" y="79230"/>
+              </a:moveTo>
+              <a:lnTo>
+                <a:pt x="814569" y="79230"/>
+              </a:lnTo>
+              <a:lnTo>
+                <a:pt x="814569" y="45720"/>
+              </a:lnTo>
+              <a:lnTo>
+                <a:pt x="1629138" y="45720"/>
+              </a:lnTo>
+            </a:path>
+          </a:pathLst>
+        </a:custGeom>
+        <a:noFill/>
+        <a:ln w="9525" cap="flat" cmpd="sng" algn="ctr">
+          <a:solidFill>
+            <a:schemeClr val="accent1">
+              <a:shade val="60000"/>
+              <a:hueOff val="0"/>
+              <a:satOff val="0"/>
+              <a:lumOff val="0"/>
+              <a:alphaOff val="0"/>
+            </a:schemeClr>
+          </a:solidFill>
+          <a:prstDash val="solid"/>
+        </a:ln>
+        <a:effectLst/>
+      </dsp:spPr>
+      <dsp:style>
+        <a:lnRef idx="1">
+          <a:scrgbClr r="0" g="0" b="0"/>
+        </a:lnRef>
+        <a:fillRef idx="0">
+          <a:scrgbClr r="0" g="0" b="0"/>
+        </a:fillRef>
+        <a:effectRef idx="0">
+          <a:scrgbClr r="0" g="0" b="0"/>
+        </a:effectRef>
+        <a:fontRef idx="minor"/>
+      </dsp:style>
+      <dsp:txBody>
+        <a:bodyPr spcFirstLastPara="0" vert="horz" wrap="square" lIns="12700" tIns="0" rIns="12700" bIns="0" numCol="1" spcCol="1270" anchor="ctr" anchorCtr="0">
+          <a:noAutofit/>
+        </a:bodyPr>
+        <a:lstStyle/>
+        <a:p>
+          <a:pPr lvl="0" algn="ctr" defTabSz="266700">
+            <a:lnSpc>
+              <a:spcPct val="90000"/>
+            </a:lnSpc>
+            <a:spcBef>
+              <a:spcPct val="0"/>
+            </a:spcBef>
+            <a:spcAft>
+              <a:spcPct val="35000"/>
+            </a:spcAft>
+          </a:pPr>
+          <a:endParaRPr lang="en-US" sz="600" kern="1200"/>
+        </a:p>
+      </dsp:txBody>
+      <dsp:txXfrm>
+        <a:off x="2521536" y="1618200"/>
+        <a:ext cx="81474" cy="81474"/>
+      </dsp:txXfrm>
+    </dsp:sp>
+    <dsp:sp modelId="{5FE7FE51-BFC7-A64B-8207-D360238987FE}">
+      <dsp:nvSpPr>
+        <dsp:cNvPr id="0" name=""/>
+        <dsp:cNvSpPr/>
+      </dsp:nvSpPr>
+      <dsp:spPr>
+        <a:xfrm>
+          <a:off x="5444542" y="770576"/>
+          <a:ext cx="859087" cy="892105"/>
+        </a:xfrm>
+        <a:custGeom>
+          <a:avLst/>
+          <a:gdLst/>
+          <a:ahLst/>
+          <a:cxnLst/>
+          <a:rect l="0" t="0" r="0" b="0"/>
+          <a:pathLst>
+            <a:path>
+              <a:moveTo>
+                <a:pt x="0" y="0"/>
+              </a:moveTo>
+              <a:lnTo>
+                <a:pt x="429543" y="0"/>
+              </a:lnTo>
+              <a:lnTo>
+                <a:pt x="429543" y="892105"/>
+              </a:lnTo>
+              <a:lnTo>
+                <a:pt x="859087" y="892105"/>
+              </a:lnTo>
+            </a:path>
+          </a:pathLst>
+        </a:custGeom>
+        <a:noFill/>
+        <a:ln w="9525" cap="flat" cmpd="sng" algn="ctr">
+          <a:solidFill>
+            <a:schemeClr val="accent1">
+              <a:shade val="80000"/>
+              <a:hueOff val="0"/>
+              <a:satOff val="0"/>
+              <a:lumOff val="0"/>
+              <a:alphaOff val="0"/>
+            </a:schemeClr>
+          </a:solidFill>
+          <a:prstDash val="solid"/>
+        </a:ln>
+        <a:effectLst/>
+      </dsp:spPr>
+      <dsp:style>
+        <a:lnRef idx="1">
+          <a:scrgbClr r="0" g="0" b="0"/>
+        </a:lnRef>
+        <a:fillRef idx="0">
+          <a:scrgbClr r="0" g="0" b="0"/>
+        </a:fillRef>
+        <a:effectRef idx="0">
+          <a:scrgbClr r="0" g="0" b="0"/>
+        </a:effectRef>
+        <a:fontRef idx="minor"/>
+      </dsp:style>
+      <dsp:txBody>
+        <a:bodyPr spcFirstLastPara="0" vert="horz" wrap="square" lIns="12700" tIns="0" rIns="12700" bIns="0" numCol="1" spcCol="1270" anchor="ctr" anchorCtr="0">
+          <a:noAutofit/>
+        </a:bodyPr>
+        <a:lstStyle/>
+        <a:p>
+          <a:pPr lvl="0" algn="ctr" defTabSz="222250">
+            <a:lnSpc>
+              <a:spcPct val="90000"/>
+            </a:lnSpc>
+            <a:spcBef>
+              <a:spcPct val="0"/>
+            </a:spcBef>
+            <a:spcAft>
+              <a:spcPct val="35000"/>
+            </a:spcAft>
+          </a:pPr>
+          <a:endParaRPr lang="en-US" sz="500" kern="1200"/>
+        </a:p>
+      </dsp:txBody>
+      <dsp:txXfrm>
+        <a:off x="5843123" y="1185666"/>
+        <a:ext cx="61925" cy="61925"/>
+      </dsp:txXfrm>
+    </dsp:sp>
+    <dsp:sp modelId="{4139402F-9D62-B04E-927B-E32BB7C55E20}">
+      <dsp:nvSpPr>
+        <dsp:cNvPr id="0" name=""/>
+        <dsp:cNvSpPr/>
+      </dsp:nvSpPr>
+      <dsp:spPr>
+        <a:xfrm>
+          <a:off x="1747703" y="770576"/>
+          <a:ext cx="1629138" cy="921871"/>
+        </a:xfrm>
+        <a:custGeom>
+          <a:avLst/>
+          <a:gdLst/>
+          <a:ahLst/>
+          <a:cxnLst/>
+          <a:rect l="0" t="0" r="0" b="0"/>
+          <a:pathLst>
+            <a:path>
+              <a:moveTo>
+                <a:pt x="0" y="921871"/>
+              </a:moveTo>
+              <a:lnTo>
+                <a:pt x="814569" y="921871"/>
+              </a:lnTo>
+              <a:lnTo>
+                <a:pt x="814569" y="0"/>
+              </a:lnTo>
+              <a:lnTo>
+                <a:pt x="1629138" y="0"/>
+              </a:lnTo>
+            </a:path>
+          </a:pathLst>
+        </a:custGeom>
+        <a:noFill/>
+        <a:ln w="9525" cap="flat" cmpd="sng" algn="ctr">
+          <a:solidFill>
+            <a:schemeClr val="accent1">
+              <a:shade val="60000"/>
+              <a:hueOff val="0"/>
+              <a:satOff val="0"/>
+              <a:lumOff val="0"/>
+              <a:alphaOff val="0"/>
+            </a:schemeClr>
+          </a:solidFill>
+          <a:prstDash val="solid"/>
+        </a:ln>
+        <a:effectLst/>
+      </dsp:spPr>
+      <dsp:style>
+        <a:lnRef idx="1">
+          <a:scrgbClr r="0" g="0" b="0"/>
+        </a:lnRef>
+        <a:fillRef idx="0">
+          <a:scrgbClr r="0" g="0" b="0"/>
+        </a:fillRef>
+        <a:effectRef idx="0">
+          <a:scrgbClr r="0" g="0" b="0"/>
+        </a:effectRef>
+        <a:fontRef idx="minor"/>
+      </dsp:style>
+      <dsp:txBody>
+        <a:bodyPr spcFirstLastPara="0" vert="horz" wrap="square" lIns="12700" tIns="0" rIns="12700" bIns="0" numCol="1" spcCol="1270" anchor="ctr" anchorCtr="0">
+          <a:noAutofit/>
+        </a:bodyPr>
+        <a:lstStyle/>
+        <a:p>
+          <a:pPr lvl="0" algn="ctr" defTabSz="311150">
+            <a:lnSpc>
+              <a:spcPct val="90000"/>
+            </a:lnSpc>
+            <a:spcBef>
+              <a:spcPct val="0"/>
+            </a:spcBef>
+            <a:spcAft>
+              <a:spcPct val="35000"/>
+            </a:spcAft>
+          </a:pPr>
+          <a:endParaRPr lang="en-US" sz="700" kern="1200"/>
+        </a:p>
+      </dsp:txBody>
+      <dsp:txXfrm>
+        <a:off x="2515476" y="1184715"/>
+        <a:ext cx="93594" cy="93594"/>
+      </dsp:txXfrm>
+    </dsp:sp>
+    <dsp:sp modelId="{CCBDC97B-69CA-F748-A4BC-566582CBEC66}">
+      <dsp:nvSpPr>
+        <dsp:cNvPr id="0" name=""/>
+        <dsp:cNvSpPr/>
+      </dsp:nvSpPr>
+      <dsp:spPr>
+        <a:xfrm>
+          <a:off x="0" y="1003926"/>
+          <a:ext cx="2118363" cy="1377043"/>
+        </a:xfrm>
+        <a:prstGeom prst="rect">
+          <a:avLst/>
+        </a:prstGeom>
+        <a:blipFill rotWithShape="0">
+          <a:blip xmlns:r="http://schemas.openxmlformats.org/officeDocument/2006/relationships" r:embed="rId1">
+            <a:duotone>
+              <a:schemeClr val="accent1">
+                <a:hueOff val="0"/>
+                <a:satOff val="0"/>
+                <a:lumOff val="0"/>
+                <a:alphaOff val="0"/>
+                <a:shade val="74000"/>
+                <a:satMod val="130000"/>
+                <a:lumMod val="90000"/>
+              </a:schemeClr>
+              <a:schemeClr val="accent1">
+                <a:hueOff val="0"/>
+                <a:satOff val="0"/>
+                <a:lumOff val="0"/>
+                <a:alphaOff val="0"/>
+                <a:tint val="94000"/>
+                <a:satMod val="120000"/>
+                <a:lumMod val="104000"/>
+              </a:schemeClr>
+            </a:duotone>
+          </a:blip>
+          <a:tile tx="0" ty="0" sx="100000" sy="100000" flip="none" algn="tl"/>
+        </a:blipFill>
+        <a:ln>
+          <a:noFill/>
+        </a:ln>
+        <a:effectLst>
+          <a:innerShdw blurRad="25400" dist="12700" dir="13500000">
+            <a:srgbClr val="000000">
+              <a:alpha val="45000"/>
+            </a:srgbClr>
+          </a:innerShdw>
+        </a:effectLst>
+      </dsp:spPr>
+      <dsp:style>
+        <a:lnRef idx="0">
+          <a:scrgbClr r="0" g="0" b="0"/>
+        </a:lnRef>
+        <a:fillRef idx="3">
+          <a:scrgbClr r="0" g="0" b="0"/>
+        </a:fillRef>
+        <a:effectRef idx="2">
+          <a:scrgbClr r="0" g="0" b="0"/>
+        </a:effectRef>
+        <a:fontRef idx="minor">
+          <a:schemeClr val="lt1"/>
+        </a:fontRef>
+      </dsp:style>
+      <dsp:txBody>
+        <a:bodyPr spcFirstLastPara="0" vert="horz" wrap="square" lIns="15240" tIns="15240" rIns="15240" bIns="15240" numCol="1" spcCol="1270" anchor="ctr" anchorCtr="0">
+          <a:noAutofit/>
+        </a:bodyPr>
+        <a:lstStyle/>
+        <a:p>
+          <a:pPr lvl="0" algn="ctr" defTabSz="1066800">
+            <a:lnSpc>
+              <a:spcPct val="90000"/>
+            </a:lnSpc>
+            <a:spcBef>
+              <a:spcPct val="0"/>
+            </a:spcBef>
+            <a:spcAft>
+              <a:spcPct val="35000"/>
+            </a:spcAft>
+          </a:pPr>
+          <a:r>
+            <a:rPr lang="en-US" sz="2400" kern="1200" dirty="0" smtClean="0">
+              <a:solidFill>
+                <a:schemeClr val="tx1"/>
+              </a:solidFill>
+            </a:rPr>
+            <a:t>Input </a:t>
+          </a:r>
+          <a:r>
+            <a:rPr lang="en-US" sz="2400" kern="1200" smtClean="0">
+              <a:solidFill>
+                <a:schemeClr val="tx1"/>
+              </a:solidFill>
+            </a:rPr>
+            <a:t>Data Replication </a:t>
+          </a:r>
+          <a:endParaRPr lang="en-US" sz="2400" kern="1200" dirty="0">
+            <a:solidFill>
+              <a:schemeClr val="tx1"/>
+            </a:solidFill>
+          </a:endParaRPr>
+        </a:p>
+      </dsp:txBody>
+      <dsp:txXfrm>
+        <a:off x="0" y="1003926"/>
+        <a:ext cx="2118363" cy="1377043"/>
+      </dsp:txXfrm>
+    </dsp:sp>
+    <dsp:sp modelId="{BBE10023-45BD-5B4B-BC14-7718B487FB9C}">
+      <dsp:nvSpPr>
+        <dsp:cNvPr id="0" name=""/>
+        <dsp:cNvSpPr/>
+      </dsp:nvSpPr>
+      <dsp:spPr>
+        <a:xfrm>
+          <a:off x="3376842" y="455378"/>
+          <a:ext cx="2067699" cy="630396"/>
+        </a:xfrm>
+        <a:prstGeom prst="rect">
+          <a:avLst/>
+        </a:prstGeom>
+        <a:blipFill rotWithShape="0">
+          <a:blip xmlns:r="http://schemas.openxmlformats.org/officeDocument/2006/relationships" r:embed="rId1">
+            <a:duotone>
+              <a:schemeClr val="accent1">
+                <a:hueOff val="0"/>
+                <a:satOff val="0"/>
+                <a:lumOff val="0"/>
+                <a:alphaOff val="0"/>
+                <a:shade val="74000"/>
+                <a:satMod val="130000"/>
+                <a:lumMod val="90000"/>
+              </a:schemeClr>
+              <a:schemeClr val="accent1">
+                <a:hueOff val="0"/>
+                <a:satOff val="0"/>
+                <a:lumOff val="0"/>
+                <a:alphaOff val="0"/>
+                <a:tint val="94000"/>
+                <a:satMod val="120000"/>
+                <a:lumMod val="104000"/>
+              </a:schemeClr>
+            </a:duotone>
+          </a:blip>
+          <a:tile tx="0" ty="0" sx="100000" sy="100000" flip="none" algn="tl"/>
+        </a:blipFill>
+        <a:ln>
+          <a:noFill/>
+        </a:ln>
+        <a:effectLst>
+          <a:innerShdw blurRad="25400" dist="12700" dir="13500000">
+            <a:srgbClr val="000000">
+              <a:alpha val="45000"/>
+            </a:srgbClr>
+          </a:innerShdw>
+        </a:effectLst>
+      </dsp:spPr>
+      <dsp:style>
+        <a:lnRef idx="0">
+          <a:scrgbClr r="0" g="0" b="0"/>
+        </a:lnRef>
+        <a:fillRef idx="3">
+          <a:scrgbClr r="0" g="0" b="0"/>
+        </a:fillRef>
+        <a:effectRef idx="2">
+          <a:scrgbClr r="0" g="0" b="0"/>
+        </a:effectRef>
+        <a:fontRef idx="minor">
+          <a:schemeClr val="lt1"/>
+        </a:fontRef>
+      </dsp:style>
+      <dsp:txBody>
+        <a:bodyPr spcFirstLastPara="0" vert="horz" wrap="square" lIns="14605" tIns="14605" rIns="14605" bIns="14605" numCol="1" spcCol="1270" anchor="ctr" anchorCtr="0">
+          <a:noAutofit/>
+        </a:bodyPr>
+        <a:lstStyle/>
+        <a:p>
+          <a:pPr lvl="0" algn="ctr" defTabSz="1022350">
+            <a:lnSpc>
+              <a:spcPct val="90000"/>
+            </a:lnSpc>
+            <a:spcBef>
+              <a:spcPct val="0"/>
+            </a:spcBef>
+            <a:spcAft>
+              <a:spcPct val="35000"/>
+            </a:spcAft>
+          </a:pPr>
+          <a:r>
+            <a:rPr lang="en-US" sz="2300" kern="1200" dirty="0" smtClean="0">
+              <a:solidFill>
+                <a:schemeClr val="tx1"/>
+              </a:solidFill>
+            </a:rPr>
+            <a:t>Random Forest</a:t>
+          </a:r>
+          <a:endParaRPr lang="en-US" sz="2300" kern="1200" dirty="0">
+            <a:solidFill>
+              <a:schemeClr val="tx1"/>
+            </a:solidFill>
+          </a:endParaRPr>
+        </a:p>
+      </dsp:txBody>
+      <dsp:txXfrm>
+        <a:off x="3376842" y="455378"/>
+        <a:ext cx="2067699" cy="630396"/>
+      </dsp:txXfrm>
+    </dsp:sp>
+    <dsp:sp modelId="{A5CBE513-E52A-E640-A8C3-C5C14B045A0D}">
+      <dsp:nvSpPr>
+        <dsp:cNvPr id="0" name=""/>
+        <dsp:cNvSpPr/>
+      </dsp:nvSpPr>
+      <dsp:spPr>
+        <a:xfrm>
+          <a:off x="6303630" y="1347483"/>
+          <a:ext cx="2067699" cy="630396"/>
+        </a:xfrm>
+        <a:prstGeom prst="rect">
+          <a:avLst/>
+        </a:prstGeom>
+        <a:blipFill rotWithShape="0">
+          <a:blip xmlns:r="http://schemas.openxmlformats.org/officeDocument/2006/relationships" r:embed="rId1">
+            <a:duotone>
+              <a:schemeClr val="accent1">
+                <a:hueOff val="0"/>
+                <a:satOff val="0"/>
+                <a:lumOff val="0"/>
+                <a:alphaOff val="0"/>
+                <a:shade val="74000"/>
+                <a:satMod val="130000"/>
+                <a:lumMod val="90000"/>
+              </a:schemeClr>
+              <a:schemeClr val="accent1">
+                <a:hueOff val="0"/>
+                <a:satOff val="0"/>
+                <a:lumOff val="0"/>
+                <a:alphaOff val="0"/>
+                <a:tint val="94000"/>
+                <a:satMod val="120000"/>
+                <a:lumMod val="104000"/>
+              </a:schemeClr>
+            </a:duotone>
+          </a:blip>
+          <a:tile tx="0" ty="0" sx="100000" sy="100000" flip="none" algn="tl"/>
+        </a:blipFill>
+        <a:ln>
+          <a:noFill/>
+        </a:ln>
+        <a:effectLst>
+          <a:innerShdw blurRad="25400" dist="12700" dir="13500000">
+            <a:srgbClr val="000000">
+              <a:alpha val="45000"/>
+            </a:srgbClr>
+          </a:innerShdw>
+        </a:effectLst>
+      </dsp:spPr>
+      <dsp:style>
+        <a:lnRef idx="0">
+          <a:scrgbClr r="0" g="0" b="0"/>
+        </a:lnRef>
+        <a:fillRef idx="3">
+          <a:scrgbClr r="0" g="0" b="0"/>
+        </a:fillRef>
+        <a:effectRef idx="2">
+          <a:scrgbClr r="0" g="0" b="0"/>
+        </a:effectRef>
+        <a:fontRef idx="minor">
+          <a:schemeClr val="lt1"/>
+        </a:fontRef>
+      </dsp:style>
+      <dsp:txBody>
+        <a:bodyPr spcFirstLastPara="0" vert="horz" wrap="square" lIns="14605" tIns="14605" rIns="14605" bIns="14605" numCol="1" spcCol="1270" anchor="ctr" anchorCtr="0">
+          <a:noAutofit/>
+        </a:bodyPr>
+        <a:lstStyle/>
+        <a:p>
+          <a:pPr lvl="0" algn="ctr" defTabSz="1022350">
+            <a:lnSpc>
+              <a:spcPct val="90000"/>
+            </a:lnSpc>
+            <a:spcBef>
+              <a:spcPct val="0"/>
+            </a:spcBef>
+            <a:spcAft>
+              <a:spcPct val="35000"/>
+            </a:spcAft>
+          </a:pPr>
+          <a:r>
+            <a:rPr lang="en-US" sz="2300" kern="1200" dirty="0" smtClean="0">
+              <a:solidFill>
+                <a:schemeClr val="tx1"/>
+              </a:solidFill>
+            </a:rPr>
+            <a:t>Logistic Regression</a:t>
+          </a:r>
+          <a:endParaRPr lang="en-US" sz="2300" kern="1200" dirty="0">
+            <a:solidFill>
+              <a:schemeClr val="tx1"/>
+            </a:solidFill>
+          </a:endParaRPr>
+        </a:p>
+      </dsp:txBody>
+      <dsp:txXfrm>
+        <a:off x="6303630" y="1347483"/>
+        <a:ext cx="2067699" cy="630396"/>
+      </dsp:txXfrm>
+    </dsp:sp>
+    <dsp:sp modelId="{B48AE071-AA4D-114D-9B21-67BE48C2ED70}">
+      <dsp:nvSpPr>
+        <dsp:cNvPr id="0" name=""/>
+        <dsp:cNvSpPr/>
+      </dsp:nvSpPr>
+      <dsp:spPr>
+        <a:xfrm>
+          <a:off x="3376842" y="1343739"/>
+          <a:ext cx="2067699" cy="630396"/>
+        </a:xfrm>
+        <a:prstGeom prst="rect">
+          <a:avLst/>
+        </a:prstGeom>
+        <a:blipFill rotWithShape="0">
+          <a:blip xmlns:r="http://schemas.openxmlformats.org/officeDocument/2006/relationships" r:embed="rId1">
+            <a:duotone>
+              <a:schemeClr val="accent1">
+                <a:hueOff val="0"/>
+                <a:satOff val="0"/>
+                <a:lumOff val="0"/>
+                <a:alphaOff val="0"/>
+                <a:shade val="74000"/>
+                <a:satMod val="130000"/>
+                <a:lumMod val="90000"/>
+              </a:schemeClr>
+              <a:schemeClr val="accent1">
+                <a:hueOff val="0"/>
+                <a:satOff val="0"/>
+                <a:lumOff val="0"/>
+                <a:alphaOff val="0"/>
+                <a:tint val="94000"/>
+                <a:satMod val="120000"/>
+                <a:lumMod val="104000"/>
+              </a:schemeClr>
+            </a:duotone>
+          </a:blip>
+          <a:tile tx="0" ty="0" sx="100000" sy="100000" flip="none" algn="tl"/>
+        </a:blipFill>
+        <a:ln>
+          <a:noFill/>
+        </a:ln>
+        <a:effectLst>
+          <a:innerShdw blurRad="25400" dist="12700" dir="13500000">
+            <a:srgbClr val="000000">
+              <a:alpha val="45000"/>
+            </a:srgbClr>
+          </a:innerShdw>
+        </a:effectLst>
+      </dsp:spPr>
+      <dsp:style>
+        <a:lnRef idx="0">
+          <a:scrgbClr r="0" g="0" b="0"/>
+        </a:lnRef>
+        <a:fillRef idx="3">
+          <a:scrgbClr r="0" g="0" b="0"/>
+        </a:fillRef>
+        <a:effectRef idx="2">
+          <a:scrgbClr r="0" g="0" b="0"/>
+        </a:effectRef>
+        <a:fontRef idx="minor">
+          <a:schemeClr val="lt1"/>
+        </a:fontRef>
+      </dsp:style>
+      <dsp:txBody>
+        <a:bodyPr spcFirstLastPara="0" vert="horz" wrap="square" lIns="14605" tIns="14605" rIns="14605" bIns="14605" numCol="1" spcCol="1270" anchor="ctr" anchorCtr="0">
+          <a:noAutofit/>
+        </a:bodyPr>
+        <a:lstStyle/>
+        <a:p>
+          <a:pPr lvl="0" algn="ctr" defTabSz="1022350">
+            <a:lnSpc>
+              <a:spcPct val="90000"/>
+            </a:lnSpc>
+            <a:spcBef>
+              <a:spcPct val="0"/>
+            </a:spcBef>
+            <a:spcAft>
+              <a:spcPct val="35000"/>
+            </a:spcAft>
+          </a:pPr>
+          <a:r>
+            <a:rPr lang="en-US" sz="2300" kern="1200" dirty="0" smtClean="0">
+              <a:solidFill>
+                <a:schemeClr val="tx1"/>
+              </a:solidFill>
+            </a:rPr>
+            <a:t>SVM</a:t>
+          </a:r>
+          <a:endParaRPr lang="en-US" sz="2300" kern="1200" dirty="0">
+            <a:solidFill>
+              <a:schemeClr val="tx1"/>
+            </a:solidFill>
+          </a:endParaRPr>
+        </a:p>
+      </dsp:txBody>
+      <dsp:txXfrm>
+        <a:off x="3376842" y="1343739"/>
+        <a:ext cx="2067699" cy="630396"/>
+      </dsp:txXfrm>
+    </dsp:sp>
+    <dsp:sp modelId="{874B0FE6-1EB4-BD4E-A5F1-848D8F0F0D3B}">
+      <dsp:nvSpPr>
+        <dsp:cNvPr id="0" name=""/>
+        <dsp:cNvSpPr/>
+      </dsp:nvSpPr>
+      <dsp:spPr>
+        <a:xfrm>
+          <a:off x="3421422" y="2243251"/>
+          <a:ext cx="2067699" cy="630396"/>
+        </a:xfrm>
+        <a:prstGeom prst="rect">
+          <a:avLst/>
+        </a:prstGeom>
+        <a:blipFill rotWithShape="0">
+          <a:blip xmlns:r="http://schemas.openxmlformats.org/officeDocument/2006/relationships" r:embed="rId1">
+            <a:duotone>
+              <a:schemeClr val="accent1">
+                <a:hueOff val="0"/>
+                <a:satOff val="0"/>
+                <a:lumOff val="0"/>
+                <a:alphaOff val="0"/>
+                <a:shade val="74000"/>
+                <a:satMod val="130000"/>
+                <a:lumMod val="90000"/>
+              </a:schemeClr>
+              <a:schemeClr val="accent1">
+                <a:hueOff val="0"/>
+                <a:satOff val="0"/>
+                <a:lumOff val="0"/>
+                <a:alphaOff val="0"/>
+                <a:tint val="94000"/>
+                <a:satMod val="120000"/>
+                <a:lumMod val="104000"/>
+              </a:schemeClr>
+            </a:duotone>
+          </a:blip>
+          <a:tile tx="0" ty="0" sx="100000" sy="100000" flip="none" algn="tl"/>
+        </a:blipFill>
+        <a:ln>
+          <a:noFill/>
+        </a:ln>
+        <a:effectLst>
+          <a:innerShdw blurRad="25400" dist="12700" dir="13500000">
+            <a:srgbClr val="000000">
+              <a:alpha val="45000"/>
+            </a:srgbClr>
+          </a:innerShdw>
+        </a:effectLst>
+      </dsp:spPr>
+      <dsp:style>
+        <a:lnRef idx="0">
+          <a:scrgbClr r="0" g="0" b="0"/>
+        </a:lnRef>
+        <a:fillRef idx="3">
+          <a:scrgbClr r="0" g="0" b="0"/>
+        </a:fillRef>
+        <a:effectRef idx="2">
+          <a:scrgbClr r="0" g="0" b="0"/>
+        </a:effectRef>
+        <a:fontRef idx="minor">
+          <a:schemeClr val="lt1"/>
+        </a:fontRef>
+      </dsp:style>
+      <dsp:txBody>
+        <a:bodyPr spcFirstLastPara="0" vert="horz" wrap="square" lIns="14605" tIns="14605" rIns="14605" bIns="14605" numCol="1" spcCol="1270" anchor="ctr" anchorCtr="0">
+          <a:noAutofit/>
+        </a:bodyPr>
+        <a:lstStyle/>
+        <a:p>
+          <a:pPr lvl="0" algn="ctr" defTabSz="1022350">
+            <a:lnSpc>
+              <a:spcPct val="90000"/>
+            </a:lnSpc>
+            <a:spcBef>
+              <a:spcPct val="0"/>
+            </a:spcBef>
+            <a:spcAft>
+              <a:spcPct val="35000"/>
+            </a:spcAft>
+          </a:pPr>
+          <a:r>
+            <a:rPr lang="en-US" sz="2300" kern="1200" dirty="0" smtClean="0">
+              <a:solidFill>
+                <a:schemeClr val="tx1"/>
+              </a:solidFill>
+            </a:rPr>
+            <a:t>Gradient Boosted Trees</a:t>
+          </a:r>
+          <a:endParaRPr lang="en-US" sz="2300" kern="1200" dirty="0">
+            <a:solidFill>
+              <a:schemeClr val="tx1"/>
+            </a:solidFill>
+          </a:endParaRPr>
+        </a:p>
+      </dsp:txBody>
+      <dsp:txXfrm>
+        <a:off x="3421422" y="2243251"/>
+        <a:ext cx="2067699" cy="630396"/>
+      </dsp:txXfrm>
+    </dsp:sp>
+  </dsp:spTree>
+</dsp:drawing>
+</file>
+
+<file path=ppt/diagrams/layout1.xml><?xml version="1.0" encoding="utf-8"?>
+<dgm:layoutDef xmlns:dgm="http://schemas.openxmlformats.org/drawingml/2006/diagram" xmlns:a="http://schemas.openxmlformats.org/drawingml/2006/main" uniqueId="urn:microsoft.com/office/officeart/2008/layout/HorizontalMultiLevelHierarchy">
+  <dgm:title val=""/>
+  <dgm:desc val=""/>
+  <dgm:catLst>
+    <dgm:cat type="hierarchy" pri="4600"/>
+  </dgm:catLst>
+  <dgm:sampData>
+    <dgm:dataModel>
+      <dgm:ptLst>
+        <dgm:pt modelId="0" type="doc"/>
+        <dgm:pt modelId="1">
+          <dgm:prSet phldr="1"/>
+        </dgm:pt>
+        <dgm:pt modelId="11">
+          <dgm:prSet phldr="1"/>
+        </dgm:pt>
+        <dgm:pt modelId="12">
+          <dgm:prSet phldr="1"/>
+        </dgm:pt>
+        <dgm:pt modelId="13">
+          <dgm:prSet phldr="1"/>
+        </dgm:pt>
+      </dgm:ptLst>
+      <dgm:cxnLst>
+        <dgm:cxn modelId="2" srcId="0" destId="1" srcOrd="0" destOrd="0"/>
+        <dgm:cxn modelId="3" srcId="1" destId="11" srcOrd="0" destOrd="0"/>
+        <dgm:cxn modelId="4" srcId="1" destId="12" srcOrd="1" destOrd="0"/>
+        <dgm:cxn modelId="5" srcId="1" destId="13" srcOrd="2" destOrd="0"/>
+      </dgm:cxnLst>
+      <dgm:bg/>
+      <dgm:whole/>
+    </dgm:dataModel>
+  </dgm:sampData>
+  <dgm:styleData>
+    <dgm:dataModel>
+      <dgm:ptLst>
+        <dgm:pt modelId="0" type="doc"/>
+        <dgm:pt modelId="1">
+          <dgm:prSet phldr="1"/>
+        </dgm:pt>
+        <dgm:pt modelId="11">
+          <dgm:prSet phldr="1"/>
+        </dgm:pt>
+        <dgm:pt modelId="12">
+          <dgm:prSet phldr="1"/>
+        </dgm:pt>
+      </dgm:ptLst>
+      <dgm:cxnLst>
+        <dgm:cxn modelId="2" srcId="0" destId="1" srcOrd="0" destOrd="0"/>
+        <dgm:cxn modelId="3" srcId="1" destId="11" srcOrd="0" destOrd="0"/>
+        <dgm:cxn modelId="4" srcId="1" destId="12" srcOrd="1" destOrd="0"/>
+      </dgm:cxnLst>
+      <dgm:bg/>
+      <dgm:whole/>
+    </dgm:dataModel>
+  </dgm:styleData>
+  <dgm:clrData>
+    <dgm:dataModel>
+      <dgm:ptLst>
+        <dgm:pt modelId="0" type="doc"/>
+        <dgm:pt modelId="1">
+          <dgm:prSet phldr="1"/>
+        </dgm:pt>
+        <dgm:pt modelId="11">
+          <dgm:prSet phldr="1"/>
+        </dgm:pt>
+        <dgm:pt modelId="12">
+          <dgm:prSet phldr="1"/>
+        </dgm:pt>
+        <dgm:pt modelId="13">
+          <dgm:prSet phldr="1"/>
+        </dgm:pt>
+      </dgm:ptLst>
+      <dgm:cxnLst>
+        <dgm:cxn modelId="2" srcId="0" destId="1" srcOrd="0" destOrd="0"/>
+        <dgm:cxn modelId="3" srcId="1" destId="11" srcOrd="0" destOrd="0"/>
+        <dgm:cxn modelId="4" srcId="1" destId="12" srcOrd="1" destOrd="0"/>
+        <dgm:cxn modelId="5" srcId="1" destId="13" srcOrd="2" destOrd="0"/>
+      </dgm:cxnLst>
+      <dgm:bg/>
+      <dgm:whole/>
+    </dgm:dataModel>
+  </dgm:clrData>
+  <dgm:layoutNode name="Name0">
+    <dgm:varLst>
+      <dgm:chPref val="1"/>
+      <dgm:dir/>
+      <dgm:animOne val="branch"/>
+      <dgm:animLvl val="lvl"/>
+      <dgm:resizeHandles val="exact"/>
+    </dgm:varLst>
+    <dgm:choose name="Name1">
+      <dgm:if name="Name2" func="var" arg="dir" op="equ" val="norm">
+        <dgm:alg type="hierChild">
+          <dgm:param type="linDir" val="fromT"/>
+          <dgm:param type="chAlign" val="l"/>
+        </dgm:alg>
+      </dgm:if>
+      <dgm:else name="Name3">
+        <dgm:alg type="hierChild">
+          <dgm:param type="linDir" val="fromT"/>
+          <dgm:param type="chAlign" val="r"/>
+        </dgm:alg>
+      </dgm:else>
+    </dgm:choose>
+    <dgm:shape xmlns:r="http://schemas.openxmlformats.org/officeDocument/2006/relationships" r:blip="">
+      <dgm:adjLst/>
+    </dgm:shape>
+    <dgm:presOf/>
+    <dgm:constrLst>
+      <dgm:constr type="h" for="des" forName="LevelOneTextNode" refType="h"/>
+      <dgm:constr type="w" for="des" forName="LevelOneTextNode" refType="h" refFor="des" refForName="LevelOneTextNode" fact="0.19"/>
+      <dgm:constr type="h" for="des" forName="LevelTwoTextNode" refType="w" refFor="des" refForName="LevelOneTextNode"/>
+      <dgm:constr type="w" for="des" forName="LevelTwoTextNode" refType="h" refFor="des" refForName="LevelTwoTextNode" fact="3.28"/>
+      <dgm:constr type="sibSp" refType="h" refFor="des" refForName="LevelTwoTextNode" op="equ" fact="0.25"/>
+      <dgm:constr type="sibSp" for="des" forName="level2hierChild" refType="h" refFor="des" refForName="LevelTwoTextNode" op="equ" fact="0.25"/>
+      <dgm:constr type="sibSp" for="des" forName="level3hierChild" refType="h" refFor="des" refForName="LevelTwoTextNode" op="equ" fact="0.25"/>
+      <dgm:constr type="sp" for="des" forName="root1" refType="w" refFor="des" refForName="LevelTwoTextNode" fact="0.2"/>
+      <dgm:constr type="sp" for="des" forName="root2" refType="sp" refFor="des" refForName="root1" op="equ"/>
+      <dgm:constr type="primFontSz" for="des" forName="LevelOneTextNode" op="equ" val="65"/>
+      <dgm:constr type="primFontSz" for="des" forName="LevelTwoTextNode" op="equ" val="65"/>
+      <dgm:constr type="primFontSz" for="des" forName="LevelTwoTextNode" refType="primFontSz" refFor="des" refForName="LevelOneTextNode" op="lte"/>
+      <dgm:constr type="primFontSz" for="des" forName="connTx" op="equ" val="50"/>
+      <dgm:constr type="primFontSz" for="des" forName="connTx" refType="primFontSz" refFor="des" refForName="LevelOneTextNode" op="lte" fact="0.78"/>
+    </dgm:constrLst>
+    <dgm:forEach name="Name4" axis="ch">
+      <dgm:forEach name="Name5" axis="self" ptType="node">
+        <dgm:layoutNode name="root1">
+          <dgm:choose name="Name6">
+            <dgm:if name="Name7" func="var" arg="dir" op="equ" val="norm">
+              <dgm:alg type="hierRoot">
+                <dgm:param type="hierAlign" val="lCtrCh"/>
+              </dgm:alg>
+            </dgm:if>
+            <dgm:else name="Name8">
+              <dgm:alg type="hierRoot">
+                <dgm:param type="hierAlign" val="rCtrCh"/>
+              </dgm:alg>
+            </dgm:else>
+          </dgm:choose>
+          <dgm:shape xmlns:r="http://schemas.openxmlformats.org/officeDocument/2006/relationships" r:blip="">
+            <dgm:adjLst/>
+          </dgm:shape>
+          <dgm:presOf/>
+          <dgm:layoutNode name="LevelOneTextNode" styleLbl="node0">
+            <dgm:varLst>
+              <dgm:chPref val="3"/>
+            </dgm:varLst>
+            <dgm:alg type="tx">
+              <dgm:param type="autoTxRot" val="grav"/>
+            </dgm:alg>
+            <dgm:choose name="Name9">
+              <dgm:if name="Name10" func="var" arg="dir" op="equ" val="norm">
+                <dgm:shape xmlns:r="http://schemas.openxmlformats.org/officeDocument/2006/relationships" rot="270" type="rect" r:blip="">
+                  <dgm:adjLst/>
+                </dgm:shape>
+              </dgm:if>
+              <dgm:else name="Name11">
+                <dgm:shape xmlns:r="http://schemas.openxmlformats.org/officeDocument/2006/relationships" rot="90" type="rect" r:blip="">
+                  <dgm:adjLst/>
+                </dgm:shape>
+              </dgm:else>
+            </dgm:choose>
+            <dgm:presOf axis="self"/>
+            <dgm:constrLst>
+              <dgm:constr type="tMarg" refType="primFontSz" fact="0.05"/>
+              <dgm:constr type="bMarg" refType="primFontSz" fact="0.05"/>
+              <dgm:constr type="lMarg" refType="primFontSz" fact="0.05"/>
+              <dgm:constr type="rMarg" refType="primFontSz" fact="0.05"/>
+            </dgm:constrLst>
+            <dgm:ruleLst>
+              <dgm:rule type="primFontSz" val="2" fact="NaN" max="NaN"/>
+            </dgm:ruleLst>
+          </dgm:layoutNode>
+          <dgm:layoutNode name="level2hierChild">
+            <dgm:choose name="Name12">
+              <dgm:if name="Name13" func="var" arg="dir" op="equ" val="norm">
+                <dgm:alg type="hierChild">
+                  <dgm:param type="linDir" val="fromT"/>
+                  <dgm:param type="chAlign" val="l"/>
+                </dgm:alg>
+              </dgm:if>
+              <dgm:else name="Name14">
+                <dgm:alg type="hierChild">
+                  <dgm:param type="linDir" val="fromT"/>
+                  <dgm:param type="chAlign" val="r"/>
+                </dgm:alg>
+              </dgm:else>
+            </dgm:choose>
+            <dgm:shape xmlns:r="http://schemas.openxmlformats.org/officeDocument/2006/relationships" r:blip="">
+              <dgm:adjLst/>
+            </dgm:shape>
+            <dgm:presOf/>
+            <dgm:forEach name="repeat" axis="ch">
+              <dgm:forEach name="Name15" axis="self" ptType="parTrans" cnt="1">
+                <dgm:layoutNode name="conn2-1">
+                  <dgm:choose name="Name16">
+                    <dgm:if name="Name17" func="var" arg="dir" op="equ" val="norm">
+                      <dgm:alg type="conn">
+                        <dgm:param type="dim" val="1D"/>
+                        <dgm:param type="begPts" val="midR"/>
+                        <dgm:param type="endPts" val="midL"/>
+                        <dgm:param type="endSty" val="noArr"/>
+                        <dgm:param type="connRout" val="bend"/>
+                      </dgm:alg>
+                    </dgm:if>
+                    <dgm:else name="Name18">
+                      <dgm:alg type="conn">
+                        <dgm:param type="dim" val="1D"/>
+                        <dgm:param type="begPts" val="midL"/>
+                        <dgm:param type="endPts" val="midR"/>
+                        <dgm:param type="endSty" val="noArr"/>
+                        <dgm:param type="connRout" val="bend"/>
+                      </dgm:alg>
+                    </dgm:else>
+                  </dgm:choose>
+                  <dgm:shape xmlns:r="http://schemas.openxmlformats.org/officeDocument/2006/relationships" type="conn" r:blip="" zOrderOff="-99999">
+                    <dgm:adjLst/>
+                  </dgm:shape>
+                  <dgm:presOf axis="self"/>
+                  <dgm:constrLst>
+                    <dgm:constr type="w" val="1"/>
+                    <dgm:constr type="h" val="5"/>
+                    <dgm:constr type="connDist"/>
+                    <dgm:constr type="begPad"/>
+                    <dgm:constr type="endPad"/>
+                    <dgm:constr type="userA" for="ch" refType="connDist"/>
+                  </dgm:constrLst>
+                  <dgm:layoutNode name="connTx">
+                    <dgm:alg type="tx">
+                      <dgm:param type="autoTxRot" val="grav"/>
+                    </dgm:alg>
+                    <dgm:shape xmlns:r="http://schemas.openxmlformats.org/officeDocument/2006/relationships" type="rect" r:blip="" hideGeom="1">
+                      <dgm:adjLst/>
+                    </dgm:shape>
+                    <dgm:presOf axis="self"/>
+                    <dgm:constrLst>
+                      <dgm:constr type="userA"/>
+                      <dgm:constr type="w" refType="userA" fact="0.05"/>
+                      <dgm:constr type="h" refType="userA" fact="0.05"/>
+                      <dgm:constr type="lMarg" val="1"/>
+                      <dgm:constr type="rMarg" val="1"/>
+                      <dgm:constr type="tMarg"/>
+                      <dgm:constr type="bMarg"/>
+                    </dgm:constrLst>
+                    <dgm:ruleLst>
+                      <dgm:rule type="h" val="NaN" fact="0.25" max="NaN"/>
+                      <dgm:rule type="w" val="NaN" fact="0.8" max="NaN"/>
+                      <dgm:rule type="primFontSz" val="5" fact="NaN" max="NaN"/>
+                    </dgm:ruleLst>
+                  </dgm:layoutNode>
+                </dgm:layoutNode>
+              </dgm:forEach>
+              <dgm:forEach name="Name19" axis="self" ptType="node">
+                <dgm:layoutNode name="root2">
+                  <dgm:choose name="Name20">
+                    <dgm:if name="Name21" func="var" arg="dir" op="equ" val="norm">
+                      <dgm:alg type="hierRoot">
+                        <dgm:param type="hierAlign" val="lCtrCh"/>
+                      </dgm:alg>
+                    </dgm:if>
+                    <dgm:else name="Name22">
+                      <dgm:alg type="hierRoot">
+                        <dgm:param type="hierAlign" val="rCtrCh"/>
+                      </dgm:alg>
+                    </dgm:else>
+                  </dgm:choose>
+                  <dgm:shape xmlns:r="http://schemas.openxmlformats.org/officeDocument/2006/relationships" r:blip="">
+                    <dgm:adjLst/>
+                  </dgm:shape>
+                  <dgm:presOf/>
+                  <dgm:layoutNode name="LevelTwoTextNode">
+                    <dgm:varLst>
+                      <dgm:chPref val="3"/>
+                    </dgm:varLst>
+                    <dgm:alg type="tx"/>
+                    <dgm:shape xmlns:r="http://schemas.openxmlformats.org/officeDocument/2006/relationships" type="rect" r:blip="">
+                      <dgm:adjLst/>
+                    </dgm:shape>
+                    <dgm:presOf axis="self"/>
+                    <dgm:constrLst>
+                      <dgm:constr type="tMarg" refType="primFontSz" fact="0.05"/>
+                      <dgm:constr type="bMarg" refType="primFontSz" fact="0.05"/>
+                      <dgm:constr type="lMarg" refType="primFontSz" fact="0.05"/>
+                      <dgm:constr type="rMarg" refType="primFontSz" fact="0.05"/>
+                    </dgm:constrLst>
+                    <dgm:ruleLst>
+                      <dgm:rule type="primFontSz" val="2" fact="NaN" max="NaN"/>
+                    </dgm:ruleLst>
+                  </dgm:layoutNode>
+                  <dgm:layoutNode name="level3hierChild">
+                    <dgm:choose name="Name23">
+                      <dgm:if name="Name24" func="var" arg="dir" op="equ" val="norm">
+                        <dgm:alg type="hierChild">
+                          <dgm:param type="linDir" val="fromT"/>
+                          <dgm:param type="chAlign" val="l"/>
+                        </dgm:alg>
+                      </dgm:if>
+                      <dgm:else name="Name25">
+                        <dgm:alg type="hierChild">
+                          <dgm:param type="linDir" val="fromT"/>
+                          <dgm:param type="chAlign" val="r"/>
+                        </dgm:alg>
+                      </dgm:else>
+                    </dgm:choose>
+                    <dgm:shape xmlns:r="http://schemas.openxmlformats.org/officeDocument/2006/relationships" r:blip="">
+                      <dgm:adjLst/>
+                    </dgm:shape>
+                    <dgm:presOf/>
+                    <dgm:forEach name="Name26" ref="repeat"/>
+                  </dgm:layoutNode>
+                </dgm:layoutNode>
+              </dgm:forEach>
+            </dgm:forEach>
+          </dgm:layoutNode>
+        </dgm:layoutNode>
+      </dgm:forEach>
+    </dgm:forEach>
+  </dgm:layoutNode>
+</dgm:layoutDef>
+</file>
+
+<file path=ppt/diagrams/layout2.xml><?xml version="1.0" encoding="utf-8"?>
+<dgm:layoutDef xmlns:dgm="http://schemas.openxmlformats.org/drawingml/2006/diagram" xmlns:a="http://schemas.openxmlformats.org/drawingml/2006/main" uniqueId="urn:microsoft.com/office/officeart/2008/layout/HorizontalMultiLevelHierarchy">
+  <dgm:title val=""/>
+  <dgm:desc val=""/>
+  <dgm:catLst>
+    <dgm:cat type="hierarchy" pri="4600"/>
+  </dgm:catLst>
+  <dgm:sampData>
+    <dgm:dataModel>
+      <dgm:ptLst>
+        <dgm:pt modelId="0" type="doc"/>
+        <dgm:pt modelId="1">
+          <dgm:prSet phldr="1"/>
+        </dgm:pt>
+        <dgm:pt modelId="11">
+          <dgm:prSet phldr="1"/>
+        </dgm:pt>
+        <dgm:pt modelId="12">
+          <dgm:prSet phldr="1"/>
+        </dgm:pt>
+        <dgm:pt modelId="13">
+          <dgm:prSet phldr="1"/>
+        </dgm:pt>
+      </dgm:ptLst>
+      <dgm:cxnLst>
+        <dgm:cxn modelId="2" srcId="0" destId="1" srcOrd="0" destOrd="0"/>
+        <dgm:cxn modelId="3" srcId="1" destId="11" srcOrd="0" destOrd="0"/>
+        <dgm:cxn modelId="4" srcId="1" destId="12" srcOrd="1" destOrd="0"/>
+        <dgm:cxn modelId="5" srcId="1" destId="13" srcOrd="2" destOrd="0"/>
+      </dgm:cxnLst>
+      <dgm:bg/>
+      <dgm:whole/>
+    </dgm:dataModel>
+  </dgm:sampData>
+  <dgm:styleData>
+    <dgm:dataModel>
+      <dgm:ptLst>
+        <dgm:pt modelId="0" type="doc"/>
+        <dgm:pt modelId="1">
+          <dgm:prSet phldr="1"/>
+        </dgm:pt>
+        <dgm:pt modelId="11">
+          <dgm:prSet phldr="1"/>
+        </dgm:pt>
+        <dgm:pt modelId="12">
+          <dgm:prSet phldr="1"/>
+        </dgm:pt>
+      </dgm:ptLst>
+      <dgm:cxnLst>
+        <dgm:cxn modelId="2" srcId="0" destId="1" srcOrd="0" destOrd="0"/>
+        <dgm:cxn modelId="3" srcId="1" destId="11" srcOrd="0" destOrd="0"/>
+        <dgm:cxn modelId="4" srcId="1" destId="12" srcOrd="1" destOrd="0"/>
+      </dgm:cxnLst>
+      <dgm:bg/>
+      <dgm:whole/>
+    </dgm:dataModel>
+  </dgm:styleData>
+  <dgm:clrData>
+    <dgm:dataModel>
+      <dgm:ptLst>
+        <dgm:pt modelId="0" type="doc"/>
+        <dgm:pt modelId="1">
+          <dgm:prSet phldr="1"/>
+        </dgm:pt>
+        <dgm:pt modelId="11">
+          <dgm:prSet phldr="1"/>
+        </dgm:pt>
+        <dgm:pt modelId="12">
+          <dgm:prSet phldr="1"/>
+        </dgm:pt>
+        <dgm:pt modelId="13">
+          <dgm:prSet phldr="1"/>
+        </dgm:pt>
+      </dgm:ptLst>
+      <dgm:cxnLst>
+        <dgm:cxn modelId="2" srcId="0" destId="1" srcOrd="0" destOrd="0"/>
+        <dgm:cxn modelId="3" srcId="1" destId="11" srcOrd="0" destOrd="0"/>
+        <dgm:cxn modelId="4" srcId="1" destId="12" srcOrd="1" destOrd="0"/>
+        <dgm:cxn modelId="5" srcId="1" destId="13" srcOrd="2" destOrd="0"/>
+      </dgm:cxnLst>
+      <dgm:bg/>
+      <dgm:whole/>
+    </dgm:dataModel>
+  </dgm:clrData>
+  <dgm:layoutNode name="Name0">
+    <dgm:varLst>
+      <dgm:chPref val="1"/>
+      <dgm:dir/>
+      <dgm:animOne val="branch"/>
+      <dgm:animLvl val="lvl"/>
+      <dgm:resizeHandles val="exact"/>
+    </dgm:varLst>
+    <dgm:choose name="Name1">
+      <dgm:if name="Name2" func="var" arg="dir" op="equ" val="norm">
+        <dgm:alg type="hierChild">
+          <dgm:param type="linDir" val="fromT"/>
+          <dgm:param type="chAlign" val="l"/>
+        </dgm:alg>
+      </dgm:if>
+      <dgm:else name="Name3">
+        <dgm:alg type="hierChild">
+          <dgm:param type="linDir" val="fromT"/>
+          <dgm:param type="chAlign" val="r"/>
+        </dgm:alg>
+      </dgm:else>
+    </dgm:choose>
+    <dgm:shape xmlns:r="http://schemas.openxmlformats.org/officeDocument/2006/relationships" r:blip="">
+      <dgm:adjLst/>
+    </dgm:shape>
+    <dgm:presOf/>
+    <dgm:constrLst>
+      <dgm:constr type="h" for="des" forName="LevelOneTextNode" refType="h"/>
+      <dgm:constr type="w" for="des" forName="LevelOneTextNode" refType="h" refFor="des" refForName="LevelOneTextNode" fact="0.19"/>
+      <dgm:constr type="h" for="des" forName="LevelTwoTextNode" refType="w" refFor="des" refForName="LevelOneTextNode"/>
+      <dgm:constr type="w" for="des" forName="LevelTwoTextNode" refType="h" refFor="des" refForName="LevelTwoTextNode" fact="3.28"/>
+      <dgm:constr type="sibSp" refType="h" refFor="des" refForName="LevelTwoTextNode" op="equ" fact="0.25"/>
+      <dgm:constr type="sibSp" for="des" forName="level2hierChild" refType="h" refFor="des" refForName="LevelTwoTextNode" op="equ" fact="0.25"/>
+      <dgm:constr type="sibSp" for="des" forName="level3hierChild" refType="h" refFor="des" refForName="LevelTwoTextNode" op="equ" fact="0.25"/>
+      <dgm:constr type="sp" for="des" forName="root1" refType="w" refFor="des" refForName="LevelTwoTextNode" fact="0.2"/>
+      <dgm:constr type="sp" for="des" forName="root2" refType="sp" refFor="des" refForName="root1" op="equ"/>
+      <dgm:constr type="primFontSz" for="des" forName="LevelOneTextNode" op="equ" val="65"/>
+      <dgm:constr type="primFontSz" for="des" forName="LevelTwoTextNode" op="equ" val="65"/>
+      <dgm:constr type="primFontSz" for="des" forName="LevelTwoTextNode" refType="primFontSz" refFor="des" refForName="LevelOneTextNode" op="lte"/>
+      <dgm:constr type="primFontSz" for="des" forName="connTx" op="equ" val="50"/>
+      <dgm:constr type="primFontSz" for="des" forName="connTx" refType="primFontSz" refFor="des" refForName="LevelOneTextNode" op="lte" fact="0.78"/>
+    </dgm:constrLst>
+    <dgm:forEach name="Name4" axis="ch">
+      <dgm:forEach name="Name5" axis="self" ptType="node">
+        <dgm:layoutNode name="root1">
+          <dgm:choose name="Name6">
+            <dgm:if name="Name7" func="var" arg="dir" op="equ" val="norm">
+              <dgm:alg type="hierRoot">
+                <dgm:param type="hierAlign" val="lCtrCh"/>
+              </dgm:alg>
+            </dgm:if>
+            <dgm:else name="Name8">
+              <dgm:alg type="hierRoot">
+                <dgm:param type="hierAlign" val="rCtrCh"/>
+              </dgm:alg>
+            </dgm:else>
+          </dgm:choose>
+          <dgm:shape xmlns:r="http://schemas.openxmlformats.org/officeDocument/2006/relationships" r:blip="">
+            <dgm:adjLst/>
+          </dgm:shape>
+          <dgm:presOf/>
+          <dgm:layoutNode name="LevelOneTextNode" styleLbl="node0">
+            <dgm:varLst>
+              <dgm:chPref val="3"/>
+            </dgm:varLst>
+            <dgm:alg type="tx">
+              <dgm:param type="autoTxRot" val="grav"/>
+            </dgm:alg>
+            <dgm:choose name="Name9">
+              <dgm:if name="Name10" func="var" arg="dir" op="equ" val="norm">
+                <dgm:shape xmlns:r="http://schemas.openxmlformats.org/officeDocument/2006/relationships" rot="270" type="rect" r:blip="">
+                  <dgm:adjLst/>
+                </dgm:shape>
+              </dgm:if>
+              <dgm:else name="Name11">
+                <dgm:shape xmlns:r="http://schemas.openxmlformats.org/officeDocument/2006/relationships" rot="90" type="rect" r:blip="">
+                  <dgm:adjLst/>
+                </dgm:shape>
+              </dgm:else>
+            </dgm:choose>
+            <dgm:presOf axis="self"/>
+            <dgm:constrLst>
+              <dgm:constr type="tMarg" refType="primFontSz" fact="0.05"/>
+              <dgm:constr type="bMarg" refType="primFontSz" fact="0.05"/>
+              <dgm:constr type="lMarg" refType="primFontSz" fact="0.05"/>
+              <dgm:constr type="rMarg" refType="primFontSz" fact="0.05"/>
+            </dgm:constrLst>
+            <dgm:ruleLst>
+              <dgm:rule type="primFontSz" val="2" fact="NaN" max="NaN"/>
+            </dgm:ruleLst>
+          </dgm:layoutNode>
+          <dgm:layoutNode name="level2hierChild">
+            <dgm:choose name="Name12">
+              <dgm:if name="Name13" func="var" arg="dir" op="equ" val="norm">
+                <dgm:alg type="hierChild">
+                  <dgm:param type="linDir" val="fromT"/>
+                  <dgm:param type="chAlign" val="l"/>
+                </dgm:alg>
+              </dgm:if>
+              <dgm:else name="Name14">
+                <dgm:alg type="hierChild">
+                  <dgm:param type="linDir" val="fromT"/>
+                  <dgm:param type="chAlign" val="r"/>
+                </dgm:alg>
+              </dgm:else>
+            </dgm:choose>
+            <dgm:shape xmlns:r="http://schemas.openxmlformats.org/officeDocument/2006/relationships" r:blip="">
+              <dgm:adjLst/>
+            </dgm:shape>
+            <dgm:presOf/>
+            <dgm:forEach name="repeat" axis="ch">
+              <dgm:forEach name="Name15" axis="self" ptType="parTrans" cnt="1">
+                <dgm:layoutNode name="conn2-1">
+                  <dgm:choose name="Name16">
+                    <dgm:if name="Name17" func="var" arg="dir" op="equ" val="norm">
+                      <dgm:alg type="conn">
+                        <dgm:param type="dim" val="1D"/>
+                        <dgm:param type="begPts" val="midR"/>
+                        <dgm:param type="endPts" val="midL"/>
+                        <dgm:param type="endSty" val="noArr"/>
+                        <dgm:param type="connRout" val="bend"/>
+                      </dgm:alg>
+                    </dgm:if>
+                    <dgm:else name="Name18">
+                      <dgm:alg type="conn">
+                        <dgm:param type="dim" val="1D"/>
+                        <dgm:param type="begPts" val="midL"/>
+                        <dgm:param type="endPts" val="midR"/>
+                        <dgm:param type="endSty" val="noArr"/>
+                        <dgm:param type="connRout" val="bend"/>
+                      </dgm:alg>
+                    </dgm:else>
+                  </dgm:choose>
+                  <dgm:shape xmlns:r="http://schemas.openxmlformats.org/officeDocument/2006/relationships" type="conn" r:blip="" zOrderOff="-99999">
+                    <dgm:adjLst/>
+                  </dgm:shape>
+                  <dgm:presOf axis="self"/>
+                  <dgm:constrLst>
+                    <dgm:constr type="w" val="1"/>
+                    <dgm:constr type="h" val="5"/>
+                    <dgm:constr type="connDist"/>
+                    <dgm:constr type="begPad"/>
+                    <dgm:constr type="endPad"/>
+                    <dgm:constr type="userA" for="ch" refType="connDist"/>
+                  </dgm:constrLst>
+                  <dgm:layoutNode name="connTx">
+                    <dgm:alg type="tx">
+                      <dgm:param type="autoTxRot" val="grav"/>
+                    </dgm:alg>
+                    <dgm:shape xmlns:r="http://schemas.openxmlformats.org/officeDocument/2006/relationships" type="rect" r:blip="" hideGeom="1">
+                      <dgm:adjLst/>
+                    </dgm:shape>
+                    <dgm:presOf axis="self"/>
+                    <dgm:constrLst>
+                      <dgm:constr type="userA"/>
+                      <dgm:constr type="w" refType="userA" fact="0.05"/>
+                      <dgm:constr type="h" refType="userA" fact="0.05"/>
+                      <dgm:constr type="lMarg" val="1"/>
+                      <dgm:constr type="rMarg" val="1"/>
+                      <dgm:constr type="tMarg"/>
+                      <dgm:constr type="bMarg"/>
+                    </dgm:constrLst>
+                    <dgm:ruleLst>
+                      <dgm:rule type="h" val="NaN" fact="0.25" max="NaN"/>
+                      <dgm:rule type="w" val="NaN" fact="0.8" max="NaN"/>
+                      <dgm:rule type="primFontSz" val="5" fact="NaN" max="NaN"/>
+                    </dgm:ruleLst>
+                  </dgm:layoutNode>
+                </dgm:layoutNode>
+              </dgm:forEach>
+              <dgm:forEach name="Name19" axis="self" ptType="node">
+                <dgm:layoutNode name="root2">
+                  <dgm:choose name="Name20">
+                    <dgm:if name="Name21" func="var" arg="dir" op="equ" val="norm">
+                      <dgm:alg type="hierRoot">
+                        <dgm:param type="hierAlign" val="lCtrCh"/>
+                      </dgm:alg>
+                    </dgm:if>
+                    <dgm:else name="Name22">
+                      <dgm:alg type="hierRoot">
+                        <dgm:param type="hierAlign" val="rCtrCh"/>
+                      </dgm:alg>
+                    </dgm:else>
+                  </dgm:choose>
+                  <dgm:shape xmlns:r="http://schemas.openxmlformats.org/officeDocument/2006/relationships" r:blip="">
+                    <dgm:adjLst/>
+                  </dgm:shape>
+                  <dgm:presOf/>
+                  <dgm:layoutNode name="LevelTwoTextNode">
+                    <dgm:varLst>
+                      <dgm:chPref val="3"/>
+                    </dgm:varLst>
+                    <dgm:alg type="tx"/>
+                    <dgm:shape xmlns:r="http://schemas.openxmlformats.org/officeDocument/2006/relationships" type="rect" r:blip="">
+                      <dgm:adjLst/>
+                    </dgm:shape>
+                    <dgm:presOf axis="self"/>
+                    <dgm:constrLst>
+                      <dgm:constr type="tMarg" refType="primFontSz" fact="0.05"/>
+                      <dgm:constr type="bMarg" refType="primFontSz" fact="0.05"/>
+                      <dgm:constr type="lMarg" refType="primFontSz" fact="0.05"/>
+                      <dgm:constr type="rMarg" refType="primFontSz" fact="0.05"/>
+                    </dgm:constrLst>
+                    <dgm:ruleLst>
+                      <dgm:rule type="primFontSz" val="2" fact="NaN" max="NaN"/>
+                    </dgm:ruleLst>
+                  </dgm:layoutNode>
+                  <dgm:layoutNode name="level3hierChild">
+                    <dgm:choose name="Name23">
+                      <dgm:if name="Name24" func="var" arg="dir" op="equ" val="norm">
+                        <dgm:alg type="hierChild">
+                          <dgm:param type="linDir" val="fromT"/>
+                          <dgm:param type="chAlign" val="l"/>
+                        </dgm:alg>
+                      </dgm:if>
+                      <dgm:else name="Name25">
+                        <dgm:alg type="hierChild">
+                          <dgm:param type="linDir" val="fromT"/>
+                          <dgm:param type="chAlign" val="r"/>
+                        </dgm:alg>
+                      </dgm:else>
+                    </dgm:choose>
+                    <dgm:shape xmlns:r="http://schemas.openxmlformats.org/officeDocument/2006/relationships" r:blip="">
+                      <dgm:adjLst/>
+                    </dgm:shape>
+                    <dgm:presOf/>
+                    <dgm:forEach name="Name26" ref="repeat"/>
+                  </dgm:layoutNode>
+                </dgm:layoutNode>
+              </dgm:forEach>
+            </dgm:forEach>
+          </dgm:layoutNode>
+        </dgm:layoutNode>
+      </dgm:forEach>
+    </dgm:forEach>
+  </dgm:layoutNode>
+</dgm:layoutDef>
+</file>
+
+<file path=ppt/diagrams/quickStyle1.xml><?xml version="1.0" encoding="utf-8"?>
+<dgm:styleDef xmlns:dgm="http://schemas.openxmlformats.org/drawingml/2006/diagram" xmlns:a="http://schemas.openxmlformats.org/drawingml/2006/main" uniqueId="urn:microsoft.com/office/officeart/2005/8/quickstyle/simple4">
+  <dgm:title val=""/>
+  <dgm:desc val=""/>
+  <dgm:catLst>
+    <dgm:cat type="simple" pri="10400"/>
+  </dgm:catLst>
+  <dgm:scene3d>
+    <a:camera prst="orthographicFront"/>
+    <a:lightRig rig="threePt" dir="t"/>
+  </dgm:scene3d>
+  <dgm:styleLbl name="node0">
+    <dgm:scene3d>
+      <a:camera prst="orthographicFront"/>
+      <a:lightRig rig="threePt" dir="t"/>
+    </dgm:scene3d>
+    <dgm:sp3d/>
+    <dgm:txPr/>
+    <dgm:style>
+      <a:lnRef idx="0">
+        <a:scrgbClr r="0" g="0" b="0"/>
+      </a:lnRef>
+      <a:fillRef idx="3">
+        <a:scrgbClr r="0" g="0" b="0"/>
+      </a:fillRef>
+      <a:effectRef idx="2">
+        <a:scrgbClr r="0" g="0" b="0"/>
+      </a:effectRef>
+      <a:fontRef idx="minor">
+        <a:schemeClr val="lt1"/>
+      </a:fontRef>
+    </dgm:style>
+  </dgm:styleLbl>
+  <dgm:styleLbl name="lnNode1">
+    <dgm:scene3d>
+      <a:camera prst="orthographicFront"/>
+      <a:lightRig rig="threePt" dir="t"/>
+    </dgm:scene3d>
+    <dgm:sp3d/>
+    <dgm:txPr/>
+    <dgm:style>
+      <a:lnRef idx="1">
+        <a:scrgbClr r="0" g="0" b="0"/>
+      </a:lnRef>
+      <a:fillRef idx="3">
+        <a:scrgbClr r="0" g="0" b="0"/>
+      </a:fillRef>
+      <a:effectRef idx="2">
+        <a:scrgbClr r="0" g="0" b="0"/>
+      </a:effectRef>
+      <a:fontRef idx="minor">
+        <a:schemeClr val="lt1"/>
+      </a:fontRef>
+    </dgm:style>
+  </dgm:styleLbl>
+  <dgm:styleLbl name="vennNode1">
+    <dgm:scene3d>
+      <a:camera prst="orthographicFront"/>
+      <a:lightRig rig="threePt" dir="t"/>
+    </dgm:scene3d>
+    <dgm:sp3d/>
+    <dgm:txPr/>
+    <dgm:style>
+      <a:lnRef idx="0">
+        <a:scrgbClr r="0" g="0" b="0"/>
+      </a:lnRef>
+      <a:fillRef idx="3">
+        <a:scrgbClr r="0" g="0" b="0"/>
+      </a:fillRef>
+      <a:effectRef idx="0">
+        <a:scrgbClr r="0" g="0" b="0"/>
+      </a:effectRef>
+      <a:fontRef idx="minor">
+        <a:schemeClr val="tx1"/>
+      </a:fontRef>
+    </dgm:style>
+  </dgm:styleLbl>
+  <dgm:styleLbl name="alignNode1">
+    <dgm:scene3d>
+      <a:camera prst="orthographicFront"/>
+      <a:lightRig rig="threePt" dir="t"/>
+    </dgm:scene3d>
+    <dgm:sp3d/>
+    <dgm:txPr/>
+    <dgm:style>
+      <a:lnRef idx="1">
+        <a:scrgbClr r="0" g="0" b="0"/>
+      </a:lnRef>
+      <a:fillRef idx="3">
+        <a:scrgbClr r="0" g="0" b="0"/>
+      </a:fillRef>
+      <a:effectRef idx="2">
+        <a:scrgbClr r="0" g="0" b="0"/>
+      </a:effectRef>
+      <a:fontRef idx="minor">
+        <a:schemeClr val="lt1"/>
+      </a:fontRef>
+    </dgm:style>
+  </dgm:styleLbl>
+  <dgm:styleLbl name="node1">
+    <dgm:scene3d>
+      <a:camera prst="orthographicFront"/>
+      <a:lightRig rig="threePt" dir="t"/>
+    </dgm:scene3d>
+    <dgm:sp3d/>
+    <dgm:txPr/>
+    <dgm:style>
+      <a:lnRef idx="0">
+        <a:scrgbClr r="0" g="0" b="0"/>
+      </a:lnRef>
+      <a:fillRef idx="3">
+        <a:scrgbClr r="0" g="0" b="0"/>
+      </a:fillRef>
+      <a:effectRef idx="2">
+        <a:scrgbClr r="0" g="0" b="0"/>
+      </a:effectRef>
+      <a:fontRef idx="minor">
+        <a:schemeClr val="lt1"/>
+      </a:fontRef>
+    </dgm:style>
+  </dgm:styleLbl>
+  <dgm:styleLbl name="node2">
+    <dgm:scene3d>
+      <a:camera prst="orthographicFront"/>
+      <a:lightRig rig="threePt" dir="t"/>
+    </dgm:scene3d>
+    <dgm:sp3d/>
+    <dgm:txPr/>
+    <dgm:style>
+      <a:lnRef idx="0">
+        <a:scrgbClr r="0" g="0" b="0"/>
+      </a:lnRef>
+      <a:fillRef idx="3">
+        <a:scrgbClr r="0" g="0" b="0"/>
+      </a:fillRef>
+      <a:effectRef idx="2">
+        <a:scrgbClr r="0" g="0" b="0"/>
+      </a:effectRef>
+      <a:fontRef idx="minor">
+        <a:schemeClr val="lt1"/>
+      </a:fontRef>
+    </dgm:style>
+  </dgm:styleLbl>
+  <dgm:styleLbl name="node3">
+    <dgm:scene3d>
+      <a:camera prst="orthographicFront"/>
+      <a:lightRig rig="threePt" dir="t"/>
+    </dgm:scene3d>
+    <dgm:sp3d/>
+    <dgm:txPr/>
+    <dgm:style>
+      <a:lnRef idx="0">
+        <a:scrgbClr r="0" g="0" b="0"/>
+      </a:lnRef>
+      <a:fillRef idx="3">
+        <a:scrgbClr r="0" g="0" b="0"/>
+      </a:fillRef>
+      <a:effectRef idx="2">
+        <a:scrgbClr r="0" g="0" b="0"/>
+      </a:effectRef>
+      <a:fontRef idx="minor">
+        <a:schemeClr val="lt1"/>
+      </a:fontRef>
+    </dgm:style>
+  </dgm:styleLbl>
+  <dgm:styleLbl name="node4">
+    <dgm:scene3d>
+      <a:camera prst="orthographicFront"/>
+      <a:lightRig rig="threePt" dir="t"/>
+    </dgm:scene3d>
+    <dgm:sp3d/>
+    <dgm:txPr/>
+    <dgm:style>
+      <a:lnRef idx="0">
+        <a:scrgbClr r="0" g="0" b="0"/>
+      </a:lnRef>
+      <a:fillRef idx="3">
+        <a:scrgbClr r="0" g="0" b="0"/>
+      </a:fillRef>
+      <a:effectRef idx="2">
+        <a:scrgbClr r="0" g="0" b="0"/>
+      </a:effectRef>
+      <a:fontRef idx="minor">
+        <a:schemeClr val="lt1"/>
+      </a:fontRef>
+    </dgm:style>
+  </dgm:styleLbl>
+  <dgm:styleLbl name="fgImgPlace1">
+    <dgm:scene3d>
+      <a:camera prst="orthographicFront"/>
+      <a:lightRig rig="threePt" dir="t"/>
+    </dgm:scene3d>
+    <dgm:sp3d/>
+    <dgm:txPr/>
+    <dgm:style>
+      <a:lnRef idx="0">
+        <a:scrgbClr r="0" g="0" b="0"/>
+      </a:lnRef>
+      <a:fillRef idx="1">
+        <a:scrgbClr r="0" g="0" b="0"/>
+      </a:fillRef>
+      <a:effectRef idx="2">
+        <a:scrgbClr r="0" g="0" b="0"/>
+      </a:effectRef>
+      <a:fontRef idx="minor"/>
+    </dgm:style>
+  </dgm:styleLbl>
+  <dgm:styleLbl name="alignImgPlace1">
+    <dgm:scene3d>
+      <a:camera prst="orthographicFront"/>
+      <a:lightRig rig="threePt" dir="t"/>
+    </dgm:scene3d>
+    <dgm:sp3d/>
+    <dgm:txPr/>
+    <dgm:style>
+      <a:lnRef idx="0">
+        <a:scrgbClr r="0" g="0" b="0"/>
+      </a:lnRef>
+      <a:fillRef idx="1">
+        <a:scrgbClr r="0" g="0" b="0"/>
+      </a:fillRef>
+      <a:effectRef idx="2">
+        <a:scrgbClr r="0" g="0" b="0"/>
+      </a:effectRef>
+      <a:fontRef idx="minor"/>
+    </dgm:style>
+  </dgm:styleLbl>
+  <dgm:styleLbl name="bgImgPlace1">
+    <dgm:scene3d>
+      <a:camera prst="orthographicFront"/>
+      <a:lightRig rig="threePt" dir="t"/>
+    </dgm:scene3d>
+    <dgm:sp3d/>
+    <dgm:txPr/>
+    <dgm:style>
+      <a:lnRef idx="0">
+        <a:scrgbClr r="0" g="0" b="0"/>
+      </a:lnRef>
+      <a:fillRef idx="1">
+        <a:scrgbClr r="0" g="0" b="0"/>
+      </a:fillRef>
+      <a:effectRef idx="2">
+        <a:scrgbClr r="0" g="0" b="0"/>
+      </a:effectRef>
+      <a:fontRef idx="minor"/>
+    </dgm:style>
+  </dgm:styleLbl>
+  <dgm:styleLbl name="sibTrans2D1">
+    <dgm:scene3d>
+      <a:camera prst="orthographicFront"/>
+      <a:lightRig rig="threePt" dir="t"/>
+    </dgm:scene3d>
+    <dgm:sp3d/>
+    <dgm:txPr/>
+    <dgm:style>
+      <a:lnRef idx="0">
+        <a:scrgbClr r="0" g="0" b="0"/>
+      </a:lnRef>
+      <a:fillRef idx="3">
+        <a:scrgbClr r="0" g="0" b="0"/>
+      </a:fillRef>
+      <a:effectRef idx="2">
+        <a:scrgbClr r="0" g="0" b="0"/>
+      </a:effectRef>
+      <a:fontRef idx="minor">
+        <a:schemeClr val="lt1"/>
+      </a:fontRef>
+    </dgm:style>
+  </dgm:styleLbl>
+  <dgm:styleLbl name="fgSibTrans2D1">
+    <dgm:scene3d>
+      <a:camera prst="orthographicFront"/>
+      <a:lightRig rig="threePt" dir="t"/>
+    </dgm:scene3d>
+    <dgm:sp3d/>
+    <dgm:txPr/>
+    <dgm:style>
+      <a:lnRef idx="0">
+        <a:scrgbClr r="0" g="0" b="0"/>
+      </a:lnRef>
+      <a:fillRef idx="3">
+        <a:scrgbClr r="0" g="0" b="0"/>
+      </a:fillRef>
+      <a:effectRef idx="2">
+        <a:scrgbClr r="0" g="0" b="0"/>
+      </a:effectRef>
+      <a:fontRef idx="minor">
+        <a:schemeClr val="lt1"/>
+      </a:fontRef>
+    </dgm:style>
+  </dgm:styleLbl>
+  <dgm:styleLbl name="bgSibTrans2D1">
+    <dgm:scene3d>
+      <a:camera prst="orthographicFront"/>
+      <a:lightRig rig="threePt" dir="t"/>
+    </dgm:scene3d>
+    <dgm:sp3d/>
+    <dgm:txPr/>
+    <dgm:style>
+      <a:lnRef idx="0">
+        <a:scrgbClr r="0" g="0" b="0"/>
+      </a:lnRef>
+      <a:fillRef idx="3">
+        <a:scrgbClr r="0" g="0" b="0"/>
+      </a:fillRef>
+      <a:effectRef idx="2">
+        <a:scrgbClr r="0" g="0" b="0"/>
+      </a:effectRef>
+      <a:fontRef idx="minor">
+        <a:schemeClr val="lt1"/>
+      </a:fontRef>
+    </dgm:style>
+  </dgm:styleLbl>
+  <dgm:styleLbl name="sibTrans1D1">
+    <dgm:scene3d>
+      <a:camera prst="orthographicFront"/>
+      <a:lightRig rig="threePt" dir="t"/>
+    </dgm:scene3d>
+    <dgm:sp3d/>
+    <dgm:txPr/>
+    <dgm:style>
+      <a:lnRef idx="1">
+        <a:scrgbClr r="0" g="0" b="0"/>
+      </a:lnRef>
+      <a:fillRef idx="0">
+        <a:scrgbClr r="0" g="0" b="0"/>
+      </a:fillRef>
+      <a:effectRef idx="0">
+        <a:scrgbClr r="0" g="0" b="0"/>
+      </a:effectRef>
+      <a:fontRef idx="minor"/>
+    </dgm:style>
+  </dgm:styleLbl>
+  <dgm:styleLbl name="callout">
+    <dgm:scene3d>
+      <a:camera prst="orthographicFront"/>
+      <a:lightRig rig="threePt" dir="t"/>
+    </dgm:scene3d>
+    <dgm:sp3d/>
+    <dgm:txPr/>
+    <dgm:style>
+      <a:lnRef idx="2">
+        <a:scrgbClr r="0" g="0" b="0"/>
+      </a:lnRef>
+      <a:fillRef idx="1">
+        <a:scrgbClr r="0" g="0" b="0"/>
+      </a:fillRef>
+      <a:effectRef idx="1">
+        <a:scrgbClr r="0" g="0" b="0"/>
+      </a:effectRef>
+      <a:fontRef idx="minor"/>
+    </dgm:style>
+  </dgm:styleLbl>
+  <dgm:styleLbl name="asst0">
+    <dgm:scene3d>
+      <a:camera prst="orthographicFront"/>
+      <a:lightRig rig="threePt" dir="t"/>
+    </dgm:scene3d>
+    <dgm:sp3d/>
+    <dgm:txPr/>
+    <dgm:style>
+      <a:lnRef idx="0">
+        <a:scrgbClr r="0" g="0" b="0"/>
+      </a:lnRef>
+      <a:fillRef idx="3">
+        <a:scrgbClr r="0" g="0" b="0"/>
+      </a:fillRef>
+      <a:effectRef idx="2">
+        <a:scrgbClr r="0" g="0" b="0"/>
+      </a:effectRef>
+      <a:fontRef idx="minor">
+        <a:schemeClr val="lt1"/>
+      </a:fontRef>
+    </dgm:style>
+  </dgm:styleLbl>
+  <dgm:styleLbl name="asst1">
+    <dgm:scene3d>
+      <a:camera prst="orthographicFront"/>
+      <a:lightRig rig="threePt" dir="t"/>
+    </dgm:scene3d>
+    <dgm:sp3d/>
+    <dgm:txPr/>
+    <dgm:style>
+      <a:lnRef idx="0">
+        <a:scrgbClr r="0" g="0" b="0"/>
+      </a:lnRef>
+      <a:fillRef idx="3">
+        <a:scrgbClr r="0" g="0" b="0"/>
+      </a:fillRef>
+      <a:effectRef idx="2">
+        <a:scrgbClr r="0" g="0" b="0"/>
+      </a:effectRef>
+      <a:fontRef idx="minor">
+        <a:schemeClr val="lt1"/>
+      </a:fontRef>
+    </dgm:style>
+  </dgm:styleLbl>
+  <dgm:styleLbl name="asst2">
+    <dgm:scene3d>
+      <a:camera prst="orthographicFront"/>
+      <a:lightRig rig="threePt" dir="t"/>
+    </dgm:scene3d>
+    <dgm:sp3d/>
+    <dgm:txPr/>
+    <dgm:style>
+      <a:lnRef idx="0">
+        <a:scrgbClr r="0" g="0" b="0"/>
+      </a:lnRef>
+      <a:fillRef idx="3">
+        <a:scrgbClr r="0" g="0" b="0"/>
+      </a:fillRef>
+      <a:effectRef idx="2">
+        <a:scrgbClr r="0" g="0" b="0"/>
+      </a:effectRef>
+      <a:fontRef idx="minor">
+        <a:schemeClr val="lt1"/>
+      </a:fontRef>
+    </dgm:style>
+  </dgm:styleLbl>
+  <dgm:styleLbl name="asst3">
+    <dgm:scene3d>
+      <a:camera prst="orthographicFront"/>
+      <a:lightRig rig="threePt" dir="t"/>
+    </dgm:scene3d>
+    <dgm:sp3d/>
+    <dgm:txPr/>
+    <dgm:style>
+      <a:lnRef idx="0">
+        <a:scrgbClr r="0" g="0" b="0"/>
+      </a:lnRef>
+      <a:fillRef idx="3">
+        <a:scrgbClr r="0" g="0" b="0"/>
+      </a:fillRef>
+      <a:effectRef idx="2">
+        <a:scrgbClr r="0" g="0" b="0"/>
+      </a:effectRef>
+      <a:fontRef idx="minor">
+        <a:schemeClr val="lt1"/>
+      </a:fontRef>
+    </dgm:style>
+  </dgm:styleLbl>
+  <dgm:styleLbl name="asst4">
+    <dgm:scene3d>
+      <a:camera prst="orthographicFront"/>
+      <a:lightRig rig="threePt" dir="t"/>
+    </dgm:scene3d>
+    <dgm:sp3d/>
+    <dgm:txPr/>
+    <dgm:style>
+      <a:lnRef idx="0">
+        <a:scrgbClr r="0" g="0" b="0"/>
+      </a:lnRef>
+      <a:fillRef idx="3">
+        <a:scrgbClr r="0" g="0" b="0"/>
+      </a:fillRef>
+      <a:effectRef idx="2">
+        <a:scrgbClr r="0" g="0" b="0"/>
+      </a:effectRef>
+      <a:fontRef idx="minor">
+        <a:schemeClr val="lt1"/>
+      </a:fontRef>
+    </dgm:style>
+  </dgm:styleLbl>
+  <dgm:styleLbl name="parChTrans2D1">
+    <dgm:scene3d>
+      <a:camera prst="orthographicFront"/>
+      <a:lightRig rig="threePt" dir="t"/>
+    </dgm:scene3d>
+    <dgm:sp3d/>
+    <dgm:txPr/>
+    <dgm:style>
+      <a:lnRef idx="0">
+        <a:scrgbClr r="0" g="0" b="0"/>
+      </a:lnRef>
+      <a:fillRef idx="3">
+        <a:scrgbClr r="0" g="0" b="0"/>
+      </a:fillRef>
+      <a:effectRef idx="2">
+        <a:scrgbClr r="0" g="0" b="0"/>
+      </a:effectRef>
+      <a:fontRef idx="minor">
+        <a:schemeClr val="lt1"/>
+      </a:fontRef>
+    </dgm:style>
+  </dgm:styleLbl>
+  <dgm:styleLbl name="parChTrans2D2">
+    <dgm:scene3d>
+      <a:camera prst="orthographicFront"/>
+      <a:lightRig rig="threePt" dir="t"/>
+    </dgm:scene3d>
+    <dgm:sp3d/>
+    <dgm:txPr/>
+    <dgm:style>
+      <a:lnRef idx="0">
+        <a:scrgbClr r="0" g="0" b="0"/>
+      </a:lnRef>
+      <a:fillRef idx="3">
+        <a:scrgbClr r="0" g="0" b="0"/>
+      </a:fillRef>
+      <a:effectRef idx="2">
+        <a:scrgbClr r="0" g="0" b="0"/>
+      </a:effectRef>
+      <a:fontRef idx="minor">
+        <a:schemeClr val="lt1"/>
+      </a:fontRef>
+    </dgm:style>
+  </dgm:styleLbl>
+  <dgm:styleLbl name="parChTrans2D3">
+    <dgm:scene3d>
+      <a:camera prst="orthographicFront"/>
+      <a:lightRig rig="threePt" dir="t"/>
+    </dgm:scene3d>
+    <dgm:sp3d/>
+    <dgm:txPr/>
+    <dgm:style>
+      <a:lnRef idx="1">
+        <a:scrgbClr r="0" g="0" b="0"/>
+      </a:lnRef>
+      <a:fillRef idx="3">
+        <a:scrgbClr r="0" g="0" b="0"/>
+      </a:fillRef>
+      <a:effectRef idx="2">
+        <a:scrgbClr r="0" g="0" b="0"/>
+      </a:effectRef>
+      <a:fontRef idx="minor">
+        <a:schemeClr val="lt1"/>
+      </a:fontRef>
+    </dgm:style>
+  </dgm:styleLbl>
+  <dgm:styleLbl name="parChTrans2D4">
+    <dgm:scene3d>
+      <a:camera prst="orthographicFront"/>
+      <a:lightRig rig="threePt" dir="t"/>
+    </dgm:scene3d>
+    <dgm:sp3d/>
+    <dgm:txPr/>
+    <dgm:style>
+      <a:lnRef idx="1">
+        <a:scrgbClr r="0" g="0" b="0"/>
+      </a:lnRef>
+      <a:fillRef idx="3">
+        <a:scrgbClr r="0" g="0" b="0"/>
+      </a:fillRef>
+      <a:effectRef idx="2">
+        <a:scrgbClr r="0" g="0" b="0"/>
+      </a:effectRef>
+      <a:fontRef idx="minor">
+        <a:schemeClr val="lt1"/>
+      </a:fontRef>
+    </dgm:style>
+  </dgm:styleLbl>
+  <dgm:styleLbl name="parChTrans1D1">
+    <dgm:scene3d>
+      <a:camera prst="orthographicFront"/>
+      <a:lightRig rig="threePt" dir="t"/>
+    </dgm:scene3d>
+    <dgm:sp3d/>
+    <dgm:txPr/>
+    <dgm:style>
+      <a:lnRef idx="1">
+        <a:scrgbClr r="0" g="0" b="0"/>
+      </a:lnRef>
+      <a:fillRef idx="0">
+        <a:scrgbClr r="0" g="0" b="0"/>
+      </a:fillRef>
+      <a:effectRef idx="0">
+        <a:scrgbClr r="0" g="0" b="0"/>
+      </a:effectRef>
+      <a:fontRef idx="minor"/>
+    </dgm:style>
+  </dgm:styleLbl>
+  <dgm:styleLbl name="parChTrans1D2">
+    <dgm:scene3d>
+      <a:camera prst="orthographicFront"/>
+      <a:lightRig rig="threePt" dir="t"/>
+    </dgm:scene3d>
+    <dgm:sp3d/>
+    <dgm:txPr/>
+    <dgm:style>
+      <a:lnRef idx="1">
+        <a:scrgbClr r="0" g="0" b="0"/>
+      </a:lnRef>
+      <a:fillRef idx="0">
+        <a:scrgbClr r="0" g="0" b="0"/>
+      </a:fillRef>
+      <a:effectRef idx="0">
+        <a:scrgbClr r="0" g="0" b="0"/>
+      </a:effectRef>
+      <a:fontRef idx="minor"/>
+    </dgm:style>
+  </dgm:styleLbl>
+  <dgm:styleLbl name="parChTrans1D3">
+    <dgm:scene3d>
+      <a:camera prst="orthographicFront"/>
+      <a:lightRig rig="threePt" dir="t"/>
+    </dgm:scene3d>
+    <dgm:sp3d/>
+    <dgm:txPr/>
+    <dgm:style>
+      <a:lnRef idx="1">
+        <a:scrgbClr r="0" g="0" b="0"/>
+      </a:lnRef>
+      <a:fillRef idx="0">
+        <a:scrgbClr r="0" g="0" b="0"/>
+      </a:fillRef>
+      <a:effectRef idx="0">
+        <a:scrgbClr r="0" g="0" b="0"/>
+      </a:effectRef>
+      <a:fontRef idx="minor"/>
+    </dgm:style>
+  </dgm:styleLbl>
+  <dgm:styleLbl name="parChTrans1D4">
+    <dgm:scene3d>
+      <a:camera prst="orthographicFront"/>
+      <a:lightRig rig="threePt" dir="t"/>
+    </dgm:scene3d>
+    <dgm:sp3d/>
+    <dgm:txPr/>
+    <dgm:style>
+      <a:lnRef idx="1">
+        <a:scrgbClr r="0" g="0" b="0"/>
+      </a:lnRef>
+      <a:fillRef idx="0">
+        <a:scrgbClr r="0" g="0" b="0"/>
+      </a:fillRef>
+      <a:effectRef idx="0">
+        <a:scrgbClr r="0" g="0" b="0"/>
+      </a:effectRef>
+      <a:fontRef idx="minor"/>
+    </dgm:style>
+  </dgm:styleLbl>
+  <dgm:styleLbl name="fgAcc1">
+    <dgm:scene3d>
+      <a:camera prst="orthographicFront"/>
+      <a:lightRig rig="threePt" dir="t"/>
+    </dgm:scene3d>
+    <dgm:sp3d/>
+    <dgm:txPr/>
+    <dgm:style>
+      <a:lnRef idx="1">
+        <a:scrgbClr r="0" g="0" b="0"/>
+      </a:lnRef>
+      <a:fillRef idx="1">
+        <a:scrgbClr r="0" g="0" b="0"/>
+      </a:fillRef>
+      <a:effectRef idx="0">
+        <a:scrgbClr r="0" g="0" b="0"/>
+      </a:effectRef>
+      <a:fontRef idx="minor"/>
+    </dgm:style>
+  </dgm:styleLbl>
+  <dgm:styleLbl name="conFgAcc1">
+    <dgm:scene3d>
+      <a:camera prst="orthographicFront"/>
+      <a:lightRig rig="threePt" dir="t"/>
+    </dgm:scene3d>
+    <dgm:sp3d/>
+    <dgm:txPr/>
+    <dgm:style>
+      <a:lnRef idx="1">
+        <a:scrgbClr r="0" g="0" b="0"/>
+      </a:lnRef>
+      <a:fillRef idx="1">
+        <a:scrgbClr r="0" g="0" b="0"/>
+      </a:fillRef>
+      <a:effectRef idx="0">
+        <a:scrgbClr r="0" g="0" b="0"/>
+      </a:effectRef>
+      <a:fontRef idx="minor"/>
+    </dgm:style>
+  </dgm:styleLbl>
+  <dgm:styleLbl name="alignAcc1">
+    <dgm:scene3d>
+      <a:camera prst="orthographicFront"/>
+      <a:lightRig rig="threePt" dir="t"/>
+    </dgm:scene3d>
+    <dgm:sp3d/>
+    <dgm:txPr/>
+    <dgm:style>
+      <a:lnRef idx="1">
+        <a:scrgbClr r="0" g="0" b="0"/>
+      </a:lnRef>
+      <a:fillRef idx="1">
+        <a:scrgbClr r="0" g="0" b="0"/>
+      </a:fillRef>
+      <a:effectRef idx="0">
+        <a:scrgbClr r="0" g="0" b="0"/>
+      </a:effectRef>
+      <a:fontRef idx="minor"/>
+    </dgm:style>
+  </dgm:styleLbl>
+  <dgm:styleLbl name="trAlignAcc1">
+    <dgm:scene3d>
+      <a:camera prst="orthographicFront"/>
+      <a:lightRig rig="threePt" dir="t"/>
+    </dgm:scene3d>
+    <dgm:sp3d/>
+    <dgm:txPr/>
+    <dgm:style>
+      <a:lnRef idx="1">
+        <a:scrgbClr r="0" g="0" b="0"/>
+      </a:lnRef>
+      <a:fillRef idx="1">
+        <a:scrgbClr r="0" g="0" b="0"/>
+      </a:fillRef>
+      <a:effectRef idx="0">
+        <a:scrgbClr r="0" g="0" b="0"/>
+      </a:effectRef>
+      <a:fontRef idx="minor"/>
+    </dgm:style>
+  </dgm:styleLbl>
+  <dgm:styleLbl name="bgAcc1">
+    <dgm:scene3d>
+      <a:camera prst="orthographicFront"/>
+      <a:lightRig rig="threePt" dir="t"/>
+    </dgm:scene3d>
+    <dgm:sp3d/>
+    <dgm:txPr/>
+    <dgm:style>
+      <a:lnRef idx="1">
+        <a:scrgbClr r="0" g="0" b="0"/>
+      </a:lnRef>
+      <a:fillRef idx="1">
+        <a:scrgbClr r="0" g="0" b="0"/>
+      </a:fillRef>
+      <a:effectRef idx="0">
+        <a:scrgbClr r="0" g="0" b="0"/>
+      </a:effectRef>
+      <a:fontRef idx="minor"/>
+    </dgm:style>
+  </dgm:styleLbl>
+  <dgm:styleLbl name="solidFgAcc1">
+    <dgm:scene3d>
+      <a:camera prst="orthographicFront"/>
+      <a:lightRig rig="threePt" dir="t"/>
+    </dgm:scene3d>
+    <dgm:sp3d/>
+    <dgm:txPr/>
+    <dgm:style>
+      <a:lnRef idx="1">
+        <a:scrgbClr r="0" g="0" b="0"/>
+      </a:lnRef>
+      <a:fillRef idx="1">
+        <a:scrgbClr r="0" g="0" b="0"/>
+      </a:fillRef>
+      <a:effectRef idx="0">
+        <a:scrgbClr r="0" g="0" b="0"/>
+      </a:effectRef>
+      <a:fontRef idx="minor"/>
+    </dgm:style>
+  </dgm:styleLbl>
+  <dgm:styleLbl name="solidAlignAcc1">
+    <dgm:scene3d>
+      <a:camera prst="orthographicFront"/>
+      <a:lightRig rig="threePt" dir="t"/>
+    </dgm:scene3d>
+    <dgm:sp3d/>
+    <dgm:txPr/>
+    <dgm:style>
+      <a:lnRef idx="1">
+        <a:scrgbClr r="0" g="0" b="0"/>
+      </a:lnRef>
+      <a:fillRef idx="1">
+        <a:scrgbClr r="0" g="0" b="0"/>
+      </a:fillRef>
+      <a:effectRef idx="0">
+        <a:scrgbClr r="0" g="0" b="0"/>
+      </a:effectRef>
+      <a:fontRef idx="minor"/>
+    </dgm:style>
+  </dgm:styleLbl>
+  <dgm:styleLbl name="solidBgAcc1">
+    <dgm:scene3d>
+      <a:camera prst="orthographicFront"/>
+      <a:lightRig rig="threePt" dir="t"/>
+    </dgm:scene3d>
+    <dgm:sp3d/>
+    <dgm:txPr/>
+    <dgm:style>
+      <a:lnRef idx="1">
+        <a:scrgbClr r="0" g="0" b="0"/>
+      </a:lnRef>
+      <a:fillRef idx="1">
+        <a:scrgbClr r="0" g="0" b="0"/>
+      </a:fillRef>
+      <a:effectRef idx="0">
+        <a:scrgbClr r="0" g="0" b="0"/>
+      </a:effectRef>
+      <a:fontRef idx="minor"/>
+    </dgm:style>
+  </dgm:styleLbl>
+  <dgm:styleLbl name="fgAccFollowNode1">
+    <dgm:scene3d>
+      <a:camera prst="orthographicFront"/>
+      <a:lightRig rig="threePt" dir="t"/>
+    </dgm:scene3d>
+    <dgm:sp3d/>
+    <dgm:txPr/>
+    <dgm:style>
+      <a:lnRef idx="1">
+        <a:scrgbClr r="0" g="0" b="0"/>
+      </a:lnRef>
+      <a:fillRef idx="1">
+        <a:scrgbClr r="0" g="0" b="0"/>
+      </a:fillRef>
+      <a:effectRef idx="0">
+        <a:scrgbClr r="0" g="0" b="0"/>
+      </a:effectRef>
+      <a:fontRef idx="minor"/>
+    </dgm:style>
+  </dgm:styleLbl>
+  <dgm:styleLbl name="alignAccFollowNode1">
+    <dgm:scene3d>
+      <a:camera prst="orthographicFront"/>
+      <a:lightRig rig="threePt" dir="t"/>
+    </dgm:scene3d>
+    <dgm:sp3d/>
+    <dgm:txPr/>
+    <dgm:style>
+      <a:lnRef idx="1">
+        <a:scrgbClr r="0" g="0" b="0"/>
+      </a:lnRef>
+      <a:fillRef idx="1">
+        <a:scrgbClr r="0" g="0" b="0"/>
+      </a:fillRef>
+      <a:effectRef idx="0">
+        <a:scrgbClr r="0" g="0" b="0"/>
+      </a:effectRef>
+      <a:fontRef idx="minor"/>
+    </dgm:style>
+  </dgm:styleLbl>
+  <dgm:styleLbl name="bgAccFollowNode1">
+    <dgm:scene3d>
+      <a:camera prst="orthographicFront"/>
+      <a:lightRig rig="threePt" dir="t"/>
+    </dgm:scene3d>
+    <dgm:sp3d/>
+    <dgm:txPr/>
+    <dgm:style>
+      <a:lnRef idx="1">
+        <a:scrgbClr r="0" g="0" b="0"/>
+      </a:lnRef>
+      <a:fillRef idx="1">
+        <a:scrgbClr r="0" g="0" b="0"/>
+      </a:fillRef>
+      <a:effectRef idx="0">
+        <a:scrgbClr r="0" g="0" b="0"/>
+      </a:effectRef>
+      <a:fontRef idx="minor"/>
+    </dgm:style>
+  </dgm:styleLbl>
+  <dgm:styleLbl name="fgAcc0">
+    <dgm:scene3d>
+      <a:camera prst="orthographicFront"/>
+      <a:lightRig rig="threePt" dir="t"/>
+    </dgm:scene3d>
+    <dgm:sp3d/>
+    <dgm:txPr/>
+    <dgm:style>
+      <a:lnRef idx="1">
+        <a:scrgbClr r="0" g="0" b="0"/>
+      </a:lnRef>
+      <a:fillRef idx="1">
+        <a:scrgbClr r="0" g="0" b="0"/>
+      </a:fillRef>
+      <a:effectRef idx="0">
+        <a:scrgbClr r="0" g="0" b="0"/>
+      </a:effectRef>
+      <a:fontRef idx="minor"/>
+    </dgm:style>
+  </dgm:styleLbl>
+  <dgm:styleLbl name="fgAcc2">
+    <dgm:scene3d>
+      <a:camera prst="orthographicFront"/>
+      <a:lightRig rig="threePt" dir="t"/>
+    </dgm:scene3d>
+    <dgm:sp3d/>
+    <dgm:txPr/>
+    <dgm:style>
+      <a:lnRef idx="1">
+        <a:scrgbClr r="0" g="0" b="0"/>
+      </a:lnRef>
+      <a:fillRef idx="1">
+        <a:scrgbClr r="0" g="0" b="0"/>
+      </a:fillRef>
+      <a:effectRef idx="0">
+        <a:scrgbClr r="0" g="0" b="0"/>
+      </a:effectRef>
+      <a:fontRef idx="minor"/>
+    </dgm:style>
+  </dgm:styleLbl>
+  <dgm:styleLbl name="fgAcc3">
+    <dgm:scene3d>
+      <a:camera prst="orthographicFront"/>
+      <a:lightRig rig="threePt" dir="t"/>
+    </dgm:scene3d>
+    <dgm:sp3d/>
+    <dgm:txPr/>
+    <dgm:style>
+      <a:lnRef idx="1">
+        <a:scrgbClr r="0" g="0" b="0"/>
+      </a:lnRef>
+      <a:fillRef idx="1">
+        <a:scrgbClr r="0" g="0" b="0"/>
+      </a:fillRef>
+      <a:effectRef idx="0">
+        <a:scrgbClr r="0" g="0" b="0"/>
+      </a:effectRef>
+      <a:fontRef idx="minor"/>
+    </dgm:style>
+  </dgm:styleLbl>
+  <dgm:styleLbl name="fgAcc4">
+    <dgm:scene3d>
+      <a:camera prst="orthographicFront"/>
+      <a:lightRig rig="threePt" dir="t"/>
+    </dgm:scene3d>
+    <dgm:sp3d/>
+    <dgm:txPr/>
+    <dgm:style>
+      <a:lnRef idx="1">
+        <a:scrgbClr r="0" g="0" b="0"/>
+      </a:lnRef>
+      <a:fillRef idx="1">
+        <a:scrgbClr r="0" g="0" b="0"/>
+      </a:fillRef>
+      <a:effectRef idx="0">
+        <a:scrgbClr r="0" g="0" b="0"/>
+      </a:effectRef>
+      <a:fontRef idx="minor"/>
+    </dgm:style>
+  </dgm:styleLbl>
+  <dgm:styleLbl name="bgShp">
+    <dgm:scene3d>
+      <a:camera prst="orthographicFront"/>
+      <a:lightRig rig="threePt" dir="t"/>
+    </dgm:scene3d>
+    <dgm:sp3d/>
+    <dgm:txPr/>
+    <dgm:style>
+      <a:lnRef idx="0">
+        <a:scrgbClr r="0" g="0" b="0"/>
+      </a:lnRef>
+      <a:fillRef idx="1">
+        <a:scrgbClr r="0" g="0" b="0"/>
+      </a:fillRef>
+      <a:effectRef idx="2">
+        <a:scrgbClr r="0" g="0" b="0"/>
+      </a:effectRef>
+      <a:fontRef idx="minor"/>
+    </dgm:style>
+  </dgm:styleLbl>
+  <dgm:styleLbl name="dkBgShp">
+    <dgm:scene3d>
+      <a:camera prst="orthographicFront"/>
+      <a:lightRig rig="threePt" dir="t"/>
+    </dgm:scene3d>
+    <dgm:sp3d/>
+    <dgm:txPr/>
+    <dgm:style>
+      <a:lnRef idx="0">
+        <a:scrgbClr r="0" g="0" b="0"/>
+      </a:lnRef>
+      <a:fillRef idx="1">
+        <a:scrgbClr r="0" g="0" b="0"/>
+      </a:fillRef>
+      <a:effectRef idx="2">
+        <a:scrgbClr r="0" g="0" b="0"/>
+      </a:effectRef>
+      <a:fontRef idx="minor"/>
+    </dgm:style>
+  </dgm:styleLbl>
+  <dgm:styleLbl name="trBgShp">
+    <dgm:scene3d>
+      <a:camera prst="orthographicFront"/>
+      <a:lightRig rig="threePt" dir="t"/>
+    </dgm:scene3d>
+    <dgm:sp3d/>
+    <dgm:txPr/>
+    <dgm:style>
+      <a:lnRef idx="0">
+        <a:scrgbClr r="0" g="0" b="0"/>
+      </a:lnRef>
+      <a:fillRef idx="1">
+        <a:scrgbClr r="0" g="0" b="0"/>
+      </a:fillRef>
+      <a:effectRef idx="0">
+        <a:scrgbClr r="0" g="0" b="0"/>
+      </a:effectRef>
+      <a:fontRef idx="minor"/>
+    </dgm:style>
+  </dgm:styleLbl>
+  <dgm:styleLbl name="fgShp">
+    <dgm:scene3d>
+      <a:camera prst="orthographicFront"/>
+      <a:lightRig rig="threePt" dir="t"/>
+    </dgm:scene3d>
+    <dgm:sp3d/>
+    <dgm:txPr/>
+    <dgm:style>
+      <a:lnRef idx="0">
+        <a:scrgbClr r="0" g="0" b="0"/>
+      </a:lnRef>
+      <a:fillRef idx="3">
+        <a:scrgbClr r="0" g="0" b="0"/>
+      </a:fillRef>
+      <a:effectRef idx="2">
+        <a:scrgbClr r="0" g="0" b="0"/>
+      </a:effectRef>
+      <a:fontRef idx="minor"/>
+    </dgm:style>
+  </dgm:styleLbl>
+  <dgm:styleLbl name="revTx">
+    <dgm:scene3d>
+      <a:camera prst="orthographicFront"/>
+      <a:lightRig rig="threePt" dir="t"/>
+    </dgm:scene3d>
+    <dgm:sp3d/>
+    <dgm:txPr/>
+    <dgm:style>
+      <a:lnRef idx="0">
+        <a:scrgbClr r="0" g="0" b="0"/>
+      </a:lnRef>
+      <a:fillRef idx="0">
+        <a:scrgbClr r="0" g="0" b="0"/>
+      </a:fillRef>
+      <a:effectRef idx="0">
+        <a:scrgbClr r="0" g="0" b="0"/>
+      </a:effectRef>
+      <a:fontRef idx="minor"/>
+    </dgm:style>
+  </dgm:styleLbl>
+</dgm:styleDef>
+</file>
+
+<file path=ppt/diagrams/quickStyle2.xml><?xml version="1.0" encoding="utf-8"?>
+<dgm:styleDef xmlns:dgm="http://schemas.openxmlformats.org/drawingml/2006/diagram" xmlns:a="http://schemas.openxmlformats.org/drawingml/2006/main" uniqueId="urn:microsoft.com/office/officeart/2005/8/quickstyle/simple4">
+  <dgm:title val=""/>
+  <dgm:desc val=""/>
+  <dgm:catLst>
+    <dgm:cat type="simple" pri="10400"/>
+  </dgm:catLst>
+  <dgm:scene3d>
+    <a:camera prst="orthographicFront"/>
+    <a:lightRig rig="threePt" dir="t"/>
+  </dgm:scene3d>
+  <dgm:styleLbl name="node0">
+    <dgm:scene3d>
+      <a:camera prst="orthographicFront"/>
+      <a:lightRig rig="threePt" dir="t"/>
+    </dgm:scene3d>
+    <dgm:sp3d/>
+    <dgm:txPr/>
+    <dgm:style>
+      <a:lnRef idx="0">
+        <a:scrgbClr r="0" g="0" b="0"/>
+      </a:lnRef>
+      <a:fillRef idx="3">
+        <a:scrgbClr r="0" g="0" b="0"/>
+      </a:fillRef>
+      <a:effectRef idx="2">
+        <a:scrgbClr r="0" g="0" b="0"/>
+      </a:effectRef>
+      <a:fontRef idx="minor">
+        <a:schemeClr val="lt1"/>
+      </a:fontRef>
+    </dgm:style>
+  </dgm:styleLbl>
+  <dgm:styleLbl name="lnNode1">
+    <dgm:scene3d>
+      <a:camera prst="orthographicFront"/>
+      <a:lightRig rig="threePt" dir="t"/>
+    </dgm:scene3d>
+    <dgm:sp3d/>
+    <dgm:txPr/>
+    <dgm:style>
+      <a:lnRef idx="1">
+        <a:scrgbClr r="0" g="0" b="0"/>
+      </a:lnRef>
+      <a:fillRef idx="3">
+        <a:scrgbClr r="0" g="0" b="0"/>
+      </a:fillRef>
+      <a:effectRef idx="2">
+        <a:scrgbClr r="0" g="0" b="0"/>
+      </a:effectRef>
+      <a:fontRef idx="minor">
+        <a:schemeClr val="lt1"/>
+      </a:fontRef>
+    </dgm:style>
+  </dgm:styleLbl>
+  <dgm:styleLbl name="vennNode1">
+    <dgm:scene3d>
+      <a:camera prst="orthographicFront"/>
+      <a:lightRig rig="threePt" dir="t"/>
+    </dgm:scene3d>
+    <dgm:sp3d/>
+    <dgm:txPr/>
+    <dgm:style>
+      <a:lnRef idx="0">
+        <a:scrgbClr r="0" g="0" b="0"/>
+      </a:lnRef>
+      <a:fillRef idx="3">
+        <a:scrgbClr r="0" g="0" b="0"/>
+      </a:fillRef>
+      <a:effectRef idx="0">
+        <a:scrgbClr r="0" g="0" b="0"/>
+      </a:effectRef>
+      <a:fontRef idx="minor">
+        <a:schemeClr val="tx1"/>
+      </a:fontRef>
+    </dgm:style>
+  </dgm:styleLbl>
+  <dgm:styleLbl name="alignNode1">
+    <dgm:scene3d>
+      <a:camera prst="orthographicFront"/>
+      <a:lightRig rig="threePt" dir="t"/>
+    </dgm:scene3d>
+    <dgm:sp3d/>
+    <dgm:txPr/>
+    <dgm:style>
+      <a:lnRef idx="1">
+        <a:scrgbClr r="0" g="0" b="0"/>
+      </a:lnRef>
+      <a:fillRef idx="3">
+        <a:scrgbClr r="0" g="0" b="0"/>
+      </a:fillRef>
+      <a:effectRef idx="2">
+        <a:scrgbClr r="0" g="0" b="0"/>
+      </a:effectRef>
+      <a:fontRef idx="minor">
+        <a:schemeClr val="lt1"/>
+      </a:fontRef>
+    </dgm:style>
+  </dgm:styleLbl>
+  <dgm:styleLbl name="node1">
+    <dgm:scene3d>
+      <a:camera prst="orthographicFront"/>
+      <a:lightRig rig="threePt" dir="t"/>
+    </dgm:scene3d>
+    <dgm:sp3d/>
+    <dgm:txPr/>
+    <dgm:style>
+      <a:lnRef idx="0">
+        <a:scrgbClr r="0" g="0" b="0"/>
+      </a:lnRef>
+      <a:fillRef idx="3">
+        <a:scrgbClr r="0" g="0" b="0"/>
+      </a:fillRef>
+      <a:effectRef idx="2">
+        <a:scrgbClr r="0" g="0" b="0"/>
+      </a:effectRef>
+      <a:fontRef idx="minor">
+        <a:schemeClr val="lt1"/>
+      </a:fontRef>
+    </dgm:style>
+  </dgm:styleLbl>
+  <dgm:styleLbl name="node2">
+    <dgm:scene3d>
+      <a:camera prst="orthographicFront"/>
+      <a:lightRig rig="threePt" dir="t"/>
+    </dgm:scene3d>
+    <dgm:sp3d/>
+    <dgm:txPr/>
+    <dgm:style>
+      <a:lnRef idx="0">
+        <a:scrgbClr r="0" g="0" b="0"/>
+      </a:lnRef>
+      <a:fillRef idx="3">
+        <a:scrgbClr r="0" g="0" b="0"/>
+      </a:fillRef>
+      <a:effectRef idx="2">
+        <a:scrgbClr r="0" g="0" b="0"/>
+      </a:effectRef>
+      <a:fontRef idx="minor">
+        <a:schemeClr val="lt1"/>
+      </a:fontRef>
+    </dgm:style>
+  </dgm:styleLbl>
+  <dgm:styleLbl name="node3">
+    <dgm:scene3d>
+      <a:camera prst="orthographicFront"/>
+      <a:lightRig rig="threePt" dir="t"/>
+    </dgm:scene3d>
+    <dgm:sp3d/>
+    <dgm:txPr/>
+    <dgm:style>
+      <a:lnRef idx="0">
+        <a:scrgbClr r="0" g="0" b="0"/>
+      </a:lnRef>
+      <a:fillRef idx="3">
+        <a:scrgbClr r="0" g="0" b="0"/>
+      </a:fillRef>
+      <a:effectRef idx="2">
+        <a:scrgbClr r="0" g="0" b="0"/>
+      </a:effectRef>
+      <a:fontRef idx="minor">
+        <a:schemeClr val="lt1"/>
+      </a:fontRef>
+    </dgm:style>
+  </dgm:styleLbl>
+  <dgm:styleLbl name="node4">
+    <dgm:scene3d>
+      <a:camera prst="orthographicFront"/>
+      <a:lightRig rig="threePt" dir="t"/>
+    </dgm:scene3d>
+    <dgm:sp3d/>
+    <dgm:txPr/>
+    <dgm:style>
+      <a:lnRef idx="0">
+        <a:scrgbClr r="0" g="0" b="0"/>
+      </a:lnRef>
+      <a:fillRef idx="3">
+        <a:scrgbClr r="0" g="0" b="0"/>
+      </a:fillRef>
+      <a:effectRef idx="2">
+        <a:scrgbClr r="0" g="0" b="0"/>
+      </a:effectRef>
+      <a:fontRef idx="minor">
+        <a:schemeClr val="lt1"/>
+      </a:fontRef>
+    </dgm:style>
+  </dgm:styleLbl>
+  <dgm:styleLbl name="fgImgPlace1">
+    <dgm:scene3d>
+      <a:camera prst="orthographicFront"/>
+      <a:lightRig rig="threePt" dir="t"/>
+    </dgm:scene3d>
+    <dgm:sp3d/>
+    <dgm:txPr/>
+    <dgm:style>
+      <a:lnRef idx="0">
+        <a:scrgbClr r="0" g="0" b="0"/>
+      </a:lnRef>
+      <a:fillRef idx="1">
+        <a:scrgbClr r="0" g="0" b="0"/>
+      </a:fillRef>
+      <a:effectRef idx="2">
+        <a:scrgbClr r="0" g="0" b="0"/>
+      </a:effectRef>
+      <a:fontRef idx="minor"/>
+    </dgm:style>
+  </dgm:styleLbl>
+  <dgm:styleLbl name="alignImgPlace1">
+    <dgm:scene3d>
+      <a:camera prst="orthographicFront"/>
+      <a:lightRig rig="threePt" dir="t"/>
+    </dgm:scene3d>
+    <dgm:sp3d/>
+    <dgm:txPr/>
+    <dgm:style>
+      <a:lnRef idx="0">
+        <a:scrgbClr r="0" g="0" b="0"/>
+      </a:lnRef>
+      <a:fillRef idx="1">
+        <a:scrgbClr r="0" g="0" b="0"/>
+      </a:fillRef>
+      <a:effectRef idx="2">
+        <a:scrgbClr r="0" g="0" b="0"/>
+      </a:effectRef>
+      <a:fontRef idx="minor"/>
+    </dgm:style>
+  </dgm:styleLbl>
+  <dgm:styleLbl name="bgImgPlace1">
+    <dgm:scene3d>
+      <a:camera prst="orthographicFront"/>
+      <a:lightRig rig="threePt" dir="t"/>
+    </dgm:scene3d>
+    <dgm:sp3d/>
+    <dgm:txPr/>
+    <dgm:style>
+      <a:lnRef idx="0">
+        <a:scrgbClr r="0" g="0" b="0"/>
+      </a:lnRef>
+      <a:fillRef idx="1">
+        <a:scrgbClr r="0" g="0" b="0"/>
+      </a:fillRef>
+      <a:effectRef idx="2">
+        <a:scrgbClr r="0" g="0" b="0"/>
+      </a:effectRef>
+      <a:fontRef idx="minor"/>
+    </dgm:style>
+  </dgm:styleLbl>
+  <dgm:styleLbl name="sibTrans2D1">
+    <dgm:scene3d>
+      <a:camera prst="orthographicFront"/>
+      <a:lightRig rig="threePt" dir="t"/>
+    </dgm:scene3d>
+    <dgm:sp3d/>
+    <dgm:txPr/>
+    <dgm:style>
+      <a:lnRef idx="0">
+        <a:scrgbClr r="0" g="0" b="0"/>
+      </a:lnRef>
+      <a:fillRef idx="3">
+        <a:scrgbClr r="0" g="0" b="0"/>
+      </a:fillRef>
+      <a:effectRef idx="2">
+        <a:scrgbClr r="0" g="0" b="0"/>
+      </a:effectRef>
+      <a:fontRef idx="minor">
+        <a:schemeClr val="lt1"/>
+      </a:fontRef>
+    </dgm:style>
+  </dgm:styleLbl>
+  <dgm:styleLbl name="fgSibTrans2D1">
+    <dgm:scene3d>
+      <a:camera prst="orthographicFront"/>
+      <a:lightRig rig="threePt" dir="t"/>
+    </dgm:scene3d>
+    <dgm:sp3d/>
+    <dgm:txPr/>
+    <dgm:style>
+      <a:lnRef idx="0">
+        <a:scrgbClr r="0" g="0" b="0"/>
+      </a:lnRef>
+      <a:fillRef idx="3">
+        <a:scrgbClr r="0" g="0" b="0"/>
+      </a:fillRef>
+      <a:effectRef idx="2">
+        <a:scrgbClr r="0" g="0" b="0"/>
+      </a:effectRef>
+      <a:fontRef idx="minor">
+        <a:schemeClr val="lt1"/>
+      </a:fontRef>
+    </dgm:style>
+  </dgm:styleLbl>
+  <dgm:styleLbl name="bgSibTrans2D1">
+    <dgm:scene3d>
+      <a:camera prst="orthographicFront"/>
+      <a:lightRig rig="threePt" dir="t"/>
+    </dgm:scene3d>
+    <dgm:sp3d/>
+    <dgm:txPr/>
+    <dgm:style>
+      <a:lnRef idx="0">
+        <a:scrgbClr r="0" g="0" b="0"/>
+      </a:lnRef>
+      <a:fillRef idx="3">
+        <a:scrgbClr r="0" g="0" b="0"/>
+      </a:fillRef>
+      <a:effectRef idx="2">
+        <a:scrgbClr r="0" g="0" b="0"/>
+      </a:effectRef>
+      <a:fontRef idx="minor">
+        <a:schemeClr val="lt1"/>
+      </a:fontRef>
+    </dgm:style>
+  </dgm:styleLbl>
+  <dgm:styleLbl name="sibTrans1D1">
+    <dgm:scene3d>
+      <a:camera prst="orthographicFront"/>
+      <a:lightRig rig="threePt" dir="t"/>
+    </dgm:scene3d>
+    <dgm:sp3d/>
+    <dgm:txPr/>
+    <dgm:style>
+      <a:lnRef idx="1">
+        <a:scrgbClr r="0" g="0" b="0"/>
+      </a:lnRef>
+      <a:fillRef idx="0">
+        <a:scrgbClr r="0" g="0" b="0"/>
+      </a:fillRef>
+      <a:effectRef idx="0">
+        <a:scrgbClr r="0" g="0" b="0"/>
+      </a:effectRef>
+      <a:fontRef idx="minor"/>
+    </dgm:style>
+  </dgm:styleLbl>
+  <dgm:styleLbl name="callout">
+    <dgm:scene3d>
+      <a:camera prst="orthographicFront"/>
+      <a:lightRig rig="threePt" dir="t"/>
+    </dgm:scene3d>
+    <dgm:sp3d/>
+    <dgm:txPr/>
+    <dgm:style>
+      <a:lnRef idx="2">
+        <a:scrgbClr r="0" g="0" b="0"/>
+      </a:lnRef>
+      <a:fillRef idx="1">
+        <a:scrgbClr r="0" g="0" b="0"/>
+      </a:fillRef>
+      <a:effectRef idx="1">
+        <a:scrgbClr r="0" g="0" b="0"/>
+      </a:effectRef>
+      <a:fontRef idx="minor"/>
+    </dgm:style>
+  </dgm:styleLbl>
+  <dgm:styleLbl name="asst0">
+    <dgm:scene3d>
+      <a:camera prst="orthographicFront"/>
+      <a:lightRig rig="threePt" dir="t"/>
+    </dgm:scene3d>
+    <dgm:sp3d/>
+    <dgm:txPr/>
+    <dgm:style>
+      <a:lnRef idx="0">
+        <a:scrgbClr r="0" g="0" b="0"/>
+      </a:lnRef>
+      <a:fillRef idx="3">
+        <a:scrgbClr r="0" g="0" b="0"/>
+      </a:fillRef>
+      <a:effectRef idx="2">
+        <a:scrgbClr r="0" g="0" b="0"/>
+      </a:effectRef>
+      <a:fontRef idx="minor">
+        <a:schemeClr val="lt1"/>
+      </a:fontRef>
+    </dgm:style>
+  </dgm:styleLbl>
+  <dgm:styleLbl name="asst1">
+    <dgm:scene3d>
+      <a:camera prst="orthographicFront"/>
+      <a:lightRig rig="threePt" dir="t"/>
+    </dgm:scene3d>
+    <dgm:sp3d/>
+    <dgm:txPr/>
+    <dgm:style>
+      <a:lnRef idx="0">
+        <a:scrgbClr r="0" g="0" b="0"/>
+      </a:lnRef>
+      <a:fillRef idx="3">
+        <a:scrgbClr r="0" g="0" b="0"/>
+      </a:fillRef>
+      <a:effectRef idx="2">
+        <a:scrgbClr r="0" g="0" b="0"/>
+      </a:effectRef>
+      <a:fontRef idx="minor">
+        <a:schemeClr val="lt1"/>
+      </a:fontRef>
+    </dgm:style>
+  </dgm:styleLbl>
+  <dgm:styleLbl name="asst2">
+    <dgm:scene3d>
+      <a:camera prst="orthographicFront"/>
+      <a:lightRig rig="threePt" dir="t"/>
+    </dgm:scene3d>
+    <dgm:sp3d/>
+    <dgm:txPr/>
+    <dgm:style>
+      <a:lnRef idx="0">
+        <a:scrgbClr r="0" g="0" b="0"/>
+      </a:lnRef>
+      <a:fillRef idx="3">
+        <a:scrgbClr r="0" g="0" b="0"/>
+      </a:fillRef>
+      <a:effectRef idx="2">
+        <a:scrgbClr r="0" g="0" b="0"/>
+      </a:effectRef>
+      <a:fontRef idx="minor">
+        <a:schemeClr val="lt1"/>
+      </a:fontRef>
+    </dgm:style>
+  </dgm:styleLbl>
+  <dgm:styleLbl name="asst3">
+    <dgm:scene3d>
+      <a:camera prst="orthographicFront"/>
+      <a:lightRig rig="threePt" dir="t"/>
+    </dgm:scene3d>
+    <dgm:sp3d/>
+    <dgm:txPr/>
+    <dgm:style>
+      <a:lnRef idx="0">
+        <a:scrgbClr r="0" g="0" b="0"/>
+      </a:lnRef>
+      <a:fillRef idx="3">
+        <a:scrgbClr r="0" g="0" b="0"/>
+      </a:fillRef>
+      <a:effectRef idx="2">
+        <a:scrgbClr r="0" g="0" b="0"/>
+      </a:effectRef>
+      <a:fontRef idx="minor">
+        <a:schemeClr val="lt1"/>
+      </a:fontRef>
+    </dgm:style>
+  </dgm:styleLbl>
+  <dgm:styleLbl name="asst4">
+    <dgm:scene3d>
+      <a:camera prst="orthographicFront"/>
+      <a:lightRig rig="threePt" dir="t"/>
+    </dgm:scene3d>
+    <dgm:sp3d/>
+    <dgm:txPr/>
+    <dgm:style>
+      <a:lnRef idx="0">
+        <a:scrgbClr r="0" g="0" b="0"/>
+      </a:lnRef>
+      <a:fillRef idx="3">
+        <a:scrgbClr r="0" g="0" b="0"/>
+      </a:fillRef>
+      <a:effectRef idx="2">
+        <a:scrgbClr r="0" g="0" b="0"/>
+      </a:effectRef>
+      <a:fontRef idx="minor">
+        <a:schemeClr val="lt1"/>
+      </a:fontRef>
+    </dgm:style>
+  </dgm:styleLbl>
+  <dgm:styleLbl name="parChTrans2D1">
+    <dgm:scene3d>
+      <a:camera prst="orthographicFront"/>
+      <a:lightRig rig="threePt" dir="t"/>
+    </dgm:scene3d>
+    <dgm:sp3d/>
+    <dgm:txPr/>
+    <dgm:style>
+      <a:lnRef idx="0">
+        <a:scrgbClr r="0" g="0" b="0"/>
+      </a:lnRef>
+      <a:fillRef idx="3">
+        <a:scrgbClr r="0" g="0" b="0"/>
+      </a:fillRef>
+      <a:effectRef idx="2">
+        <a:scrgbClr r="0" g="0" b="0"/>
+      </a:effectRef>
+      <a:fontRef idx="minor">
+        <a:schemeClr val="lt1"/>
+      </a:fontRef>
+    </dgm:style>
+  </dgm:styleLbl>
+  <dgm:styleLbl name="parChTrans2D2">
+    <dgm:scene3d>
+      <a:camera prst="orthographicFront"/>
+      <a:lightRig rig="threePt" dir="t"/>
+    </dgm:scene3d>
+    <dgm:sp3d/>
+    <dgm:txPr/>
+    <dgm:style>
+      <a:lnRef idx="0">
+        <a:scrgbClr r="0" g="0" b="0"/>
+      </a:lnRef>
+      <a:fillRef idx="3">
+        <a:scrgbClr r="0" g="0" b="0"/>
+      </a:fillRef>
+      <a:effectRef idx="2">
+        <a:scrgbClr r="0" g="0" b="0"/>
+      </a:effectRef>
+      <a:fontRef idx="minor">
+        <a:schemeClr val="lt1"/>
+      </a:fontRef>
+    </dgm:style>
+  </dgm:styleLbl>
+  <dgm:styleLbl name="parChTrans2D3">
+    <dgm:scene3d>
+      <a:camera prst="orthographicFront"/>
+      <a:lightRig rig="threePt" dir="t"/>
+    </dgm:scene3d>
+    <dgm:sp3d/>
+    <dgm:txPr/>
+    <dgm:style>
+      <a:lnRef idx="1">
+        <a:scrgbClr r="0" g="0" b="0"/>
+      </a:lnRef>
+      <a:fillRef idx="3">
+        <a:scrgbClr r="0" g="0" b="0"/>
+      </a:fillRef>
+      <a:effectRef idx="2">
+        <a:scrgbClr r="0" g="0" b="0"/>
+      </a:effectRef>
+      <a:fontRef idx="minor">
+        <a:schemeClr val="lt1"/>
+      </a:fontRef>
+    </dgm:style>
+  </dgm:styleLbl>
+  <dgm:styleLbl name="parChTrans2D4">
+    <dgm:scene3d>
+      <a:camera prst="orthographicFront"/>
+      <a:lightRig rig="threePt" dir="t"/>
+    </dgm:scene3d>
+    <dgm:sp3d/>
+    <dgm:txPr/>
+    <dgm:style>
+      <a:lnRef idx="1">
+        <a:scrgbClr r="0" g="0" b="0"/>
+      </a:lnRef>
+      <a:fillRef idx="3">
+        <a:scrgbClr r="0" g="0" b="0"/>
+      </a:fillRef>
+      <a:effectRef idx="2">
+        <a:scrgbClr r="0" g="0" b="0"/>
+      </a:effectRef>
+      <a:fontRef idx="minor">
+        <a:schemeClr val="lt1"/>
+      </a:fontRef>
+    </dgm:style>
+  </dgm:styleLbl>
+  <dgm:styleLbl name="parChTrans1D1">
+    <dgm:scene3d>
+      <a:camera prst="orthographicFront"/>
+      <a:lightRig rig="threePt" dir="t"/>
+    </dgm:scene3d>
+    <dgm:sp3d/>
+    <dgm:txPr/>
+    <dgm:style>
+      <a:lnRef idx="1">
+        <a:scrgbClr r="0" g="0" b="0"/>
+      </a:lnRef>
+      <a:fillRef idx="0">
+        <a:scrgbClr r="0" g="0" b="0"/>
+      </a:fillRef>
+      <a:effectRef idx="0">
+        <a:scrgbClr r="0" g="0" b="0"/>
+      </a:effectRef>
+      <a:fontRef idx="minor"/>
+    </dgm:style>
+  </dgm:styleLbl>
+  <dgm:styleLbl name="parChTrans1D2">
+    <dgm:scene3d>
+      <a:camera prst="orthographicFront"/>
+      <a:lightRig rig="threePt" dir="t"/>
+    </dgm:scene3d>
+    <dgm:sp3d/>
+    <dgm:txPr/>
+    <dgm:style>
+      <a:lnRef idx="1">
+        <a:scrgbClr r="0" g="0" b="0"/>
+      </a:lnRef>
+      <a:fillRef idx="0">
+        <a:scrgbClr r="0" g="0" b="0"/>
+      </a:fillRef>
+      <a:effectRef idx="0">
+        <a:scrgbClr r="0" g="0" b="0"/>
+      </a:effectRef>
+      <a:fontRef idx="minor"/>
+    </dgm:style>
+  </dgm:styleLbl>
+  <dgm:styleLbl name="parChTrans1D3">
+    <dgm:scene3d>
+      <a:camera prst="orthographicFront"/>
+      <a:lightRig rig="threePt" dir="t"/>
+    </dgm:scene3d>
+    <dgm:sp3d/>
+    <dgm:txPr/>
+    <dgm:style>
+      <a:lnRef idx="1">
+        <a:scrgbClr r="0" g="0" b="0"/>
+      </a:lnRef>
+      <a:fillRef idx="0">
+        <a:scrgbClr r="0" g="0" b="0"/>
+      </a:fillRef>
+      <a:effectRef idx="0">
+        <a:scrgbClr r="0" g="0" b="0"/>
+      </a:effectRef>
+      <a:fontRef idx="minor"/>
+    </dgm:style>
+  </dgm:styleLbl>
+  <dgm:styleLbl name="parChTrans1D4">
+    <dgm:scene3d>
+      <a:camera prst="orthographicFront"/>
+      <a:lightRig rig="threePt" dir="t"/>
+    </dgm:scene3d>
+    <dgm:sp3d/>
+    <dgm:txPr/>
+    <dgm:style>
+      <a:lnRef idx="1">
+        <a:scrgbClr r="0" g="0" b="0"/>
+      </a:lnRef>
+      <a:fillRef idx="0">
+        <a:scrgbClr r="0" g="0" b="0"/>
+      </a:fillRef>
+      <a:effectRef idx="0">
+        <a:scrgbClr r="0" g="0" b="0"/>
+      </a:effectRef>
+      <a:fontRef idx="minor"/>
+    </dgm:style>
+  </dgm:styleLbl>
+  <dgm:styleLbl name="fgAcc1">
+    <dgm:scene3d>
+      <a:camera prst="orthographicFront"/>
+      <a:lightRig rig="threePt" dir="t"/>
+    </dgm:scene3d>
+    <dgm:sp3d/>
+    <dgm:txPr/>
+    <dgm:style>
+      <a:lnRef idx="1">
+        <a:scrgbClr r="0" g="0" b="0"/>
+      </a:lnRef>
+      <a:fillRef idx="1">
+        <a:scrgbClr r="0" g="0" b="0"/>
+      </a:fillRef>
+      <a:effectRef idx="0">
+        <a:scrgbClr r="0" g="0" b="0"/>
+      </a:effectRef>
+      <a:fontRef idx="minor"/>
+    </dgm:style>
+  </dgm:styleLbl>
+  <dgm:styleLbl name="conFgAcc1">
+    <dgm:scene3d>
+      <a:camera prst="orthographicFront"/>
+      <a:lightRig rig="threePt" dir="t"/>
+    </dgm:scene3d>
+    <dgm:sp3d/>
+    <dgm:txPr/>
+    <dgm:style>
+      <a:lnRef idx="1">
+        <a:scrgbClr r="0" g="0" b="0"/>
+      </a:lnRef>
+      <a:fillRef idx="1">
+        <a:scrgbClr r="0" g="0" b="0"/>
+      </a:fillRef>
+      <a:effectRef idx="0">
+        <a:scrgbClr r="0" g="0" b="0"/>
+      </a:effectRef>
+      <a:fontRef idx="minor"/>
+    </dgm:style>
+  </dgm:styleLbl>
+  <dgm:styleLbl name="alignAcc1">
+    <dgm:scene3d>
+      <a:camera prst="orthographicFront"/>
+      <a:lightRig rig="threePt" dir="t"/>
+    </dgm:scene3d>
+    <dgm:sp3d/>
+    <dgm:txPr/>
+    <dgm:style>
+      <a:lnRef idx="1">
+        <a:scrgbClr r="0" g="0" b="0"/>
+      </a:lnRef>
+      <a:fillRef idx="1">
+        <a:scrgbClr r="0" g="0" b="0"/>
+      </a:fillRef>
+      <a:effectRef idx="0">
+        <a:scrgbClr r="0" g="0" b="0"/>
+      </a:effectRef>
+      <a:fontRef idx="minor"/>
+    </dgm:style>
+  </dgm:styleLbl>
+  <dgm:styleLbl name="trAlignAcc1">
+    <dgm:scene3d>
+      <a:camera prst="orthographicFront"/>
+      <a:lightRig rig="threePt" dir="t"/>
+    </dgm:scene3d>
+    <dgm:sp3d/>
+    <dgm:txPr/>
+    <dgm:style>
+      <a:lnRef idx="1">
+        <a:scrgbClr r="0" g="0" b="0"/>
+      </a:lnRef>
+      <a:fillRef idx="1">
+        <a:scrgbClr r="0" g="0" b="0"/>
+      </a:fillRef>
+      <a:effectRef idx="0">
+        <a:scrgbClr r="0" g="0" b="0"/>
+      </a:effectRef>
+      <a:fontRef idx="minor"/>
+    </dgm:style>
+  </dgm:styleLbl>
+  <dgm:styleLbl name="bgAcc1">
+    <dgm:scene3d>
+      <a:camera prst="orthographicFront"/>
+      <a:lightRig rig="threePt" dir="t"/>
+    </dgm:scene3d>
+    <dgm:sp3d/>
+    <dgm:txPr/>
+    <dgm:style>
+      <a:lnRef idx="1">
+        <a:scrgbClr r="0" g="0" b="0"/>
+      </a:lnRef>
+      <a:fillRef idx="1">
+        <a:scrgbClr r="0" g="0" b="0"/>
+      </a:fillRef>
+      <a:effectRef idx="0">
+        <a:scrgbClr r="0" g="0" b="0"/>
+      </a:effectRef>
+      <a:fontRef idx="minor"/>
+    </dgm:style>
+  </dgm:styleLbl>
+  <dgm:styleLbl name="solidFgAcc1">
+    <dgm:scene3d>
+      <a:camera prst="orthographicFront"/>
+      <a:lightRig rig="threePt" dir="t"/>
+    </dgm:scene3d>
+    <dgm:sp3d/>
+    <dgm:txPr/>
+    <dgm:style>
+      <a:lnRef idx="1">
+        <a:scrgbClr r="0" g="0" b="0"/>
+      </a:lnRef>
+      <a:fillRef idx="1">
+        <a:scrgbClr r="0" g="0" b="0"/>
+      </a:fillRef>
+      <a:effectRef idx="0">
+        <a:scrgbClr r="0" g="0" b="0"/>
+      </a:effectRef>
+      <a:fontRef idx="minor"/>
+    </dgm:style>
+  </dgm:styleLbl>
+  <dgm:styleLbl name="solidAlignAcc1">
+    <dgm:scene3d>
+      <a:camera prst="orthographicFront"/>
+      <a:lightRig rig="threePt" dir="t"/>
+    </dgm:scene3d>
+    <dgm:sp3d/>
+    <dgm:txPr/>
+    <dgm:style>
+      <a:lnRef idx="1">
+        <a:scrgbClr r="0" g="0" b="0"/>
+      </a:lnRef>
+      <a:fillRef idx="1">
+        <a:scrgbClr r="0" g="0" b="0"/>
+      </a:fillRef>
+      <a:effectRef idx="0">
+        <a:scrgbClr r="0" g="0" b="0"/>
+      </a:effectRef>
+      <a:fontRef idx="minor"/>
+    </dgm:style>
+  </dgm:styleLbl>
+  <dgm:styleLbl name="solidBgAcc1">
+    <dgm:scene3d>
+      <a:camera prst="orthographicFront"/>
+      <a:lightRig rig="threePt" dir="t"/>
+    </dgm:scene3d>
+    <dgm:sp3d/>
+    <dgm:txPr/>
+    <dgm:style>
+      <a:lnRef idx="1">
+        <a:scrgbClr r="0" g="0" b="0"/>
+      </a:lnRef>
+      <a:fillRef idx="1">
+        <a:scrgbClr r="0" g="0" b="0"/>
+      </a:fillRef>
+      <a:effectRef idx="0">
+        <a:scrgbClr r="0" g="0" b="0"/>
+      </a:effectRef>
+      <a:fontRef idx="minor"/>
+    </dgm:style>
+  </dgm:styleLbl>
+  <dgm:styleLbl name="fgAccFollowNode1">
+    <dgm:scene3d>
+      <a:camera prst="orthographicFront"/>
+      <a:lightRig rig="threePt" dir="t"/>
+    </dgm:scene3d>
+    <dgm:sp3d/>
+    <dgm:txPr/>
+    <dgm:style>
+      <a:lnRef idx="1">
+        <a:scrgbClr r="0" g="0" b="0"/>
+      </a:lnRef>
+      <a:fillRef idx="1">
+        <a:scrgbClr r="0" g="0" b="0"/>
+      </a:fillRef>
+      <a:effectRef idx="0">
+        <a:scrgbClr r="0" g="0" b="0"/>
+      </a:effectRef>
+      <a:fontRef idx="minor"/>
+    </dgm:style>
+  </dgm:styleLbl>
+  <dgm:styleLbl name="alignAccFollowNode1">
+    <dgm:scene3d>
+      <a:camera prst="orthographicFront"/>
+      <a:lightRig rig="threePt" dir="t"/>
+    </dgm:scene3d>
+    <dgm:sp3d/>
+    <dgm:txPr/>
+    <dgm:style>
+      <a:lnRef idx="1">
+        <a:scrgbClr r="0" g="0" b="0"/>
+      </a:lnRef>
+      <a:fillRef idx="1">
+        <a:scrgbClr r="0" g="0" b="0"/>
+      </a:fillRef>
+      <a:effectRef idx="0">
+        <a:scrgbClr r="0" g="0" b="0"/>
+      </a:effectRef>
+      <a:fontRef idx="minor"/>
+    </dgm:style>
+  </dgm:styleLbl>
+  <dgm:styleLbl name="bgAccFollowNode1">
+    <dgm:scene3d>
+      <a:camera prst="orthographicFront"/>
+      <a:lightRig rig="threePt" dir="t"/>
+    </dgm:scene3d>
+    <dgm:sp3d/>
+    <dgm:txPr/>
+    <dgm:style>
+      <a:lnRef idx="1">
+        <a:scrgbClr r="0" g="0" b="0"/>
+      </a:lnRef>
+      <a:fillRef idx="1">
+        <a:scrgbClr r="0" g="0" b="0"/>
+      </a:fillRef>
+      <a:effectRef idx="0">
+        <a:scrgbClr r="0" g="0" b="0"/>
+      </a:effectRef>
+      <a:fontRef idx="minor"/>
+    </dgm:style>
+  </dgm:styleLbl>
+  <dgm:styleLbl name="fgAcc0">
+    <dgm:scene3d>
+      <a:camera prst="orthographicFront"/>
+      <a:lightRig rig="threePt" dir="t"/>
+    </dgm:scene3d>
+    <dgm:sp3d/>
+    <dgm:txPr/>
+    <dgm:style>
+      <a:lnRef idx="1">
+        <a:scrgbClr r="0" g="0" b="0"/>
+      </a:lnRef>
+      <a:fillRef idx="1">
+        <a:scrgbClr r="0" g="0" b="0"/>
+      </a:fillRef>
+      <a:effectRef idx="0">
+        <a:scrgbClr r="0" g="0" b="0"/>
+      </a:effectRef>
+      <a:fontRef idx="minor"/>
+    </dgm:style>
+  </dgm:styleLbl>
+  <dgm:styleLbl name="fgAcc2">
+    <dgm:scene3d>
+      <a:camera prst="orthographicFront"/>
+      <a:lightRig rig="threePt" dir="t"/>
+    </dgm:scene3d>
+    <dgm:sp3d/>
+    <dgm:txPr/>
+    <dgm:style>
+      <a:lnRef idx="1">
+        <a:scrgbClr r="0" g="0" b="0"/>
+      </a:lnRef>
+      <a:fillRef idx="1">
+        <a:scrgbClr r="0" g="0" b="0"/>
+      </a:fillRef>
+      <a:effectRef idx="0">
+        <a:scrgbClr r="0" g="0" b="0"/>
+      </a:effectRef>
+      <a:fontRef idx="minor"/>
+    </dgm:style>
+  </dgm:styleLbl>
+  <dgm:styleLbl name="fgAcc3">
+    <dgm:scene3d>
+      <a:camera prst="orthographicFront"/>
+      <a:lightRig rig="threePt" dir="t"/>
+    </dgm:scene3d>
+    <dgm:sp3d/>
+    <dgm:txPr/>
+    <dgm:style>
+      <a:lnRef idx="1">
+        <a:scrgbClr r="0" g="0" b="0"/>
+      </a:lnRef>
+      <a:fillRef idx="1">
+        <a:scrgbClr r="0" g="0" b="0"/>
+      </a:fillRef>
+      <a:effectRef idx="0">
+        <a:scrgbClr r="0" g="0" b="0"/>
+      </a:effectRef>
+      <a:fontRef idx="minor"/>
+    </dgm:style>
+  </dgm:styleLbl>
+  <dgm:styleLbl name="fgAcc4">
+    <dgm:scene3d>
+      <a:camera prst="orthographicFront"/>
+      <a:lightRig rig="threePt" dir="t"/>
+    </dgm:scene3d>
+    <dgm:sp3d/>
+    <dgm:txPr/>
+    <dgm:style>
+      <a:lnRef idx="1">
+        <a:scrgbClr r="0" g="0" b="0"/>
+      </a:lnRef>
+      <a:fillRef idx="1">
+        <a:scrgbClr r="0" g="0" b="0"/>
+      </a:fillRef>
+      <a:effectRef idx="0">
+        <a:scrgbClr r="0" g="0" b="0"/>
+      </a:effectRef>
+      <a:fontRef idx="minor"/>
+    </dgm:style>
+  </dgm:styleLbl>
+  <dgm:styleLbl name="bgShp">
+    <dgm:scene3d>
+      <a:camera prst="orthographicFront"/>
+      <a:lightRig rig="threePt" dir="t"/>
+    </dgm:scene3d>
+    <dgm:sp3d/>
+    <dgm:txPr/>
+    <dgm:style>
+      <a:lnRef idx="0">
+        <a:scrgbClr r="0" g="0" b="0"/>
+      </a:lnRef>
+      <a:fillRef idx="1">
+        <a:scrgbClr r="0" g="0" b="0"/>
+      </a:fillRef>
+      <a:effectRef idx="2">
+        <a:scrgbClr r="0" g="0" b="0"/>
+      </a:effectRef>
+      <a:fontRef idx="minor"/>
+    </dgm:style>
+  </dgm:styleLbl>
+  <dgm:styleLbl name="dkBgShp">
+    <dgm:scene3d>
+      <a:camera prst="orthographicFront"/>
+      <a:lightRig rig="threePt" dir="t"/>
+    </dgm:scene3d>
+    <dgm:sp3d/>
+    <dgm:txPr/>
+    <dgm:style>
+      <a:lnRef idx="0">
+        <a:scrgbClr r="0" g="0" b="0"/>
+      </a:lnRef>
+      <a:fillRef idx="1">
+        <a:scrgbClr r="0" g="0" b="0"/>
+      </a:fillRef>
+      <a:effectRef idx="2">
+        <a:scrgbClr r="0" g="0" b="0"/>
+      </a:effectRef>
+      <a:fontRef idx="minor"/>
+    </dgm:style>
+  </dgm:styleLbl>
+  <dgm:styleLbl name="trBgShp">
+    <dgm:scene3d>
+      <a:camera prst="orthographicFront"/>
+      <a:lightRig rig="threePt" dir="t"/>
+    </dgm:scene3d>
+    <dgm:sp3d/>
+    <dgm:txPr/>
+    <dgm:style>
+      <a:lnRef idx="0">
+        <a:scrgbClr r="0" g="0" b="0"/>
+      </a:lnRef>
+      <a:fillRef idx="1">
+        <a:scrgbClr r="0" g="0" b="0"/>
+      </a:fillRef>
+      <a:effectRef idx="0">
+        <a:scrgbClr r="0" g="0" b="0"/>
+      </a:effectRef>
+      <a:fontRef idx="minor"/>
+    </dgm:style>
+  </dgm:styleLbl>
+  <dgm:styleLbl name="fgShp">
+    <dgm:scene3d>
+      <a:camera prst="orthographicFront"/>
+      <a:lightRig rig="threePt" dir="t"/>
+    </dgm:scene3d>
+    <dgm:sp3d/>
+    <dgm:txPr/>
+    <dgm:style>
+      <a:lnRef idx="0">
+        <a:scrgbClr r="0" g="0" b="0"/>
+      </a:lnRef>
+      <a:fillRef idx="3">
+        <a:scrgbClr r="0" g="0" b="0"/>
+      </a:fillRef>
+      <a:effectRef idx="2">
+        <a:scrgbClr r="0" g="0" b="0"/>
+      </a:effectRef>
+      <a:fontRef idx="minor"/>
+    </dgm:style>
+  </dgm:styleLbl>
+  <dgm:styleLbl name="revTx">
+    <dgm:scene3d>
+      <a:camera prst="orthographicFront"/>
+      <a:lightRig rig="threePt" dir="t"/>
+    </dgm:scene3d>
+    <dgm:sp3d/>
+    <dgm:txPr/>
+    <dgm:style>
+      <a:lnRef idx="0">
+        <a:scrgbClr r="0" g="0" b="0"/>
+      </a:lnRef>
+      <a:fillRef idx="0">
+        <a:scrgbClr r="0" g="0" b="0"/>
+      </a:fillRef>
+      <a:effectRef idx="0">
+        <a:scrgbClr r="0" g="0" b="0"/>
+      </a:effectRef>
+      <a:fontRef idx="minor"/>
+    </dgm:style>
+  </dgm:styleLbl>
+</dgm:styleDef>
+</file>
+
+<file path=ppt/notesMasters/notesMaster1.xml><?xml version="1.0" encoding="utf-8"?>
+<p:notesMaster xmlns:a="http://schemas.openxmlformats.org/drawingml/2006/main" xmlns:r="http://schemas.openxmlformats.org/officeDocument/2006/relationships" xmlns:p="http://schemas.openxmlformats.org/presentationml/2006/main">
+  <p:cSld>
+    <p:bg>
+      <p:bgRef idx="1001">
+        <a:schemeClr val="bg1"/>
+      </p:bgRef>
+    </p:bg>
+    <p:spTree>
+      <p:nvGrpSpPr>
+        <p:cNvPr id="1" name=""/>
+        <p:cNvGrpSpPr/>
+        <p:nvPr/>
+      </p:nvGrpSpPr>
+      <p:grpSpPr>
+        <a:xfrm>
+          <a:off x="0" y="0"/>
+          <a:ext cx="0" cy="0"/>
+          <a:chOff x="0" y="0"/>
+          <a:chExt cx="0" cy="0"/>
+        </a:xfrm>
+      </p:grpSpPr>
+      <p:sp>
+        <p:nvSpPr>
+          <p:cNvPr id="2" name="Header Placeholder 1"/>
+          <p:cNvSpPr>
+            <a:spLocks noGrp="1"/>
+          </p:cNvSpPr>
+          <p:nvPr>
+            <p:ph type="hdr" sz="quarter"/>
+          </p:nvPr>
+        </p:nvSpPr>
+        <p:spPr>
+          <a:xfrm>
+            <a:off x="0" y="0"/>
+            <a:ext cx="2971800" cy="458788"/>
+          </a:xfrm>
+          <a:prstGeom prst="rect">
+            <a:avLst/>
+          </a:prstGeom>
+        </p:spPr>
+        <p:txBody>
+          <a:bodyPr vert="horz" lIns="91440" tIns="45720" rIns="91440" bIns="45720" rtlCol="0"/>
+          <a:lstStyle>
+            <a:lvl1pPr algn="l">
+              <a:defRPr sz="1200"/>
+            </a:lvl1pPr>
+          </a:lstStyle>
+          <a:p>
+            <a:endParaRPr lang="en-US"/>
+          </a:p>
+        </p:txBody>
+      </p:sp>
+      <p:sp>
+        <p:nvSpPr>
+          <p:cNvPr id="3" name="Date Placeholder 2"/>
+          <p:cNvSpPr>
+            <a:spLocks noGrp="1"/>
+          </p:cNvSpPr>
+          <p:nvPr>
+            <p:ph type="dt" idx="1"/>
+          </p:nvPr>
+        </p:nvSpPr>
+        <p:spPr>
+          <a:xfrm>
+            <a:off x="3884613" y="0"/>
+            <a:ext cx="2971800" cy="458788"/>
+          </a:xfrm>
+          <a:prstGeom prst="rect">
+            <a:avLst/>
+          </a:prstGeom>
+        </p:spPr>
+        <p:txBody>
+          <a:bodyPr vert="horz" lIns="91440" tIns="45720" rIns="91440" bIns="45720" rtlCol="0"/>
+          <a:lstStyle>
+            <a:lvl1pPr algn="r">
+              <a:defRPr sz="1200"/>
+            </a:lvl1pPr>
+          </a:lstStyle>
+          <a:p>
+            <a:fld id="{620BBD04-E2D0-D04D-BE2E-5BCC185485F4}" type="datetimeFigureOut">
+              <a:rPr lang="en-US" smtClean="0"/>
+              <a:t>12/9/16</a:t>
+            </a:fld>
+            <a:endParaRPr lang="en-US"/>
+          </a:p>
+        </p:txBody>
+      </p:sp>
+      <p:sp>
+        <p:nvSpPr>
+          <p:cNvPr id="4" name="Slide Image Placeholder 3"/>
+          <p:cNvSpPr>
+            <a:spLocks noGrp="1" noRot="1" noChangeAspect="1"/>
+          </p:cNvSpPr>
+          <p:nvPr>
+            <p:ph type="sldImg" idx="2"/>
+          </p:nvPr>
+        </p:nvSpPr>
+        <p:spPr>
+          <a:xfrm>
+            <a:off x="685800" y="1143000"/>
+            <a:ext cx="5486400" cy="3086100"/>
+          </a:xfrm>
+          <a:prstGeom prst="rect">
+            <a:avLst/>
+          </a:prstGeom>
+          <a:noFill/>
+          <a:ln w="12700">
+            <a:solidFill>
+              <a:prstClr val="black"/>
+            </a:solidFill>
+          </a:ln>
+        </p:spPr>
+        <p:txBody>
+          <a:bodyPr vert="horz" lIns="91440" tIns="45720" rIns="91440" bIns="45720" rtlCol="0" anchor="ctr"/>
+          <a:lstStyle/>
+          <a:p>
+            <a:endParaRPr lang="en-US"/>
+          </a:p>
+        </p:txBody>
+      </p:sp>
+      <p:sp>
+        <p:nvSpPr>
+          <p:cNvPr id="5" name="Notes Placeholder 4"/>
+          <p:cNvSpPr>
+            <a:spLocks noGrp="1"/>
+          </p:cNvSpPr>
+          <p:nvPr>
+            <p:ph type="body" sz="quarter" idx="3"/>
+          </p:nvPr>
+        </p:nvSpPr>
+        <p:spPr>
+          <a:xfrm>
+            <a:off x="685800" y="4400550"/>
+            <a:ext cx="5486400" cy="3600450"/>
+          </a:xfrm>
+          <a:prstGeom prst="rect">
+            <a:avLst/>
+          </a:prstGeom>
+        </p:spPr>
+        <p:txBody>
+          <a:bodyPr vert="horz" lIns="91440" tIns="45720" rIns="91440" bIns="45720" rtlCol="0"/>
+          <a:lstStyle/>
+          <a:p>
+            <a:pPr lvl="0"/>
+            <a:r>
+              <a:rPr lang="en-US" smtClean="0"/>
+              <a:t>Click to edit Master text styles</a:t>
+            </a:r>
+          </a:p>
+          <a:p>
+            <a:pPr lvl="1"/>
+            <a:r>
+              <a:rPr lang="en-US" smtClean="0"/>
+              <a:t>Second level</a:t>
+            </a:r>
+          </a:p>
+          <a:p>
+            <a:pPr lvl="2"/>
+            <a:r>
+              <a:rPr lang="en-US" smtClean="0"/>
+              <a:t>Third level</a:t>
+            </a:r>
+          </a:p>
+          <a:p>
+            <a:pPr lvl="3"/>
+            <a:r>
+              <a:rPr lang="en-US" smtClean="0"/>
+              <a:t>Fourth level</a:t>
+            </a:r>
+          </a:p>
+          <a:p>
+            <a:pPr lvl="4"/>
+            <a:r>
+              <a:rPr lang="en-US" smtClean="0"/>
+              <a:t>Fifth level</a:t>
+            </a:r>
+            <a:endParaRPr lang="en-US"/>
+          </a:p>
+        </p:txBody>
+      </p:sp>
+      <p:sp>
+        <p:nvSpPr>
+          <p:cNvPr id="6" name="Footer Placeholder 5"/>
+          <p:cNvSpPr>
+            <a:spLocks noGrp="1"/>
+          </p:cNvSpPr>
+          <p:nvPr>
+            <p:ph type="ftr" sz="quarter" idx="4"/>
+          </p:nvPr>
+        </p:nvSpPr>
+        <p:spPr>
+          <a:xfrm>
+            <a:off x="0" y="8685213"/>
+            <a:ext cx="2971800" cy="458787"/>
+          </a:xfrm>
+          <a:prstGeom prst="rect">
+            <a:avLst/>
+          </a:prstGeom>
+        </p:spPr>
+        <p:txBody>
+          <a:bodyPr vert="horz" lIns="91440" tIns="45720" rIns="91440" bIns="45720" rtlCol="0" anchor="b"/>
+          <a:lstStyle>
+            <a:lvl1pPr algn="l">
+              <a:defRPr sz="1200"/>
+            </a:lvl1pPr>
+          </a:lstStyle>
+          <a:p>
+            <a:endParaRPr lang="en-US"/>
+          </a:p>
+        </p:txBody>
+      </p:sp>
+      <p:sp>
+        <p:nvSpPr>
+          <p:cNvPr id="7" name="Slide Number Placeholder 6"/>
+          <p:cNvSpPr>
+            <a:spLocks noGrp="1"/>
+          </p:cNvSpPr>
+          <p:nvPr>
+            <p:ph type="sldNum" sz="quarter" idx="5"/>
+          </p:nvPr>
+        </p:nvSpPr>
+        <p:spPr>
+          <a:xfrm>
+            <a:off x="3884613" y="8685213"/>
+            <a:ext cx="2971800" cy="458787"/>
+          </a:xfrm>
+          <a:prstGeom prst="rect">
+            <a:avLst/>
+          </a:prstGeom>
+        </p:spPr>
+        <p:txBody>
+          <a:bodyPr vert="horz" lIns="91440" tIns="45720" rIns="91440" bIns="45720" rtlCol="0" anchor="b"/>
+          <a:lstStyle>
+            <a:lvl1pPr algn="r">
+              <a:defRPr sz="1200"/>
+            </a:lvl1pPr>
+          </a:lstStyle>
+          <a:p>
+            <a:fld id="{2796AC20-FC4F-AB4C-AA39-20744B717B55}" type="slidenum">
+              <a:rPr lang="en-US" smtClean="0"/>
+              <a:t>‹#›</a:t>
+            </a:fld>
+            <a:endParaRPr lang="en-US"/>
+          </a:p>
+        </p:txBody>
+      </p:sp>
+    </p:spTree>
+    <p:extLst>
+      <p:ext uri="{BB962C8B-B14F-4D97-AF65-F5344CB8AC3E}">
+        <p14:creationId xmlns:p14="http://schemas.microsoft.com/office/powerpoint/2010/main" val="883500452"/>
+      </p:ext>
+    </p:extLst>
+  </p:cSld>
+  <p:clrMap bg1="lt1" tx1="dk1" bg2="lt2" tx2="dk2" accent1="accent1" accent2="accent2" accent3="accent3" accent4="accent4" accent5="accent5" accent6="accent6" hlink="hlink" folHlink="folHlink"/>
+  <p:notesStyle>
+    <a:lvl1pPr marL="0" algn="l" defTabSz="914400" rtl="0" eaLnBrk="1" latinLnBrk="0" hangingPunct="1">
+      <a:defRPr sz="1200" kern="1200">
+        <a:solidFill>
+          <a:schemeClr val="tx1"/>
+        </a:solidFill>
+        <a:latin typeface="+mn-lt"/>
+        <a:ea typeface="+mn-ea"/>
+        <a:cs typeface="+mn-cs"/>
+      </a:defRPr>
+    </a:lvl1pPr>
+    <a:lvl2pPr marL="457200" algn="l" defTabSz="914400" rtl="0" eaLnBrk="1" latinLnBrk="0" hangingPunct="1">
+      <a:defRPr sz="1200" kern="1200">
+        <a:solidFill>
+          <a:schemeClr val="tx1"/>
+        </a:solidFill>
+        <a:latin typeface="+mn-lt"/>
+        <a:ea typeface="+mn-ea"/>
+        <a:cs typeface="+mn-cs"/>
+      </a:defRPr>
+    </a:lvl2pPr>
+    <a:lvl3pPr marL="914400" algn="l" defTabSz="914400" rtl="0" eaLnBrk="1" latinLnBrk="0" hangingPunct="1">
+      <a:defRPr sz="1200" kern="1200">
+        <a:solidFill>
+          <a:schemeClr val="tx1"/>
+        </a:solidFill>
+        <a:latin typeface="+mn-lt"/>
+        <a:ea typeface="+mn-ea"/>
+        <a:cs typeface="+mn-cs"/>
+      </a:defRPr>
+    </a:lvl3pPr>
+    <a:lvl4pPr marL="1371600" algn="l" defTabSz="914400" rtl="0" eaLnBrk="1" latinLnBrk="0" hangingPunct="1">
+      <a:defRPr sz="1200" kern="1200">
+        <a:solidFill>
+          <a:schemeClr val="tx1"/>
+        </a:solidFill>
+        <a:latin typeface="+mn-lt"/>
+        <a:ea typeface="+mn-ea"/>
+        <a:cs typeface="+mn-cs"/>
+      </a:defRPr>
+    </a:lvl4pPr>
+    <a:lvl5pPr marL="1828800" algn="l" defTabSz="914400" rtl="0" eaLnBrk="1" latinLnBrk="0" hangingPunct="1">
+      <a:defRPr sz="1200" kern="1200">
+        <a:solidFill>
+          <a:schemeClr val="tx1"/>
+        </a:solidFill>
+        <a:latin typeface="+mn-lt"/>
+        <a:ea typeface="+mn-ea"/>
+        <a:cs typeface="+mn-cs"/>
+      </a:defRPr>
+    </a:lvl5pPr>
+    <a:lvl6pPr marL="2286000" algn="l" defTabSz="914400" rtl="0" eaLnBrk="1" latinLnBrk="0" hangingPunct="1">
+      <a:defRPr sz="1200" kern="1200">
+        <a:solidFill>
+          <a:schemeClr val="tx1"/>
+        </a:solidFill>
+        <a:latin typeface="+mn-lt"/>
+        <a:ea typeface="+mn-ea"/>
+        <a:cs typeface="+mn-cs"/>
+      </a:defRPr>
+    </a:lvl6pPr>
+    <a:lvl7pPr marL="2743200" algn="l" defTabSz="914400" rtl="0" eaLnBrk="1" latinLnBrk="0" hangingPunct="1">
+      <a:defRPr sz="1200" kern="1200">
+        <a:solidFill>
+          <a:schemeClr val="tx1"/>
+        </a:solidFill>
+        <a:latin typeface="+mn-lt"/>
+        <a:ea typeface="+mn-ea"/>
+        <a:cs typeface="+mn-cs"/>
+      </a:defRPr>
+    </a:lvl7pPr>
+    <a:lvl8pPr marL="3200400" algn="l" defTabSz="914400" rtl="0" eaLnBrk="1" latinLnBrk="0" hangingPunct="1">
+      <a:defRPr sz="1200" kern="1200">
+        <a:solidFill>
+          <a:schemeClr val="tx1"/>
+        </a:solidFill>
+        <a:latin typeface="+mn-lt"/>
+        <a:ea typeface="+mn-ea"/>
+        <a:cs typeface="+mn-cs"/>
+      </a:defRPr>
+    </a:lvl8pPr>
+    <a:lvl9pPr marL="3657600" algn="l" defTabSz="914400" rtl="0" eaLnBrk="1" latinLnBrk="0" hangingPunct="1">
+      <a:defRPr sz="1200" kern="1200">
+        <a:solidFill>
+          <a:schemeClr val="tx1"/>
+        </a:solidFill>
+        <a:latin typeface="+mn-lt"/>
+        <a:ea typeface="+mn-ea"/>
+        <a:cs typeface="+mn-cs"/>
+      </a:defRPr>
+    </a:lvl9pPr>
+  </p:notesStyle>
+</p:notesMaster>
 </file>
 
 <file path=ppt/slideLayouts/slideLayout1.xml><?xml version="1.0" encoding="utf-8"?>
@@ -452,7 +7352,7 @@
             <a:fld id="{B61BEF0D-F0BB-DE4B-95CE-6DB70DBA9567}" type="datetimeFigureOut">
               <a:rPr lang="en-US" dirty="0"/>
               <a:pPr/>
-              <a:t>12/8/2016</a:t>
+              <a:t>12/9/16</a:t>
             </a:fld>
             <a:endParaRPr lang="en-US" dirty="0"/>
           </a:p>
@@ -773,7 +7673,7 @@
             <a:fld id="{B61BEF0D-F0BB-DE4B-95CE-6DB70DBA9567}" type="datetimeFigureOut">
               <a:rPr lang="en-US" dirty="0"/>
               <a:pPr/>
-              <a:t>12/8/2016</a:t>
+              <a:t>12/9/16</a:t>
             </a:fld>
             <a:endParaRPr lang="en-US" dirty="0"/>
           </a:p>
@@ -1018,7 +7918,7 @@
             <a:fld id="{B61BEF0D-F0BB-DE4B-95CE-6DB70DBA9567}" type="datetimeFigureOut">
               <a:rPr lang="en-US" dirty="0"/>
               <a:pPr/>
-              <a:t>12/8/2016</a:t>
+              <a:t>12/9/16</a:t>
             </a:fld>
             <a:endParaRPr lang="en-US" dirty="0"/>
           </a:p>
@@ -1354,7 +8254,7 @@
             <a:fld id="{B61BEF0D-F0BB-DE4B-95CE-6DB70DBA9567}" type="datetimeFigureOut">
               <a:rPr lang="en-US" dirty="0"/>
               <a:pPr/>
-              <a:t>12/8/2016</a:t>
+              <a:t>12/9/16</a:t>
             </a:fld>
             <a:endParaRPr lang="en-US" dirty="0"/>
           </a:p>
@@ -1698,7 +8598,7 @@
             <a:fld id="{B61BEF0D-F0BB-DE4B-95CE-6DB70DBA9567}" type="datetimeFigureOut">
               <a:rPr lang="en-US" dirty="0"/>
               <a:pPr/>
-              <a:t>12/8/2016</a:t>
+              <a:t>12/9/16</a:t>
             </a:fld>
             <a:endParaRPr lang="en-US" dirty="0"/>
           </a:p>
@@ -2069,7 +8969,7 @@
             <a:fld id="{B61BEF0D-F0BB-DE4B-95CE-6DB70DBA9567}" type="datetimeFigureOut">
               <a:rPr lang="en-US" dirty="0"/>
               <a:pPr/>
-              <a:t>12/8/2016</a:t>
+              <a:t>12/9/16</a:t>
             </a:fld>
             <a:endParaRPr lang="en-US" dirty="0"/>
           </a:p>
@@ -2536,7 +9436,7 @@
             <a:fld id="{B61BEF0D-F0BB-DE4B-95CE-6DB70DBA9567}" type="datetimeFigureOut">
               <a:rPr lang="en-US" dirty="0"/>
               <a:pPr/>
-              <a:t>12/8/2016</a:t>
+              <a:t>12/9/16</a:t>
             </a:fld>
             <a:endParaRPr lang="en-US" dirty="0"/>
           </a:p>
@@ -2738,7 +9638,7 @@
             <a:fld id="{B61BEF0D-F0BB-DE4B-95CE-6DB70DBA9567}" type="datetimeFigureOut">
               <a:rPr lang="en-US" dirty="0"/>
               <a:pPr/>
-              <a:t>12/8/2016</a:t>
+              <a:t>12/9/16</a:t>
             </a:fld>
             <a:endParaRPr lang="en-US" dirty="0"/>
           </a:p>
@@ -2946,7 +9846,7 @@
             <a:fld id="{B61BEF0D-F0BB-DE4B-95CE-6DB70DBA9567}" type="datetimeFigureOut">
               <a:rPr lang="en-US" dirty="0"/>
               <a:pPr/>
-              <a:t>12/8/2016</a:t>
+              <a:t>12/9/16</a:t>
             </a:fld>
             <a:endParaRPr lang="en-US" dirty="0"/>
           </a:p>
@@ -3174,7 +10074,7 @@
           <a:p>
             <a:fld id="{52647F38-B617-4D2F-AE0A-013F0C4D2C57}" type="datetimeFigureOut">
               <a:rPr lang="en-US" dirty="0"/>
-              <a:t>12/8/2016</a:t>
+              <a:t>12/9/16</a:t>
             </a:fld>
             <a:endParaRPr lang="en-US" dirty="0"/>
           </a:p>
@@ -3418,7 +10318,7 @@
             <a:fld id="{B61BEF0D-F0BB-DE4B-95CE-6DB70DBA9567}" type="datetimeFigureOut">
               <a:rPr lang="en-US" dirty="0"/>
               <a:pPr/>
-              <a:t>12/8/2016</a:t>
+              <a:t>12/9/16</a:t>
             </a:fld>
             <a:endParaRPr lang="en-US" dirty="0"/>
           </a:p>
@@ -3712,7 +10612,7 @@
           <a:p>
             <a:fld id="{05BFA754-D5C3-4E66-96A6-867B257F58DC}" type="datetimeFigureOut">
               <a:rPr lang="en-US" dirty="0"/>
-              <a:t>12/8/2016</a:t>
+              <a:t>12/9/16</a:t>
             </a:fld>
             <a:endParaRPr lang="en-US" dirty="0"/>
           </a:p>
@@ -4102,7 +11002,7 @@
             <a:fld id="{B61BEF0D-F0BB-DE4B-95CE-6DB70DBA9567}" type="datetimeFigureOut">
               <a:rPr lang="en-US" dirty="0"/>
               <a:pPr/>
-              <a:t>12/8/2016</a:t>
+              <a:t>12/9/16</a:t>
             </a:fld>
             <a:endParaRPr lang="en-US" dirty="0"/>
           </a:p>
@@ -4248,7 +11148,7 @@
             <a:fld id="{B61BEF0D-F0BB-DE4B-95CE-6DB70DBA9567}" type="datetimeFigureOut">
               <a:rPr lang="en-US" dirty="0"/>
               <a:pPr/>
-              <a:t>12/8/2016</a:t>
+              <a:t>12/9/16</a:t>
             </a:fld>
             <a:endParaRPr lang="en-US" dirty="0"/>
           </a:p>
@@ -4371,7 +11271,7 @@
             <a:fld id="{B61BEF0D-F0BB-DE4B-95CE-6DB70DBA9567}" type="datetimeFigureOut">
               <a:rPr lang="en-US" dirty="0"/>
               <a:pPr/>
-              <a:t>12/8/2016</a:t>
+              <a:t>12/9/16</a:t>
             </a:fld>
             <a:endParaRPr lang="en-US" dirty="0"/>
           </a:p>
@@ -4623,7 +11523,7 @@
             <a:fld id="{B61BEF0D-F0BB-DE4B-95CE-6DB70DBA9567}" type="datetimeFigureOut">
               <a:rPr lang="en-US" dirty="0"/>
               <a:pPr/>
-              <a:t>12/8/2016</a:t>
+              <a:t>12/9/16</a:t>
             </a:fld>
             <a:endParaRPr lang="en-US" dirty="0"/>
           </a:p>
@@ -4935,7 +11835,7 @@
             <a:fld id="{B61BEF0D-F0BB-DE4B-95CE-6DB70DBA9567}" type="datetimeFigureOut">
               <a:rPr lang="en-US" dirty="0"/>
               <a:pPr/>
-              <a:t>12/8/2016</a:t>
+              <a:t>12/9/16</a:t>
             </a:fld>
             <a:endParaRPr lang="en-US" dirty="0"/>
           </a:p>
@@ -5283,7 +12183,7 @@
             <a:fld id="{B61BEF0D-F0BB-DE4B-95CE-6DB70DBA9567}" type="datetimeFigureOut">
               <a:rPr lang="en-US" dirty="0"/>
               <a:pPr/>
-              <a:t>12/8/2016</a:t>
+              <a:t>12/9/16</a:t>
             </a:fld>
             <a:endParaRPr lang="en-US" dirty="0"/>
           </a:p>
@@ -5886,6 +12786,13 @@
   <p:clrMapOvr>
     <a:masterClrMapping/>
   </p:clrMapOvr>
+  <p:timing>
+    <p:tnLst>
+      <p:par>
+        <p:cTn id="1" dur="indefinite" restart="never" nodeType="tmRoot"/>
+      </p:par>
+    </p:tnLst>
+  </p:timing>
 </p:sld>
 </file>
 
@@ -5923,7 +12830,7 @@
           <a:p>
             <a:r>
               <a:rPr lang="en-US" dirty="0"/>
-              <a:t>3. Prediction </a:t>
+              <a:t>Handle Missing Values</a:t>
             </a:r>
           </a:p>
         </p:txBody>
@@ -5943,6 +12850,48 @@
           <a:bodyPr/>
           <a:lstStyle/>
           <a:p>
+            <a:pPr marL="0" indent="0">
+              <a:buNone/>
+            </a:pPr>
+            <a:r>
+              <a:rPr lang="en-US" dirty="0"/>
+              <a:t>Birds </a:t>
+            </a:r>
+          </a:p>
+          <a:p>
+            <a:pPr lvl="1"/>
+            <a:r>
+              <a:rPr lang="en-US" dirty="0"/>
+              <a:t>? And other values are replaced with 0</a:t>
+            </a:r>
+          </a:p>
+          <a:p>
+            <a:pPr lvl="1"/>
+            <a:r>
+              <a:rPr lang="en-US" dirty="0"/>
+              <a:t>x replaced with rand(2, 10)</a:t>
+            </a:r>
+          </a:p>
+          <a:p>
+            <a:pPr marL="0" indent="0">
+              <a:buNone/>
+            </a:pPr>
+            <a:r>
+              <a:rPr lang="en-US" dirty="0" smtClean="0"/>
+              <a:t>Other columns</a:t>
+            </a:r>
+            <a:endParaRPr lang="en-US" dirty="0"/>
+          </a:p>
+          <a:p>
+            <a:pPr lvl="1"/>
+            <a:r>
+              <a:rPr lang="en-US" dirty="0"/>
+              <a:t>? Replaced with </a:t>
+            </a:r>
+            <a:r>
+              <a:rPr lang="en-US" dirty="0" smtClean="0"/>
+              <a:t>0</a:t>
+            </a:r>
             <a:endParaRPr lang="en-US" dirty="0"/>
           </a:p>
         </p:txBody>
@@ -5950,13 +12899,20 @@
     </p:spTree>
     <p:extLst>
       <p:ext uri="{BB962C8B-B14F-4D97-AF65-F5344CB8AC3E}">
-        <p14:creationId xmlns:p14="http://schemas.microsoft.com/office/powerpoint/2010/main" val="2827127485"/>
+        <p14:creationId xmlns:p14="http://schemas.microsoft.com/office/powerpoint/2010/main" val="165569183"/>
       </p:ext>
     </p:extLst>
   </p:cSld>
   <p:clrMapOvr>
     <a:masterClrMapping/>
   </p:clrMapOvr>
+  <p:timing>
+    <p:tnLst>
+      <p:par>
+        <p:cTn id="1" dur="indefinite" restart="never" nodeType="tmRoot"/>
+      </p:par>
+    </p:tnLst>
+  </p:timing>
 </p:sld>
 </file>
 
@@ -5993,9 +12949,10 @@
           <a:lstStyle/>
           <a:p>
             <a:r>
-              <a:rPr lang="en-US" dirty="0"/>
-              <a:t>4. Sample results</a:t>
-            </a:r>
+              <a:rPr lang="en-US" dirty="0" smtClean="0"/>
+              <a:t>Normalization</a:t>
+            </a:r>
+            <a:endParaRPr lang="en-US" dirty="0"/>
           </a:p>
         </p:txBody>
       </p:sp>
@@ -6014,20 +12971,66 @@
           <a:bodyPr/>
           <a:lstStyle/>
           <a:p>
-            <a:endParaRPr lang="en-US"/>
+            <a:endParaRPr lang="en-US" dirty="0" smtClean="0"/>
+          </a:p>
+          <a:p>
+            <a:r>
+              <a:rPr lang="en-US" dirty="0" smtClean="0"/>
+              <a:t>Normalize </a:t>
+            </a:r>
+            <a:r>
+              <a:rPr lang="en-US" dirty="0"/>
+              <a:t>the </a:t>
+            </a:r>
+            <a:r>
+              <a:rPr lang="en-US" dirty="0" smtClean="0"/>
+              <a:t>values through mean and variance.</a:t>
+            </a:r>
+          </a:p>
+          <a:p>
+            <a:pPr lvl="1"/>
+            <a:r>
+              <a:rPr lang="en-US" dirty="0" smtClean="0"/>
+              <a:t>Used </a:t>
+            </a:r>
+            <a:r>
+              <a:rPr lang="en-US" dirty="0" err="1" smtClean="0"/>
+              <a:t>MLlib</a:t>
+            </a:r>
+            <a:r>
+              <a:rPr lang="en-US" dirty="0" smtClean="0"/>
+              <a:t> Statistics class</a:t>
+            </a:r>
+          </a:p>
+          <a:p>
+            <a:r>
+              <a:rPr lang="en-US" dirty="0" smtClean="0"/>
+              <a:t>Normalized columns are necessary for algorithms like SVM</a:t>
+            </a:r>
+            <a:endParaRPr lang="en-US" dirty="0"/>
+          </a:p>
+          <a:p>
+            <a:endParaRPr lang="en-US" dirty="0"/>
           </a:p>
         </p:txBody>
       </p:sp>
     </p:spTree>
     <p:extLst>
       <p:ext uri="{BB962C8B-B14F-4D97-AF65-F5344CB8AC3E}">
-        <p14:creationId xmlns:p14="http://schemas.microsoft.com/office/powerpoint/2010/main" val="3102547387"/>
+        <p14:creationId xmlns:p14="http://schemas.microsoft.com/office/powerpoint/2010/main" val="2949009029"/>
       </p:ext>
     </p:extLst>
   </p:cSld>
   <p:clrMapOvr>
     <a:masterClrMapping/>
   </p:clrMapOvr>
+  <p:timing>
+    <p:tnLst>
+      <p:par>
+        <p:cTn id="1" dur="indefinite" restart="never" nodeType="tmRoot"/>
+      </p:par>
+    </p:tnLst>
+  </p:timing>
 </p:sld>
 </file>
 
@@ -6064,9 +13067,10 @@
           <a:lstStyle/>
           <a:p>
             <a:r>
-              <a:rPr lang="en-US" dirty="0"/>
-              <a:t>5. What’s Next</a:t>
-            </a:r>
+              <a:rPr lang="en-US" dirty="0" smtClean="0"/>
+              <a:t>Random Sampling</a:t>
+            </a:r>
+            <a:endParaRPr lang="en-US" dirty="0"/>
           </a:p>
         </p:txBody>
       </p:sp>
@@ -6085,20 +13089,86 @@
           <a:bodyPr/>
           <a:lstStyle/>
           <a:p>
-            <a:endParaRPr lang="en-US"/>
+            <a:r>
+              <a:rPr lang="en-US" dirty="0" smtClean="0"/>
+              <a:t>Training Data</a:t>
+            </a:r>
+          </a:p>
+          <a:p>
+            <a:pPr lvl="1"/>
+            <a:r>
+              <a:rPr lang="en-US" dirty="0" smtClean="0"/>
+              <a:t>Row containing Target bird presence is </a:t>
+            </a:r>
+            <a:r>
+              <a:rPr lang="en-US" dirty="0" smtClean="0">
+                <a:solidFill>
+                  <a:srgbClr val="FF0000"/>
+                </a:solidFill>
+              </a:rPr>
+              <a:t>27%</a:t>
+            </a:r>
+          </a:p>
+          <a:p>
+            <a:pPr lvl="1"/>
+            <a:endParaRPr lang="en-US" dirty="0">
+              <a:solidFill>
+                <a:srgbClr val="FF0000"/>
+              </a:solidFill>
+            </a:endParaRPr>
+          </a:p>
+          <a:p>
+            <a:r>
+              <a:rPr lang="en-US" dirty="0" smtClean="0">
+                <a:solidFill>
+                  <a:schemeClr val="tx1"/>
+                </a:solidFill>
+              </a:rPr>
+              <a:t>Sampling</a:t>
+            </a:r>
+          </a:p>
+          <a:p>
+            <a:pPr lvl="1"/>
+            <a:r>
+              <a:rPr lang="en-US" dirty="0" smtClean="0">
+                <a:solidFill>
+                  <a:schemeClr val="tx1"/>
+                </a:solidFill>
+              </a:rPr>
+              <a:t>Considering less data/row where Target bird </a:t>
+            </a:r>
+            <a:r>
+              <a:rPr lang="en-US" dirty="0"/>
+              <a:t>presence </a:t>
+            </a:r>
+            <a:r>
+              <a:rPr lang="en-US" dirty="0" smtClean="0">
+                <a:solidFill>
+                  <a:schemeClr val="tx1"/>
+                </a:solidFill>
+              </a:rPr>
+              <a:t>in zero.</a:t>
+            </a:r>
           </a:p>
         </p:txBody>
       </p:sp>
     </p:spTree>
     <p:extLst>
       <p:ext uri="{BB962C8B-B14F-4D97-AF65-F5344CB8AC3E}">
-        <p14:creationId xmlns:p14="http://schemas.microsoft.com/office/powerpoint/2010/main" val="2909009481"/>
+        <p14:creationId xmlns:p14="http://schemas.microsoft.com/office/powerpoint/2010/main" val="1732548935"/>
       </p:ext>
     </p:extLst>
   </p:cSld>
   <p:clrMapOvr>
     <a:masterClrMapping/>
   </p:clrMapOvr>
+  <p:timing>
+    <p:tnLst>
+      <p:par>
+        <p:cTn id="1" dur="indefinite" restart="never" nodeType="tmRoot"/>
+      </p:par>
+    </p:tnLst>
+  </p:timing>
 </p:sld>
 </file>
 
@@ -6131,15 +13201,14 @@
         </p:nvSpPr>
         <p:spPr/>
         <p:txBody>
-          <a:bodyPr>
-            <a:normAutofit/>
-          </a:bodyPr>
+          <a:bodyPr/>
           <a:lstStyle/>
           <a:p>
             <a:r>
-              <a:rPr lang="en-US" dirty="0"/>
-              <a:t>6. Questions?</a:t>
-            </a:r>
+              <a:rPr lang="en-US" dirty="0" smtClean="0"/>
+              <a:t>Correlation</a:t>
+            </a:r>
+            <a:endParaRPr lang="en-US" dirty="0"/>
           </a:p>
         </p:txBody>
       </p:sp>
@@ -6158,24 +13227,1104 @@
           <a:bodyPr/>
           <a:lstStyle/>
           <a:p>
-            <a:endParaRPr lang="en-US"/>
+            <a:r>
+              <a:rPr lang="en-US" dirty="0" smtClean="0"/>
+              <a:t>Helpful in finding important columns.</a:t>
+            </a:r>
+          </a:p>
+          <a:p>
+            <a:r>
+              <a:rPr lang="en-US" dirty="0" smtClean="0"/>
+              <a:t>But,...</a:t>
+            </a:r>
+          </a:p>
+          <a:p>
+            <a:pPr lvl="1"/>
+            <a:r>
+              <a:rPr lang="en-US" dirty="0" smtClean="0"/>
+              <a:t>Correlation with target column is Nan.</a:t>
+            </a:r>
+          </a:p>
+          <a:p>
+            <a:pPr lvl="1"/>
+            <a:r>
+              <a:rPr lang="en-US" dirty="0"/>
+              <a:t>Due to high volume of </a:t>
+            </a:r>
+            <a:r>
+              <a:rPr lang="en-US" dirty="0" smtClean="0"/>
+              <a:t>data.</a:t>
+            </a:r>
+          </a:p>
+          <a:p>
+            <a:pPr lvl="1"/>
+            <a:r>
+              <a:rPr lang="en-US" dirty="0" smtClean="0"/>
+              <a:t>Target bird presence is zero in 73% data</a:t>
+            </a:r>
+            <a:endParaRPr lang="en-US" dirty="0"/>
           </a:p>
         </p:txBody>
       </p:sp>
     </p:spTree>
     <p:extLst>
       <p:ext uri="{BB962C8B-B14F-4D97-AF65-F5344CB8AC3E}">
-        <p14:creationId xmlns:p14="http://schemas.microsoft.com/office/powerpoint/2010/main" val="3586158274"/>
+        <p14:creationId xmlns:p14="http://schemas.microsoft.com/office/powerpoint/2010/main" val="1369266790"/>
       </p:ext>
     </p:extLst>
   </p:cSld>
   <p:clrMapOvr>
     <a:masterClrMapping/>
   </p:clrMapOvr>
+  <p:timing>
+    <p:tnLst>
+      <p:par>
+        <p:cTn id="1" dur="indefinite" restart="never" nodeType="tmRoot"/>
+      </p:par>
+    </p:tnLst>
+  </p:timing>
 </p:sld>
 </file>
 
 <file path=ppt/slides/slide14.xml><?xml version="1.0" encoding="utf-8"?>
+<p:sld xmlns:a="http://schemas.openxmlformats.org/drawingml/2006/main" xmlns:r="http://schemas.openxmlformats.org/officeDocument/2006/relationships" xmlns:p="http://schemas.openxmlformats.org/presentationml/2006/main">
+  <p:cSld>
+    <p:spTree>
+      <p:nvGrpSpPr>
+        <p:cNvPr id="1" name=""/>
+        <p:cNvGrpSpPr/>
+        <p:nvPr/>
+      </p:nvGrpSpPr>
+      <p:grpSpPr>
+        <a:xfrm>
+          <a:off x="0" y="0"/>
+          <a:ext cx="0" cy="0"/>
+          <a:chOff x="0" y="0"/>
+          <a:chExt cx="0" cy="0"/>
+        </a:xfrm>
+      </p:grpSpPr>
+      <p:sp>
+        <p:nvSpPr>
+          <p:cNvPr id="2" name="Title 1"/>
+          <p:cNvSpPr>
+            <a:spLocks noGrp="1"/>
+          </p:cNvSpPr>
+          <p:nvPr>
+            <p:ph type="title"/>
+          </p:nvPr>
+        </p:nvSpPr>
+        <p:spPr/>
+        <p:txBody>
+          <a:bodyPr/>
+          <a:lstStyle/>
+          <a:p>
+            <a:r>
+              <a:rPr lang="en-US" dirty="0" smtClean="0"/>
+              <a:t>Model </a:t>
+            </a:r>
+            <a:r>
+              <a:rPr lang="en-US" dirty="0"/>
+              <a:t>Training</a:t>
+            </a:r>
+          </a:p>
+        </p:txBody>
+      </p:sp>
+      <p:sp>
+        <p:nvSpPr>
+          <p:cNvPr id="5" name="Content Placeholder 2"/>
+          <p:cNvSpPr txBox="1">
+            <a:spLocks/>
+          </p:cNvSpPr>
+          <p:nvPr/>
+        </p:nvSpPr>
+        <p:spPr>
+          <a:xfrm>
+            <a:off x="1295402" y="2653576"/>
+            <a:ext cx="9601196" cy="3318936"/>
+          </a:xfrm>
+          <a:prstGeom prst="rect">
+            <a:avLst/>
+          </a:prstGeom>
+        </p:spPr>
+        <p:txBody>
+          <a:bodyPr vert="horz" lIns="91440" tIns="45720" rIns="91440" bIns="45720" rtlCol="0" anchor="t">
+            <a:normAutofit/>
+          </a:bodyPr>
+          <a:lstStyle>
+            <a:lvl1pPr marL="285750" indent="-285750" algn="l" defTabSz="457200" rtl="0" eaLnBrk="1" latinLnBrk="0" hangingPunct="1">
+              <a:spcBef>
+                <a:spcPct val="20000"/>
+              </a:spcBef>
+              <a:spcAft>
+                <a:spcPts val="600"/>
+              </a:spcAft>
+              <a:buClr>
+                <a:schemeClr val="accent1"/>
+              </a:buClr>
+              <a:buSzPct val="115000"/>
+              <a:buFont typeface="Arial"/>
+              <a:buChar char="•"/>
+              <a:defRPr sz="2400" kern="1200" cap="none">
+                <a:solidFill>
+                  <a:schemeClr val="tx1">
+                    <a:lumMod val="85000"/>
+                    <a:lumOff val="15000"/>
+                  </a:schemeClr>
+                </a:solidFill>
+                <a:effectLst/>
+                <a:latin typeface="+mn-lt"/>
+                <a:ea typeface="+mn-ea"/>
+                <a:cs typeface="+mn-cs"/>
+              </a:defRPr>
+            </a:lvl1pPr>
+            <a:lvl2pPr marL="742950" indent="-285750" algn="l" defTabSz="457200" rtl="0" eaLnBrk="1" latinLnBrk="0" hangingPunct="1">
+              <a:spcBef>
+                <a:spcPct val="20000"/>
+              </a:spcBef>
+              <a:spcAft>
+                <a:spcPts val="600"/>
+              </a:spcAft>
+              <a:buClr>
+                <a:schemeClr val="accent1"/>
+              </a:buClr>
+              <a:buSzPct val="115000"/>
+              <a:buFont typeface="Arial"/>
+              <a:buChar char="•"/>
+              <a:defRPr sz="2000" kern="1200" cap="none">
+                <a:solidFill>
+                  <a:schemeClr val="tx1">
+                    <a:lumMod val="85000"/>
+                    <a:lumOff val="15000"/>
+                  </a:schemeClr>
+                </a:solidFill>
+                <a:effectLst/>
+                <a:latin typeface="+mn-lt"/>
+                <a:ea typeface="+mn-ea"/>
+                <a:cs typeface="+mn-cs"/>
+              </a:defRPr>
+            </a:lvl2pPr>
+            <a:lvl3pPr marL="1200150" indent="-285750" algn="l" defTabSz="457200" rtl="0" eaLnBrk="1" latinLnBrk="0" hangingPunct="1">
+              <a:spcBef>
+                <a:spcPct val="20000"/>
+              </a:spcBef>
+              <a:spcAft>
+                <a:spcPts val="600"/>
+              </a:spcAft>
+              <a:buClr>
+                <a:schemeClr val="accent1"/>
+              </a:buClr>
+              <a:buSzPct val="115000"/>
+              <a:buFont typeface="Arial"/>
+              <a:buChar char="•"/>
+              <a:defRPr sz="1800" kern="1200" cap="none">
+                <a:solidFill>
+                  <a:schemeClr val="tx1">
+                    <a:lumMod val="85000"/>
+                    <a:lumOff val="15000"/>
+                  </a:schemeClr>
+                </a:solidFill>
+                <a:effectLst/>
+                <a:latin typeface="+mn-lt"/>
+                <a:ea typeface="+mn-ea"/>
+                <a:cs typeface="+mn-cs"/>
+              </a:defRPr>
+            </a:lvl3pPr>
+            <a:lvl4pPr marL="1543050" indent="-171450" algn="l" defTabSz="457200" rtl="0" eaLnBrk="1" latinLnBrk="0" hangingPunct="1">
+              <a:spcBef>
+                <a:spcPct val="20000"/>
+              </a:spcBef>
+              <a:spcAft>
+                <a:spcPts val="600"/>
+              </a:spcAft>
+              <a:buClr>
+                <a:schemeClr val="accent1"/>
+              </a:buClr>
+              <a:buSzPct val="115000"/>
+              <a:buFont typeface="Arial"/>
+              <a:buChar char="•"/>
+              <a:defRPr sz="1600" kern="1200" cap="none">
+                <a:solidFill>
+                  <a:schemeClr val="tx1">
+                    <a:lumMod val="85000"/>
+                    <a:lumOff val="15000"/>
+                  </a:schemeClr>
+                </a:solidFill>
+                <a:effectLst/>
+                <a:latin typeface="+mn-lt"/>
+                <a:ea typeface="+mn-ea"/>
+                <a:cs typeface="+mn-cs"/>
+              </a:defRPr>
+            </a:lvl4pPr>
+            <a:lvl5pPr marL="2000250" indent="-171450" algn="l" defTabSz="457200" rtl="0" eaLnBrk="1" latinLnBrk="0" hangingPunct="1">
+              <a:spcBef>
+                <a:spcPct val="20000"/>
+              </a:spcBef>
+              <a:spcAft>
+                <a:spcPts val="600"/>
+              </a:spcAft>
+              <a:buClr>
+                <a:schemeClr val="accent1"/>
+              </a:buClr>
+              <a:buSzPct val="115000"/>
+              <a:buFont typeface="Arial"/>
+              <a:buChar char="•"/>
+              <a:defRPr sz="1400" kern="1200" cap="none">
+                <a:solidFill>
+                  <a:schemeClr val="tx1">
+                    <a:lumMod val="85000"/>
+                    <a:lumOff val="15000"/>
+                  </a:schemeClr>
+                </a:solidFill>
+                <a:effectLst/>
+                <a:latin typeface="+mn-lt"/>
+                <a:ea typeface="+mn-ea"/>
+                <a:cs typeface="+mn-cs"/>
+              </a:defRPr>
+            </a:lvl5pPr>
+            <a:lvl6pPr marL="2514600" indent="-228600" algn="l" defTabSz="457200" rtl="0" eaLnBrk="1" latinLnBrk="0" hangingPunct="1">
+              <a:spcBef>
+                <a:spcPct val="20000"/>
+              </a:spcBef>
+              <a:spcAft>
+                <a:spcPts val="600"/>
+              </a:spcAft>
+              <a:buClr>
+                <a:schemeClr val="accent1"/>
+              </a:buClr>
+              <a:buSzPct val="115000"/>
+              <a:buFont typeface="Arial"/>
+              <a:buChar char="•"/>
+              <a:defRPr sz="1400" kern="1200" cap="none">
+                <a:solidFill>
+                  <a:schemeClr val="tx1">
+                    <a:lumMod val="85000"/>
+                    <a:lumOff val="15000"/>
+                  </a:schemeClr>
+                </a:solidFill>
+                <a:effectLst/>
+                <a:latin typeface="+mn-lt"/>
+                <a:ea typeface="+mn-ea"/>
+                <a:cs typeface="+mn-cs"/>
+              </a:defRPr>
+            </a:lvl6pPr>
+            <a:lvl7pPr marL="2971800" indent="-228600" algn="l" defTabSz="457200" rtl="0" eaLnBrk="1" latinLnBrk="0" hangingPunct="1">
+              <a:spcBef>
+                <a:spcPct val="20000"/>
+              </a:spcBef>
+              <a:spcAft>
+                <a:spcPts val="600"/>
+              </a:spcAft>
+              <a:buClr>
+                <a:schemeClr val="accent1"/>
+              </a:buClr>
+              <a:buSzPct val="115000"/>
+              <a:buFont typeface="Arial"/>
+              <a:buChar char="•"/>
+              <a:defRPr sz="1400" kern="1200" cap="none">
+                <a:solidFill>
+                  <a:schemeClr val="tx1">
+                    <a:lumMod val="85000"/>
+                    <a:lumOff val="15000"/>
+                  </a:schemeClr>
+                </a:solidFill>
+                <a:effectLst/>
+                <a:latin typeface="+mn-lt"/>
+                <a:ea typeface="+mn-ea"/>
+                <a:cs typeface="+mn-cs"/>
+              </a:defRPr>
+            </a:lvl7pPr>
+            <a:lvl8pPr marL="3429000" indent="-228600" algn="l" defTabSz="457200" rtl="0" eaLnBrk="1" latinLnBrk="0" hangingPunct="1">
+              <a:spcBef>
+                <a:spcPct val="20000"/>
+              </a:spcBef>
+              <a:spcAft>
+                <a:spcPts val="600"/>
+              </a:spcAft>
+              <a:buClr>
+                <a:schemeClr val="accent1"/>
+              </a:buClr>
+              <a:buSzPct val="115000"/>
+              <a:buFont typeface="Arial"/>
+              <a:buChar char="•"/>
+              <a:defRPr sz="1400" kern="1200" cap="none">
+                <a:solidFill>
+                  <a:schemeClr val="tx1">
+                    <a:lumMod val="85000"/>
+                    <a:lumOff val="15000"/>
+                  </a:schemeClr>
+                </a:solidFill>
+                <a:effectLst/>
+                <a:latin typeface="+mn-lt"/>
+                <a:ea typeface="+mn-ea"/>
+                <a:cs typeface="+mn-cs"/>
+              </a:defRPr>
+            </a:lvl8pPr>
+            <a:lvl9pPr marL="3886200" indent="-228600" algn="l" defTabSz="457200" rtl="0" eaLnBrk="1" latinLnBrk="0" hangingPunct="1">
+              <a:spcBef>
+                <a:spcPct val="20000"/>
+              </a:spcBef>
+              <a:spcAft>
+                <a:spcPts val="600"/>
+              </a:spcAft>
+              <a:buClr>
+                <a:schemeClr val="accent1"/>
+              </a:buClr>
+              <a:buSzPct val="115000"/>
+              <a:buFont typeface="Arial"/>
+              <a:buChar char="•"/>
+              <a:defRPr sz="1400" kern="1200" cap="none">
+                <a:solidFill>
+                  <a:schemeClr val="tx1">
+                    <a:lumMod val="85000"/>
+                    <a:lumOff val="15000"/>
+                  </a:schemeClr>
+                </a:solidFill>
+                <a:effectLst/>
+                <a:latin typeface="+mn-lt"/>
+                <a:ea typeface="+mn-ea"/>
+                <a:cs typeface="+mn-cs"/>
+              </a:defRPr>
+            </a:lvl9pPr>
+          </a:lstStyle>
+          <a:p>
+            <a:r>
+              <a:rPr lang="en-US" dirty="0" smtClean="0"/>
+              <a:t>Training and Validation split: 80% - 20%</a:t>
+            </a:r>
+          </a:p>
+          <a:p>
+            <a:r>
+              <a:rPr lang="en-US" dirty="0" smtClean="0"/>
+              <a:t>Logistic Regression</a:t>
+            </a:r>
+          </a:p>
+          <a:p>
+            <a:pPr lvl="1"/>
+            <a:r>
+              <a:rPr lang="en-US" dirty="0" smtClean="0"/>
+              <a:t>Best model to start with</a:t>
+            </a:r>
+            <a:r>
+              <a:rPr lang="is-IS" dirty="0" smtClean="0"/>
+              <a:t>…</a:t>
+            </a:r>
+          </a:p>
+          <a:p>
+            <a:pPr lvl="1"/>
+            <a:r>
+              <a:rPr lang="en-US" dirty="0" smtClean="0"/>
+              <a:t>Used </a:t>
+            </a:r>
+            <a:r>
+              <a:rPr lang="en-US" dirty="0" err="1" smtClean="0"/>
+              <a:t>Mllib</a:t>
+            </a:r>
+            <a:r>
+              <a:rPr lang="en-US" dirty="0" smtClean="0"/>
+              <a:t> Logistic Regression Model</a:t>
+            </a:r>
+          </a:p>
+          <a:p>
+            <a:pPr lvl="1"/>
+            <a:r>
+              <a:rPr lang="en-US" dirty="0" smtClean="0"/>
+              <a:t>Explored LASSO and RIDGE regularization</a:t>
+            </a:r>
+          </a:p>
+          <a:p>
+            <a:pPr lvl="1"/>
+            <a:r>
+              <a:rPr lang="en-US" dirty="0" smtClean="0"/>
+              <a:t>Tuned Regularization Parameter</a:t>
+            </a:r>
+          </a:p>
+          <a:p>
+            <a:pPr lvl="1"/>
+            <a:r>
+              <a:rPr lang="en-US" dirty="0" smtClean="0"/>
+              <a:t>Feature Importance</a:t>
+            </a:r>
+            <a:endParaRPr lang="en-US" dirty="0"/>
+          </a:p>
+        </p:txBody>
+      </p:sp>
+    </p:spTree>
+    <p:extLst>
+      <p:ext uri="{BB962C8B-B14F-4D97-AF65-F5344CB8AC3E}">
+        <p14:creationId xmlns:p14="http://schemas.microsoft.com/office/powerpoint/2010/main" val="1003227801"/>
+      </p:ext>
+    </p:extLst>
+  </p:cSld>
+  <p:clrMapOvr>
+    <a:masterClrMapping/>
+  </p:clrMapOvr>
+  <p:timing>
+    <p:tnLst>
+      <p:par>
+        <p:cTn id="1" dur="indefinite" restart="never" nodeType="tmRoot"/>
+      </p:par>
+    </p:tnLst>
+  </p:timing>
+</p:sld>
+</file>
+
+<file path=ppt/slides/slide15.xml><?xml version="1.0" encoding="utf-8"?>
+<p:sld xmlns:a="http://schemas.openxmlformats.org/drawingml/2006/main" xmlns:r="http://schemas.openxmlformats.org/officeDocument/2006/relationships" xmlns:p="http://schemas.openxmlformats.org/presentationml/2006/main">
+  <p:cSld>
+    <p:spTree>
+      <p:nvGrpSpPr>
+        <p:cNvPr id="1" name=""/>
+        <p:cNvGrpSpPr/>
+        <p:nvPr/>
+      </p:nvGrpSpPr>
+      <p:grpSpPr>
+        <a:xfrm>
+          <a:off x="0" y="0"/>
+          <a:ext cx="0" cy="0"/>
+          <a:chOff x="0" y="0"/>
+          <a:chExt cx="0" cy="0"/>
+        </a:xfrm>
+      </p:grpSpPr>
+      <p:sp>
+        <p:nvSpPr>
+          <p:cNvPr id="2" name="Title 1"/>
+          <p:cNvSpPr>
+            <a:spLocks noGrp="1"/>
+          </p:cNvSpPr>
+          <p:nvPr>
+            <p:ph type="title"/>
+          </p:nvPr>
+        </p:nvSpPr>
+        <p:spPr/>
+        <p:txBody>
+          <a:bodyPr/>
+          <a:lstStyle/>
+          <a:p>
+            <a:r>
+              <a:rPr lang="en-US" dirty="0" smtClean="0"/>
+              <a:t>Training Results</a:t>
+            </a:r>
+            <a:endParaRPr lang="en-US" dirty="0"/>
+          </a:p>
+        </p:txBody>
+      </p:sp>
+      <p:sp>
+        <p:nvSpPr>
+          <p:cNvPr id="3" name="Content Placeholder 2"/>
+          <p:cNvSpPr>
+            <a:spLocks noGrp="1"/>
+          </p:cNvSpPr>
+          <p:nvPr>
+            <p:ph idx="1"/>
+          </p:nvPr>
+        </p:nvSpPr>
+        <p:spPr/>
+        <p:txBody>
+          <a:bodyPr>
+            <a:normAutofit/>
+          </a:bodyPr>
+          <a:lstStyle/>
+          <a:p>
+            <a:r>
+              <a:rPr lang="en-US" dirty="0" smtClean="0"/>
+              <a:t>Total Records: 		811025</a:t>
+            </a:r>
+          </a:p>
+          <a:p>
+            <a:r>
+              <a:rPr lang="en-US" dirty="0" smtClean="0"/>
+              <a:t>True Positive: 		30961</a:t>
+            </a:r>
+          </a:p>
+          <a:p>
+            <a:r>
+              <a:rPr lang="en-US" dirty="0" smtClean="0"/>
+              <a:t>True Negative:		273085</a:t>
+            </a:r>
+          </a:p>
+          <a:p>
+            <a:r>
+              <a:rPr lang="en-US" dirty="0" smtClean="0"/>
+              <a:t>False Positive:		21637</a:t>
+            </a:r>
+          </a:p>
+          <a:p>
+            <a:r>
+              <a:rPr lang="en-US" dirty="0" smtClean="0"/>
+              <a:t>False Negative: 		</a:t>
+            </a:r>
+            <a:r>
+              <a:rPr lang="en-US" dirty="0" smtClean="0">
+                <a:solidFill>
+                  <a:srgbClr val="FF0000"/>
+                </a:solidFill>
+              </a:rPr>
+              <a:t>51582 (Due to class imbalance)</a:t>
+            </a:r>
+          </a:p>
+          <a:p>
+            <a:r>
+              <a:rPr lang="en-US" dirty="0" smtClean="0"/>
+              <a:t>Accuracy:			80.6%</a:t>
+            </a:r>
+          </a:p>
+        </p:txBody>
+      </p:sp>
+    </p:spTree>
+    <p:extLst>
+      <p:ext uri="{BB962C8B-B14F-4D97-AF65-F5344CB8AC3E}">
+        <p14:creationId xmlns:p14="http://schemas.microsoft.com/office/powerpoint/2010/main" val="1152270322"/>
+      </p:ext>
+    </p:extLst>
+  </p:cSld>
+  <p:clrMapOvr>
+    <a:masterClrMapping/>
+  </p:clrMapOvr>
+  <p:timing>
+    <p:tnLst>
+      <p:par>
+        <p:cTn id="1" dur="indefinite" restart="never" nodeType="tmRoot"/>
+      </p:par>
+    </p:tnLst>
+  </p:timing>
+</p:sld>
+</file>
+
+<file path=ppt/slides/slide16.xml><?xml version="1.0" encoding="utf-8"?>
+<p:sld xmlns:a="http://schemas.openxmlformats.org/drawingml/2006/main" xmlns:r="http://schemas.openxmlformats.org/officeDocument/2006/relationships" xmlns:p="http://schemas.openxmlformats.org/presentationml/2006/main">
+  <p:cSld>
+    <p:spTree>
+      <p:nvGrpSpPr>
+        <p:cNvPr id="1" name=""/>
+        <p:cNvGrpSpPr/>
+        <p:nvPr/>
+      </p:nvGrpSpPr>
+      <p:grpSpPr>
+        <a:xfrm>
+          <a:off x="0" y="0"/>
+          <a:ext cx="0" cy="0"/>
+          <a:chOff x="0" y="0"/>
+          <a:chExt cx="0" cy="0"/>
+        </a:xfrm>
+      </p:grpSpPr>
+      <p:sp>
+        <p:nvSpPr>
+          <p:cNvPr id="2" name="Title 1"/>
+          <p:cNvSpPr>
+            <a:spLocks noGrp="1"/>
+          </p:cNvSpPr>
+          <p:nvPr>
+            <p:ph type="title"/>
+          </p:nvPr>
+        </p:nvSpPr>
+        <p:spPr/>
+        <p:txBody>
+          <a:bodyPr/>
+          <a:lstStyle/>
+          <a:p>
+            <a:r>
+              <a:rPr lang="en-US" dirty="0" smtClean="0"/>
+              <a:t>Distributed Ensemble Model</a:t>
+            </a:r>
+            <a:endParaRPr lang="en-US" dirty="0"/>
+          </a:p>
+        </p:txBody>
+      </p:sp>
+      <p:graphicFrame>
+        <p:nvGraphicFramePr>
+          <p:cNvPr id="6" name="Content Placeholder 5"/>
+          <p:cNvGraphicFramePr>
+            <a:graphicFrameLocks noGrp="1"/>
+          </p:cNvGraphicFramePr>
+          <p:nvPr>
+            <p:ph idx="1"/>
+            <p:extLst>
+              <p:ext uri="{D42A27DB-BD31-4B8C-83A1-F6EECF244321}">
+                <p14:modId xmlns:p14="http://schemas.microsoft.com/office/powerpoint/2010/main" val="759900433"/>
+              </p:ext>
+            </p:extLst>
+          </p:nvPr>
+        </p:nvGraphicFramePr>
+        <p:xfrm>
+          <a:off x="1295400" y="2557463"/>
+          <a:ext cx="9601200" cy="3317875"/>
+        </p:xfrm>
+        <a:graphic>
+          <a:graphicData uri="http://schemas.openxmlformats.org/drawingml/2006/diagram">
+            <dgm:relIds xmlns:dgm="http://schemas.openxmlformats.org/drawingml/2006/diagram" xmlns:r="http://schemas.openxmlformats.org/officeDocument/2006/relationships" r:dm="rId2" r:lo="rId3" r:qs="rId4" r:cs="rId5"/>
+          </a:graphicData>
+        </a:graphic>
+      </p:graphicFrame>
+      <p:sp>
+        <p:nvSpPr>
+          <p:cNvPr id="7" name="Right Brace 6"/>
+          <p:cNvSpPr/>
+          <p:nvPr/>
+        </p:nvSpPr>
+        <p:spPr>
+          <a:xfrm>
+            <a:off x="8665698" y="3137095"/>
+            <a:ext cx="633047" cy="2208628"/>
+          </a:xfrm>
+          <a:prstGeom prst="rightBrace">
+            <a:avLst/>
+          </a:prstGeom>
+        </p:spPr>
+        <p:style>
+          <a:lnRef idx="1">
+            <a:schemeClr val="accent1"/>
+          </a:lnRef>
+          <a:fillRef idx="0">
+            <a:schemeClr val="accent1"/>
+          </a:fillRef>
+          <a:effectRef idx="0">
+            <a:schemeClr val="accent1"/>
+          </a:effectRef>
+          <a:fontRef idx="minor">
+            <a:schemeClr val="tx1"/>
+          </a:fontRef>
+        </p:style>
+        <p:txBody>
+          <a:bodyPr rtlCol="0" anchor="ctr"/>
+          <a:lstStyle/>
+          <a:p>
+            <a:pPr algn="ctr"/>
+            <a:endParaRPr lang="en-US"/>
+          </a:p>
+        </p:txBody>
+      </p:sp>
+      <p:sp>
+        <p:nvSpPr>
+          <p:cNvPr id="8" name="TextBox 7"/>
+          <p:cNvSpPr txBox="1"/>
+          <p:nvPr/>
+        </p:nvSpPr>
+        <p:spPr>
+          <a:xfrm>
+            <a:off x="9383150" y="3840480"/>
+            <a:ext cx="1312282" cy="707886"/>
+          </a:xfrm>
+          <a:prstGeom prst="rect">
+            <a:avLst/>
+          </a:prstGeom>
+          <a:noFill/>
+        </p:spPr>
+        <p:txBody>
+          <a:bodyPr wrap="none" rtlCol="0">
+            <a:spAutoFit/>
+          </a:bodyPr>
+          <a:lstStyle/>
+          <a:p>
+            <a:r>
+              <a:rPr lang="en-US" sz="2000" b="1" smtClean="0"/>
+              <a:t>Average </a:t>
+            </a:r>
+          </a:p>
+          <a:p>
+            <a:r>
+              <a:rPr lang="en-US" sz="2000" b="1" dirty="0" smtClean="0"/>
+              <a:t>Prediction</a:t>
+            </a:r>
+            <a:endParaRPr lang="en-US" sz="2000" b="1" dirty="0"/>
+          </a:p>
+        </p:txBody>
+      </p:sp>
+    </p:spTree>
+    <p:extLst>
+      <p:ext uri="{BB962C8B-B14F-4D97-AF65-F5344CB8AC3E}">
+        <p14:creationId xmlns:p14="http://schemas.microsoft.com/office/powerpoint/2010/main" val="843308008"/>
+      </p:ext>
+    </p:extLst>
+  </p:cSld>
+  <p:clrMapOvr>
+    <a:masterClrMapping/>
+  </p:clrMapOvr>
+  <p:timing>
+    <p:tnLst>
+      <p:par>
+        <p:cTn id="1" dur="indefinite" restart="never" nodeType="tmRoot"/>
+      </p:par>
+    </p:tnLst>
+  </p:timing>
+</p:sld>
+</file>
+
+<file path=ppt/slides/slide17.xml><?xml version="1.0" encoding="utf-8"?>
+<p:sld xmlns:a="http://schemas.openxmlformats.org/drawingml/2006/main" xmlns:r="http://schemas.openxmlformats.org/officeDocument/2006/relationships" xmlns:p="http://schemas.openxmlformats.org/presentationml/2006/main">
+  <p:cSld>
+    <p:spTree>
+      <p:nvGrpSpPr>
+        <p:cNvPr id="1" name=""/>
+        <p:cNvGrpSpPr/>
+        <p:nvPr/>
+      </p:nvGrpSpPr>
+      <p:grpSpPr>
+        <a:xfrm>
+          <a:off x="0" y="0"/>
+          <a:ext cx="0" cy="0"/>
+          <a:chOff x="0" y="0"/>
+          <a:chExt cx="0" cy="0"/>
+        </a:xfrm>
+      </p:grpSpPr>
+      <p:sp>
+        <p:nvSpPr>
+          <p:cNvPr id="2" name="Title 1"/>
+          <p:cNvSpPr>
+            <a:spLocks noGrp="1"/>
+          </p:cNvSpPr>
+          <p:nvPr>
+            <p:ph type="title"/>
+          </p:nvPr>
+        </p:nvSpPr>
+        <p:spPr/>
+        <p:txBody>
+          <a:bodyPr/>
+          <a:lstStyle/>
+          <a:p>
+            <a:r>
+              <a:rPr lang="en-US" dirty="0"/>
+              <a:t>What’s </a:t>
+            </a:r>
+            <a:r>
+              <a:rPr lang="en-US" dirty="0" smtClean="0"/>
+              <a:t>Next?</a:t>
+            </a:r>
+            <a:endParaRPr lang="en-US" dirty="0"/>
+          </a:p>
+        </p:txBody>
+      </p:sp>
+      <p:sp>
+        <p:nvSpPr>
+          <p:cNvPr id="3" name="Content Placeholder 2"/>
+          <p:cNvSpPr>
+            <a:spLocks noGrp="1"/>
+          </p:cNvSpPr>
+          <p:nvPr>
+            <p:ph idx="1"/>
+          </p:nvPr>
+        </p:nvSpPr>
+        <p:spPr/>
+        <p:txBody>
+          <a:bodyPr/>
+          <a:lstStyle/>
+          <a:p>
+            <a:r>
+              <a:rPr lang="en-US" dirty="0" smtClean="0"/>
+              <a:t>Class Imbalance:</a:t>
+            </a:r>
+          </a:p>
+          <a:p>
+            <a:pPr lvl="1"/>
+            <a:r>
+              <a:rPr lang="en-US" dirty="0" smtClean="0"/>
+              <a:t>SMOTE </a:t>
+            </a:r>
+            <a:r>
+              <a:rPr lang="en-US" dirty="0"/>
+              <a:t>- Synthetic Minority Over-sampling </a:t>
+            </a:r>
+            <a:r>
+              <a:rPr lang="en-US" dirty="0" smtClean="0"/>
+              <a:t>Technique (</a:t>
+            </a:r>
+            <a:r>
+              <a:rPr lang="en-US" dirty="0" err="1" smtClean="0"/>
+              <a:t>scikit</a:t>
+            </a:r>
+            <a:r>
+              <a:rPr lang="en-US" dirty="0" smtClean="0"/>
+              <a:t>-learn)</a:t>
+            </a:r>
+            <a:endParaRPr lang="en-US" dirty="0"/>
+          </a:p>
+        </p:txBody>
+      </p:sp>
+    </p:spTree>
+    <p:extLst>
+      <p:ext uri="{BB962C8B-B14F-4D97-AF65-F5344CB8AC3E}">
+        <p14:creationId xmlns:p14="http://schemas.microsoft.com/office/powerpoint/2010/main" val="532342307"/>
+      </p:ext>
+    </p:extLst>
+  </p:cSld>
+  <p:clrMapOvr>
+    <a:masterClrMapping/>
+  </p:clrMapOvr>
+  <p:timing>
+    <p:tnLst>
+      <p:par>
+        <p:cTn id="1" dur="indefinite" restart="never" nodeType="tmRoot"/>
+      </p:par>
+    </p:tnLst>
+  </p:timing>
+</p:sld>
+</file>
+
+<file path=ppt/slides/slide18.xml><?xml version="1.0" encoding="utf-8"?>
+<p:sld xmlns:a="http://schemas.openxmlformats.org/drawingml/2006/main" xmlns:r="http://schemas.openxmlformats.org/officeDocument/2006/relationships" xmlns:p="http://schemas.openxmlformats.org/presentationml/2006/main">
+  <p:cSld>
+    <p:spTree>
+      <p:nvGrpSpPr>
+        <p:cNvPr id="1" name=""/>
+        <p:cNvGrpSpPr/>
+        <p:nvPr/>
+      </p:nvGrpSpPr>
+      <p:grpSpPr>
+        <a:xfrm>
+          <a:off x="0" y="0"/>
+          <a:ext cx="0" cy="0"/>
+          <a:chOff x="0" y="0"/>
+          <a:chExt cx="0" cy="0"/>
+        </a:xfrm>
+      </p:grpSpPr>
+      <p:sp>
+        <p:nvSpPr>
+          <p:cNvPr id="2" name="Title 1"/>
+          <p:cNvSpPr>
+            <a:spLocks noGrp="1"/>
+          </p:cNvSpPr>
+          <p:nvPr>
+            <p:ph type="title"/>
+          </p:nvPr>
+        </p:nvSpPr>
+        <p:spPr/>
+        <p:txBody>
+          <a:bodyPr/>
+          <a:lstStyle/>
+          <a:p>
+            <a:r>
+              <a:rPr lang="en-US" dirty="0" smtClean="0"/>
+              <a:t>Distributed Ensemble Model</a:t>
+            </a:r>
+            <a:endParaRPr lang="en-US" dirty="0"/>
+          </a:p>
+        </p:txBody>
+      </p:sp>
+      <p:graphicFrame>
+        <p:nvGraphicFramePr>
+          <p:cNvPr id="6" name="Content Placeholder 5"/>
+          <p:cNvGraphicFramePr>
+            <a:graphicFrameLocks noGrp="1"/>
+          </p:cNvGraphicFramePr>
+          <p:nvPr>
+            <p:ph idx="1"/>
+            <p:extLst>
+              <p:ext uri="{D42A27DB-BD31-4B8C-83A1-F6EECF244321}">
+                <p14:modId xmlns:p14="http://schemas.microsoft.com/office/powerpoint/2010/main" val="1685373309"/>
+              </p:ext>
+            </p:extLst>
+          </p:nvPr>
+        </p:nvGraphicFramePr>
+        <p:xfrm>
+          <a:off x="1295400" y="2557463"/>
+          <a:ext cx="9601200" cy="3317875"/>
+        </p:xfrm>
+        <a:graphic>
+          <a:graphicData uri="http://schemas.openxmlformats.org/drawingml/2006/diagram">
+            <dgm:relIds xmlns:dgm="http://schemas.openxmlformats.org/drawingml/2006/diagram" xmlns:r="http://schemas.openxmlformats.org/officeDocument/2006/relationships" r:dm="rId2" r:lo="rId3" r:qs="rId4" r:cs="rId5"/>
+          </a:graphicData>
+        </a:graphic>
+      </p:graphicFrame>
+      <p:cxnSp>
+        <p:nvCxnSpPr>
+          <p:cNvPr id="4" name="Straight Connector 3"/>
+          <p:cNvCxnSpPr/>
+          <p:nvPr/>
+        </p:nvCxnSpPr>
+        <p:spPr>
+          <a:xfrm flipV="1">
+            <a:off x="6682154" y="4290648"/>
+            <a:ext cx="914400" cy="14067"/>
+          </a:xfrm>
+          <a:prstGeom prst="line">
+            <a:avLst/>
+          </a:prstGeom>
+        </p:spPr>
+        <p:style>
+          <a:lnRef idx="1">
+            <a:schemeClr val="accent1"/>
+          </a:lnRef>
+          <a:fillRef idx="0">
+            <a:schemeClr val="accent1"/>
+          </a:fillRef>
+          <a:effectRef idx="0">
+            <a:schemeClr val="accent1"/>
+          </a:effectRef>
+          <a:fontRef idx="minor">
+            <a:schemeClr val="tx1"/>
+          </a:fontRef>
+        </p:style>
+      </p:cxnSp>
+      <p:cxnSp>
+        <p:nvCxnSpPr>
+          <p:cNvPr id="9" name="Elbow Connector 8"/>
+          <p:cNvCxnSpPr/>
+          <p:nvPr/>
+        </p:nvCxnSpPr>
+        <p:spPr>
+          <a:xfrm flipV="1">
+            <a:off x="6808763" y="4360985"/>
+            <a:ext cx="787791" cy="731520"/>
+          </a:xfrm>
+          <a:prstGeom prst="bentConnector3">
+            <a:avLst/>
+          </a:prstGeom>
+        </p:spPr>
+        <p:style>
+          <a:lnRef idx="1">
+            <a:schemeClr val="accent1"/>
+          </a:lnRef>
+          <a:fillRef idx="0">
+            <a:schemeClr val="accent1"/>
+          </a:fillRef>
+          <a:effectRef idx="0">
+            <a:schemeClr val="accent1"/>
+          </a:effectRef>
+          <a:fontRef idx="minor">
+            <a:schemeClr val="tx1"/>
+          </a:fontRef>
+        </p:style>
+      </p:cxnSp>
+      <p:sp>
+        <p:nvSpPr>
+          <p:cNvPr id="11" name="Oval 10"/>
+          <p:cNvSpPr/>
+          <p:nvPr/>
+        </p:nvSpPr>
+        <p:spPr>
+          <a:xfrm>
+            <a:off x="5655212" y="5598942"/>
+            <a:ext cx="70339" cy="98473"/>
+          </a:xfrm>
+          <a:prstGeom prst="ellipse">
+            <a:avLst/>
+          </a:prstGeom>
+        </p:spPr>
+        <p:style>
+          <a:lnRef idx="2">
+            <a:schemeClr val="accent1">
+              <a:shade val="50000"/>
+            </a:schemeClr>
+          </a:lnRef>
+          <a:fillRef idx="1">
+            <a:schemeClr val="accent1"/>
+          </a:fillRef>
+          <a:effectRef idx="0">
+            <a:schemeClr val="accent1"/>
+          </a:effectRef>
+          <a:fontRef idx="minor">
+            <a:schemeClr val="lt1"/>
+          </a:fontRef>
+        </p:style>
+        <p:txBody>
+          <a:bodyPr rtlCol="0" anchor="ctr"/>
+          <a:lstStyle/>
+          <a:p>
+            <a:pPr algn="ctr"/>
+            <a:endParaRPr lang="en-US"/>
+          </a:p>
+        </p:txBody>
+      </p:sp>
+      <p:sp>
+        <p:nvSpPr>
+          <p:cNvPr id="12" name="Oval 11"/>
+          <p:cNvSpPr/>
+          <p:nvPr/>
+        </p:nvSpPr>
+        <p:spPr>
+          <a:xfrm>
+            <a:off x="5655211" y="5807212"/>
+            <a:ext cx="70339" cy="98473"/>
+          </a:xfrm>
+          <a:prstGeom prst="ellipse">
+            <a:avLst/>
+          </a:prstGeom>
+        </p:spPr>
+        <p:style>
+          <a:lnRef idx="2">
+            <a:schemeClr val="accent1">
+              <a:shade val="50000"/>
+            </a:schemeClr>
+          </a:lnRef>
+          <a:fillRef idx="1">
+            <a:schemeClr val="accent1"/>
+          </a:fillRef>
+          <a:effectRef idx="0">
+            <a:schemeClr val="accent1"/>
+          </a:effectRef>
+          <a:fontRef idx="minor">
+            <a:schemeClr val="lt1"/>
+          </a:fontRef>
+        </p:style>
+        <p:txBody>
+          <a:bodyPr rtlCol="0" anchor="ctr"/>
+          <a:lstStyle/>
+          <a:p>
+            <a:pPr algn="ctr"/>
+            <a:endParaRPr lang="en-US"/>
+          </a:p>
+        </p:txBody>
+      </p:sp>
+      <p:sp>
+        <p:nvSpPr>
+          <p:cNvPr id="13" name="Oval 12"/>
+          <p:cNvSpPr/>
+          <p:nvPr/>
+        </p:nvSpPr>
+        <p:spPr>
+          <a:xfrm>
+            <a:off x="5655209" y="6040626"/>
+            <a:ext cx="70339" cy="98473"/>
+          </a:xfrm>
+          <a:prstGeom prst="ellipse">
+            <a:avLst/>
+          </a:prstGeom>
+        </p:spPr>
+        <p:style>
+          <a:lnRef idx="2">
+            <a:schemeClr val="accent1">
+              <a:shade val="50000"/>
+            </a:schemeClr>
+          </a:lnRef>
+          <a:fillRef idx="1">
+            <a:schemeClr val="accent1"/>
+          </a:fillRef>
+          <a:effectRef idx="0">
+            <a:schemeClr val="accent1"/>
+          </a:effectRef>
+          <a:fontRef idx="minor">
+            <a:schemeClr val="lt1"/>
+          </a:fontRef>
+        </p:style>
+        <p:txBody>
+          <a:bodyPr rtlCol="0" anchor="ctr"/>
+          <a:lstStyle/>
+          <a:p>
+            <a:pPr algn="ctr"/>
+            <a:endParaRPr lang="en-US"/>
+          </a:p>
+        </p:txBody>
+      </p:sp>
+    </p:spTree>
+    <p:extLst>
+      <p:ext uri="{BB962C8B-B14F-4D97-AF65-F5344CB8AC3E}">
+        <p14:creationId xmlns:p14="http://schemas.microsoft.com/office/powerpoint/2010/main" val="1855913510"/>
+      </p:ext>
+    </p:extLst>
+  </p:cSld>
+  <p:clrMapOvr>
+    <a:masterClrMapping/>
+  </p:clrMapOvr>
+  <p:timing>
+    <p:tnLst>
+      <p:par>
+        <p:cTn id="1" dur="indefinite" restart="never" nodeType="tmRoot"/>
+      </p:par>
+    </p:tnLst>
+  </p:timing>
+</p:sld>
+</file>
+
+<file path=ppt/slides/slide19.xml><?xml version="1.0" encoding="utf-8"?>
 <p:sld xmlns:a="http://schemas.openxmlformats.org/drawingml/2006/main" xmlns:r="http://schemas.openxmlformats.org/officeDocument/2006/relationships" xmlns:p="http://schemas.openxmlformats.org/presentationml/2006/main">
   <p:cSld>
     <p:spTree>
@@ -6214,8 +14363,9 @@
           <a:p>
             <a:r>
               <a:rPr lang="en-US" dirty="0"/>
-              <a:t>Thank You!	</a:t>
-            </a:r>
+              <a:t>Questions?</a:t>
+            </a:r>
+            <a:endParaRPr lang="en-US" dirty="0"/>
           </a:p>
         </p:txBody>
       </p:sp>
@@ -6229,6 +14379,13 @@
   <p:clrMapOvr>
     <a:masterClrMapping/>
   </p:clrMapOvr>
+  <p:timing>
+    <p:tnLst>
+      <p:par>
+        <p:cTn id="1" dur="indefinite" restart="never" nodeType="tmRoot"/>
+      </p:par>
+    </p:tnLst>
+  </p:timing>
 </p:sld>
 </file>
 
@@ -6291,8 +14448,8 @@
               <a:buAutoNum type="arabicPeriod"/>
             </a:pPr>
             <a:r>
-              <a:rPr lang="en-US" dirty="0"/>
-              <a:t>Data Engineering</a:t>
+              <a:rPr lang="en-US" dirty="0" smtClean="0"/>
+              <a:t>Technology Stack</a:t>
             </a:r>
           </a:p>
           <a:p>
@@ -6301,9 +14458,10 @@
               <a:buAutoNum type="arabicPeriod"/>
             </a:pPr>
             <a:r>
-              <a:rPr lang="en-US" dirty="0"/>
-              <a:t>Model Training</a:t>
-            </a:r>
+              <a:rPr lang="en-US" dirty="0" smtClean="0"/>
+              <a:t>Data Cleaning/Engineering</a:t>
+            </a:r>
+            <a:endParaRPr lang="en-US" dirty="0"/>
           </a:p>
           <a:p>
             <a:pPr marL="457200" indent="-457200">
@@ -6312,7 +14470,7 @@
             </a:pPr>
             <a:r>
               <a:rPr lang="en-US" dirty="0"/>
-              <a:t>Prediction</a:t>
+              <a:t>Model Training</a:t>
             </a:r>
           </a:p>
           <a:p>
@@ -6322,7 +14480,7 @@
             </a:pPr>
             <a:r>
               <a:rPr lang="en-US" dirty="0"/>
-              <a:t>Sample run results</a:t>
+              <a:t>Prediction</a:t>
             </a:r>
           </a:p>
           <a:p>
@@ -6331,8 +14489,12 @@
               <a:buAutoNum type="arabicPeriod"/>
             </a:pPr>
             <a:r>
+              <a:rPr lang="en-US" dirty="0" smtClean="0"/>
+              <a:t>What’s </a:t>
+            </a:r>
+            <a:r>
               <a:rPr lang="en-US" dirty="0"/>
-              <a:t>What’s Next</a:t>
+              <a:t>Next</a:t>
             </a:r>
           </a:p>
           <a:p>
@@ -6357,6 +14519,77 @@
   <p:clrMapOvr>
     <a:masterClrMapping/>
   </p:clrMapOvr>
+  <p:timing>
+    <p:tnLst>
+      <p:par>
+        <p:cTn id="1" dur="indefinite" restart="never" nodeType="tmRoot"/>
+      </p:par>
+    </p:tnLst>
+  </p:timing>
+</p:sld>
+</file>
+
+<file path=ppt/slides/slide20.xml><?xml version="1.0" encoding="utf-8"?>
+<p:sld xmlns:a="http://schemas.openxmlformats.org/drawingml/2006/main" xmlns:r="http://schemas.openxmlformats.org/officeDocument/2006/relationships" xmlns:p="http://schemas.openxmlformats.org/presentationml/2006/main">
+  <p:cSld>
+    <p:spTree>
+      <p:nvGrpSpPr>
+        <p:cNvPr id="1" name=""/>
+        <p:cNvGrpSpPr/>
+        <p:nvPr/>
+      </p:nvGrpSpPr>
+      <p:grpSpPr>
+        <a:xfrm>
+          <a:off x="0" y="0"/>
+          <a:ext cx="0" cy="0"/>
+          <a:chOff x="0" y="0"/>
+          <a:chExt cx="0" cy="0"/>
+        </a:xfrm>
+      </p:grpSpPr>
+      <p:sp>
+        <p:nvSpPr>
+          <p:cNvPr id="5" name="Title 4"/>
+          <p:cNvSpPr>
+            <a:spLocks noGrp="1"/>
+          </p:cNvSpPr>
+          <p:nvPr>
+            <p:ph type="title" idx="4294967295"/>
+          </p:nvPr>
+        </p:nvSpPr>
+        <p:spPr>
+          <a:xfrm>
+            <a:off x="1338525" y="2629620"/>
+            <a:ext cx="9609137" cy="1468438"/>
+          </a:xfrm>
+        </p:spPr>
+        <p:txBody>
+          <a:bodyPr/>
+          <a:lstStyle/>
+          <a:p>
+            <a:r>
+              <a:rPr lang="en-US" dirty="0"/>
+              <a:t>Thank You!	</a:t>
+            </a:r>
+          </a:p>
+        </p:txBody>
+      </p:sp>
+    </p:spTree>
+    <p:extLst>
+      <p:ext uri="{BB962C8B-B14F-4D97-AF65-F5344CB8AC3E}">
+        <p14:creationId xmlns:p14="http://schemas.microsoft.com/office/powerpoint/2010/main" val="1681505459"/>
+      </p:ext>
+    </p:extLst>
+  </p:cSld>
+  <p:clrMapOvr>
+    <a:masterClrMapping/>
+  </p:clrMapOvr>
+  <p:timing>
+    <p:tnLst>
+      <p:par>
+        <p:cTn id="1" dur="indefinite" restart="never" nodeType="tmRoot"/>
+      </p:par>
+    </p:tnLst>
+  </p:timing>
 </p:sld>
 </file>
 
@@ -6393,9 +14626,10 @@
           <a:lstStyle/>
           <a:p>
             <a:r>
-              <a:rPr lang="en-US" dirty="0"/>
-              <a:t>1. Data Engineering</a:t>
-            </a:r>
+              <a:rPr lang="en-US" dirty="0" smtClean="0"/>
+              <a:t>Technology Stack</a:t>
+            </a:r>
+            <a:endParaRPr lang="en-US" dirty="0"/>
           </a:p>
         </p:txBody>
       </p:sp>
@@ -6414,50 +14648,40 @@
           <a:bodyPr/>
           <a:lstStyle/>
           <a:p>
-            <a:pPr marL="0" indent="0">
-              <a:buNone/>
-            </a:pPr>
-            <a:r>
-              <a:rPr lang="en-US" dirty="0"/>
-              <a:t>How to clean the data and give it as input for Machine Learning library</a:t>
-            </a:r>
-          </a:p>
-          <a:p>
-            <a:r>
-              <a:rPr lang="en-US" dirty="0"/>
-              <a:t>Remove less important columns</a:t>
-            </a:r>
-          </a:p>
-          <a:p>
-            <a:r>
-              <a:rPr lang="en-US" dirty="0"/>
-              <a:t>One hot encoding – for logistic regression</a:t>
-            </a:r>
-          </a:p>
-          <a:p>
-            <a:r>
-              <a:rPr lang="en-US" dirty="0"/>
-              <a:t>Convert the values of certain columns </a:t>
-            </a:r>
-          </a:p>
-          <a:p>
-            <a:r>
-              <a:rPr lang="en-US" dirty="0"/>
-              <a:t>Handle missing values in different columns (Birds, Distance etc.)</a:t>
-            </a:r>
-          </a:p>
-          <a:p>
-            <a:r>
-              <a:rPr lang="en-US" dirty="0"/>
-              <a:t>Convert each column to float and target column to binary</a:t>
-            </a:r>
+            <a:r>
+              <a:rPr lang="en-US" dirty="0" smtClean="0"/>
+              <a:t>Apache Spark</a:t>
+            </a:r>
+          </a:p>
+          <a:p>
+            <a:r>
+              <a:rPr lang="en-US" dirty="0" smtClean="0"/>
+              <a:t>Python</a:t>
+            </a:r>
+          </a:p>
+          <a:p>
+            <a:r>
+              <a:rPr lang="en-US" dirty="0" err="1" smtClean="0"/>
+              <a:t>Scikit</a:t>
+            </a:r>
+            <a:r>
+              <a:rPr lang="en-US" dirty="0" smtClean="0"/>
+              <a:t>-learn</a:t>
+            </a:r>
+          </a:p>
+          <a:p>
+            <a:r>
+              <a:rPr lang="en-US" dirty="0" err="1" smtClean="0"/>
+              <a:t>MLlib</a:t>
+            </a:r>
+            <a:endParaRPr lang="en-US" dirty="0"/>
           </a:p>
         </p:txBody>
       </p:sp>
     </p:spTree>
     <p:extLst>
       <p:ext uri="{BB962C8B-B14F-4D97-AF65-F5344CB8AC3E}">
-        <p14:creationId xmlns:p14="http://schemas.microsoft.com/office/powerpoint/2010/main" val="2590410127"/>
+        <p14:creationId xmlns:p14="http://schemas.microsoft.com/office/powerpoint/2010/main" val="438582748"/>
       </p:ext>
     </p:extLst>
   </p:cSld>
@@ -6496,13 +14720,16 @@
         </p:nvSpPr>
         <p:spPr/>
         <p:txBody>
-          <a:bodyPr/>
+          <a:bodyPr>
+            <a:normAutofit/>
+          </a:bodyPr>
           <a:lstStyle/>
           <a:p>
             <a:r>
-              <a:rPr lang="en-US" dirty="0"/>
-              <a:t>Removing Columns</a:t>
-            </a:r>
+              <a:rPr lang="en-US" dirty="0" smtClean="0"/>
+              <a:t>Data Cleaning/Engineering</a:t>
+            </a:r>
+            <a:endParaRPr lang="en-US" dirty="0"/>
           </a:p>
         </p:txBody>
       </p:sp>
@@ -6518,134 +14745,120 @@
         </p:nvSpPr>
         <p:spPr/>
         <p:txBody>
-          <a:bodyPr>
-            <a:normAutofit fontScale="70000" lnSpcReduction="20000"/>
-          </a:bodyPr>
+          <a:bodyPr/>
           <a:lstStyle/>
           <a:p>
+            <a:pPr marL="0" indent="0">
+              <a:buNone/>
+            </a:pPr>
+            <a:r>
+              <a:rPr lang="en-US" dirty="0" smtClean="0"/>
+              <a:t>Clean </a:t>
+            </a:r>
             <a:r>
               <a:rPr lang="en-US" dirty="0"/>
-              <a:t>Columns that are not going to help in prediction</a:t>
-            </a:r>
-          </a:p>
-          <a:p>
-            <a:pPr marL="0" indent="0">
-              <a:buNone/>
-            </a:pPr>
-            <a:r>
-              <a:rPr lang="en-US" sz="1600" dirty="0"/>
-              <a:t>SAMPLING_EVENT_ID - &lt;Reason&gt;</a:t>
-            </a:r>
-          </a:p>
-          <a:p>
-            <a:pPr marL="0" indent="0">
-              <a:buNone/>
-            </a:pPr>
-            <a:r>
-              <a:rPr lang="en-US" sz="1600" dirty="0"/>
-              <a:t>LOC_ID, DAY</a:t>
-            </a:r>
-          </a:p>
-          <a:p>
-            <a:pPr marL="0" indent="0">
-              <a:buNone/>
-            </a:pPr>
-            <a:r>
-              <a:rPr lang="en-US" sz="1600" dirty="0"/>
-              <a:t>COUNTRY</a:t>
-            </a:r>
-          </a:p>
-          <a:p>
-            <a:pPr marL="0" indent="0">
-              <a:buNone/>
-            </a:pPr>
-            <a:r>
-              <a:rPr lang="en-US" sz="1600" dirty="0"/>
-              <a:t>STATE_PROVINCE</a:t>
-            </a:r>
-          </a:p>
-          <a:p>
-            <a:pPr marL="0" indent="0">
-              <a:buNone/>
-            </a:pPr>
-            <a:r>
-              <a:rPr lang="en-US" sz="1600" dirty="0"/>
-              <a:t>COUNTY</a:t>
-            </a:r>
-          </a:p>
-          <a:p>
-            <a:pPr marL="0" indent="0">
-              <a:buNone/>
-            </a:pPr>
-            <a:r>
-              <a:rPr lang="en-US" sz="1600" dirty="0"/>
-              <a:t>OBSERVER_ID</a:t>
-            </a:r>
-          </a:p>
-          <a:p>
-            <a:pPr marL="0" indent="0">
-              <a:buNone/>
-            </a:pPr>
-            <a:r>
-              <a:rPr lang="en-US" sz="1600" dirty="0"/>
-              <a:t>GROUP_ID</a:t>
-            </a:r>
-          </a:p>
-          <a:p>
-            <a:pPr marL="0" indent="0">
-              <a:buNone/>
-            </a:pPr>
-            <a:r>
-              <a:rPr lang="en-US" sz="1600" dirty="0"/>
-              <a:t>BAILEY_ECOREGION</a:t>
-            </a:r>
-          </a:p>
-          <a:p>
-            <a:pPr marL="0" indent="0">
-              <a:buNone/>
-            </a:pPr>
-            <a:r>
-              <a:rPr lang="en-US" sz="1600" dirty="0"/>
-              <a:t>OMERNIK_L3_ECOREGION</a:t>
-            </a:r>
-          </a:p>
-          <a:p>
-            <a:pPr marL="0" indent="0">
-              <a:buNone/>
-            </a:pPr>
-            <a:r>
-              <a:rPr lang="en-US" sz="1600" dirty="0"/>
-              <a:t>SUBNATIONAL2_CODE</a:t>
-            </a:r>
-          </a:p>
-          <a:p>
+              <a:t>the data and give it as input </a:t>
+            </a:r>
+            <a:r>
+              <a:rPr lang="en-US" dirty="0" smtClean="0"/>
+              <a:t>to Machine </a:t>
+            </a:r>
             <a:r>
               <a:rPr lang="en-US" dirty="0"/>
-              <a:t>Filter rows by </a:t>
-            </a:r>
-            <a:r>
-              <a:rPr lang="en-US" sz="1600" dirty="0"/>
-              <a:t>PRIMARY_CHECKLIST_FLAG</a:t>
-            </a:r>
-          </a:p>
-          <a:p>
-            <a:pPr marL="0" indent="0">
-              <a:buNone/>
-            </a:pPr>
-            <a:endParaRPr lang="en-US" sz="1600" dirty="0"/>
+              <a:t>Learning library</a:t>
+            </a:r>
+          </a:p>
+          <a:p>
+            <a:r>
+              <a:rPr lang="en-US" dirty="0"/>
+              <a:t>Remove less important columns</a:t>
+            </a:r>
+          </a:p>
+          <a:p>
+            <a:r>
+              <a:rPr lang="en-US" dirty="0" smtClean="0"/>
+              <a:t>One-Hot </a:t>
+            </a:r>
+            <a:r>
+              <a:rPr lang="en-US" dirty="0"/>
+              <a:t>E</a:t>
+            </a:r>
+            <a:r>
+              <a:rPr lang="en-US" dirty="0" smtClean="0"/>
+              <a:t>ncoding </a:t>
+            </a:r>
+            <a:r>
+              <a:rPr lang="en-US" dirty="0"/>
+              <a:t>– for </a:t>
+            </a:r>
+            <a:r>
+              <a:rPr lang="en-US" dirty="0" smtClean="0"/>
+              <a:t>Logistic </a:t>
+            </a:r>
+            <a:r>
+              <a:rPr lang="en-US" dirty="0"/>
+              <a:t>R</a:t>
+            </a:r>
+            <a:r>
+              <a:rPr lang="en-US" dirty="0" smtClean="0"/>
+              <a:t>egression</a:t>
+            </a:r>
+            <a:endParaRPr lang="en-US" dirty="0"/>
+          </a:p>
+          <a:p>
+            <a:r>
+              <a:rPr lang="en-US" dirty="0" smtClean="0"/>
+              <a:t>Manipulate the </a:t>
+            </a:r>
+            <a:r>
+              <a:rPr lang="en-US" dirty="0"/>
+              <a:t>values of certain </a:t>
+            </a:r>
+            <a:r>
+              <a:rPr lang="en-US" dirty="0" smtClean="0"/>
+              <a:t>columns</a:t>
+            </a:r>
+            <a:endParaRPr lang="en-US" dirty="0"/>
+          </a:p>
+          <a:p>
+            <a:r>
+              <a:rPr lang="en-US" dirty="0"/>
+              <a:t>Handle missing values </a:t>
+            </a:r>
+            <a:r>
+              <a:rPr lang="en-US" dirty="0" smtClean="0"/>
+              <a:t>(</a:t>
+            </a:r>
+            <a:r>
+              <a:rPr lang="en-US" dirty="0"/>
+              <a:t>Birds, Distance etc.)</a:t>
+            </a:r>
+          </a:p>
+          <a:p>
+            <a:r>
+              <a:rPr lang="en-US" dirty="0"/>
+              <a:t>Convert each column to float and target column to binary</a:t>
+            </a:r>
           </a:p>
         </p:txBody>
       </p:sp>
     </p:spTree>
     <p:extLst>
       <p:ext uri="{BB962C8B-B14F-4D97-AF65-F5344CB8AC3E}">
-        <p14:creationId xmlns:p14="http://schemas.microsoft.com/office/powerpoint/2010/main" val="1252350006"/>
+        <p14:creationId xmlns:p14="http://schemas.microsoft.com/office/powerpoint/2010/main" val="2590410127"/>
       </p:ext>
     </p:extLst>
   </p:cSld>
   <p:clrMapOvr>
     <a:masterClrMapping/>
   </p:clrMapOvr>
+  <p:timing>
+    <p:tnLst>
+      <p:par>
+        <p:cTn id="1" dur="indefinite" restart="never" nodeType="tmRoot"/>
+      </p:par>
+    </p:tnLst>
+  </p:timing>
 </p:sld>
 </file>
 
@@ -6683,7 +14896,7 @@
           <a:p>
             <a:r>
               <a:rPr lang="en-US" dirty="0"/>
-              <a:t>One-Hot Encoding</a:t>
+              <a:t>Removing Columns</a:t>
             </a:r>
           </a:p>
         </p:txBody>
@@ -6700,47 +14913,138 @@
         </p:nvSpPr>
         <p:spPr/>
         <p:txBody>
-          <a:bodyPr/>
+          <a:bodyPr>
+            <a:normAutofit/>
+          </a:bodyPr>
           <a:lstStyle/>
           <a:p>
-            <a:pPr marL="0" indent="0">
+            <a:r>
+              <a:rPr lang="en-US" dirty="0"/>
+              <a:t>Columns that are not going to help in prediction</a:t>
+            </a:r>
+          </a:p>
+          <a:p>
+            <a:pPr marL="457200" lvl="1" indent="0">
               <a:buNone/>
             </a:pPr>
             <a:r>
-              <a:rPr lang="en-US" dirty="0"/>
-              <a:t>Converting columns with categorical feature to work better with Logistic Regression</a:t>
-            </a:r>
-          </a:p>
-          <a:p>
-            <a:r>
-              <a:rPr lang="en-US" dirty="0"/>
-              <a:t>COUNT_TYPE: Categorical column with 20 different values encoded as 20 different columns.</a:t>
-            </a:r>
-          </a:p>
-          <a:p>
-            <a:r>
-              <a:rPr lang="en-US" dirty="0"/>
-              <a:t>TIME: Split into four columns, each represents one 6 hour slot.</a:t>
-            </a:r>
-          </a:p>
-          <a:p>
-            <a:pPr marL="0" indent="0">
+              <a:rPr lang="en-US" sz="1400" dirty="0"/>
+              <a:t>SAMPLING_EVENT_ID </a:t>
+            </a:r>
+            <a:r>
+              <a:rPr lang="en-US" sz="1400" dirty="0" smtClean="0"/>
+              <a:t>		</a:t>
+            </a:r>
+            <a:endParaRPr lang="en-US" sz="1400" dirty="0"/>
+          </a:p>
+          <a:p>
+            <a:pPr marL="457200" lvl="1" indent="0">
               <a:buNone/>
             </a:pPr>
-            <a:endParaRPr lang="en-US" dirty="0"/>
+            <a:r>
+              <a:rPr lang="en-US" sz="1400" dirty="0" smtClean="0"/>
+              <a:t>LOC_ID		</a:t>
+            </a:r>
+          </a:p>
+          <a:p>
+            <a:pPr marL="457200" lvl="1" indent="0">
+              <a:buNone/>
+            </a:pPr>
+            <a:r>
+              <a:rPr lang="en-US" sz="1400" dirty="0"/>
+              <a:t>OBSERVER_ID	</a:t>
+            </a:r>
+            <a:endParaRPr lang="en-US" sz="1400" dirty="0" smtClean="0"/>
+          </a:p>
+          <a:p>
+            <a:pPr marL="457200" lvl="1" indent="0">
+              <a:buNone/>
+            </a:pPr>
+            <a:r>
+              <a:rPr lang="en-US" sz="1400" dirty="0" smtClean="0"/>
+              <a:t>GROUP_ID				</a:t>
+            </a:r>
+            <a:r>
+              <a:rPr lang="en-US" sz="1400" dirty="0" smtClean="0"/>
+              <a:t>							</a:t>
+            </a:r>
+            <a:endParaRPr lang="en-US" sz="1400" dirty="0"/>
+          </a:p>
+          <a:p>
+            <a:pPr marL="457200" lvl="1" indent="0">
+              <a:buNone/>
+            </a:pPr>
+            <a:r>
+              <a:rPr lang="en-US" sz="1400" dirty="0" smtClean="0"/>
+              <a:t>COUNTY</a:t>
+            </a:r>
+            <a:r>
+              <a:rPr lang="en-US" sz="1400" dirty="0"/>
+              <a:t>		</a:t>
+            </a:r>
+            <a:r>
+              <a:rPr lang="en-US" sz="1400" dirty="0" smtClean="0"/>
+              <a:t>	</a:t>
+            </a:r>
+            <a:endParaRPr lang="en-US" sz="1400" dirty="0"/>
+          </a:p>
+          <a:p>
+            <a:pPr marL="457200" lvl="1" indent="0">
+              <a:buNone/>
+            </a:pPr>
+            <a:r>
+              <a:rPr lang="en-US" sz="1400" dirty="0" smtClean="0"/>
+              <a:t>STATE_PROVINCE			</a:t>
+            </a:r>
+            <a:endParaRPr lang="en-US" sz="1400" dirty="0"/>
+          </a:p>
+          <a:p>
+            <a:pPr marL="457200" lvl="1" indent="0">
+              <a:buNone/>
+            </a:pPr>
+            <a:r>
+              <a:rPr lang="en-US" sz="1400" dirty="0" smtClean="0"/>
+              <a:t>COUNTRY</a:t>
+            </a:r>
+            <a:r>
+              <a:rPr lang="en-US" sz="1400" dirty="0"/>
+              <a:t>		</a:t>
+            </a:r>
+            <a:r>
+              <a:rPr lang="en-US" sz="1400" dirty="0" smtClean="0"/>
+              <a:t>			</a:t>
+            </a:r>
+            <a:endParaRPr lang="en-US" sz="1400" dirty="0"/>
+          </a:p>
+          <a:p>
+            <a:pPr marL="457200" lvl="1" indent="0">
+              <a:buNone/>
+            </a:pPr>
+            <a:r>
+              <a:rPr lang="en-US" sz="1400" dirty="0" smtClean="0"/>
+              <a:t>			</a:t>
+            </a:r>
+            <a:endParaRPr lang="en-US" sz="1400" dirty="0"/>
           </a:p>
         </p:txBody>
       </p:sp>
     </p:spTree>
     <p:extLst>
       <p:ext uri="{BB962C8B-B14F-4D97-AF65-F5344CB8AC3E}">
-        <p14:creationId xmlns:p14="http://schemas.microsoft.com/office/powerpoint/2010/main" val="2911416909"/>
+        <p14:creationId xmlns:p14="http://schemas.microsoft.com/office/powerpoint/2010/main" val="1252350006"/>
       </p:ext>
     </p:extLst>
   </p:cSld>
   <p:clrMapOvr>
     <a:masterClrMapping/>
   </p:clrMapOvr>
+  <p:timing>
+    <p:tnLst>
+      <p:par>
+        <p:cTn id="1" dur="indefinite" restart="never" nodeType="tmRoot"/>
+      </p:par>
+    </p:tnLst>
+  </p:timing>
 </p:sld>
 </file>
 
@@ -6778,7 +15082,7 @@
           <a:p>
             <a:r>
               <a:rPr lang="en-US" dirty="0"/>
-              <a:t>Convert Values</a:t>
+              <a:t>Removing Columns</a:t>
             </a:r>
           </a:p>
         </p:txBody>
@@ -6796,63 +15100,93 @@
         <p:spPr/>
         <p:txBody>
           <a:bodyPr>
-            <a:normAutofit fontScale="92500" lnSpcReduction="20000"/>
+            <a:normAutofit/>
           </a:bodyPr>
           <a:lstStyle/>
           <a:p>
+            <a:r>
+              <a:rPr lang="en-US" dirty="0"/>
+              <a:t>Columns that are not going to help in </a:t>
+            </a:r>
+            <a:r>
+              <a:rPr lang="en-US" dirty="0" smtClean="0"/>
+              <a:t>prediction</a:t>
+            </a:r>
+            <a:endParaRPr lang="en-US" dirty="0"/>
+          </a:p>
+          <a:p>
+            <a:pPr marL="457200" lvl="1" indent="0">
+              <a:buNone/>
+            </a:pPr>
+            <a:r>
+              <a:rPr lang="en-US" sz="1400" dirty="0" smtClean="0"/>
+              <a:t>BAILEY_ECOREGION</a:t>
+            </a:r>
+            <a:endParaRPr lang="en-US" sz="1400" dirty="0"/>
+          </a:p>
+          <a:p>
+            <a:pPr marL="457200" lvl="1" indent="0">
+              <a:buNone/>
+            </a:pPr>
+            <a:r>
+              <a:rPr lang="en-US" sz="1400" dirty="0"/>
+              <a:t>OMERNIK_L3_ECOREGION</a:t>
+            </a:r>
+          </a:p>
+          <a:p>
+            <a:pPr marL="457200" lvl="1" indent="0">
+              <a:buNone/>
+            </a:pPr>
+            <a:r>
+              <a:rPr lang="en-US" sz="1400" dirty="0" smtClean="0"/>
+              <a:t>SUBNATIONAL2_CODE</a:t>
+            </a:r>
+          </a:p>
+          <a:p>
+            <a:pPr marL="457200" lvl="1" indent="0">
+              <a:buNone/>
+            </a:pPr>
+            <a:r>
+              <a:rPr lang="en-US" sz="1400" dirty="0" smtClean="0"/>
+              <a:t>DAY</a:t>
+            </a:r>
+            <a:endParaRPr lang="en-US" sz="1400" dirty="0"/>
+          </a:p>
+          <a:p>
+            <a:r>
+              <a:rPr lang="en-US" dirty="0"/>
+              <a:t>Filter rows by </a:t>
+            </a:r>
+            <a:r>
+              <a:rPr lang="en-US" sz="1600" dirty="0"/>
+              <a:t>PRIMARY_CHECKLIST_FLAG</a:t>
+            </a:r>
+          </a:p>
+          <a:p>
             <a:pPr marL="0" indent="0">
               <a:buNone/>
             </a:pPr>
-            <a:r>
-              <a:rPr lang="en-US" dirty="0"/>
-              <a:t>Convert the values and merge certain columns together so Machine Learning library learns better.</a:t>
-            </a:r>
-          </a:p>
-          <a:p>
-            <a:r>
-              <a:rPr lang="en-US" dirty="0"/>
-              <a:t>YEAR: Converted into odd/even</a:t>
-            </a:r>
-          </a:p>
-          <a:p>
-            <a:r>
-              <a:rPr lang="en-US" dirty="0"/>
-              <a:t>LONGITUDE, LATITUDE: Converted into xyz plane</a:t>
-            </a:r>
-          </a:p>
-          <a:p>
-            <a:r>
-              <a:rPr lang="en-US" dirty="0"/>
-              <a:t>ELEV_GT, ELEV_NED: Dropped and replaced with average of the two</a:t>
-            </a:r>
-          </a:p>
-          <a:p>
-            <a:r>
-              <a:rPr lang="en-US" dirty="0"/>
-              <a:t>CAUS_*, CAUS_*_MM: Dropped around 60 columns by replacing CAUS_* values with the value of particular month (MONTH) from CAUS_*_MM</a:t>
-            </a:r>
-          </a:p>
-          <a:p>
-            <a:r>
-              <a:rPr lang="en-US" dirty="0"/>
-              <a:t>NLCD_* - Replace them with corresponding year rather than having all the columns</a:t>
-            </a:r>
-          </a:p>
-          <a:p>
-            <a:endParaRPr lang="en-US" dirty="0"/>
+            <a:endParaRPr lang="en-US" sz="1600" dirty="0"/>
           </a:p>
         </p:txBody>
       </p:sp>
     </p:spTree>
     <p:extLst>
       <p:ext uri="{BB962C8B-B14F-4D97-AF65-F5344CB8AC3E}">
-        <p14:creationId xmlns:p14="http://schemas.microsoft.com/office/powerpoint/2010/main" val="1766623859"/>
+        <p14:creationId xmlns:p14="http://schemas.microsoft.com/office/powerpoint/2010/main" val="2015527540"/>
       </p:ext>
     </p:extLst>
   </p:cSld>
   <p:clrMapOvr>
     <a:masterClrMapping/>
   </p:clrMapOvr>
+  <p:timing>
+    <p:tnLst>
+      <p:par>
+        <p:cTn id="1" dur="indefinite" restart="never" nodeType="tmRoot"/>
+      </p:par>
+    </p:tnLst>
+  </p:timing>
 </p:sld>
 </file>
 
@@ -6890,7 +15224,7 @@
           <a:p>
             <a:r>
               <a:rPr lang="en-US" dirty="0"/>
-              <a:t>Handle Missing Values</a:t>
+              <a:t>One-Hot Encoding</a:t>
             </a:r>
           </a:p>
         </p:txBody>
@@ -6915,57 +15249,70 @@
             </a:pPr>
             <a:r>
               <a:rPr lang="en-US" dirty="0"/>
-              <a:t>Birds </a:t>
+              <a:t>Converting columns with categorical feature to work better with Logistic Regression</a:t>
             </a:r>
           </a:p>
           <a:p>
             <a:r>
               <a:rPr lang="en-US" dirty="0"/>
-              <a:t>? And other values are replaced with 0</a:t>
-            </a:r>
-          </a:p>
-          <a:p>
+              <a:t>COUNT_TYPE: </a:t>
+            </a:r>
+            <a:endParaRPr lang="en-US" dirty="0" smtClean="0"/>
+          </a:p>
+          <a:p>
+            <a:pPr lvl="1"/>
+            <a:r>
+              <a:rPr lang="en-US" dirty="0" smtClean="0"/>
+              <a:t>Categorical </a:t>
+            </a:r>
             <a:r>
               <a:rPr lang="en-US" dirty="0"/>
-              <a:t>x replaced with rand(2, 10)</a:t>
+              <a:t>column with 20 different values encoded as 20 different columns.</a:t>
+            </a:r>
+          </a:p>
+          <a:p>
+            <a:r>
+              <a:rPr lang="en-US" dirty="0"/>
+              <a:t>TIME: </a:t>
+            </a:r>
+            <a:endParaRPr lang="en-US" dirty="0" smtClean="0"/>
+          </a:p>
+          <a:p>
+            <a:pPr lvl="1"/>
+            <a:r>
+              <a:rPr lang="en-US" dirty="0" smtClean="0"/>
+              <a:t>Split </a:t>
+            </a:r>
+            <a:r>
+              <a:rPr lang="en-US" dirty="0"/>
+              <a:t>into four columns, each represents one 6 hour slot.</a:t>
             </a:r>
           </a:p>
           <a:p>
             <a:pPr marL="0" indent="0">
               <a:buNone/>
             </a:pPr>
-            <a:r>
-              <a:rPr lang="en-US" dirty="0"/>
-              <a:t>Others</a:t>
-            </a:r>
-          </a:p>
-          <a:p>
-            <a:r>
-              <a:rPr lang="en-US" dirty="0"/>
-              <a:t>? Replaced with 0</a:t>
-            </a:r>
-          </a:p>
-          <a:p>
-            <a:pPr marL="0" indent="0">
-              <a:buNone/>
-            </a:pPr>
-            <a:r>
-              <a:rPr lang="en-US" dirty="0"/>
-              <a:t>Normalize the values</a:t>
-            </a:r>
+            <a:endParaRPr lang="en-US" dirty="0"/>
           </a:p>
         </p:txBody>
       </p:sp>
     </p:spTree>
     <p:extLst>
       <p:ext uri="{BB962C8B-B14F-4D97-AF65-F5344CB8AC3E}">
-        <p14:creationId xmlns:p14="http://schemas.microsoft.com/office/powerpoint/2010/main" val="165569183"/>
+        <p14:creationId xmlns:p14="http://schemas.microsoft.com/office/powerpoint/2010/main" val="2911416909"/>
       </p:ext>
     </p:extLst>
   </p:cSld>
   <p:clrMapOvr>
     <a:masterClrMapping/>
   </p:clrMapOvr>
+  <p:timing>
+    <p:tnLst>
+      <p:par>
+        <p:cTn id="1" dur="indefinite" restart="never" nodeType="tmRoot"/>
+      </p:par>
+    </p:tnLst>
+  </p:timing>
 </p:sld>
 </file>
 
@@ -7002,9 +15349,10 @@
           <a:lstStyle/>
           <a:p>
             <a:r>
-              <a:rPr lang="en-US" dirty="0"/>
-              <a:t>Correlation/Sampling</a:t>
-            </a:r>
+              <a:rPr lang="en-US" dirty="0" smtClean="0"/>
+              <a:t>Manipulate Column Values</a:t>
+            </a:r>
+            <a:endParaRPr lang="en-US" dirty="0"/>
           </a:p>
         </p:txBody>
       </p:sp>
@@ -7020,9 +15368,89 @@
         </p:nvSpPr>
         <p:spPr/>
         <p:txBody>
-          <a:bodyPr/>
+          <a:bodyPr>
+            <a:normAutofit lnSpcReduction="10000"/>
+          </a:bodyPr>
           <a:lstStyle/>
           <a:p>
+            <a:pPr marL="0" indent="0">
+              <a:buNone/>
+            </a:pPr>
+            <a:r>
+              <a:rPr lang="en-US" dirty="0"/>
+              <a:t>Convert the values and merge certain columns </a:t>
+            </a:r>
+            <a:r>
+              <a:rPr lang="en-US" dirty="0" smtClean="0"/>
+              <a:t>together</a:t>
+            </a:r>
+            <a:endParaRPr lang="en-US" dirty="0"/>
+          </a:p>
+          <a:p>
+            <a:r>
+              <a:rPr lang="en-US" dirty="0"/>
+              <a:t>YEAR: </a:t>
+            </a:r>
+            <a:endParaRPr lang="en-US" dirty="0" smtClean="0"/>
+          </a:p>
+          <a:p>
+            <a:pPr lvl="1"/>
+            <a:r>
+              <a:rPr lang="en-US" dirty="0" smtClean="0"/>
+              <a:t>Converted </a:t>
+            </a:r>
+            <a:r>
+              <a:rPr lang="en-US" dirty="0"/>
+              <a:t>into odd/even</a:t>
+            </a:r>
+          </a:p>
+          <a:p>
+            <a:r>
+              <a:rPr lang="en-US" dirty="0"/>
+              <a:t>LONGITUDE, LATITUDE: </a:t>
+            </a:r>
+            <a:endParaRPr lang="en-US" dirty="0" smtClean="0"/>
+          </a:p>
+          <a:p>
+            <a:pPr lvl="1"/>
+            <a:r>
+              <a:rPr lang="en-US" dirty="0" smtClean="0"/>
+              <a:t>Converted </a:t>
+            </a:r>
+            <a:r>
+              <a:rPr lang="en-US" dirty="0"/>
+              <a:t>into </a:t>
+            </a:r>
+            <a:r>
+              <a:rPr lang="en-US" dirty="0" smtClean="0"/>
+              <a:t>xyz plane</a:t>
+            </a:r>
+            <a:endParaRPr lang="en-US" dirty="0"/>
+          </a:p>
+          <a:p>
+            <a:r>
+              <a:rPr lang="en-US" dirty="0"/>
+              <a:t>ELEV_GT, ELEV_NED</a:t>
+            </a:r>
+            <a:r>
+              <a:rPr lang="en-US" dirty="0" smtClean="0"/>
+              <a:t>:</a:t>
+            </a:r>
+          </a:p>
+          <a:p>
+            <a:pPr lvl="1"/>
+            <a:r>
+              <a:rPr lang="en-US" dirty="0" smtClean="0"/>
+              <a:t>Dropped </a:t>
+            </a:r>
+            <a:r>
+              <a:rPr lang="en-US" dirty="0"/>
+              <a:t>and replaced with average of the </a:t>
+            </a:r>
+            <a:r>
+              <a:rPr lang="en-US" dirty="0" smtClean="0"/>
+              <a:t>two</a:t>
+            </a:r>
             <a:endParaRPr lang="en-US" dirty="0"/>
           </a:p>
         </p:txBody>
@@ -7030,7 +15458,7 @@
     </p:spTree>
     <p:extLst>
       <p:ext uri="{BB962C8B-B14F-4D97-AF65-F5344CB8AC3E}">
-        <p14:creationId xmlns:p14="http://schemas.microsoft.com/office/powerpoint/2010/main" val="2949009029"/>
+        <p14:creationId xmlns:p14="http://schemas.microsoft.com/office/powerpoint/2010/main" val="1766623859"/>
       </p:ext>
     </p:extLst>
   </p:cSld>
@@ -7073,9 +15501,10 @@
           <a:lstStyle/>
           <a:p>
             <a:r>
-              <a:rPr lang="en-US" dirty="0"/>
-              <a:t>2. Model Training</a:t>
-            </a:r>
+              <a:rPr lang="en-US" dirty="0" smtClean="0"/>
+              <a:t>Manipulate Column Values</a:t>
+            </a:r>
+            <a:endParaRPr lang="en-US" dirty="0"/>
           </a:p>
         </p:txBody>
       </p:sp>
@@ -7091,10 +15520,47 @@
         </p:nvSpPr>
         <p:spPr/>
         <p:txBody>
-          <a:bodyPr/>
+          <a:bodyPr>
+            <a:normAutofit/>
+          </a:bodyPr>
           <a:lstStyle/>
           <a:p>
-            <a:endParaRPr lang="en-US" dirty="0"/>
+            <a:r>
+              <a:rPr lang="en-US" dirty="0" smtClean="0"/>
+              <a:t>CAUS_*, CAUS_*_MM: </a:t>
+            </a:r>
+          </a:p>
+          <a:p>
+            <a:pPr lvl="1"/>
+            <a:r>
+              <a:rPr lang="en-US" dirty="0" smtClean="0"/>
+              <a:t>Dropped </a:t>
+            </a:r>
+            <a:r>
+              <a:rPr lang="en-US" dirty="0"/>
+              <a:t>around 60 columns by replacing CAUS_* values with the value of particular month (MONTH) from CAUS_*_MM</a:t>
+            </a:r>
+          </a:p>
+          <a:p>
+            <a:r>
+              <a:rPr lang="en-US" dirty="0"/>
+              <a:t>NLCD</a:t>
+            </a:r>
+            <a:r>
+              <a:rPr lang="en-US" dirty="0" smtClean="0"/>
+              <a:t>_*:</a:t>
+            </a:r>
+          </a:p>
+          <a:p>
+            <a:pPr lvl="1"/>
+            <a:r>
+              <a:rPr lang="en-US" dirty="0" smtClean="0"/>
+              <a:t>Replace </a:t>
+            </a:r>
+            <a:r>
+              <a:rPr lang="en-US" dirty="0"/>
+              <a:t>them with corresponding year rather than having all the columns</a:t>
+            </a:r>
           </a:p>
           <a:p>
             <a:endParaRPr lang="en-US" dirty="0"/>
@@ -7104,7 +15570,7 @@
     </p:spTree>
     <p:extLst>
       <p:ext uri="{BB962C8B-B14F-4D97-AF65-F5344CB8AC3E}">
-        <p14:creationId xmlns:p14="http://schemas.microsoft.com/office/powerpoint/2010/main" val="1003227801"/>
+        <p14:creationId xmlns:p14="http://schemas.microsoft.com/office/powerpoint/2010/main" val="1991653379"/>
       </p:ext>
     </p:extLst>
   </p:cSld>
@@ -7345,4 +15811,265 @@
     </a:ext>
   </a:extLst>
 </a:theme>
+</file>
+
+<file path=ppt/theme/theme2.xml><?xml version="1.0" encoding="utf-8"?>
+<a:theme xmlns:a="http://schemas.openxmlformats.org/drawingml/2006/main" name="Office Theme">
+  <a:themeElements>
+    <a:clrScheme name="Office">
+      <a:dk1>
+        <a:sysClr val="windowText" lastClr="000000"/>
+      </a:dk1>
+      <a:lt1>
+        <a:sysClr val="window" lastClr="FFFFFF"/>
+      </a:lt1>
+      <a:dk2>
+        <a:srgbClr val="44546A"/>
+      </a:dk2>
+      <a:lt2>
+        <a:srgbClr val="E7E6E6"/>
+      </a:lt2>
+      <a:accent1>
+        <a:srgbClr val="4472C4"/>
+      </a:accent1>
+      <a:accent2>
+        <a:srgbClr val="ED7D31"/>
+      </a:accent2>
+      <a:accent3>
+        <a:srgbClr val="A5A5A5"/>
+      </a:accent3>
+      <a:accent4>
+        <a:srgbClr val="FFC000"/>
+      </a:accent4>
+      <a:accent5>
+        <a:srgbClr val="5B9BD5"/>
+      </a:accent5>
+      <a:accent6>
+        <a:srgbClr val="70AD47"/>
+      </a:accent6>
+      <a:hlink>
+        <a:srgbClr val="0563C1"/>
+      </a:hlink>
+      <a:folHlink>
+        <a:srgbClr val="954F72"/>
+      </a:folHlink>
+    </a:clrScheme>
+    <a:fontScheme name="Office">
+      <a:majorFont>
+        <a:latin typeface="Calibri Light" panose="020F0302020204030204"/>
+        <a:ea typeface=""/>
+        <a:cs typeface=""/>
+        <a:font script="Jpan" typeface="Yu Gothic Light"/>
+        <a:font script="Hang" typeface="맑은 고딕"/>
+        <a:font script="Hans" typeface="DengXian Light"/>
+        <a:font script="Hant" typeface="新細明體"/>
+        <a:font script="Arab" typeface="Times New Roman"/>
+        <a:font script="Hebr" typeface="Times New Roman"/>
+        <a:font script="Thai" typeface="Angsana New"/>
+        <a:font script="Ethi" typeface="Nyala"/>
+        <a:font script="Beng" typeface="Vrinda"/>
+        <a:font script="Gujr" typeface="Shruti"/>
+        <a:font script="Khmr" typeface="MoolBoran"/>
+        <a:font script="Knda" typeface="Tunga"/>
+        <a:font script="Guru" typeface="Raavi"/>
+        <a:font script="Cans" typeface="Euphemia"/>
+        <a:font script="Cher" typeface="Plantagenet Cherokee"/>
+        <a:font script="Yiii" typeface="Microsoft Yi Baiti"/>
+        <a:font script="Tibt" typeface="Microsoft Himalaya"/>
+        <a:font script="Thaa" typeface="MV Boli"/>
+        <a:font script="Deva" typeface="Mangal"/>
+        <a:font script="Telu" typeface="Gautami"/>
+        <a:font script="Taml" typeface="Latha"/>
+        <a:font script="Syrc" typeface="Estrangelo Edessa"/>
+        <a:font script="Orya" typeface="Kalinga"/>
+        <a:font script="Mlym" typeface="Kartika"/>
+        <a:font script="Laoo" typeface="DokChampa"/>
+        <a:font script="Sinh" typeface="Iskoola Pota"/>
+        <a:font script="Mong" typeface="Mongolian Baiti"/>
+        <a:font script="Viet" typeface="Times New Roman"/>
+        <a:font script="Uigh" typeface="Microsoft Uighur"/>
+        <a:font script="Geor" typeface="Sylfaen"/>
+      </a:majorFont>
+      <a:minorFont>
+        <a:latin typeface="Calibri" panose="020F0502020204030204"/>
+        <a:ea typeface=""/>
+        <a:cs typeface=""/>
+        <a:font script="Jpan" typeface="Yu Gothic"/>
+        <a:font script="Hang" typeface="맑은 고딕"/>
+        <a:font script="Hans" typeface="DengXian"/>
+        <a:font script="Hant" typeface="新細明體"/>
+        <a:font script="Arab" typeface="Arial"/>
+        <a:font script="Hebr" typeface="Arial"/>
+        <a:font script="Thai" typeface="Cordia New"/>
+        <a:font script="Ethi" typeface="Nyala"/>
+        <a:font script="Beng" typeface="Vrinda"/>
+        <a:font script="Gujr" typeface="Shruti"/>
+        <a:font script="Khmr" typeface="DaunPenh"/>
+        <a:font script="Knda" typeface="Tunga"/>
+        <a:font script="Guru" typeface="Raavi"/>
+        <a:font script="Cans" typeface="Euphemia"/>
+        <a:font script="Cher" typeface="Plantagenet Cherokee"/>
+        <a:font script="Yiii" typeface="Microsoft Yi Baiti"/>
+        <a:font script="Tibt" typeface="Microsoft Himalaya"/>
+        <a:font script="Thaa" typeface="MV Boli"/>
+        <a:font script="Deva" typeface="Mangal"/>
+        <a:font script="Telu" typeface="Gautami"/>
+        <a:font script="Taml" typeface="Latha"/>
+        <a:font script="Syrc" typeface="Estrangelo Edessa"/>
+        <a:font script="Orya" typeface="Kalinga"/>
+        <a:font script="Mlym" typeface="Kartika"/>
+        <a:font script="Laoo" typeface="DokChampa"/>
+        <a:font script="Sinh" typeface="Iskoola Pota"/>
+        <a:font script="Mong" typeface="Mongolian Baiti"/>
+        <a:font script="Viet" typeface="Arial"/>
+        <a:font script="Uigh" typeface="Microsoft Uighur"/>
+        <a:font script="Geor" typeface="Sylfaen"/>
+      </a:minorFont>
+    </a:fontScheme>
+    <a:fmtScheme name="Office">
+      <a:fillStyleLst>
+        <a:solidFill>
+          <a:schemeClr val="phClr"/>
+        </a:solidFill>
+        <a:gradFill rotWithShape="1">
+          <a:gsLst>
+            <a:gs pos="0">
+              <a:schemeClr val="phClr">
+                <a:lumMod val="110000"/>
+                <a:satMod val="105000"/>
+                <a:tint val="67000"/>
+              </a:schemeClr>
+            </a:gs>
+            <a:gs pos="50000">
+              <a:schemeClr val="phClr">
+                <a:lumMod val="105000"/>
+                <a:satMod val="103000"/>
+                <a:tint val="73000"/>
+              </a:schemeClr>
+            </a:gs>
+            <a:gs pos="100000">
+              <a:schemeClr val="phClr">
+                <a:lumMod val="105000"/>
+                <a:satMod val="109000"/>
+                <a:tint val="81000"/>
+              </a:schemeClr>
+            </a:gs>
+          </a:gsLst>
+          <a:lin ang="5400000" scaled="0"/>
+        </a:gradFill>
+        <a:gradFill rotWithShape="1">
+          <a:gsLst>
+            <a:gs pos="0">
+              <a:schemeClr val="phClr">
+                <a:satMod val="103000"/>
+                <a:lumMod val="102000"/>
+                <a:tint val="94000"/>
+              </a:schemeClr>
+            </a:gs>
+            <a:gs pos="50000">
+              <a:schemeClr val="phClr">
+                <a:satMod val="110000"/>
+                <a:lumMod val="100000"/>
+                <a:shade val="100000"/>
+              </a:schemeClr>
+            </a:gs>
+            <a:gs pos="100000">
+              <a:schemeClr val="phClr">
+                <a:lumMod val="99000"/>
+                <a:satMod val="120000"/>
+                <a:shade val="78000"/>
+              </a:schemeClr>
+            </a:gs>
+          </a:gsLst>
+          <a:lin ang="5400000" scaled="0"/>
+        </a:gradFill>
+      </a:fillStyleLst>
+      <a:lnStyleLst>
+        <a:ln w="6350" cap="flat" cmpd="sng" algn="ctr">
+          <a:solidFill>
+            <a:schemeClr val="phClr"/>
+          </a:solidFill>
+          <a:prstDash val="solid"/>
+          <a:miter lim="800000"/>
+        </a:ln>
+        <a:ln w="12700" cap="flat" cmpd="sng" algn="ctr">
+          <a:solidFill>
+            <a:schemeClr val="phClr"/>
+          </a:solidFill>
+          <a:prstDash val="solid"/>
+          <a:miter lim="800000"/>
+        </a:ln>
+        <a:ln w="19050" cap="flat" cmpd="sng" algn="ctr">
+          <a:solidFill>
+            <a:schemeClr val="phClr"/>
+          </a:solidFill>
+          <a:prstDash val="solid"/>
+          <a:miter lim="800000"/>
+        </a:ln>
+      </a:lnStyleLst>
+      <a:effectStyleLst>
+        <a:effectStyle>
+          <a:effectLst/>
+        </a:effectStyle>
+        <a:effectStyle>
+          <a:effectLst/>
+        </a:effectStyle>
+        <a:effectStyle>
+          <a:effectLst>
+            <a:outerShdw blurRad="57150" dist="19050" dir="5400000" algn="ctr" rotWithShape="0">
+              <a:srgbClr val="000000">
+                <a:alpha val="63000"/>
+              </a:srgbClr>
+            </a:outerShdw>
+          </a:effectLst>
+        </a:effectStyle>
+      </a:effectStyleLst>
+      <a:bgFillStyleLst>
+        <a:solidFill>
+          <a:schemeClr val="phClr"/>
+        </a:solidFill>
+        <a:solidFill>
+          <a:schemeClr val="phClr">
+            <a:tint val="95000"/>
+            <a:satMod val="170000"/>
+          </a:schemeClr>
+        </a:solidFill>
+        <a:gradFill rotWithShape="1">
+          <a:gsLst>
+            <a:gs pos="0">
+              <a:schemeClr val="phClr">
+                <a:tint val="93000"/>
+                <a:satMod val="150000"/>
+                <a:shade val="98000"/>
+                <a:lumMod val="102000"/>
+              </a:schemeClr>
+            </a:gs>
+            <a:gs pos="50000">
+              <a:schemeClr val="phClr">
+                <a:tint val="98000"/>
+                <a:satMod val="130000"/>
+                <a:shade val="90000"/>
+                <a:lumMod val="103000"/>
+              </a:schemeClr>
+            </a:gs>
+            <a:gs pos="100000">
+              <a:schemeClr val="phClr">
+                <a:shade val="63000"/>
+                <a:satMod val="120000"/>
+              </a:schemeClr>
+            </a:gs>
+          </a:gsLst>
+          <a:lin ang="5400000" scaled="0"/>
+        </a:gradFill>
+      </a:bgFillStyleLst>
+    </a:fmtScheme>
+  </a:themeElements>
+  <a:objectDefaults/>
+  <a:extraClrSchemeLst/>
+  <a:extLst>
+    <a:ext uri="{05A4C25C-085E-4340-85A3-A5531E510DB2}">
+      <thm15:themeFamily xmlns:thm15="http://schemas.microsoft.com/office/thememl/2012/main" name="Office Theme" id="{62F939B6-93AF-4DB8-9C6B-D6C7DFDC589F}" vid="{4A3C46E8-61CC-4603-A589-7422A47A8E4A}"/>
+    </a:ext>
+  </a:extLst>
+</a:theme>
 </file>